--- a/SSOPresentation/IAM_SSO.pptx
+++ b/SSOPresentation/IAM_SSO.pptx
@@ -123,6 +123,22 @@
       </a:defRPr>
     </a:lvl9pPr>
   </p:defaultTextStyle>
+  <p:extLst>
+    <p:ext uri="{EFAFB233-063F-42B5-8137-9DF3F51BA10A}">
+      <p15:sldGuideLst xmlns:p15="http://schemas.microsoft.com/office/powerpoint/2012/main" xmlns="">
+        <p15:guide id="1" orient="horz" pos="2160">
+          <p15:clr>
+            <a:srgbClr val="A4A3A4"/>
+          </p15:clr>
+        </p15:guide>
+        <p15:guide id="2" pos="2880">
+          <p15:clr>
+            <a:srgbClr val="A4A3A4"/>
+          </p15:clr>
+        </p15:guide>
+      </p15:sldGuideLst>
+    </p:ext>
+  </p:extLst>
 </p:presentation>
 </file>
 
@@ -374,7 +390,7 @@
           <a:p>
             <a:fld id="{8AE6C55E-4143-49FB-A6C2-6171CD6B66E5}" type="datetimeFigureOut">
               <a:rPr lang="en-US" smtClean="0"/>
-              <a:t>10/22/2015</a:t>
+              <a:t>10/23/2015</a:t>
             </a:fld>
             <a:endParaRPr lang="en-US"/>
           </a:p>
@@ -597,7 +613,7 @@
           <a:p>
             <a:fld id="{8AE6C55E-4143-49FB-A6C2-6171CD6B66E5}" type="datetimeFigureOut">
               <a:rPr lang="en-US" smtClean="0"/>
-              <a:t>10/22/2015</a:t>
+              <a:t>10/23/2015</a:t>
             </a:fld>
             <a:endParaRPr lang="en-US"/>
           </a:p>
@@ -877,7 +893,7 @@
           <a:p>
             <a:fld id="{8AE6C55E-4143-49FB-A6C2-6171CD6B66E5}" type="datetimeFigureOut">
               <a:rPr lang="en-US" smtClean="0"/>
-              <a:t>10/22/2015</a:t>
+              <a:t>10/23/2015</a:t>
             </a:fld>
             <a:endParaRPr lang="en-US"/>
           </a:p>
@@ -1056,7 +1072,7 @@
           <a:p>
             <a:fld id="{8AE6C55E-4143-49FB-A6C2-6171CD6B66E5}" type="datetimeFigureOut">
               <a:rPr lang="en-US" smtClean="0"/>
-              <a:t>10/22/2015</a:t>
+              <a:t>10/23/2015</a:t>
             </a:fld>
             <a:endParaRPr lang="en-US"/>
           </a:p>
@@ -1414,7 +1430,7 @@
           <a:p>
             <a:fld id="{8AE6C55E-4143-49FB-A6C2-6171CD6B66E5}" type="datetimeFigureOut">
               <a:rPr lang="en-US" smtClean="0"/>
-              <a:t>10/22/2015</a:t>
+              <a:t>10/23/2015</a:t>
             </a:fld>
             <a:endParaRPr lang="en-US"/>
           </a:p>
@@ -1701,7 +1717,7 @@
           <a:p>
             <a:fld id="{8AE6C55E-4143-49FB-A6C2-6171CD6B66E5}" type="datetimeFigureOut">
               <a:rPr lang="en-US" smtClean="0"/>
-              <a:t>10/22/2015</a:t>
+              <a:t>10/23/2015</a:t>
             </a:fld>
             <a:endParaRPr lang="en-US"/>
           </a:p>
@@ -2123,7 +2139,7 @@
           <a:p>
             <a:fld id="{8AE6C55E-4143-49FB-A6C2-6171CD6B66E5}" type="datetimeFigureOut">
               <a:rPr lang="en-US" smtClean="0"/>
-              <a:t>10/22/2015</a:t>
+              <a:t>10/23/2015</a:t>
             </a:fld>
             <a:endParaRPr lang="en-US"/>
           </a:p>
@@ -2238,7 +2254,7 @@
           <a:p>
             <a:fld id="{8AE6C55E-4143-49FB-A6C2-6171CD6B66E5}" type="datetimeFigureOut">
               <a:rPr lang="en-US" smtClean="0"/>
-              <a:t>10/22/2015</a:t>
+              <a:t>10/23/2015</a:t>
             </a:fld>
             <a:endParaRPr lang="en-US"/>
           </a:p>
@@ -2328,7 +2344,7 @@
           <a:p>
             <a:fld id="{8AE6C55E-4143-49FB-A6C2-6171CD6B66E5}" type="datetimeFigureOut">
               <a:rPr lang="en-US" smtClean="0"/>
-              <a:t>10/22/2015</a:t>
+              <a:t>10/23/2015</a:t>
             </a:fld>
             <a:endParaRPr lang="en-US"/>
           </a:p>
@@ -2606,7 +2622,7 @@
           <a:p>
             <a:fld id="{8AE6C55E-4143-49FB-A6C2-6171CD6B66E5}" type="datetimeFigureOut">
               <a:rPr lang="en-US" smtClean="0"/>
-              <a:t>10/22/2015</a:t>
+              <a:t>10/23/2015</a:t>
             </a:fld>
             <a:endParaRPr lang="en-US"/>
           </a:p>
@@ -2972,7 +2988,7 @@
           <a:p>
             <a:fld id="{8AE6C55E-4143-49FB-A6C2-6171CD6B66E5}" type="datetimeFigureOut">
               <a:rPr lang="en-US" smtClean="0"/>
-              <a:t>10/22/2015</a:t>
+              <a:t>10/23/2015</a:t>
             </a:fld>
             <a:endParaRPr lang="en-US"/>
           </a:p>
@@ -3409,7 +3425,7 @@
           <a:p>
             <a:fld id="{8AE6C55E-4143-49FB-A6C2-6171CD6B66E5}" type="datetimeFigureOut">
               <a:rPr lang="en-US" smtClean="0"/>
-              <a:t>10/22/2015</a:t>
+              <a:t>10/23/2015</a:t>
             </a:fld>
             <a:endParaRPr lang="en-US"/>
           </a:p>
@@ -4917,32 +4933,35 @@
           </a:p>
         </p:txBody>
       </p:sp>
-      <p:sp>
-        <p:nvSpPr>
-          <p:cNvPr id="3" name="Content Placeholder 2"/>
-          <p:cNvSpPr>
-            <a:spLocks noGrp="1"/>
-          </p:cNvSpPr>
+      <p:pic>
+        <p:nvPicPr>
+          <p:cNvPr id="5" name="Content Placeholder 4"/>
+          <p:cNvPicPr>
+            <a:picLocks noGrp="1" noChangeAspect="1"/>
+          </p:cNvPicPr>
           <p:nvPr>
             <p:ph idx="1"/>
           </p:nvPr>
-        </p:nvSpPr>
-        <p:spPr/>
-        <p:txBody>
-          <a:bodyPr/>
-          <a:lstStyle/>
-          <a:p>
-            <a:r>
-              <a:rPr lang="en-US" dirty="0" err="1" smtClean="0"/>
-              <a:t>Licecap</a:t>
-            </a:r>
-            <a:r>
-              <a:rPr lang="en-US" dirty="0" smtClean="0"/>
-              <a:t> capture of MVC (server-side) app</a:t>
-            </a:r>
-          </a:p>
-        </p:txBody>
-      </p:sp>
+        </p:nvPicPr>
+        <p:blipFill>
+          <a:blip r:embed="rId2">
+            <a:extLst>
+              <a:ext uri="{28A0092B-C50C-407E-A947-70E740481C1C}">
+                <a14:useLocalDpi xmlns:a14="http://schemas.microsoft.com/office/drawing/2010/main" val="0"/>
+              </a:ext>
+            </a:extLst>
+          </a:blip>
+          <a:stretch>
+            <a:fillRect/>
+          </a:stretch>
+        </p:blipFill>
+        <p:spPr>
+          <a:xfrm>
+            <a:off x="528576" y="1774825"/>
+            <a:ext cx="8086847" cy="4625975"/>
+          </a:xfrm>
+        </p:spPr>
+      </p:pic>
     </p:spTree>
     <p:extLst>
       <p:ext uri="{BB962C8B-B14F-4D97-AF65-F5344CB8AC3E}">
@@ -5005,40 +5024,35 @@
           </a:p>
         </p:txBody>
       </p:sp>
-      <p:sp>
-        <p:nvSpPr>
-          <p:cNvPr id="3" name="Content Placeholder 2"/>
-          <p:cNvSpPr>
-            <a:spLocks noGrp="1"/>
-          </p:cNvSpPr>
+      <p:pic>
+        <p:nvPicPr>
+          <p:cNvPr id="5" name="Content Placeholder 4"/>
+          <p:cNvPicPr>
+            <a:picLocks noGrp="1" noChangeAspect="1"/>
+          </p:cNvPicPr>
           <p:nvPr>
             <p:ph idx="1"/>
           </p:nvPr>
-        </p:nvSpPr>
-        <p:spPr/>
-        <p:txBody>
-          <a:bodyPr/>
-          <a:lstStyle/>
-          <a:p>
-            <a:r>
-              <a:rPr lang="en-US" dirty="0" err="1" smtClean="0"/>
-              <a:t>Licecap</a:t>
-            </a:r>
-            <a:r>
-              <a:rPr lang="en-US" dirty="0" smtClean="0"/>
-              <a:t> capture of </a:t>
-            </a:r>
-            <a:r>
-              <a:rPr lang="en-US" dirty="0" err="1" smtClean="0"/>
-              <a:t>ExtJS</a:t>
-            </a:r>
-            <a:r>
-              <a:rPr lang="en-US" dirty="0" smtClean="0"/>
-              <a:t> (client-side) app</a:t>
-            </a:r>
-          </a:p>
-        </p:txBody>
-      </p:sp>
+        </p:nvPicPr>
+        <p:blipFill>
+          <a:blip r:embed="rId2">
+            <a:extLst>
+              <a:ext uri="{28A0092B-C50C-407E-A947-70E740481C1C}">
+                <a14:useLocalDpi xmlns:a14="http://schemas.microsoft.com/office/drawing/2010/main" val="0"/>
+              </a:ext>
+            </a:extLst>
+          </a:blip>
+          <a:stretch>
+            <a:fillRect/>
+          </a:stretch>
+        </p:blipFill>
+        <p:spPr>
+          <a:xfrm>
+            <a:off x="457200" y="1882934"/>
+            <a:ext cx="8229600" cy="4409757"/>
+          </a:xfrm>
+        </p:spPr>
+      </p:pic>
     </p:spTree>
     <p:extLst>
       <p:ext uri="{BB962C8B-B14F-4D97-AF65-F5344CB8AC3E}">
@@ -5340,7 +5354,7 @@
         <p:spPr/>
         <p:txBody>
           <a:bodyPr>
-            <a:normAutofit lnSpcReduction="10000"/>
+            <a:normAutofit/>
           </a:bodyPr>
           <a:lstStyle/>
           <a:p>
@@ -5359,13 +5373,8 @@
           <a:p>
             <a:r>
               <a:rPr lang="en-US" dirty="0" smtClean="0"/>
-              <a:t>Sunil </a:t>
-            </a:r>
-            <a:r>
-              <a:rPr lang="en-US" dirty="0" err="1" smtClean="0"/>
-              <a:t>Ayyappankuty</a:t>
-            </a:r>
-            <a:endParaRPr lang="en-US" dirty="0" smtClean="0"/>
+              <a:t>Sunil Ayyappankutty</a:t>
+            </a:r>
           </a:p>
           <a:p>
             <a:pPr lvl="1"/>
@@ -5373,6 +5382,22 @@
               <a:rPr lang="en-US" dirty="0" smtClean="0"/>
               <a:t>LinkedIn: </a:t>
             </a:r>
+            <a:r>
+              <a:rPr lang="en-US" dirty="0">
+                <a:hlinkClick r:id="rId2"/>
+              </a:rPr>
+              <a:t>https://</a:t>
+            </a:r>
+            <a:r>
+              <a:rPr lang="en-US" dirty="0" smtClean="0">
+                <a:hlinkClick r:id="rId2"/>
+              </a:rPr>
+              <a:t>www.linkedin.com/in/sunilkutty</a:t>
+            </a:r>
+            <a:r>
+              <a:rPr lang="en-US" dirty="0" smtClean="0"/>
+              <a:t> </a:t>
+            </a:r>
           </a:p>
           <a:p>
             <a:r>
@@ -5384,8 +5409,17 @@
             <a:pPr lvl="1"/>
             <a:r>
               <a:rPr lang="en-US" dirty="0" smtClean="0"/>
-              <a:t>LinkedIn:</a:t>
-            </a:r>
+              <a:t>LinkedIn</a:t>
+            </a:r>
+            <a:r>
+              <a:rPr lang="en-US" dirty="0" smtClean="0"/>
+              <a:t>: </a:t>
+            </a:r>
+            <a:r>
+              <a:rPr lang="en-US" sz="2000" dirty="0"/>
+              <a:t>https://www.linkedin.com/in/anibalvelarde</a:t>
+            </a:r>
+            <a:endParaRPr lang="en-US" sz="2000" dirty="0" smtClean="0"/>
           </a:p>
           <a:p>
             <a:r>
@@ -5396,25 +5430,18 @@
           <a:p>
             <a:pPr lvl="1"/>
             <a:r>
-              <a:rPr lang="en-US" dirty="0" err="1" smtClean="0"/>
-              <a:t>SlideShare</a:t>
-            </a:r>
-            <a:r>
-              <a:rPr lang="en-US" dirty="0" smtClean="0"/>
-              <a:t>: &lt;URL&gt;</a:t>
-            </a:r>
-          </a:p>
-          <a:p>
-            <a:pPr lvl="1"/>
-            <a:r>
-              <a:rPr lang="en-US" dirty="0" err="1" smtClean="0"/>
+              <a:rPr lang="en-US" smtClean="0"/>
               <a:t>GitHub</a:t>
             </a:r>
             <a:r>
               <a:rPr lang="en-US" dirty="0" smtClean="0"/>
-              <a:t>: &lt;URL&gt;</a:t>
-            </a:r>
-            <a:endParaRPr lang="en-US" dirty="0"/>
+              <a:t>: </a:t>
+            </a:r>
+            <a:r>
+              <a:rPr lang="en-US" sz="2400" dirty="0"/>
+              <a:t>https://github.com/anibalvelarde/SSOExample</a:t>
+            </a:r>
+            <a:endParaRPr lang="en-US" sz="2400" dirty="0"/>
           </a:p>
         </p:txBody>
       </p:sp>

--- a/SSOPresentation/IAM_SSO.pptx
+++ b/SSOPresentation/IAM_SSO.pptx
@@ -125,7 +125,7 @@
   </p:defaultTextStyle>
   <p:extLst>
     <p:ext uri="{EFAFB233-063F-42B5-8137-9DF3F51BA10A}">
-      <p15:sldGuideLst xmlns:p15="http://schemas.microsoft.com/office/powerpoint/2012/main" xmlns="">
+      <p15:sldGuideLst xmlns="" xmlns:p15="http://schemas.microsoft.com/office/powerpoint/2012/main">
         <p15:guide id="1" orient="horz" pos="2160">
           <p15:clr>
             <a:srgbClr val="A4A3A4"/>
@@ -4330,118 +4330,60 @@
           </a:p>
         </p:txBody>
       </p:sp>
-      <p:sp>
-        <p:nvSpPr>
-          <p:cNvPr id="3" name="Content Placeholder 2"/>
-          <p:cNvSpPr>
-            <a:spLocks noGrp="1"/>
-          </p:cNvSpPr>
-          <p:nvPr>
-            <p:ph idx="1"/>
-          </p:nvPr>
-        </p:nvSpPr>
-        <p:spPr/>
-        <p:txBody>
-          <a:bodyPr>
-            <a:normAutofit fontScale="85000" lnSpcReduction="20000"/>
-          </a:bodyPr>
-          <a:lstStyle/>
-          <a:p>
-            <a:r>
-              <a:rPr lang="en-US" dirty="0"/>
-              <a:t>Need a high-level picture of the environment that shows</a:t>
-            </a:r>
-          </a:p>
-          <a:p>
-            <a:pPr lvl="1"/>
-            <a:r>
-              <a:rPr lang="en-US" dirty="0"/>
-              <a:t>DMZ</a:t>
-            </a:r>
-          </a:p>
-          <a:p>
-            <a:pPr lvl="2"/>
-            <a:r>
-              <a:rPr lang="en-US" dirty="0"/>
-              <a:t>Reverse Proxy</a:t>
-            </a:r>
-          </a:p>
-          <a:p>
-            <a:pPr lvl="2"/>
-            <a:r>
-              <a:rPr lang="en-US" dirty="0" err="1"/>
-              <a:t>Oauth</a:t>
-            </a:r>
-            <a:r>
-              <a:rPr lang="en-US" dirty="0"/>
-              <a:t> (claim / assertion augmentation)</a:t>
-            </a:r>
-          </a:p>
-          <a:p>
-            <a:pPr lvl="2"/>
-            <a:r>
-              <a:rPr lang="en-US" dirty="0"/>
-              <a:t>External Web Apps</a:t>
-            </a:r>
-          </a:p>
-          <a:p>
-            <a:pPr lvl="2"/>
-            <a:r>
-              <a:rPr lang="en-US" dirty="0"/>
-              <a:t>ADFS (claim / assertion augmentation)</a:t>
-            </a:r>
-          </a:p>
-          <a:p>
-            <a:pPr lvl="2"/>
-            <a:r>
-              <a:rPr lang="en-US" dirty="0"/>
-              <a:t>External AD</a:t>
-            </a:r>
-          </a:p>
-          <a:p>
-            <a:pPr lvl="1"/>
-            <a:r>
-              <a:rPr lang="en-US" dirty="0"/>
-              <a:t>Back-End</a:t>
-            </a:r>
-          </a:p>
-          <a:p>
-            <a:pPr lvl="2"/>
-            <a:r>
-              <a:rPr lang="en-US" dirty="0"/>
-              <a:t>Internal Web Apps</a:t>
-            </a:r>
-          </a:p>
-          <a:p>
-            <a:pPr lvl="2"/>
-            <a:r>
-              <a:rPr lang="en-US" dirty="0"/>
-              <a:t>App Server</a:t>
-            </a:r>
-          </a:p>
-          <a:p>
-            <a:pPr lvl="2"/>
-            <a:r>
-              <a:rPr lang="en-US" dirty="0"/>
-              <a:t>Database</a:t>
-            </a:r>
-          </a:p>
-          <a:p>
-            <a:pPr lvl="2"/>
-            <a:r>
-              <a:rPr lang="en-US" dirty="0"/>
-              <a:t>ADFS (claim/assertion augmentation)</a:t>
-            </a:r>
-          </a:p>
-          <a:p>
-            <a:pPr lvl="2"/>
-            <a:r>
-              <a:rPr lang="en-US" dirty="0"/>
-              <a:t>Internal AD</a:t>
-            </a:r>
-          </a:p>
-        </p:txBody>
-      </p:sp>
+      <p:pic>
+        <p:nvPicPr>
+          <p:cNvPr id="1026" name="Picture 2"/>
+          <p:cNvPicPr>
+            <a:picLocks noChangeAspect="1" noChangeArrowheads="1"/>
+          </p:cNvPicPr>
+          <p:nvPr/>
+        </p:nvPicPr>
+        <p:blipFill>
+          <a:blip r:embed="rId2">
+            <a:extLst>
+              <a:ext uri="{28A0092B-C50C-407E-A947-70E740481C1C}">
+                <a14:useLocalDpi xmlns:a14="http://schemas.microsoft.com/office/drawing/2010/main" val="0"/>
+              </a:ext>
+            </a:extLst>
+          </a:blip>
+          <a:srcRect/>
+          <a:stretch>
+            <a:fillRect/>
+          </a:stretch>
+        </p:blipFill>
+        <p:spPr bwMode="auto">
+          <a:xfrm>
+            <a:off x="685800" y="1498984"/>
+            <a:ext cx="7933870" cy="5251065"/>
+          </a:xfrm>
+          <a:prstGeom prst="rect">
+            <a:avLst/>
+          </a:prstGeom>
+          <a:noFill/>
+          <a:ln>
+            <a:noFill/>
+          </a:ln>
+          <a:extLst>
+            <a:ext uri="{909E8E84-426E-40DD-AFC4-6F175D3DCCD1}">
+              <a14:hiddenFill xmlns:a14="http://schemas.microsoft.com/office/drawing/2010/main">
+                <a:solidFill>
+                  <a:schemeClr val="accent1"/>
+                </a:solidFill>
+              </a14:hiddenFill>
+            </a:ext>
+            <a:ext uri="{91240B29-F687-4F45-9708-019B960494DF}">
+              <a14:hiddenLine xmlns:a14="http://schemas.microsoft.com/office/drawing/2010/main" w="9525">
+                <a:solidFill>
+                  <a:schemeClr val="tx1"/>
+                </a:solidFill>
+                <a:miter lim="800000"/>
+                <a:headEnd/>
+                <a:tailEnd/>
+              </a14:hiddenLine>
+            </a:ext>
+          </a:extLst>
+        </p:spPr>
+      </p:pic>
     </p:spTree>
     <p:extLst>
       <p:ext uri="{BB962C8B-B14F-4D97-AF65-F5344CB8AC3E}">
@@ -4750,127 +4692,60 @@
           </a:p>
         </p:txBody>
       </p:sp>
-      <p:sp>
-        <p:nvSpPr>
-          <p:cNvPr id="3" name="Content Placeholder 2"/>
-          <p:cNvSpPr>
-            <a:spLocks noGrp="1"/>
-          </p:cNvSpPr>
-          <p:nvPr>
-            <p:ph idx="1"/>
-          </p:nvPr>
-        </p:nvSpPr>
-        <p:spPr/>
-        <p:txBody>
-          <a:bodyPr>
-            <a:normAutofit fontScale="85000" lnSpcReduction="20000"/>
-          </a:bodyPr>
-          <a:lstStyle/>
-          <a:p>
-            <a:r>
-              <a:rPr lang="en-US" dirty="0" smtClean="0"/>
-              <a:t>Need a high-level picture of the environment that shows</a:t>
-            </a:r>
-          </a:p>
-          <a:p>
-            <a:pPr lvl="1"/>
-            <a:r>
-              <a:rPr lang="en-US" dirty="0" smtClean="0"/>
-              <a:t>DMZ</a:t>
-            </a:r>
-          </a:p>
-          <a:p>
-            <a:pPr lvl="2"/>
-            <a:r>
-              <a:rPr lang="en-US" dirty="0" smtClean="0"/>
-              <a:t>Reverse Proxy</a:t>
-            </a:r>
-          </a:p>
-          <a:p>
-            <a:pPr lvl="2"/>
-            <a:r>
-              <a:rPr lang="en-US" dirty="0" err="1" smtClean="0"/>
-              <a:t>Oauth</a:t>
-            </a:r>
-            <a:r>
-              <a:rPr lang="en-US" dirty="0" smtClean="0"/>
-              <a:t> (</a:t>
-            </a:r>
-            <a:r>
-              <a:rPr lang="en-US" dirty="0"/>
-              <a:t>claim / assertion </a:t>
-            </a:r>
-            <a:r>
-              <a:rPr lang="en-US" dirty="0" smtClean="0"/>
-              <a:t>augmentation)</a:t>
-            </a:r>
-          </a:p>
-          <a:p>
-            <a:pPr lvl="2"/>
-            <a:r>
-              <a:rPr lang="en-US" dirty="0" smtClean="0"/>
-              <a:t>External Web Apps</a:t>
-            </a:r>
-          </a:p>
-          <a:p>
-            <a:pPr lvl="2"/>
-            <a:r>
-              <a:rPr lang="en-US" dirty="0" smtClean="0"/>
-              <a:t>ADFS (claim / assertion augmentation)</a:t>
-            </a:r>
-          </a:p>
-          <a:p>
-            <a:pPr lvl="2"/>
-            <a:r>
-              <a:rPr lang="en-US" dirty="0" smtClean="0"/>
-              <a:t>External AD</a:t>
-            </a:r>
-          </a:p>
-          <a:p>
-            <a:pPr lvl="1"/>
-            <a:r>
-              <a:rPr lang="en-US" dirty="0" smtClean="0"/>
-              <a:t>Back-End</a:t>
-            </a:r>
-          </a:p>
-          <a:p>
-            <a:pPr lvl="2"/>
-            <a:r>
-              <a:rPr lang="en-US" dirty="0" smtClean="0"/>
-              <a:t>Internal Web Apps</a:t>
-            </a:r>
-          </a:p>
-          <a:p>
-            <a:pPr lvl="2"/>
-            <a:r>
-              <a:rPr lang="en-US" dirty="0" smtClean="0"/>
-              <a:t>App Server</a:t>
-            </a:r>
-          </a:p>
-          <a:p>
-            <a:pPr lvl="2"/>
-            <a:r>
-              <a:rPr lang="en-US" dirty="0" smtClean="0"/>
-              <a:t>Database</a:t>
-            </a:r>
-          </a:p>
-          <a:p>
-            <a:pPr lvl="2"/>
-            <a:r>
-              <a:rPr lang="en-US" dirty="0" smtClean="0"/>
-              <a:t>ADFS (claim/assertion augmentation)</a:t>
-            </a:r>
-          </a:p>
-          <a:p>
-            <a:pPr lvl="2"/>
-            <a:r>
-              <a:rPr lang="en-US" dirty="0" smtClean="0"/>
-              <a:t>Internal AD</a:t>
-            </a:r>
-            <a:endParaRPr lang="en-US" dirty="0"/>
-          </a:p>
-        </p:txBody>
-      </p:sp>
+      <p:pic>
+        <p:nvPicPr>
+          <p:cNvPr id="5" name="Picture 2"/>
+          <p:cNvPicPr>
+            <a:picLocks noChangeAspect="1" noChangeArrowheads="1"/>
+          </p:cNvPicPr>
+          <p:nvPr/>
+        </p:nvPicPr>
+        <p:blipFill>
+          <a:blip r:embed="rId2">
+            <a:extLst>
+              <a:ext uri="{28A0092B-C50C-407E-A947-70E740481C1C}">
+                <a14:useLocalDpi xmlns:a14="http://schemas.microsoft.com/office/drawing/2010/main" val="0"/>
+              </a:ext>
+            </a:extLst>
+          </a:blip>
+          <a:srcRect/>
+          <a:stretch>
+            <a:fillRect/>
+          </a:stretch>
+        </p:blipFill>
+        <p:spPr bwMode="auto">
+          <a:xfrm>
+            <a:off x="685800" y="1498984"/>
+            <a:ext cx="7933870" cy="5251065"/>
+          </a:xfrm>
+          <a:prstGeom prst="rect">
+            <a:avLst/>
+          </a:prstGeom>
+          <a:noFill/>
+          <a:ln>
+            <a:noFill/>
+          </a:ln>
+          <a:extLst>
+            <a:ext uri="{909E8E84-426E-40DD-AFC4-6F175D3DCCD1}">
+              <a14:hiddenFill xmlns:a14="http://schemas.microsoft.com/office/drawing/2010/main">
+                <a:solidFill>
+                  <a:schemeClr val="accent1"/>
+                </a:solidFill>
+              </a14:hiddenFill>
+            </a:ext>
+            <a:ext uri="{91240B29-F687-4F45-9708-019B960494DF}">
+              <a14:hiddenLine xmlns:a14="http://schemas.microsoft.com/office/drawing/2010/main" w="9525">
+                <a:solidFill>
+                  <a:schemeClr val="tx1"/>
+                </a:solidFill>
+                <a:miter lim="800000"/>
+                <a:headEnd/>
+                <a:tailEnd/>
+              </a14:hiddenLine>
+            </a:ext>
+          </a:extLst>
+        </p:spPr>
+      </p:pic>
     </p:spTree>
     <p:extLst>
       <p:ext uri="{BB962C8B-B14F-4D97-AF65-F5344CB8AC3E}">
@@ -5383,19 +5258,19 @@
               <a:t>LinkedIn: </a:t>
             </a:r>
             <a:r>
-              <a:rPr lang="en-US" dirty="0">
+              <a:rPr lang="en-US" sz="2000" dirty="0">
                 <a:hlinkClick r:id="rId2"/>
               </a:rPr>
               <a:t>https://</a:t>
             </a:r>
             <a:r>
-              <a:rPr lang="en-US" dirty="0" smtClean="0">
+              <a:rPr lang="en-US" sz="2000" dirty="0">
                 <a:hlinkClick r:id="rId2"/>
               </a:rPr>
               <a:t>www.linkedin.com/in/sunilkutty</a:t>
             </a:r>
             <a:r>
-              <a:rPr lang="en-US" dirty="0" smtClean="0"/>
+              <a:rPr lang="en-US" sz="2000" dirty="0"/>
               <a:t> </a:t>
             </a:r>
           </a:p>
@@ -5409,17 +5284,21 @@
             <a:pPr lvl="1"/>
             <a:r>
               <a:rPr lang="en-US" dirty="0" smtClean="0"/>
-              <a:t>LinkedIn</a:t>
-            </a:r>
-            <a:r>
-              <a:rPr lang="en-US" dirty="0" smtClean="0"/>
-              <a:t>: </a:t>
-            </a:r>
-            <a:r>
-              <a:rPr lang="en-US" sz="2000" dirty="0"/>
-              <a:t>https://www.linkedin.com/in/anibalvelarde</a:t>
-            </a:r>
-            <a:endParaRPr lang="en-US" sz="2000" dirty="0" smtClean="0"/>
+              <a:t>LinkedIn: </a:t>
+            </a:r>
+            <a:r>
+              <a:rPr lang="en-US" sz="2000" dirty="0">
+                <a:hlinkClick r:id="rId3"/>
+              </a:rPr>
+              <a:t>https://</a:t>
+            </a:r>
+            <a:r>
+              <a:rPr lang="en-US" sz="2000" dirty="0" smtClean="0">
+                <a:hlinkClick r:id="rId3"/>
+              </a:rPr>
+              <a:t>www.linkedin.com/in/anibalvelarde</a:t>
+            </a:r>
+            <a:endParaRPr lang="en-US" sz="2000" dirty="0"/>
           </a:p>
           <a:p>
             <a:r>
@@ -5430,7 +5309,7 @@
           <a:p>
             <a:pPr lvl="1"/>
             <a:r>
-              <a:rPr lang="en-US" smtClean="0"/>
+              <a:rPr lang="en-US" dirty="0" err="1" smtClean="0"/>
               <a:t>GitHub</a:t>
             </a:r>
             <a:r>
@@ -5441,7 +5320,6 @@
               <a:rPr lang="en-US" sz="2400" dirty="0"/>
               <a:t>https://github.com/anibalvelarde/SSOExample</a:t>
             </a:r>
-            <a:endParaRPr lang="en-US" sz="2400" dirty="0"/>
           </a:p>
         </p:txBody>
       </p:sp>

--- a/SSOPresentation/IAM_SSO.pptx
+++ b/SSOPresentation/IAM_SSO.pptx
@@ -2,29 +2,32 @@
 <file path=ppt/presentation.xml><?xml version="1.0" encoding="utf-8"?>
 <p:presentation xmlns:a="http://schemas.openxmlformats.org/drawingml/2006/main" xmlns:r="http://schemas.openxmlformats.org/officeDocument/2006/relationships" xmlns:p="http://schemas.openxmlformats.org/presentationml/2006/main" saveSubsetFonts="1">
   <p:sldMasterIdLst>
-    <p:sldMasterId id="2147483684" r:id="rId1"/>
+    <p:sldMasterId id="2147483744" r:id="rId1"/>
   </p:sldMasterIdLst>
   <p:sldIdLst>
     <p:sldId id="256" r:id="rId2"/>
     <p:sldId id="257" r:id="rId3"/>
-    <p:sldId id="258" r:id="rId4"/>
-    <p:sldId id="259" r:id="rId5"/>
-    <p:sldId id="261" r:id="rId6"/>
-    <p:sldId id="260" r:id="rId7"/>
-    <p:sldId id="262" r:id="rId8"/>
-    <p:sldId id="264" r:id="rId9"/>
-    <p:sldId id="276" r:id="rId10"/>
-    <p:sldId id="277" r:id="rId11"/>
-    <p:sldId id="278" r:id="rId12"/>
-    <p:sldId id="263" r:id="rId13"/>
-    <p:sldId id="266" r:id="rId14"/>
-    <p:sldId id="267" r:id="rId15"/>
-    <p:sldId id="265" r:id="rId16"/>
-    <p:sldId id="270" r:id="rId17"/>
-    <p:sldId id="273" r:id="rId18"/>
-    <p:sldId id="274" r:id="rId19"/>
-    <p:sldId id="272" r:id="rId20"/>
-    <p:sldId id="275" r:id="rId21"/>
+    <p:sldId id="282" r:id="rId4"/>
+    <p:sldId id="258" r:id="rId5"/>
+    <p:sldId id="259" r:id="rId6"/>
+    <p:sldId id="261" r:id="rId7"/>
+    <p:sldId id="279" r:id="rId8"/>
+    <p:sldId id="260" r:id="rId9"/>
+    <p:sldId id="262" r:id="rId10"/>
+    <p:sldId id="264" r:id="rId11"/>
+    <p:sldId id="276" r:id="rId12"/>
+    <p:sldId id="277" r:id="rId13"/>
+    <p:sldId id="278" r:id="rId14"/>
+    <p:sldId id="263" r:id="rId15"/>
+    <p:sldId id="280" r:id="rId16"/>
+    <p:sldId id="273" r:id="rId17"/>
+    <p:sldId id="274" r:id="rId18"/>
+    <p:sldId id="281" r:id="rId19"/>
+    <p:sldId id="270" r:id="rId20"/>
+    <p:sldId id="272" r:id="rId21"/>
+    <p:sldId id="275" r:id="rId22"/>
+    <p:sldId id="283" r:id="rId23"/>
+    <p:sldId id="284" r:id="rId24"/>
   </p:sldIdLst>
   <p:sldSz cx="9144000" cy="6858000" type="screen4x3"/>
   <p:notesSz cx="6858000" cy="9144000"/>
@@ -125,7 +128,7 @@
   </p:defaultTextStyle>
   <p:extLst>
     <p:ext uri="{EFAFB233-063F-42B5-8137-9DF3F51BA10A}">
-      <p15:sldGuideLst xmlns="" xmlns:p15="http://schemas.microsoft.com/office/powerpoint/2012/main">
+      <p15:sldGuideLst xmlns:p15="http://schemas.microsoft.com/office/powerpoint/2012/main" xmlns="">
         <p15:guide id="1" orient="horz" pos="2160">
           <p15:clr>
             <a:srgbClr val="A4A3A4"/>
@@ -145,11 +148,6 @@
 <file path=ppt/slideLayouts/slideLayout1.xml><?xml version="1.0" encoding="utf-8"?>
 <p:sldLayout xmlns:a="http://schemas.openxmlformats.org/drawingml/2006/main" xmlns:r="http://schemas.openxmlformats.org/officeDocument/2006/relationships" xmlns:p="http://schemas.openxmlformats.org/presentationml/2006/main" showMasterSp="0" type="title" preserve="1">
   <p:cSld name="Title Slide">
-    <p:bg>
-      <p:bgRef idx="1002">
-        <a:schemeClr val="bg2"/>
-      </p:bgRef>
-    </p:bg>
     <p:spTree>
       <p:nvGrpSpPr>
         <p:cNvPr id="1" name=""/>
@@ -164,121 +162,122 @@
           <a:chExt cx="0" cy="0"/>
         </a:xfrm>
       </p:grpSpPr>
-      <p:sp>
-        <p:nvSpPr>
-          <p:cNvPr id="9" name="Rectangle 8"/>
-          <p:cNvSpPr/>
+      <p:pic>
+        <p:nvPicPr>
+          <p:cNvPr id="7" name="Picture 6" descr="horizon.png"/>
+          <p:cNvPicPr>
+            <a:picLocks noChangeAspect="1"/>
+          </p:cNvPicPr>
           <p:nvPr/>
-        </p:nvSpPr>
-        <p:spPr bwMode="ltGray">
+        </p:nvPicPr>
+        <p:blipFill>
+          <a:blip r:embed="rId2" cstate="print"/>
+          <a:srcRect t="33333"/>
+          <a:stretch>
+            <a:fillRect/>
+          </a:stretch>
+        </p:blipFill>
+        <p:spPr>
           <a:xfrm>
             <a:off x="0" y="0"/>
-            <a:ext cx="9143999" cy="5135430"/>
+            <a:ext cx="9144000" cy="4572000"/>
           </a:xfrm>
           <a:prstGeom prst="rect">
             <a:avLst/>
           </a:prstGeom>
-          <a:solidFill>
-            <a:srgbClr val="000000"/>
-          </a:solidFill>
-          <a:ln w="48000" cap="flat" cmpd="thickThin" algn="ctr">
-            <a:noFill/>
-            <a:prstDash val="solid"/>
-          </a:ln>
         </p:spPr>
-        <p:style>
-          <a:lnRef idx="2">
-            <a:schemeClr val="accent1"/>
-          </a:lnRef>
-          <a:fillRef idx="1">
-            <a:schemeClr val="accent1"/>
-          </a:fillRef>
-          <a:effectRef idx="0">
-            <a:schemeClr val="accent1"/>
-          </a:effectRef>
-          <a:fontRef idx="minor">
-            <a:schemeClr val="lt1"/>
-          </a:fontRef>
-        </p:style>
-        <p:txBody>
-          <a:bodyPr rtlCol="0" anchor="ctr"/>
-          <a:lstStyle>
-            <a:extLst/>
-          </a:lstStyle>
-          <a:p>
-            <a:pPr algn="ctr" eaLnBrk="1" latinLnBrk="0" hangingPunct="1"/>
-            <a:endParaRPr kumimoji="0" lang="en-US"/>
-          </a:p>
-        </p:txBody>
-      </p:sp>
-      <p:sp>
-        <p:nvSpPr>
-          <p:cNvPr id="2" name="Title 1"/>
-          <p:cNvSpPr>
-            <a:spLocks noGrp="1"/>
-          </p:cNvSpPr>
-          <p:nvPr>
-            <p:ph type="ctrTitle"/>
+      </p:pic>
+      <p:sp>
+        <p:nvSpPr>
+          <p:cNvPr id="4" name="Date Placeholder 3"/>
+          <p:cNvSpPr>
+            <a:spLocks noGrp="1"/>
+          </p:cNvSpPr>
+          <p:nvPr>
+            <p:ph type="dt" sz="half" idx="10"/>
+          </p:nvPr>
+        </p:nvSpPr>
+        <p:spPr/>
+        <p:txBody>
+          <a:bodyPr/>
+          <a:lstStyle/>
+          <a:p>
+            <a:fld id="{8AE6C55E-4143-49FB-A6C2-6171CD6B66E5}" type="datetimeFigureOut">
+              <a:rPr lang="en-US" smtClean="0"/>
+              <a:t>10/23/2015</a:t>
+            </a:fld>
+            <a:endParaRPr lang="en-US"/>
+          </a:p>
+        </p:txBody>
+      </p:sp>
+      <p:sp>
+        <p:nvSpPr>
+          <p:cNvPr id="5" name="Footer Placeholder 4"/>
+          <p:cNvSpPr>
+            <a:spLocks noGrp="1"/>
+          </p:cNvSpPr>
+          <p:nvPr>
+            <p:ph type="ftr" sz="quarter" idx="11"/>
+          </p:nvPr>
+        </p:nvSpPr>
+        <p:spPr/>
+        <p:txBody>
+          <a:bodyPr/>
+          <a:lstStyle/>
+          <a:p>
+            <a:endParaRPr lang="en-US"/>
+          </a:p>
+        </p:txBody>
+      </p:sp>
+      <p:sp>
+        <p:nvSpPr>
+          <p:cNvPr id="6" name="Slide Number Placeholder 5"/>
+          <p:cNvSpPr>
+            <a:spLocks noGrp="1"/>
+          </p:cNvSpPr>
+          <p:nvPr>
+            <p:ph type="sldNum" sz="quarter" idx="12"/>
+          </p:nvPr>
+        </p:nvSpPr>
+        <p:spPr/>
+        <p:txBody>
+          <a:bodyPr/>
+          <a:lstStyle/>
+          <a:p>
+            <a:fld id="{6D571152-E3FD-465B-8743-F85DE18C0D96}" type="slidenum">
+              <a:rPr lang="en-US" smtClean="0"/>
+              <a:t>‹#›</a:t>
+            </a:fld>
+            <a:endParaRPr lang="en-US"/>
+          </a:p>
+        </p:txBody>
+      </p:sp>
+      <p:sp>
+        <p:nvSpPr>
+          <p:cNvPr id="3" name="Subtitle 2"/>
+          <p:cNvSpPr>
+            <a:spLocks noGrp="1"/>
+          </p:cNvSpPr>
+          <p:nvPr>
+            <p:ph type="subTitle" idx="1"/>
           </p:nvPr>
         </p:nvSpPr>
         <p:spPr>
           <a:xfrm>
-            <a:off x="685800" y="3355848"/>
-            <a:ext cx="8077200" cy="1673352"/>
+            <a:off x="1219200" y="3886200"/>
+            <a:ext cx="6400800" cy="1752600"/>
           </a:xfrm>
         </p:spPr>
         <p:txBody>
-          <a:bodyPr vert="horz" lIns="91440" tIns="0" rIns="45720" bIns="0" rtlCol="0" anchor="t">
+          <a:bodyPr>
             <a:normAutofit/>
-            <a:scene3d>
-              <a:camera prst="orthographicFront"/>
-              <a:lightRig rig="threePt" dir="t">
-                <a:rot lat="0" lon="0" rev="4800000"/>
-              </a:lightRig>
-            </a:scene3d>
-            <a:sp3d prstMaterial="matte">
-              <a:bevelT w="50800" h="10160"/>
-            </a:sp3d>
           </a:bodyPr>
           <a:lstStyle>
-            <a:lvl1pPr algn="l">
-              <a:defRPr sz="4700" b="1"/>
-            </a:lvl1pPr>
-            <a:extLst/>
-          </a:lstStyle>
-          <a:p>
-            <a:r>
-              <a:rPr kumimoji="0" lang="en-US" smtClean="0"/>
-              <a:t>Click to edit Master title style</a:t>
-            </a:r>
-            <a:endParaRPr kumimoji="0" lang="en-US"/>
-          </a:p>
-        </p:txBody>
-      </p:sp>
-      <p:sp>
-        <p:nvSpPr>
-          <p:cNvPr id="3" name="Subtitle 2"/>
-          <p:cNvSpPr>
-            <a:spLocks noGrp="1"/>
-          </p:cNvSpPr>
-          <p:nvPr>
-            <p:ph type="subTitle" idx="1"/>
-          </p:nvPr>
-        </p:nvSpPr>
-        <p:spPr>
-          <a:xfrm>
-            <a:off x="685800" y="1828800"/>
-            <a:ext cx="8077200" cy="1499616"/>
-          </a:xfrm>
-        </p:spPr>
-        <p:txBody>
-          <a:bodyPr lIns="118872" tIns="0" rIns="45720" bIns="0" anchor="b"/>
-          <a:lstStyle>
-            <a:lvl1pPr marL="0" indent="0" algn="l">
+            <a:lvl1pPr marL="0" indent="0" algn="ctr">
               <a:buNone/>
-              <a:defRPr sz="2000">
+              <a:defRPr sz="1700" baseline="0">
                 <a:solidFill>
-                  <a:srgbClr val="FFFFFF"/>
+                  <a:schemeClr val="tx2"/>
                 </a:solidFill>
               </a:defRPr>
             </a:lvl1pPr>
@@ -362,140 +361,52 @@
                 </a:solidFill>
               </a:defRPr>
             </a:lvl9pPr>
-            <a:extLst/>
           </a:lstStyle>
           <a:p>
             <a:r>
-              <a:rPr kumimoji="0" lang="en-US" smtClean="0"/>
+              <a:rPr lang="en-US" smtClean="0"/>
               <a:t>Click to edit Master subtitle style</a:t>
             </a:r>
-            <a:endParaRPr kumimoji="0" lang="en-US"/>
-          </a:p>
-        </p:txBody>
-      </p:sp>
-      <p:sp>
-        <p:nvSpPr>
-          <p:cNvPr id="4" name="Date Placeholder 3"/>
-          <p:cNvSpPr>
-            <a:spLocks noGrp="1"/>
-          </p:cNvSpPr>
-          <p:nvPr>
-            <p:ph type="dt" sz="half" idx="10"/>
-          </p:nvPr>
-        </p:nvSpPr>
-        <p:spPr/>
+            <a:endParaRPr lang="en-US" dirty="0"/>
+          </a:p>
+        </p:txBody>
+      </p:sp>
+      <p:sp>
+        <p:nvSpPr>
+          <p:cNvPr id="2" name="Title 1"/>
+          <p:cNvSpPr>
+            <a:spLocks noGrp="1"/>
+          </p:cNvSpPr>
+          <p:nvPr>
+            <p:ph type="ctrTitle"/>
+          </p:nvPr>
+        </p:nvSpPr>
+        <p:spPr>
+          <a:xfrm>
+            <a:off x="685800" y="2007888"/>
+            <a:ext cx="7772400" cy="1470025"/>
+          </a:xfrm>
+        </p:spPr>
         <p:txBody>
           <a:bodyPr/>
-          <a:lstStyle/>
-          <a:p>
-            <a:fld id="{8AE6C55E-4143-49FB-A6C2-6171CD6B66E5}" type="datetimeFigureOut">
-              <a:rPr lang="en-US" smtClean="0"/>
-              <a:t>10/23/2015</a:t>
-            </a:fld>
-            <a:endParaRPr lang="en-US"/>
-          </a:p>
-        </p:txBody>
-      </p:sp>
-      <p:sp>
-        <p:nvSpPr>
-          <p:cNvPr id="5" name="Footer Placeholder 4"/>
-          <p:cNvSpPr>
-            <a:spLocks noGrp="1"/>
-          </p:cNvSpPr>
-          <p:nvPr>
-            <p:ph type="ftr" sz="quarter" idx="11"/>
-          </p:nvPr>
-        </p:nvSpPr>
-        <p:spPr/>
-        <p:txBody>
-          <a:bodyPr/>
-          <a:lstStyle/>
-          <a:p>
-            <a:endParaRPr lang="en-US"/>
-          </a:p>
-        </p:txBody>
-      </p:sp>
-      <p:sp>
-        <p:nvSpPr>
-          <p:cNvPr id="6" name="Slide Number Placeholder 5"/>
-          <p:cNvSpPr>
-            <a:spLocks noGrp="1"/>
-          </p:cNvSpPr>
-          <p:nvPr>
-            <p:ph type="sldNum" sz="quarter" idx="12"/>
-          </p:nvPr>
-        </p:nvSpPr>
-        <p:spPr/>
-        <p:txBody>
-          <a:bodyPr/>
-          <a:lstStyle/>
-          <a:p>
-            <a:fld id="{6D571152-E3FD-465B-8743-F85DE18C0D96}" type="slidenum">
-              <a:rPr lang="en-US" smtClean="0"/>
-              <a:t>‹#›</a:t>
-            </a:fld>
-            <a:endParaRPr lang="en-US"/>
-          </a:p>
-        </p:txBody>
-      </p:sp>
-      <p:sp>
-        <p:nvSpPr>
-          <p:cNvPr id="10" name="Rectangle 9"/>
-          <p:cNvSpPr/>
-          <p:nvPr/>
-        </p:nvSpPr>
-        <p:spPr bwMode="invGray">
-          <a:xfrm>
-            <a:off x="0" y="5128334"/>
-            <a:ext cx="9144000" cy="45720"/>
-          </a:xfrm>
-          <a:prstGeom prst="rect">
-            <a:avLst/>
-          </a:prstGeom>
-          <a:solidFill>
-            <a:srgbClr val="FFFFFF"/>
-          </a:solidFill>
-          <a:ln w="48000" cap="flat" cmpd="thickThin" algn="ctr">
-            <a:noFill/>
-            <a:prstDash val="solid"/>
-          </a:ln>
-          <a:effectLst>
-            <a:outerShdw blurRad="31750" dist="10160" dir="5400000" algn="tl" rotWithShape="0">
-              <a:srgbClr val="000000">
-                <a:alpha val="60000"/>
-              </a:srgbClr>
-            </a:outerShdw>
-          </a:effectLst>
-        </p:spPr>
-        <p:style>
-          <a:lnRef idx="2">
-            <a:schemeClr val="accent1"/>
-          </a:lnRef>
-          <a:fillRef idx="1">
-            <a:schemeClr val="accent1"/>
-          </a:fillRef>
-          <a:effectRef idx="0">
-            <a:schemeClr val="accent1"/>
-          </a:effectRef>
-          <a:fontRef idx="minor">
-            <a:schemeClr val="lt1"/>
-          </a:fontRef>
-        </p:style>
-        <p:txBody>
-          <a:bodyPr rtlCol="0" anchor="ctr"/>
           <a:lstStyle>
-            <a:extLst/>
+            <a:lvl1pPr algn="ctr">
+              <a:defRPr sz="3200"/>
+            </a:lvl1pPr>
           </a:lstStyle>
           <a:p>
-            <a:pPr algn="ctr" eaLnBrk="1" latinLnBrk="0" hangingPunct="1"/>
-            <a:endParaRPr kumimoji="0" lang="en-US"/>
+            <a:r>
+              <a:rPr lang="en-US" smtClean="0"/>
+              <a:t>Click to edit Master title style</a:t>
+            </a:r>
+            <a:endParaRPr lang="en-US" dirty="0"/>
           </a:p>
         </p:txBody>
       </p:sp>
     </p:spTree>
   </p:cSld>
   <p:clrMapOvr>
-    <a:overrideClrMapping bg1="dk1" tx1="lt1" bg2="dk2" tx2="lt2" accent1="accent1" accent2="accent2" accent3="accent3" accent4="accent4" accent5="accent5" accent6="accent6" hlink="hlink" folHlink="folHlink"/>
+    <a:masterClrMapping/>
   </p:clrMapOvr>
 </p:sldLayout>
 </file>
@@ -530,15 +441,13 @@
         <p:spPr/>
         <p:txBody>
           <a:bodyPr/>
-          <a:lstStyle>
-            <a:extLst/>
-          </a:lstStyle>
-          <a:p>
-            <a:r>
-              <a:rPr kumimoji="0" lang="en-US" smtClean="0"/>
+          <a:lstStyle/>
+          <a:p>
+            <a:r>
+              <a:rPr lang="en-US" smtClean="0"/>
               <a:t>Click to edit Master title style</a:t>
             </a:r>
-            <a:endParaRPr kumimoji="0" lang="en-US"/>
+            <a:endParaRPr lang="en-US" dirty="0"/>
           </a:p>
         </p:txBody>
       </p:sp>
@@ -555,44 +464,42 @@
         <p:spPr/>
         <p:txBody>
           <a:bodyPr vert="eaVert"/>
-          <a:lstStyle>
-            <a:extLst/>
-          </a:lstStyle>
-          <a:p>
-            <a:pPr lvl="0" eaLnBrk="1" latinLnBrk="0" hangingPunct="1"/>
+          <a:lstStyle/>
+          <a:p>
+            <a:pPr lvl="0"/>
             <a:r>
               <a:rPr lang="en-US" smtClean="0"/>
               <a:t>Click to edit Master text styles</a:t>
             </a:r>
           </a:p>
           <a:p>
-            <a:pPr lvl="1" eaLnBrk="1" latinLnBrk="0" hangingPunct="1"/>
+            <a:pPr lvl="1"/>
             <a:r>
               <a:rPr lang="en-US" smtClean="0"/>
               <a:t>Second level</a:t>
             </a:r>
           </a:p>
           <a:p>
-            <a:pPr lvl="2" eaLnBrk="1" latinLnBrk="0" hangingPunct="1"/>
+            <a:pPr lvl="2"/>
             <a:r>
               <a:rPr lang="en-US" smtClean="0"/>
               <a:t>Third level</a:t>
             </a:r>
           </a:p>
           <a:p>
-            <a:pPr lvl="3" eaLnBrk="1" latinLnBrk="0" hangingPunct="1"/>
+            <a:pPr lvl="3"/>
             <a:r>
               <a:rPr lang="en-US" smtClean="0"/>
               <a:t>Fourth level</a:t>
             </a:r>
           </a:p>
           <a:p>
-            <a:pPr lvl="4" eaLnBrk="1" latinLnBrk="0" hangingPunct="1"/>
+            <a:pPr lvl="4"/>
             <a:r>
               <a:rPr lang="en-US" smtClean="0"/>
               <a:t>Fifth level</a:t>
             </a:r>
-            <a:endParaRPr kumimoji="0" lang="en-US"/>
+            <a:endParaRPr lang="en-US"/>
           </a:p>
         </p:txBody>
       </p:sp>
@@ -670,7 +577,7 @@
 </file>
 
 <file path=ppt/slideLayouts/slideLayout11.xml><?xml version="1.0" encoding="utf-8"?>
-<p:sldLayout xmlns:a="http://schemas.openxmlformats.org/drawingml/2006/main" xmlns:r="http://schemas.openxmlformats.org/officeDocument/2006/relationships" xmlns:p="http://schemas.openxmlformats.org/presentationml/2006/main" showMasterSp="0" type="vertTitleAndTx" preserve="1">
+<p:sldLayout xmlns:a="http://schemas.openxmlformats.org/drawingml/2006/main" xmlns:r="http://schemas.openxmlformats.org/officeDocument/2006/relationships" xmlns:p="http://schemas.openxmlformats.org/presentationml/2006/main" type="vertTitleAndTx" preserve="1">
   <p:cSld name="Vertical Title and Text">
     <p:spTree>
       <p:nvGrpSpPr>
@@ -688,107 +595,6 @@
       </p:grpSpPr>
       <p:sp>
         <p:nvSpPr>
-          <p:cNvPr id="9" name="Rectangle 8"/>
-          <p:cNvSpPr/>
-          <p:nvPr/>
-        </p:nvSpPr>
-        <p:spPr bwMode="invGray">
-          <a:xfrm>
-            <a:off x="6598920" y="0"/>
-            <a:ext cx="45720" cy="6858000"/>
-          </a:xfrm>
-          <a:prstGeom prst="rect">
-            <a:avLst/>
-          </a:prstGeom>
-          <a:solidFill>
-            <a:srgbClr val="FFFFFF"/>
-          </a:solidFill>
-          <a:ln w="48000" cap="flat" cmpd="thickThin" algn="ctr">
-            <a:noFill/>
-            <a:prstDash val="solid"/>
-          </a:ln>
-          <a:effectLst>
-            <a:outerShdw blurRad="31750" dist="10160" dir="10800000" algn="tl" rotWithShape="0">
-              <a:srgbClr val="000000">
-                <a:alpha val="60000"/>
-              </a:srgbClr>
-            </a:outerShdw>
-          </a:effectLst>
-        </p:spPr>
-        <p:style>
-          <a:lnRef idx="2">
-            <a:schemeClr val="accent1"/>
-          </a:lnRef>
-          <a:fillRef idx="1">
-            <a:schemeClr val="accent1"/>
-          </a:fillRef>
-          <a:effectRef idx="0">
-            <a:schemeClr val="accent1"/>
-          </a:effectRef>
-          <a:fontRef idx="minor">
-            <a:schemeClr val="lt1"/>
-          </a:fontRef>
-        </p:style>
-        <p:txBody>
-          <a:bodyPr rtlCol="0" anchor="ctr"/>
-          <a:lstStyle>
-            <a:extLst/>
-          </a:lstStyle>
-          <a:p>
-            <a:pPr algn="ctr" eaLnBrk="1" latinLnBrk="0" hangingPunct="1"/>
-            <a:endParaRPr kumimoji="0" lang="en-US"/>
-          </a:p>
-        </p:txBody>
-      </p:sp>
-      <p:sp>
-        <p:nvSpPr>
-          <p:cNvPr id="8" name="Rectangle 7"/>
-          <p:cNvSpPr/>
-          <p:nvPr/>
-        </p:nvSpPr>
-        <p:spPr bwMode="ltGray">
-          <a:xfrm>
-            <a:off x="6647687" y="0"/>
-            <a:ext cx="2514601" cy="6858000"/>
-          </a:xfrm>
-          <a:prstGeom prst="rect">
-            <a:avLst/>
-          </a:prstGeom>
-          <a:solidFill>
-            <a:srgbClr val="000000"/>
-          </a:solidFill>
-          <a:ln w="48000" cap="flat" cmpd="thickThin" algn="ctr">
-            <a:noFill/>
-            <a:prstDash val="solid"/>
-          </a:ln>
-        </p:spPr>
-        <p:style>
-          <a:lnRef idx="2">
-            <a:schemeClr val="accent1"/>
-          </a:lnRef>
-          <a:fillRef idx="1">
-            <a:schemeClr val="accent1"/>
-          </a:fillRef>
-          <a:effectRef idx="0">
-            <a:schemeClr val="accent1"/>
-          </a:effectRef>
-          <a:fontRef idx="minor">
-            <a:schemeClr val="lt1"/>
-          </a:fontRef>
-        </p:style>
-        <p:txBody>
-          <a:bodyPr rtlCol="0" anchor="ctr"/>
-          <a:lstStyle>
-            <a:extLst/>
-          </a:lstStyle>
-          <a:p>
-            <a:pPr algn="ctr" eaLnBrk="1" latinLnBrk="0" hangingPunct="1"/>
-            <a:endParaRPr kumimoji="0" lang="en-US"/>
-          </a:p>
-        </p:txBody>
-      </p:sp>
-      <p:sp>
-        <p:nvSpPr>
           <p:cNvPr id="2" name="Vertical Title 1"/>
           <p:cNvSpPr>
             <a:spLocks noGrp="1"/>
@@ -799,21 +605,19 @@
         </p:nvSpPr>
         <p:spPr>
           <a:xfrm>
-            <a:off x="6781800" y="274640"/>
-            <a:ext cx="1905000" cy="5851525"/>
+            <a:off x="6629400" y="274638"/>
+            <a:ext cx="2057400" cy="5851525"/>
           </a:xfrm>
         </p:spPr>
         <p:txBody>
           <a:bodyPr vert="eaVert"/>
-          <a:lstStyle>
-            <a:extLst/>
-          </a:lstStyle>
-          <a:p>
-            <a:r>
-              <a:rPr kumimoji="0" lang="en-US" smtClean="0"/>
+          <a:lstStyle/>
+          <a:p>
+            <a:r>
+              <a:rPr lang="en-US" smtClean="0"/>
               <a:t>Click to edit Master title style</a:t>
             </a:r>
-            <a:endParaRPr kumimoji="0" lang="en-US"/>
+            <a:endParaRPr lang="en-US" dirty="0"/>
           </a:p>
         </p:txBody>
       </p:sp>
@@ -829,50 +633,48 @@
         </p:nvSpPr>
         <p:spPr>
           <a:xfrm>
-            <a:off x="457200" y="304800"/>
+            <a:off x="457200" y="274638"/>
             <a:ext cx="6019800" cy="5851525"/>
           </a:xfrm>
         </p:spPr>
         <p:txBody>
           <a:bodyPr vert="eaVert"/>
-          <a:lstStyle>
-            <a:extLst/>
-          </a:lstStyle>
-          <a:p>
-            <a:pPr lvl="0" eaLnBrk="1" latinLnBrk="0" hangingPunct="1"/>
+          <a:lstStyle/>
+          <a:p>
+            <a:pPr lvl="0"/>
             <a:r>
               <a:rPr lang="en-US" smtClean="0"/>
               <a:t>Click to edit Master text styles</a:t>
             </a:r>
           </a:p>
           <a:p>
-            <a:pPr lvl="1" eaLnBrk="1" latinLnBrk="0" hangingPunct="1"/>
+            <a:pPr lvl="1"/>
             <a:r>
               <a:rPr lang="en-US" smtClean="0"/>
               <a:t>Second level</a:t>
             </a:r>
           </a:p>
           <a:p>
-            <a:pPr lvl="2" eaLnBrk="1" latinLnBrk="0" hangingPunct="1"/>
+            <a:pPr lvl="2"/>
             <a:r>
               <a:rPr lang="en-US" smtClean="0"/>
               <a:t>Third level</a:t>
             </a:r>
           </a:p>
           <a:p>
-            <a:pPr lvl="3" eaLnBrk="1" latinLnBrk="0" hangingPunct="1"/>
+            <a:pPr lvl="3"/>
             <a:r>
               <a:rPr lang="en-US" smtClean="0"/>
               <a:t>Fourth level</a:t>
             </a:r>
           </a:p>
           <a:p>
-            <a:pPr lvl="4" eaLnBrk="1" latinLnBrk="0" hangingPunct="1"/>
+            <a:pPr lvl="4"/>
             <a:r>
               <a:rPr lang="en-US" smtClean="0"/>
               <a:t>Fifth level</a:t>
             </a:r>
-            <a:endParaRPr kumimoji="0" lang="en-US"/>
+            <a:endParaRPr lang="en-US"/>
           </a:p>
         </p:txBody>
       </p:sp>
@@ -909,12 +711,7 @@
             <p:ph type="ftr" sz="quarter" idx="11"/>
           </p:nvPr>
         </p:nvSpPr>
-        <p:spPr>
-          <a:xfrm>
-            <a:off x="2640597" y="6377459"/>
-            <a:ext cx="3836404" cy="365125"/>
-          </a:xfrm>
-        </p:spPr>
+        <p:spPr/>
         <p:txBody>
           <a:bodyPr/>
           <a:lstStyle/>
@@ -983,75 +780,19 @@
         </p:nvSpPr>
         <p:spPr>
           <a:xfrm>
-            <a:off x="457200" y="155448"/>
-            <a:ext cx="8229600" cy="1252728"/>
+            <a:off x="609600" y="274638"/>
+            <a:ext cx="7924800" cy="1143000"/>
           </a:xfrm>
         </p:spPr>
         <p:txBody>
           <a:bodyPr/>
-          <a:lstStyle>
-            <a:extLst/>
-          </a:lstStyle>
-          <a:p>
-            <a:r>
-              <a:rPr kumimoji="0" lang="en-US" smtClean="0"/>
+          <a:lstStyle/>
+          <a:p>
+            <a:r>
+              <a:rPr lang="en-US" smtClean="0"/>
               <a:t>Click to edit Master title style</a:t>
             </a:r>
-            <a:endParaRPr kumimoji="0" lang="en-US"/>
-          </a:p>
-        </p:txBody>
-      </p:sp>
-      <p:sp>
-        <p:nvSpPr>
-          <p:cNvPr id="3" name="Content Placeholder 2"/>
-          <p:cNvSpPr>
-            <a:spLocks noGrp="1"/>
-          </p:cNvSpPr>
-          <p:nvPr>
-            <p:ph idx="1"/>
-          </p:nvPr>
-        </p:nvSpPr>
-        <p:spPr/>
-        <p:txBody>
-          <a:bodyPr/>
-          <a:lstStyle>
-            <a:extLst/>
-          </a:lstStyle>
-          <a:p>
-            <a:pPr lvl="0" eaLnBrk="1" latinLnBrk="0" hangingPunct="1"/>
-            <a:r>
-              <a:rPr lang="en-US" smtClean="0"/>
-              <a:t>Click to edit Master text styles</a:t>
-            </a:r>
-          </a:p>
-          <a:p>
-            <a:pPr lvl="1" eaLnBrk="1" latinLnBrk="0" hangingPunct="1"/>
-            <a:r>
-              <a:rPr lang="en-US" smtClean="0"/>
-              <a:t>Second level</a:t>
-            </a:r>
-          </a:p>
-          <a:p>
-            <a:pPr lvl="2" eaLnBrk="1" latinLnBrk="0" hangingPunct="1"/>
-            <a:r>
-              <a:rPr lang="en-US" smtClean="0"/>
-              <a:t>Third level</a:t>
-            </a:r>
-          </a:p>
-          <a:p>
-            <a:pPr lvl="3" eaLnBrk="1" latinLnBrk="0" hangingPunct="1"/>
-            <a:r>
-              <a:rPr lang="en-US" smtClean="0"/>
-              <a:t>Fourth level</a:t>
-            </a:r>
-          </a:p>
-          <a:p>
-            <a:pPr lvl="4" eaLnBrk="1" latinLnBrk="0" hangingPunct="1"/>
-            <a:r>
-              <a:rPr lang="en-US" smtClean="0"/>
-              <a:t>Fifth level</a:t>
-            </a:r>
-            <a:endParaRPr kumimoji="0" lang="en-US"/>
+            <a:endParaRPr lang="en-US" dirty="0"/>
           </a:p>
         </p:txBody>
       </p:sp>
@@ -1117,6 +858,63 @@
               <a:t>‹#›</a:t>
             </a:fld>
             <a:endParaRPr lang="en-US"/>
+          </a:p>
+        </p:txBody>
+      </p:sp>
+      <p:sp>
+        <p:nvSpPr>
+          <p:cNvPr id="8" name="Content Placeholder 7"/>
+          <p:cNvSpPr>
+            <a:spLocks noGrp="1"/>
+          </p:cNvSpPr>
+          <p:nvPr>
+            <p:ph sz="quarter" idx="13"/>
+          </p:nvPr>
+        </p:nvSpPr>
+        <p:spPr>
+          <a:xfrm>
+            <a:off x="609600" y="1600200"/>
+            <a:ext cx="7924800" cy="4114800"/>
+          </a:xfrm>
+        </p:spPr>
+        <p:txBody>
+          <a:bodyPr/>
+          <a:lstStyle/>
+          <a:p>
+            <a:pPr lvl="0"/>
+            <a:r>
+              <a:rPr lang="en-US" smtClean="0"/>
+              <a:t>Click to edit Master text styles</a:t>
+            </a:r>
+          </a:p>
+          <a:p>
+            <a:pPr lvl="1"/>
+            <a:r>
+              <a:rPr lang="en-US" smtClean="0"/>
+              <a:t>Second level</a:t>
+            </a:r>
+          </a:p>
+          <a:p>
+            <a:pPr lvl="2"/>
+            <a:r>
+              <a:rPr lang="en-US" smtClean="0"/>
+              <a:t>Third level</a:t>
+            </a:r>
+          </a:p>
+          <a:p>
+            <a:pPr lvl="3"/>
+            <a:r>
+              <a:rPr lang="en-US" smtClean="0"/>
+              <a:t>Fourth level</a:t>
+            </a:r>
+          </a:p>
+          <a:p>
+            <a:pPr lvl="4"/>
+            <a:r>
+              <a:rPr lang="en-US" smtClean="0"/>
+              <a:t>Fifth level</a:t>
+            </a:r>
+            <a:endParaRPr lang="en-US" dirty="0"/>
           </a:p>
         </p:txBody>
       </p:sp>
@@ -1131,11 +929,6 @@
 <file path=ppt/slideLayouts/slideLayout3.xml><?xml version="1.0" encoding="utf-8"?>
 <p:sldLayout xmlns:a="http://schemas.openxmlformats.org/drawingml/2006/main" xmlns:r="http://schemas.openxmlformats.org/officeDocument/2006/relationships" xmlns:p="http://schemas.openxmlformats.org/presentationml/2006/main" showMasterSp="0" type="secHead" preserve="1">
   <p:cSld name="Section Header">
-    <p:bg>
-      <p:bgRef idx="1002">
-        <a:schemeClr val="bg2"/>
-      </p:bgRef>
-    </p:bg>
     <p:spTree>
       <p:nvGrpSpPr>
         <p:cNvPr id="1" name=""/>
@@ -1152,107 +945,6 @@
       </p:grpSpPr>
       <p:sp>
         <p:nvSpPr>
-          <p:cNvPr id="9" name="Rectangle 8"/>
-          <p:cNvSpPr/>
-          <p:nvPr/>
-        </p:nvSpPr>
-        <p:spPr bwMode="ltGray">
-          <a:xfrm>
-            <a:off x="0" y="1"/>
-            <a:ext cx="9144000" cy="2602520"/>
-          </a:xfrm>
-          <a:prstGeom prst="rect">
-            <a:avLst/>
-          </a:prstGeom>
-          <a:solidFill>
-            <a:srgbClr val="000000"/>
-          </a:solidFill>
-          <a:ln w="48000" cap="flat" cmpd="thickThin" algn="ctr">
-            <a:noFill/>
-            <a:prstDash val="solid"/>
-          </a:ln>
-        </p:spPr>
-        <p:style>
-          <a:lnRef idx="2">
-            <a:schemeClr val="accent1"/>
-          </a:lnRef>
-          <a:fillRef idx="1">
-            <a:schemeClr val="accent1"/>
-          </a:fillRef>
-          <a:effectRef idx="0">
-            <a:schemeClr val="accent1"/>
-          </a:effectRef>
-          <a:fontRef idx="minor">
-            <a:schemeClr val="lt1"/>
-          </a:fontRef>
-        </p:style>
-        <p:txBody>
-          <a:bodyPr rtlCol="0" anchor="ctr"/>
-          <a:lstStyle>
-            <a:extLst/>
-          </a:lstStyle>
-          <a:p>
-            <a:pPr algn="ctr" eaLnBrk="1" latinLnBrk="0" hangingPunct="1"/>
-            <a:endParaRPr kumimoji="0" lang="en-US"/>
-          </a:p>
-        </p:txBody>
-      </p:sp>
-      <p:sp>
-        <p:nvSpPr>
-          <p:cNvPr id="12" name="Rectangle 11"/>
-          <p:cNvSpPr/>
-          <p:nvPr/>
-        </p:nvSpPr>
-        <p:spPr bwMode="invGray">
-          <a:xfrm>
-            <a:off x="0" y="2602520"/>
-            <a:ext cx="9144000" cy="45720"/>
-          </a:xfrm>
-          <a:prstGeom prst="rect">
-            <a:avLst/>
-          </a:prstGeom>
-          <a:solidFill>
-            <a:srgbClr val="FFFFFF"/>
-          </a:solidFill>
-          <a:ln w="48000" cap="flat" cmpd="thickThin" algn="ctr">
-            <a:noFill/>
-            <a:prstDash val="solid"/>
-          </a:ln>
-          <a:effectLst>
-            <a:outerShdw blurRad="31750" dist="10160" dir="5400000" algn="tl" rotWithShape="0">
-              <a:srgbClr val="000000">
-                <a:alpha val="60000"/>
-              </a:srgbClr>
-            </a:outerShdw>
-          </a:effectLst>
-        </p:spPr>
-        <p:style>
-          <a:lnRef idx="2">
-            <a:schemeClr val="accent1"/>
-          </a:lnRef>
-          <a:fillRef idx="1">
-            <a:schemeClr val="accent1"/>
-          </a:fillRef>
-          <a:effectRef idx="0">
-            <a:schemeClr val="accent1"/>
-          </a:effectRef>
-          <a:fontRef idx="minor">
-            <a:schemeClr val="lt1"/>
-          </a:fontRef>
-        </p:style>
-        <p:txBody>
-          <a:bodyPr rtlCol="0" anchor="ctr"/>
-          <a:lstStyle>
-            <a:extLst/>
-          </a:lstStyle>
-          <a:p>
-            <a:pPr algn="ctr" eaLnBrk="1" latinLnBrk="0" hangingPunct="1"/>
-            <a:endParaRPr kumimoji="0" lang="en-US"/>
-          </a:p>
-        </p:txBody>
-      </p:sp>
-      <p:sp>
-        <p:nvSpPr>
           <p:cNvPr id="2" name="Title 1"/>
           <p:cNvSpPr>
             <a:spLocks noGrp="1"/>
@@ -1263,35 +955,23 @@
         </p:nvSpPr>
         <p:spPr>
           <a:xfrm>
-            <a:off x="749808" y="118872"/>
-            <a:ext cx="8013192" cy="1636776"/>
+            <a:off x="609600" y="4962525"/>
+            <a:ext cx="7885113" cy="1362075"/>
           </a:xfrm>
         </p:spPr>
         <p:txBody>
-          <a:bodyPr vert="horz" lIns="91440" tIns="0" rIns="91440" bIns="0" rtlCol="0" anchor="b">
-            <a:normAutofit/>
-            <a:scene3d>
-              <a:camera prst="orthographicFront"/>
-              <a:lightRig rig="threePt" dir="t">
-                <a:rot lat="0" lon="0" rev="4800000"/>
-              </a:lightRig>
-            </a:scene3d>
-            <a:sp3d prstMaterial="matte">
-              <a:bevelT w="50800" h="10160"/>
-            </a:sp3d>
-          </a:bodyPr>
+          <a:bodyPr anchor="t"/>
           <a:lstStyle>
             <a:lvl1pPr algn="l">
-              <a:defRPr sz="4700" b="1" cap="none" baseline="0"/>
+              <a:defRPr sz="3200" b="0" i="0" cap="all" baseline="0"/>
             </a:lvl1pPr>
-            <a:extLst/>
           </a:lstStyle>
           <a:p>
             <a:r>
-              <a:rPr kumimoji="0" lang="en-US" smtClean="0"/>
+              <a:rPr lang="en-US" smtClean="0"/>
               <a:t>Click to edit Master title style</a:t>
             </a:r>
-            <a:endParaRPr kumimoji="0" lang="en-US"/>
+            <a:endParaRPr lang="en-US" dirty="0"/>
           </a:p>
         </p:txBody>
       </p:sp>
@@ -1307,18 +987,20 @@
         </p:nvSpPr>
         <p:spPr>
           <a:xfrm>
-            <a:off x="740664" y="1828800"/>
-            <a:ext cx="8022336" cy="685800"/>
+            <a:off x="609600" y="3462338"/>
+            <a:ext cx="7885113" cy="1500187"/>
           </a:xfrm>
         </p:spPr>
         <p:txBody>
-          <a:bodyPr lIns="146304" tIns="0" rIns="45720" bIns="0" anchor="t"/>
+          <a:bodyPr anchor="b">
+            <a:normAutofit/>
+          </a:bodyPr>
           <a:lstStyle>
             <a:lvl1pPr marL="0" indent="0">
               <a:buNone/>
-              <a:defRPr sz="2000">
+              <a:defRPr sz="1700" baseline="0">
                 <a:solidFill>
-                  <a:srgbClr val="FFFFFF"/>
+                  <a:schemeClr val="tx2"/>
                 </a:solidFill>
               </a:defRPr>
             </a:lvl1pPr>
@@ -1402,12 +1084,11 @@
                 </a:solidFill>
               </a:defRPr>
             </a:lvl9pPr>
-            <a:extLst/>
           </a:lstStyle>
           <a:p>
-            <a:pPr lvl="0" eaLnBrk="1" latinLnBrk="0" hangingPunct="1"/>
-            <a:r>
-              <a:rPr kumimoji="0" lang="en-US" smtClean="0"/>
+            <a:pPr lvl="0"/>
+            <a:r>
+              <a:rPr lang="en-US" smtClean="0"/>
               <a:t>Click to edit Master text styles</a:t>
             </a:r>
           </a:p>
@@ -1481,7 +1162,7 @@
     </p:spTree>
   </p:cSld>
   <p:clrMapOvr>
-    <a:overrideClrMapping bg1="dk1" tx1="lt1" bg2="dk2" tx2="lt2" accent1="accent1" accent2="accent2" accent3="accent3" accent4="accent4" accent5="accent5" accent6="accent6" hlink="hlink" folHlink="folHlink"/>
+    <a:masterClrMapping/>
   </p:clrMapOvr>
 </p:sldLayout>
 </file>
@@ -1505,198 +1186,204 @@
       </p:grpSpPr>
       <p:sp>
         <p:nvSpPr>
-          <p:cNvPr id="2" name="Title 1"/>
-          <p:cNvSpPr>
-            <a:spLocks noGrp="1"/>
-          </p:cNvSpPr>
-          <p:nvPr>
-            <p:ph type="title"/>
-          </p:nvPr>
-        </p:nvSpPr>
-        <p:spPr/>
+          <p:cNvPr id="11" name="Content Placeholder 10"/>
+          <p:cNvSpPr>
+            <a:spLocks noGrp="1"/>
+          </p:cNvSpPr>
+          <p:nvPr>
+            <p:ph sz="quarter" idx="13"/>
+          </p:nvPr>
+        </p:nvSpPr>
+        <p:spPr>
+          <a:xfrm>
+            <a:off x="609600" y="1600200"/>
+            <a:ext cx="3733800" cy="4114800"/>
+          </a:xfrm>
+        </p:spPr>
         <p:txBody>
           <a:bodyPr/>
           <a:lstStyle>
-            <a:extLst/>
+            <a:lvl5pPr>
+              <a:defRPr/>
+            </a:lvl5pPr>
+            <a:lvl6pPr>
+              <a:buClr>
+                <a:schemeClr val="tx2"/>
+              </a:buClr>
+              <a:buFont typeface="Arial" pitchFamily="34" charset="0"/>
+              <a:buChar char="•"/>
+              <a:defRPr/>
+            </a:lvl6pPr>
+            <a:lvl7pPr>
+              <a:buClr>
+                <a:schemeClr val="tx2"/>
+              </a:buClr>
+              <a:buFont typeface="Arial" pitchFamily="34" charset="0"/>
+              <a:buChar char="•"/>
+              <a:defRPr/>
+            </a:lvl7pPr>
+            <a:lvl8pPr>
+              <a:buClr>
+                <a:schemeClr val="tx2"/>
+              </a:buClr>
+              <a:buFont typeface="Arial" pitchFamily="34" charset="0"/>
+              <a:buChar char="•"/>
+              <a:defRPr/>
+            </a:lvl8pPr>
+            <a:lvl9pPr>
+              <a:buClr>
+                <a:schemeClr val="tx2"/>
+              </a:buClr>
+              <a:buFont typeface="Arial" pitchFamily="34" charset="0"/>
+              <a:buChar char="•"/>
+              <a:defRPr/>
+            </a:lvl9pPr>
           </a:lstStyle>
           <a:p>
-            <a:r>
-              <a:rPr kumimoji="0" lang="en-US" smtClean="0"/>
-              <a:t>Click to edit Master title style</a:t>
-            </a:r>
-            <a:endParaRPr kumimoji="0" lang="en-US"/>
-          </a:p>
-        </p:txBody>
-      </p:sp>
-      <p:sp>
-        <p:nvSpPr>
-          <p:cNvPr id="3" name="Content Placeholder 2"/>
-          <p:cNvSpPr>
-            <a:spLocks noGrp="1"/>
-          </p:cNvSpPr>
-          <p:nvPr>
-            <p:ph sz="half" idx="1"/>
+            <a:pPr lvl="0"/>
+            <a:r>
+              <a:rPr lang="en-US" smtClean="0"/>
+              <a:t>Click to edit Master text styles</a:t>
+            </a:r>
+          </a:p>
+          <a:p>
+            <a:pPr lvl="1"/>
+            <a:r>
+              <a:rPr lang="en-US" smtClean="0"/>
+              <a:t>Second level</a:t>
+            </a:r>
+          </a:p>
+          <a:p>
+            <a:pPr lvl="2"/>
+            <a:r>
+              <a:rPr lang="en-US" smtClean="0"/>
+              <a:t>Third level</a:t>
+            </a:r>
+          </a:p>
+          <a:p>
+            <a:pPr lvl="3"/>
+            <a:r>
+              <a:rPr lang="en-US" smtClean="0"/>
+              <a:t>Fourth level</a:t>
+            </a:r>
+          </a:p>
+          <a:p>
+            <a:pPr lvl="4"/>
+            <a:r>
+              <a:rPr lang="en-US" smtClean="0"/>
+              <a:t>Fifth level</a:t>
+            </a:r>
+            <a:endParaRPr lang="en-US" dirty="0" smtClean="0"/>
+          </a:p>
+        </p:txBody>
+      </p:sp>
+      <p:sp>
+        <p:nvSpPr>
+          <p:cNvPr id="13" name="Content Placeholder 12"/>
+          <p:cNvSpPr>
+            <a:spLocks noGrp="1"/>
+          </p:cNvSpPr>
+          <p:nvPr>
+            <p:ph sz="quarter" idx="14"/>
           </p:nvPr>
         </p:nvSpPr>
         <p:spPr>
           <a:xfrm>
-            <a:off x="457200" y="1773936"/>
-            <a:ext cx="4038600" cy="4623816"/>
+            <a:off x="4800600" y="1600200"/>
+            <a:ext cx="3733800" cy="4114800"/>
           </a:xfrm>
         </p:spPr>
         <p:txBody>
-          <a:bodyPr lIns="91440"/>
+          <a:bodyPr/>
           <a:lstStyle>
-            <a:lvl1pPr>
-              <a:defRPr sz="2800"/>
-            </a:lvl1pPr>
-            <a:lvl2pPr>
-              <a:defRPr sz="2400"/>
-            </a:lvl2pPr>
-            <a:lvl3pPr>
-              <a:defRPr sz="2000"/>
-            </a:lvl3pPr>
-            <a:lvl4pPr>
-              <a:defRPr sz="1800"/>
-            </a:lvl4pPr>
-            <a:lvl5pPr>
-              <a:defRPr sz="1800"/>
-            </a:lvl5pPr>
             <a:lvl6pPr>
-              <a:defRPr sz="1800"/>
+              <a:buClr>
+                <a:schemeClr val="tx2"/>
+              </a:buClr>
+              <a:defRPr/>
             </a:lvl6pPr>
             <a:lvl7pPr>
-              <a:defRPr sz="1800"/>
+              <a:buClr>
+                <a:schemeClr val="tx2"/>
+              </a:buClr>
+              <a:defRPr/>
             </a:lvl7pPr>
             <a:lvl8pPr>
-              <a:defRPr sz="1800"/>
+              <a:buClr>
+                <a:schemeClr val="tx2"/>
+              </a:buClr>
+              <a:defRPr/>
             </a:lvl8pPr>
             <a:lvl9pPr>
-              <a:defRPr sz="1800"/>
+              <a:buClr>
+                <a:schemeClr val="tx2"/>
+              </a:buClr>
+              <a:defRPr/>
             </a:lvl9pPr>
-            <a:extLst/>
           </a:lstStyle>
           <a:p>
-            <a:pPr lvl="0" eaLnBrk="1" latinLnBrk="0" hangingPunct="1"/>
+            <a:pPr lvl="0"/>
             <a:r>
               <a:rPr lang="en-US" smtClean="0"/>
               <a:t>Click to edit Master text styles</a:t>
             </a:r>
           </a:p>
           <a:p>
-            <a:pPr lvl="1" eaLnBrk="1" latinLnBrk="0" hangingPunct="1"/>
+            <a:pPr lvl="1"/>
             <a:r>
               <a:rPr lang="en-US" smtClean="0"/>
               <a:t>Second level</a:t>
             </a:r>
           </a:p>
           <a:p>
-            <a:pPr lvl="2" eaLnBrk="1" latinLnBrk="0" hangingPunct="1"/>
+            <a:pPr lvl="2"/>
             <a:r>
               <a:rPr lang="en-US" smtClean="0"/>
               <a:t>Third level</a:t>
             </a:r>
           </a:p>
           <a:p>
-            <a:pPr lvl="3" eaLnBrk="1" latinLnBrk="0" hangingPunct="1"/>
+            <a:pPr lvl="3"/>
             <a:r>
               <a:rPr lang="en-US" smtClean="0"/>
               <a:t>Fourth level</a:t>
             </a:r>
           </a:p>
           <a:p>
-            <a:pPr lvl="4" eaLnBrk="1" latinLnBrk="0" hangingPunct="1"/>
+            <a:pPr lvl="4"/>
             <a:r>
               <a:rPr lang="en-US" smtClean="0"/>
               <a:t>Fifth level</a:t>
             </a:r>
-            <a:endParaRPr kumimoji="0" lang="en-US"/>
-          </a:p>
-        </p:txBody>
-      </p:sp>
-      <p:sp>
-        <p:nvSpPr>
-          <p:cNvPr id="4" name="Content Placeholder 3"/>
-          <p:cNvSpPr>
-            <a:spLocks noGrp="1"/>
-          </p:cNvSpPr>
-          <p:nvPr>
-            <p:ph sz="half" idx="2"/>
+            <a:endParaRPr lang="en-US" dirty="0" smtClean="0"/>
+          </a:p>
+        </p:txBody>
+      </p:sp>
+      <p:sp>
+        <p:nvSpPr>
+          <p:cNvPr id="2" name="Title 1"/>
+          <p:cNvSpPr>
+            <a:spLocks noGrp="1"/>
+          </p:cNvSpPr>
+          <p:nvPr>
+            <p:ph type="title"/>
           </p:nvPr>
         </p:nvSpPr>
         <p:spPr>
           <a:xfrm>
-            <a:off x="4648200" y="1773936"/>
-            <a:ext cx="4038600" cy="4623816"/>
+            <a:off x="609600" y="274638"/>
+            <a:ext cx="7924800" cy="1143000"/>
           </a:xfrm>
         </p:spPr>
         <p:txBody>
           <a:bodyPr/>
-          <a:lstStyle>
-            <a:lvl1pPr>
-              <a:defRPr sz="2800"/>
-            </a:lvl1pPr>
-            <a:lvl2pPr>
-              <a:defRPr sz="2400"/>
-            </a:lvl2pPr>
-            <a:lvl3pPr>
-              <a:defRPr sz="2000"/>
-            </a:lvl3pPr>
-            <a:lvl4pPr>
-              <a:defRPr sz="1800"/>
-            </a:lvl4pPr>
-            <a:lvl5pPr>
-              <a:defRPr sz="1800"/>
-            </a:lvl5pPr>
-            <a:lvl6pPr>
-              <a:defRPr sz="1800"/>
-            </a:lvl6pPr>
-            <a:lvl7pPr>
-              <a:defRPr sz="1800"/>
-            </a:lvl7pPr>
-            <a:lvl8pPr>
-              <a:defRPr sz="1800"/>
-            </a:lvl8pPr>
-            <a:lvl9pPr>
-              <a:defRPr sz="1800"/>
-            </a:lvl9pPr>
-            <a:extLst/>
-          </a:lstStyle>
-          <a:p>
-            <a:pPr lvl="0" eaLnBrk="1" latinLnBrk="0" hangingPunct="1"/>
-            <a:r>
-              <a:rPr lang="en-US" smtClean="0"/>
-              <a:t>Click to edit Master text styles</a:t>
-            </a:r>
-          </a:p>
-          <a:p>
-            <a:pPr lvl="1" eaLnBrk="1" latinLnBrk="0" hangingPunct="1"/>
-            <a:r>
-              <a:rPr lang="en-US" smtClean="0"/>
-              <a:t>Second level</a:t>
-            </a:r>
-          </a:p>
-          <a:p>
-            <a:pPr lvl="2" eaLnBrk="1" latinLnBrk="0" hangingPunct="1"/>
-            <a:r>
-              <a:rPr lang="en-US" smtClean="0"/>
-              <a:t>Third level</a:t>
-            </a:r>
-          </a:p>
-          <a:p>
-            <a:pPr lvl="3" eaLnBrk="1" latinLnBrk="0" hangingPunct="1"/>
-            <a:r>
-              <a:rPr lang="en-US" smtClean="0"/>
-              <a:t>Fourth level</a:t>
-            </a:r>
-          </a:p>
-          <a:p>
-            <a:pPr lvl="4" eaLnBrk="1" latinLnBrk="0" hangingPunct="1"/>
-            <a:r>
-              <a:rPr lang="en-US" smtClean="0"/>
-              <a:t>Fifth level</a:t>
-            </a:r>
-            <a:endParaRPr kumimoji="0" lang="en-US"/>
+          <a:lstStyle/>
+          <a:p>
+            <a:r>
+              <a:rPr lang="en-US" smtClean="0"/>
+              <a:t>Click to edit Master title style</a:t>
+            </a:r>
+            <a:endParaRPr lang="en-US" dirty="0"/>
           </a:p>
         </p:txBody>
       </p:sp>
@@ -1792,6 +1479,170 @@
       </p:grpSpPr>
       <p:sp>
         <p:nvSpPr>
+          <p:cNvPr id="13" name="Content Placeholder 12"/>
+          <p:cNvSpPr>
+            <a:spLocks noGrp="1"/>
+          </p:cNvSpPr>
+          <p:nvPr>
+            <p:ph sz="quarter" idx="14"/>
+          </p:nvPr>
+        </p:nvSpPr>
+        <p:spPr>
+          <a:xfrm>
+            <a:off x="4800600" y="2209800"/>
+            <a:ext cx="3733800" cy="3505200"/>
+          </a:xfrm>
+        </p:spPr>
+        <p:txBody>
+          <a:bodyPr/>
+          <a:lstStyle>
+            <a:lvl6pPr>
+              <a:buClr>
+                <a:schemeClr val="tx2"/>
+              </a:buClr>
+              <a:defRPr/>
+            </a:lvl6pPr>
+            <a:lvl7pPr>
+              <a:buClr>
+                <a:schemeClr val="tx2"/>
+              </a:buClr>
+              <a:defRPr/>
+            </a:lvl7pPr>
+            <a:lvl8pPr>
+              <a:buClr>
+                <a:schemeClr val="tx2"/>
+              </a:buClr>
+              <a:defRPr/>
+            </a:lvl8pPr>
+            <a:lvl9pPr>
+              <a:buClr>
+                <a:schemeClr val="tx2"/>
+              </a:buClr>
+              <a:defRPr/>
+            </a:lvl9pPr>
+          </a:lstStyle>
+          <a:p>
+            <a:pPr lvl="0"/>
+            <a:r>
+              <a:rPr lang="en-US" smtClean="0"/>
+              <a:t>Click to edit Master text styles</a:t>
+            </a:r>
+          </a:p>
+          <a:p>
+            <a:pPr lvl="1"/>
+            <a:r>
+              <a:rPr lang="en-US" smtClean="0"/>
+              <a:t>Second level</a:t>
+            </a:r>
+          </a:p>
+          <a:p>
+            <a:pPr lvl="2"/>
+            <a:r>
+              <a:rPr lang="en-US" smtClean="0"/>
+              <a:t>Third level</a:t>
+            </a:r>
+          </a:p>
+          <a:p>
+            <a:pPr lvl="3"/>
+            <a:r>
+              <a:rPr lang="en-US" smtClean="0"/>
+              <a:t>Fourth level</a:t>
+            </a:r>
+          </a:p>
+          <a:p>
+            <a:pPr lvl="4"/>
+            <a:r>
+              <a:rPr lang="en-US" smtClean="0"/>
+              <a:t>Fifth level</a:t>
+            </a:r>
+            <a:endParaRPr lang="en-US" dirty="0" smtClean="0"/>
+          </a:p>
+        </p:txBody>
+      </p:sp>
+      <p:sp>
+        <p:nvSpPr>
+          <p:cNvPr id="11" name="Content Placeholder 10"/>
+          <p:cNvSpPr>
+            <a:spLocks noGrp="1"/>
+          </p:cNvSpPr>
+          <p:nvPr>
+            <p:ph sz="quarter" idx="13"/>
+          </p:nvPr>
+        </p:nvSpPr>
+        <p:spPr>
+          <a:xfrm>
+            <a:off x="609600" y="2209800"/>
+            <a:ext cx="3733800" cy="3505200"/>
+          </a:xfrm>
+        </p:spPr>
+        <p:txBody>
+          <a:bodyPr/>
+          <a:lstStyle>
+            <a:lvl6pPr>
+              <a:buClr>
+                <a:schemeClr val="tx2"/>
+              </a:buClr>
+              <a:defRPr/>
+            </a:lvl6pPr>
+            <a:lvl7pPr>
+              <a:buClr>
+                <a:schemeClr val="tx2"/>
+              </a:buClr>
+              <a:defRPr/>
+            </a:lvl7pPr>
+            <a:lvl8pPr>
+              <a:buClr>
+                <a:schemeClr val="tx2"/>
+              </a:buClr>
+              <a:defRPr/>
+            </a:lvl8pPr>
+            <a:lvl9pPr>
+              <a:buClr>
+                <a:schemeClr val="tx2"/>
+              </a:buClr>
+              <a:defRPr/>
+            </a:lvl9pPr>
+          </a:lstStyle>
+          <a:p>
+            <a:pPr lvl="0"/>
+            <a:r>
+              <a:rPr lang="en-US" smtClean="0"/>
+              <a:t>Click to edit Master text styles</a:t>
+            </a:r>
+          </a:p>
+          <a:p>
+            <a:pPr lvl="1"/>
+            <a:r>
+              <a:rPr lang="en-US" smtClean="0"/>
+              <a:t>Second level</a:t>
+            </a:r>
+          </a:p>
+          <a:p>
+            <a:pPr lvl="2"/>
+            <a:r>
+              <a:rPr lang="en-US" smtClean="0"/>
+              <a:t>Third level</a:t>
+            </a:r>
+          </a:p>
+          <a:p>
+            <a:pPr lvl="3"/>
+            <a:r>
+              <a:rPr lang="en-US" smtClean="0"/>
+              <a:t>Fourth level</a:t>
+            </a:r>
+          </a:p>
+          <a:p>
+            <a:pPr lvl="4"/>
+            <a:r>
+              <a:rPr lang="en-US" smtClean="0"/>
+              <a:t>Fifth level</a:t>
+            </a:r>
+            <a:endParaRPr lang="en-US" dirty="0" smtClean="0"/>
+          </a:p>
+        </p:txBody>
+      </p:sp>
+      <p:sp>
+        <p:nvSpPr>
           <p:cNvPr id="2" name="Title 1"/>
           <p:cNvSpPr>
             <a:spLocks noGrp="1"/>
@@ -1800,21 +1651,25 @@
             <p:ph type="title"/>
           </p:nvPr>
         </p:nvSpPr>
-        <p:spPr/>
+        <p:spPr>
+          <a:xfrm>
+            <a:off x="609600" y="274638"/>
+            <a:ext cx="7924800" cy="1143000"/>
+          </a:xfrm>
+        </p:spPr>
         <p:txBody>
           <a:bodyPr/>
           <a:lstStyle>
             <a:lvl1pPr>
               <a:defRPr/>
             </a:lvl1pPr>
-            <a:extLst/>
           </a:lstStyle>
           <a:p>
             <a:r>
-              <a:rPr kumimoji="0" lang="en-US" smtClean="0"/>
+              <a:rPr lang="en-US" smtClean="0"/>
               <a:t>Click to edit Master title style</a:t>
             </a:r>
-            <a:endParaRPr kumimoji="0" lang="en-US"/>
+            <a:endParaRPr lang="en-US" dirty="0"/>
           </a:p>
         </p:txBody>
       </p:sp>
@@ -1830,16 +1685,22 @@
         </p:nvSpPr>
         <p:spPr>
           <a:xfrm>
-            <a:off x="457200" y="1698987"/>
-            <a:ext cx="4040188" cy="715355"/>
+            <a:off x="609600" y="1600199"/>
+            <a:ext cx="3733800" cy="574675"/>
           </a:xfrm>
         </p:spPr>
         <p:txBody>
-          <a:bodyPr lIns="146304" anchor="ctr"/>
+          <a:bodyPr anchor="b">
+            <a:normAutofit/>
+          </a:bodyPr>
           <a:lstStyle>
             <a:lvl1pPr marL="0" indent="0">
               <a:buNone/>
-              <a:defRPr sz="2300" b="1" cap="all" baseline="0"/>
+              <a:defRPr sz="1700" b="0" i="0" baseline="0">
+                <a:solidFill>
+                  <a:schemeClr val="tx2"/>
+                </a:solidFill>
+              </a:defRPr>
             </a:lvl1pPr>
             <a:lvl2pPr marL="457200" indent="0">
               <a:buNone/>
@@ -1873,12 +1734,11 @@
               <a:buNone/>
               <a:defRPr sz="1600" b="1"/>
             </a:lvl9pPr>
-            <a:extLst/>
           </a:lstStyle>
           <a:p>
-            <a:pPr lvl="0" eaLnBrk="1" latinLnBrk="0" hangingPunct="1"/>
-            <a:r>
-              <a:rPr kumimoji="0" lang="en-US" smtClean="0"/>
+            <a:pPr lvl="0"/>
+            <a:r>
+              <a:rPr lang="en-US" smtClean="0"/>
               <a:t>Click to edit Master text styles</a:t>
             </a:r>
           </a:p>
@@ -1886,112 +1746,32 @@
       </p:sp>
       <p:sp>
         <p:nvSpPr>
-          <p:cNvPr id="4" name="Content Placeholder 3"/>
-          <p:cNvSpPr>
-            <a:spLocks noGrp="1"/>
-          </p:cNvSpPr>
-          <p:nvPr>
-            <p:ph sz="half" idx="2"/>
+          <p:cNvPr id="5" name="Text Placeholder 4"/>
+          <p:cNvSpPr>
+            <a:spLocks noGrp="1"/>
+          </p:cNvSpPr>
+          <p:nvPr>
+            <p:ph type="body" sz="quarter" idx="3"/>
           </p:nvPr>
         </p:nvSpPr>
         <p:spPr>
           <a:xfrm>
-            <a:off x="457200" y="2449512"/>
-            <a:ext cx="4040188" cy="3951288"/>
+            <a:off x="4800600" y="1600199"/>
+            <a:ext cx="3733800" cy="574675"/>
           </a:xfrm>
         </p:spPr>
         <p:txBody>
-          <a:bodyPr/>
-          <a:lstStyle>
-            <a:lvl1pPr>
-              <a:defRPr sz="2400"/>
-            </a:lvl1pPr>
-            <a:lvl2pPr>
-              <a:defRPr sz="2000"/>
-            </a:lvl2pPr>
-            <a:lvl3pPr>
-              <a:defRPr sz="1800"/>
-            </a:lvl3pPr>
-            <a:lvl4pPr>
-              <a:defRPr sz="1600"/>
-            </a:lvl4pPr>
-            <a:lvl5pPr>
-              <a:defRPr sz="1600"/>
-            </a:lvl5pPr>
-            <a:lvl6pPr>
-              <a:defRPr sz="1600"/>
-            </a:lvl6pPr>
-            <a:lvl7pPr>
-              <a:defRPr sz="1600"/>
-            </a:lvl7pPr>
-            <a:lvl8pPr>
-              <a:defRPr sz="1600"/>
-            </a:lvl8pPr>
-            <a:lvl9pPr>
-              <a:defRPr sz="1600"/>
-            </a:lvl9pPr>
-            <a:extLst/>
-          </a:lstStyle>
-          <a:p>
-            <a:pPr lvl="0" eaLnBrk="1" latinLnBrk="0" hangingPunct="1"/>
-            <a:r>
-              <a:rPr lang="en-US" smtClean="0"/>
-              <a:t>Click to edit Master text styles</a:t>
-            </a:r>
-          </a:p>
-          <a:p>
-            <a:pPr lvl="1" eaLnBrk="1" latinLnBrk="0" hangingPunct="1"/>
-            <a:r>
-              <a:rPr lang="en-US" smtClean="0"/>
-              <a:t>Second level</a:t>
-            </a:r>
-          </a:p>
-          <a:p>
-            <a:pPr lvl="2" eaLnBrk="1" latinLnBrk="0" hangingPunct="1"/>
-            <a:r>
-              <a:rPr lang="en-US" smtClean="0"/>
-              <a:t>Third level</a:t>
-            </a:r>
-          </a:p>
-          <a:p>
-            <a:pPr lvl="3" eaLnBrk="1" latinLnBrk="0" hangingPunct="1"/>
-            <a:r>
-              <a:rPr lang="en-US" smtClean="0"/>
-              <a:t>Fourth level</a:t>
-            </a:r>
-          </a:p>
-          <a:p>
-            <a:pPr lvl="4" eaLnBrk="1" latinLnBrk="0" hangingPunct="1"/>
-            <a:r>
-              <a:rPr lang="en-US" smtClean="0"/>
-              <a:t>Fifth level</a:t>
-            </a:r>
-            <a:endParaRPr kumimoji="0" lang="en-US"/>
-          </a:p>
-        </p:txBody>
-      </p:sp>
-      <p:sp>
-        <p:nvSpPr>
-          <p:cNvPr id="5" name="Text Placeholder 4"/>
-          <p:cNvSpPr>
-            <a:spLocks noGrp="1"/>
-          </p:cNvSpPr>
-          <p:nvPr>
-            <p:ph type="body" sz="quarter" idx="3"/>
-          </p:nvPr>
-        </p:nvSpPr>
-        <p:spPr>
-          <a:xfrm>
-            <a:off x="4645025" y="1698987"/>
-            <a:ext cx="4041775" cy="715355"/>
-          </a:xfrm>
-        </p:spPr>
-        <p:txBody>
-          <a:bodyPr lIns="146304" anchor="ctr"/>
+          <a:bodyPr anchor="b">
+            <a:normAutofit/>
+          </a:bodyPr>
           <a:lstStyle>
             <a:lvl1pPr marL="0" indent="0">
               <a:buNone/>
-              <a:defRPr sz="2300" b="1" cap="all" baseline="0"/>
+              <a:defRPr sz="1700" b="0" i="0" baseline="0">
+                <a:solidFill>
+                  <a:schemeClr val="tx2"/>
+                </a:solidFill>
+              </a:defRPr>
             </a:lvl1pPr>
             <a:lvl2pPr marL="457200" indent="0">
               <a:buNone/>
@@ -2025,100 +1805,13 @@
               <a:buNone/>
               <a:defRPr sz="1600" b="1"/>
             </a:lvl9pPr>
-            <a:extLst/>
           </a:lstStyle>
           <a:p>
-            <a:pPr lvl="0" eaLnBrk="1" latinLnBrk="0" hangingPunct="1"/>
-            <a:r>
-              <a:rPr kumimoji="0" lang="en-US" smtClean="0"/>
+            <a:pPr lvl="0"/>
+            <a:r>
+              <a:rPr lang="en-US" smtClean="0"/>
               <a:t>Click to edit Master text styles</a:t>
             </a:r>
-          </a:p>
-        </p:txBody>
-      </p:sp>
-      <p:sp>
-        <p:nvSpPr>
-          <p:cNvPr id="6" name="Content Placeholder 5"/>
-          <p:cNvSpPr>
-            <a:spLocks noGrp="1"/>
-          </p:cNvSpPr>
-          <p:nvPr>
-            <p:ph sz="quarter" idx="4"/>
-          </p:nvPr>
-        </p:nvSpPr>
-        <p:spPr>
-          <a:xfrm>
-            <a:off x="4645025" y="2449512"/>
-            <a:ext cx="4041775" cy="3951288"/>
-          </a:xfrm>
-        </p:spPr>
-        <p:txBody>
-          <a:bodyPr/>
-          <a:lstStyle>
-            <a:lvl1pPr>
-              <a:defRPr sz="2400"/>
-            </a:lvl1pPr>
-            <a:lvl2pPr>
-              <a:defRPr sz="2000"/>
-            </a:lvl2pPr>
-            <a:lvl3pPr>
-              <a:defRPr sz="1800"/>
-            </a:lvl3pPr>
-            <a:lvl4pPr>
-              <a:defRPr sz="1600"/>
-            </a:lvl4pPr>
-            <a:lvl5pPr>
-              <a:defRPr sz="1600"/>
-            </a:lvl5pPr>
-            <a:lvl6pPr>
-              <a:defRPr sz="1600"/>
-            </a:lvl6pPr>
-            <a:lvl7pPr>
-              <a:defRPr sz="1600"/>
-            </a:lvl7pPr>
-            <a:lvl8pPr>
-              <a:defRPr sz="1600"/>
-            </a:lvl8pPr>
-            <a:lvl9pPr>
-              <a:defRPr sz="1600"/>
-            </a:lvl9pPr>
-            <a:extLst/>
-          </a:lstStyle>
-          <a:p>
-            <a:pPr lvl="0" eaLnBrk="1" latinLnBrk="0" hangingPunct="1"/>
-            <a:r>
-              <a:rPr lang="en-US" smtClean="0"/>
-              <a:t>Click to edit Master text styles</a:t>
-            </a:r>
-          </a:p>
-          <a:p>
-            <a:pPr lvl="1" eaLnBrk="1" latinLnBrk="0" hangingPunct="1"/>
-            <a:r>
-              <a:rPr lang="en-US" smtClean="0"/>
-              <a:t>Second level</a:t>
-            </a:r>
-          </a:p>
-          <a:p>
-            <a:pPr lvl="2" eaLnBrk="1" latinLnBrk="0" hangingPunct="1"/>
-            <a:r>
-              <a:rPr lang="en-US" smtClean="0"/>
-              <a:t>Third level</a:t>
-            </a:r>
-          </a:p>
-          <a:p>
-            <a:pPr lvl="3" eaLnBrk="1" latinLnBrk="0" hangingPunct="1"/>
-            <a:r>
-              <a:rPr lang="en-US" smtClean="0"/>
-              <a:t>Fourth level</a:t>
-            </a:r>
-          </a:p>
-          <a:p>
-            <a:pPr lvl="4" eaLnBrk="1" latinLnBrk="0" hangingPunct="1"/>
-            <a:r>
-              <a:rPr lang="en-US" smtClean="0"/>
-              <a:t>Fifth level</a:t>
-            </a:r>
-            <a:endParaRPr kumimoji="0" lang="en-US"/>
           </a:p>
         </p:txBody>
       </p:sp>
@@ -2222,18 +1915,21 @@
             <p:ph type="title"/>
           </p:nvPr>
         </p:nvSpPr>
-        <p:spPr/>
+        <p:spPr>
+          <a:xfrm>
+            <a:off x="609600" y="274638"/>
+            <a:ext cx="7924800" cy="1143000"/>
+          </a:xfrm>
+        </p:spPr>
         <p:txBody>
           <a:bodyPr/>
-          <a:lstStyle>
-            <a:extLst/>
-          </a:lstStyle>
-          <a:p>
-            <a:r>
-              <a:rPr kumimoji="0" lang="en-US" smtClean="0"/>
+          <a:lstStyle/>
+          <a:p>
+            <a:r>
+              <a:rPr lang="en-US" smtClean="0"/>
               <a:t>Click to edit Master title style</a:t>
             </a:r>
-            <a:endParaRPr kumimoji="0" lang="en-US"/>
+            <a:endParaRPr lang="en-US" dirty="0"/>
           </a:p>
         </p:txBody>
       </p:sp>
@@ -2311,7 +2007,7 @@
 </file>
 
 <file path=ppt/slideLayouts/slideLayout7.xml><?xml version="1.0" encoding="utf-8"?>
-<p:sldLayout xmlns:a="http://schemas.openxmlformats.org/drawingml/2006/main" xmlns:r="http://schemas.openxmlformats.org/officeDocument/2006/relationships" xmlns:p="http://schemas.openxmlformats.org/presentationml/2006/main" showMasterSp="0" type="blank" preserve="1">
+<p:sldLayout xmlns:a="http://schemas.openxmlformats.org/drawingml/2006/main" xmlns:r="http://schemas.openxmlformats.org/officeDocument/2006/relationships" xmlns:p="http://schemas.openxmlformats.org/presentationml/2006/main" type="blank" preserve="1">
   <p:cSld name="Blank">
     <p:spTree>
       <p:nvGrpSpPr>
@@ -2419,144 +2115,117 @@
       </p:grpSpPr>
       <p:sp>
         <p:nvSpPr>
-          <p:cNvPr id="2" name="Title 1"/>
-          <p:cNvSpPr>
-            <a:spLocks noGrp="1"/>
-          </p:cNvSpPr>
-          <p:nvPr>
-            <p:ph type="title"/>
+          <p:cNvPr id="9" name="Content Placeholder 8"/>
+          <p:cNvSpPr>
+            <a:spLocks noGrp="1"/>
+          </p:cNvSpPr>
+          <p:nvPr>
+            <p:ph sz="quarter" idx="13"/>
           </p:nvPr>
         </p:nvSpPr>
         <p:spPr>
           <a:xfrm>
-            <a:off x="167838" y="152400"/>
-            <a:ext cx="2523744" cy="978408"/>
+            <a:off x="3962400" y="1447800"/>
+            <a:ext cx="4648200" cy="4267200"/>
           </a:xfrm>
         </p:spPr>
         <p:txBody>
-          <a:bodyPr vert="horz" lIns="73152" rIns="45720" bIns="0" rtlCol="0" anchor="b">
-            <a:normAutofit/>
-            <a:sp3d prstMaterial="matte"/>
-          </a:bodyPr>
+          <a:bodyPr/>
+          <a:lstStyle/>
+          <a:p>
+            <a:pPr lvl="0"/>
+            <a:r>
+              <a:rPr lang="en-US" smtClean="0"/>
+              <a:t>Click to edit Master text styles</a:t>
+            </a:r>
+          </a:p>
+          <a:p>
+            <a:pPr lvl="1"/>
+            <a:r>
+              <a:rPr lang="en-US" smtClean="0"/>
+              <a:t>Second level</a:t>
+            </a:r>
+          </a:p>
+          <a:p>
+            <a:pPr lvl="2"/>
+            <a:r>
+              <a:rPr lang="en-US" smtClean="0"/>
+              <a:t>Third level</a:t>
+            </a:r>
+          </a:p>
+          <a:p>
+            <a:pPr lvl="3"/>
+            <a:r>
+              <a:rPr lang="en-US" smtClean="0"/>
+              <a:t>Fourth level</a:t>
+            </a:r>
+          </a:p>
+          <a:p>
+            <a:pPr lvl="4"/>
+            <a:r>
+              <a:rPr lang="en-US" smtClean="0"/>
+              <a:t>Fifth level</a:t>
+            </a:r>
+            <a:endParaRPr lang="en-US" dirty="0"/>
+          </a:p>
+        </p:txBody>
+      </p:sp>
+      <p:sp>
+        <p:nvSpPr>
+          <p:cNvPr id="2" name="Title 1"/>
+          <p:cNvSpPr>
+            <a:spLocks noGrp="1"/>
+          </p:cNvSpPr>
+          <p:nvPr>
+            <p:ph type="title"/>
+          </p:nvPr>
+        </p:nvSpPr>
+        <p:spPr>
+          <a:xfrm>
+            <a:off x="612648" y="1447800"/>
+            <a:ext cx="2971800" cy="1097280"/>
+          </a:xfrm>
+        </p:spPr>
+        <p:txBody>
+          <a:bodyPr anchor="b"/>
           <a:lstStyle>
             <a:lvl1pPr algn="l">
-              <a:defRPr sz="2000" b="0"/>
+              <a:defRPr sz="1800" b="0" i="0" cap="none" baseline="0">
+                <a:solidFill>
+                  <a:schemeClr val="tx2"/>
+                </a:solidFill>
+              </a:defRPr>
             </a:lvl1pPr>
-            <a:extLst/>
           </a:lstStyle>
           <a:p>
             <a:r>
-              <a:rPr kumimoji="0" lang="en-US" smtClean="0"/>
+              <a:rPr lang="en-US" smtClean="0"/>
               <a:t>Click to edit Master title style</a:t>
             </a:r>
-            <a:endParaRPr kumimoji="0" lang="en-US"/>
-          </a:p>
-        </p:txBody>
-      </p:sp>
-      <p:sp>
-        <p:nvSpPr>
-          <p:cNvPr id="3" name="Content Placeholder 2"/>
-          <p:cNvSpPr>
-            <a:spLocks noGrp="1"/>
-          </p:cNvSpPr>
-          <p:nvPr>
-            <p:ph idx="1"/>
+            <a:endParaRPr lang="en-US" dirty="0"/>
+          </a:p>
+        </p:txBody>
+      </p:sp>
+      <p:sp>
+        <p:nvSpPr>
+          <p:cNvPr id="4" name="Text Placeholder 3"/>
+          <p:cNvSpPr>
+            <a:spLocks noGrp="1"/>
+          </p:cNvSpPr>
+          <p:nvPr>
+            <p:ph type="body" sz="half" idx="2"/>
           </p:nvPr>
         </p:nvSpPr>
         <p:spPr>
           <a:xfrm>
-            <a:off x="3019377" y="1743133"/>
-            <a:ext cx="5920641" cy="4558885"/>
+            <a:off x="612648" y="2547891"/>
+            <a:ext cx="2971800" cy="3167109"/>
           </a:xfrm>
         </p:spPr>
         <p:txBody>
-          <a:bodyPr/>
-          <a:lstStyle>
-            <a:lvl1pPr>
-              <a:defRPr sz="3200"/>
-            </a:lvl1pPr>
-            <a:lvl2pPr>
-              <a:defRPr sz="2800"/>
-            </a:lvl2pPr>
-            <a:lvl3pPr>
-              <a:defRPr sz="2400"/>
-            </a:lvl3pPr>
-            <a:lvl4pPr>
-              <a:defRPr sz="2000"/>
-            </a:lvl4pPr>
-            <a:lvl5pPr>
-              <a:defRPr sz="2000"/>
-            </a:lvl5pPr>
-            <a:lvl6pPr>
-              <a:defRPr sz="2000"/>
-            </a:lvl6pPr>
-            <a:lvl7pPr>
-              <a:defRPr sz="2000"/>
-            </a:lvl7pPr>
-            <a:lvl8pPr>
-              <a:defRPr sz="2000"/>
-            </a:lvl8pPr>
-            <a:lvl9pPr>
-              <a:defRPr sz="2000"/>
-            </a:lvl9pPr>
-            <a:extLst/>
-          </a:lstStyle>
-          <a:p>
-            <a:pPr lvl="0" eaLnBrk="1" latinLnBrk="0" hangingPunct="1"/>
-            <a:r>
-              <a:rPr lang="en-US" smtClean="0"/>
-              <a:t>Click to edit Master text styles</a:t>
-            </a:r>
-          </a:p>
-          <a:p>
-            <a:pPr lvl="1" eaLnBrk="1" latinLnBrk="0" hangingPunct="1"/>
-            <a:r>
-              <a:rPr lang="en-US" smtClean="0"/>
-              <a:t>Second level</a:t>
-            </a:r>
-          </a:p>
-          <a:p>
-            <a:pPr lvl="2" eaLnBrk="1" latinLnBrk="0" hangingPunct="1"/>
-            <a:r>
-              <a:rPr lang="en-US" smtClean="0"/>
-              <a:t>Third level</a:t>
-            </a:r>
-          </a:p>
-          <a:p>
-            <a:pPr lvl="3" eaLnBrk="1" latinLnBrk="0" hangingPunct="1"/>
-            <a:r>
-              <a:rPr lang="en-US" smtClean="0"/>
-              <a:t>Fourth level</a:t>
-            </a:r>
-          </a:p>
-          <a:p>
-            <a:pPr lvl="4" eaLnBrk="1" latinLnBrk="0" hangingPunct="1"/>
-            <a:r>
-              <a:rPr lang="en-US" smtClean="0"/>
-              <a:t>Fifth level</a:t>
-            </a:r>
-            <a:endParaRPr kumimoji="0" lang="en-US"/>
-          </a:p>
-        </p:txBody>
-      </p:sp>
-      <p:sp>
-        <p:nvSpPr>
-          <p:cNvPr id="4" name="Text Placeholder 3"/>
-          <p:cNvSpPr>
-            <a:spLocks noGrp="1"/>
-          </p:cNvSpPr>
-          <p:nvPr>
-            <p:ph type="body" sz="half" idx="2"/>
-          </p:nvPr>
-        </p:nvSpPr>
-        <p:spPr>
-          <a:xfrm>
-            <a:off x="167838" y="1730018"/>
-            <a:ext cx="2468880" cy="4572000"/>
-          </a:xfrm>
-        </p:spPr>
-        <p:txBody>
-          <a:bodyPr/>
+          <a:bodyPr tIns="9144">
+            <a:normAutofit/>
+          </a:bodyPr>
           <a:lstStyle>
             <a:lvl1pPr marL="0" indent="0">
               <a:buNone/>
@@ -2594,12 +2263,11 @@
               <a:buNone/>
               <a:defRPr sz="900"/>
             </a:lvl9pPr>
-            <a:extLst/>
           </a:lstStyle>
           <a:p>
-            <a:pPr lvl="0" eaLnBrk="1" latinLnBrk="0" hangingPunct="1"/>
-            <a:r>
-              <a:rPr kumimoji="0" lang="en-US" smtClean="0"/>
+            <a:pPr lvl="0"/>
+            <a:r>
+              <a:rPr lang="en-US" smtClean="0"/>
               <a:t>Click to edit Master text styles</a:t>
             </a:r>
           </a:p>
@@ -2667,100 +2335,6 @@
               <a:t>‹#›</a:t>
             </a:fld>
             <a:endParaRPr lang="en-US"/>
-          </a:p>
-        </p:txBody>
-      </p:sp>
-      <p:sp>
-        <p:nvSpPr>
-          <p:cNvPr id="12" name="Rectangle 11"/>
-          <p:cNvSpPr/>
-          <p:nvPr/>
-        </p:nvSpPr>
-        <p:spPr bwMode="invGray">
-          <a:xfrm>
-            <a:off x="2855737" y="0"/>
-            <a:ext cx="45720" cy="1453896"/>
-          </a:xfrm>
-          <a:prstGeom prst="rect">
-            <a:avLst/>
-          </a:prstGeom>
-          <a:solidFill>
-            <a:srgbClr val="FFFFFF"/>
-          </a:solidFill>
-          <a:ln w="48000" cap="flat" cmpd="thickThin" algn="ctr">
-            <a:noFill/>
-            <a:prstDash val="solid"/>
-          </a:ln>
-        </p:spPr>
-        <p:style>
-          <a:lnRef idx="2">
-            <a:schemeClr val="accent1"/>
-          </a:lnRef>
-          <a:fillRef idx="1">
-            <a:schemeClr val="accent1"/>
-          </a:fillRef>
-          <a:effectRef idx="0">
-            <a:schemeClr val="accent1"/>
-          </a:effectRef>
-          <a:fontRef idx="minor">
-            <a:schemeClr val="lt1"/>
-          </a:fontRef>
-        </p:style>
-        <p:txBody>
-          <a:bodyPr rtlCol="0" anchor="ctr"/>
-          <a:lstStyle>
-            <a:extLst/>
-          </a:lstStyle>
-          <a:p>
-            <a:pPr algn="ctr" eaLnBrk="1" latinLnBrk="0" hangingPunct="1"/>
-            <a:endParaRPr kumimoji="0" lang="en-US"/>
-          </a:p>
-        </p:txBody>
-      </p:sp>
-      <p:sp>
-        <p:nvSpPr>
-          <p:cNvPr id="9" name="Rectangle 8"/>
-          <p:cNvSpPr/>
-          <p:nvPr/>
-        </p:nvSpPr>
-        <p:spPr bwMode="invGray">
-          <a:xfrm>
-            <a:off x="2855737" y="0"/>
-            <a:ext cx="45720" cy="1453896"/>
-          </a:xfrm>
-          <a:prstGeom prst="rect">
-            <a:avLst/>
-          </a:prstGeom>
-          <a:solidFill>
-            <a:srgbClr val="FFFFFF"/>
-          </a:solidFill>
-          <a:ln w="48000" cap="flat" cmpd="thickThin" algn="ctr">
-            <a:noFill/>
-            <a:prstDash val="solid"/>
-          </a:ln>
-        </p:spPr>
-        <p:style>
-          <a:lnRef idx="2">
-            <a:schemeClr val="accent1"/>
-          </a:lnRef>
-          <a:fillRef idx="1">
-            <a:schemeClr val="accent1"/>
-          </a:fillRef>
-          <a:effectRef idx="0">
-            <a:schemeClr val="accent1"/>
-          </a:effectRef>
-          <a:fontRef idx="minor">
-            <a:schemeClr val="lt1"/>
-          </a:fontRef>
-        </p:style>
-        <p:txBody>
-          <a:bodyPr rtlCol="0" anchor="ctr"/>
-          <a:lstStyle>
-            <a:extLst/>
-          </a:lstStyle>
-          <a:p>
-            <a:pPr algn="ctr" eaLnBrk="1" latinLnBrk="0" hangingPunct="1"/>
-            <a:endParaRPr kumimoji="0" lang="en-US"/>
           </a:p>
         </p:txBody>
       </p:sp>
@@ -2773,13 +2347,8 @@
 </file>
 
 <file path=ppt/slideLayouts/slideLayout9.xml><?xml version="1.0" encoding="utf-8"?>
-<p:sldLayout xmlns:a="http://schemas.openxmlformats.org/drawingml/2006/main" xmlns:r="http://schemas.openxmlformats.org/officeDocument/2006/relationships" xmlns:p="http://schemas.openxmlformats.org/presentationml/2006/main" type="picTx" preserve="1">
+<p:sldLayout xmlns:a="http://schemas.openxmlformats.org/drawingml/2006/main" xmlns:r="http://schemas.openxmlformats.org/officeDocument/2006/relationships" xmlns:p="http://schemas.openxmlformats.org/presentationml/2006/main" showMasterSp="0" type="picTx" preserve="1">
   <p:cSld name="Picture with Caption">
-    <p:bg>
-      <p:bgRef idx="1001">
-        <a:schemeClr val="bg2"/>
-      </p:bgRef>
-    </p:bg>
     <p:spTree>
       <p:nvGrpSpPr>
         <p:cNvPr id="1" name=""/>
@@ -2794,68 +2363,322 @@
           <a:chExt cx="0" cy="0"/>
         </a:xfrm>
       </p:grpSpPr>
-      <p:sp>
-        <p:nvSpPr>
-          <p:cNvPr id="2" name="Title 1"/>
-          <p:cNvSpPr>
-            <a:spLocks noGrp="1"/>
-          </p:cNvSpPr>
-          <p:nvPr>
-            <p:ph type="title"/>
-          </p:nvPr>
-        </p:nvSpPr>
+      <p:pic>
+        <p:nvPicPr>
+          <p:cNvPr id="11" name="Picture 10" descr="horizon.png"/>
+          <p:cNvPicPr>
+            <a:picLocks noChangeAspect="1"/>
+          </p:cNvPicPr>
+          <p:nvPr/>
+        </p:nvPicPr>
+        <p:blipFill>
+          <a:blip r:embed="rId2" cstate="print"/>
+          <a:stretch>
+            <a:fillRect/>
+          </a:stretch>
+        </p:blipFill>
         <p:spPr>
           <a:xfrm>
-            <a:off x="164592" y="155448"/>
-            <a:ext cx="2525150" cy="978408"/>
+            <a:off x="0" y="0"/>
+            <a:ext cx="9144000" cy="6858000"/>
+          </a:xfrm>
+          <a:prstGeom prst="rect">
+            <a:avLst/>
+          </a:prstGeom>
+        </p:spPr>
+      </p:pic>
+      <p:sp>
+        <p:nvSpPr>
+          <p:cNvPr id="2" name="Title 1"/>
+          <p:cNvSpPr>
+            <a:spLocks noGrp="1"/>
+          </p:cNvSpPr>
+          <p:nvPr>
+            <p:ph type="title"/>
+          </p:nvPr>
+        </p:nvSpPr>
+        <p:spPr>
+          <a:xfrm>
+            <a:off x="609600" y="1447800"/>
+            <a:ext cx="2971800" cy="1097280"/>
           </a:xfrm>
         </p:spPr>
         <p:txBody>
-          <a:bodyPr lIns="73152" bIns="0" anchor="b">
-            <a:sp3d prstMaterial="matte"/>
+          <a:bodyPr anchor="b"/>
+          <a:lstStyle>
+            <a:lvl1pPr algn="l">
+              <a:defRPr sz="1800" b="0" i="0" cap="none" baseline="0">
+                <a:solidFill>
+                  <a:schemeClr val="tx2"/>
+                </a:solidFill>
+              </a:defRPr>
+            </a:lvl1pPr>
+          </a:lstStyle>
+          <a:p>
+            <a:r>
+              <a:rPr lang="en-US" smtClean="0"/>
+              <a:t>Click to edit Master title style</a:t>
+            </a:r>
+            <a:endParaRPr lang="en-US" dirty="0"/>
+          </a:p>
+        </p:txBody>
+      </p:sp>
+      <p:sp>
+        <p:nvSpPr>
+          <p:cNvPr id="3" name="Picture Placeholder 2"/>
+          <p:cNvSpPr>
+            <a:spLocks noGrp="1"/>
+          </p:cNvSpPr>
+          <p:nvPr>
+            <p:ph type="pic" idx="1"/>
+          </p:nvPr>
+        </p:nvSpPr>
+        <p:spPr>
+          <a:xfrm>
+            <a:off x="4657344" y="1447800"/>
+            <a:ext cx="3419856" cy="3474720"/>
+          </a:xfrm>
+          <a:custGeom>
+            <a:avLst/>
+            <a:gdLst>
+              <a:gd name="connsiteX0" fmla="*/ 0 w 3419856"/>
+              <a:gd name="connsiteY0" fmla="*/ 74450 h 3429000"/>
+              <a:gd name="connsiteX1" fmla="*/ 21806 w 3419856"/>
+              <a:gd name="connsiteY1" fmla="*/ 21806 h 3429000"/>
+              <a:gd name="connsiteX2" fmla="*/ 74450 w 3419856"/>
+              <a:gd name="connsiteY2" fmla="*/ 0 h 3429000"/>
+              <a:gd name="connsiteX3" fmla="*/ 3345406 w 3419856"/>
+              <a:gd name="connsiteY3" fmla="*/ 0 h 3429000"/>
+              <a:gd name="connsiteX4" fmla="*/ 3398050 w 3419856"/>
+              <a:gd name="connsiteY4" fmla="*/ 21806 h 3429000"/>
+              <a:gd name="connsiteX5" fmla="*/ 3419856 w 3419856"/>
+              <a:gd name="connsiteY5" fmla="*/ 74450 h 3429000"/>
+              <a:gd name="connsiteX6" fmla="*/ 3419856 w 3419856"/>
+              <a:gd name="connsiteY6" fmla="*/ 3354550 h 3429000"/>
+              <a:gd name="connsiteX7" fmla="*/ 3398050 w 3419856"/>
+              <a:gd name="connsiteY7" fmla="*/ 3407194 h 3429000"/>
+              <a:gd name="connsiteX8" fmla="*/ 3345406 w 3419856"/>
+              <a:gd name="connsiteY8" fmla="*/ 3429000 h 3429000"/>
+              <a:gd name="connsiteX9" fmla="*/ 74450 w 3419856"/>
+              <a:gd name="connsiteY9" fmla="*/ 3429000 h 3429000"/>
+              <a:gd name="connsiteX10" fmla="*/ 21806 w 3419856"/>
+              <a:gd name="connsiteY10" fmla="*/ 3407194 h 3429000"/>
+              <a:gd name="connsiteX11" fmla="*/ 0 w 3419856"/>
+              <a:gd name="connsiteY11" fmla="*/ 3354550 h 3429000"/>
+              <a:gd name="connsiteX12" fmla="*/ 0 w 3419856"/>
+              <a:gd name="connsiteY12" fmla="*/ 74450 h 3429000"/>
+              <a:gd name="connsiteX0" fmla="*/ 0 w 3419856"/>
+              <a:gd name="connsiteY0" fmla="*/ 74450 h 3429000"/>
+              <a:gd name="connsiteX1" fmla="*/ 21806 w 3419856"/>
+              <a:gd name="connsiteY1" fmla="*/ 21806 h 3429000"/>
+              <a:gd name="connsiteX2" fmla="*/ 74450 w 3419856"/>
+              <a:gd name="connsiteY2" fmla="*/ 0 h 3429000"/>
+              <a:gd name="connsiteX3" fmla="*/ 3345406 w 3419856"/>
+              <a:gd name="connsiteY3" fmla="*/ 0 h 3429000"/>
+              <a:gd name="connsiteX4" fmla="*/ 3398050 w 3419856"/>
+              <a:gd name="connsiteY4" fmla="*/ 21806 h 3429000"/>
+              <a:gd name="connsiteX5" fmla="*/ 3419856 w 3419856"/>
+              <a:gd name="connsiteY5" fmla="*/ 74450 h 3429000"/>
+              <a:gd name="connsiteX6" fmla="*/ 3419856 w 3419856"/>
+              <a:gd name="connsiteY6" fmla="*/ 3354550 h 3429000"/>
+              <a:gd name="connsiteX7" fmla="*/ 3398050 w 3419856"/>
+              <a:gd name="connsiteY7" fmla="*/ 3407194 h 3429000"/>
+              <a:gd name="connsiteX8" fmla="*/ 3345406 w 3419856"/>
+              <a:gd name="connsiteY8" fmla="*/ 3429000 h 3429000"/>
+              <a:gd name="connsiteX9" fmla="*/ 21806 w 3419856"/>
+              <a:gd name="connsiteY9" fmla="*/ 3407194 h 3429000"/>
+              <a:gd name="connsiteX10" fmla="*/ 0 w 3419856"/>
+              <a:gd name="connsiteY10" fmla="*/ 3354550 h 3429000"/>
+              <a:gd name="connsiteX11" fmla="*/ 0 w 3419856"/>
+              <a:gd name="connsiteY11" fmla="*/ 74450 h 3429000"/>
+              <a:gd name="connsiteX0" fmla="*/ 0 w 3964392"/>
+              <a:gd name="connsiteY0" fmla="*/ 74450 h 3415968"/>
+              <a:gd name="connsiteX1" fmla="*/ 21806 w 3964392"/>
+              <a:gd name="connsiteY1" fmla="*/ 21806 h 3415968"/>
+              <a:gd name="connsiteX2" fmla="*/ 74450 w 3964392"/>
+              <a:gd name="connsiteY2" fmla="*/ 0 h 3415968"/>
+              <a:gd name="connsiteX3" fmla="*/ 3345406 w 3964392"/>
+              <a:gd name="connsiteY3" fmla="*/ 0 h 3415968"/>
+              <a:gd name="connsiteX4" fmla="*/ 3398050 w 3964392"/>
+              <a:gd name="connsiteY4" fmla="*/ 21806 h 3415968"/>
+              <a:gd name="connsiteX5" fmla="*/ 3419856 w 3964392"/>
+              <a:gd name="connsiteY5" fmla="*/ 74450 h 3415968"/>
+              <a:gd name="connsiteX6" fmla="*/ 3419856 w 3964392"/>
+              <a:gd name="connsiteY6" fmla="*/ 3354550 h 3415968"/>
+              <a:gd name="connsiteX7" fmla="*/ 3398050 w 3964392"/>
+              <a:gd name="connsiteY7" fmla="*/ 3407194 h 3415968"/>
+              <a:gd name="connsiteX8" fmla="*/ 21806 w 3964392"/>
+              <a:gd name="connsiteY8" fmla="*/ 3407194 h 3415968"/>
+              <a:gd name="connsiteX9" fmla="*/ 0 w 3964392"/>
+              <a:gd name="connsiteY9" fmla="*/ 3354550 h 3415968"/>
+              <a:gd name="connsiteX10" fmla="*/ 0 w 3964392"/>
+              <a:gd name="connsiteY10" fmla="*/ 74450 h 3415968"/>
+              <a:gd name="connsiteX0" fmla="*/ 0 w 3964392"/>
+              <a:gd name="connsiteY0" fmla="*/ 74450 h 3415968"/>
+              <a:gd name="connsiteX1" fmla="*/ 21806 w 3964392"/>
+              <a:gd name="connsiteY1" fmla="*/ 21806 h 3415968"/>
+              <a:gd name="connsiteX2" fmla="*/ 74450 w 3964392"/>
+              <a:gd name="connsiteY2" fmla="*/ 0 h 3415968"/>
+              <a:gd name="connsiteX3" fmla="*/ 3345406 w 3964392"/>
+              <a:gd name="connsiteY3" fmla="*/ 0 h 3415968"/>
+              <a:gd name="connsiteX4" fmla="*/ 3398050 w 3964392"/>
+              <a:gd name="connsiteY4" fmla="*/ 21806 h 3415968"/>
+              <a:gd name="connsiteX5" fmla="*/ 3419856 w 3964392"/>
+              <a:gd name="connsiteY5" fmla="*/ 74450 h 3415968"/>
+              <a:gd name="connsiteX6" fmla="*/ 3419856 w 3964392"/>
+              <a:gd name="connsiteY6" fmla="*/ 3354550 h 3415968"/>
+              <a:gd name="connsiteX7" fmla="*/ 3398050 w 3964392"/>
+              <a:gd name="connsiteY7" fmla="*/ 3407194 h 3415968"/>
+              <a:gd name="connsiteX8" fmla="*/ 21806 w 3964392"/>
+              <a:gd name="connsiteY8" fmla="*/ 3407194 h 3415968"/>
+              <a:gd name="connsiteX9" fmla="*/ 0 w 3964392"/>
+              <a:gd name="connsiteY9" fmla="*/ 3354550 h 3415968"/>
+              <a:gd name="connsiteX10" fmla="*/ 0 w 3964392"/>
+              <a:gd name="connsiteY10" fmla="*/ 74450 h 3415968"/>
+              <a:gd name="connsiteX0" fmla="*/ 0 w 3968026"/>
+              <a:gd name="connsiteY0" fmla="*/ 74450 h 3910007"/>
+              <a:gd name="connsiteX1" fmla="*/ 21806 w 3968026"/>
+              <a:gd name="connsiteY1" fmla="*/ 21806 h 3910007"/>
+              <a:gd name="connsiteX2" fmla="*/ 74450 w 3968026"/>
+              <a:gd name="connsiteY2" fmla="*/ 0 h 3910007"/>
+              <a:gd name="connsiteX3" fmla="*/ 3345406 w 3968026"/>
+              <a:gd name="connsiteY3" fmla="*/ 0 h 3910007"/>
+              <a:gd name="connsiteX4" fmla="*/ 3398050 w 3968026"/>
+              <a:gd name="connsiteY4" fmla="*/ 21806 h 3910007"/>
+              <a:gd name="connsiteX5" fmla="*/ 3419856 w 3968026"/>
+              <a:gd name="connsiteY5" fmla="*/ 74450 h 3910007"/>
+              <a:gd name="connsiteX6" fmla="*/ 3419856 w 3968026"/>
+              <a:gd name="connsiteY6" fmla="*/ 3354550 h 3910007"/>
+              <a:gd name="connsiteX7" fmla="*/ 3398050 w 3968026"/>
+              <a:gd name="connsiteY7" fmla="*/ 3407194 h 3910007"/>
+              <a:gd name="connsiteX8" fmla="*/ 0 w 3968026"/>
+              <a:gd name="connsiteY8" fmla="*/ 3354550 h 3910007"/>
+              <a:gd name="connsiteX9" fmla="*/ 0 w 3968026"/>
+              <a:gd name="connsiteY9" fmla="*/ 74450 h 3910007"/>
+              <a:gd name="connsiteX0" fmla="*/ 0 w 3419856"/>
+              <a:gd name="connsiteY0" fmla="*/ 74450 h 3901233"/>
+              <a:gd name="connsiteX1" fmla="*/ 21806 w 3419856"/>
+              <a:gd name="connsiteY1" fmla="*/ 21806 h 3901233"/>
+              <a:gd name="connsiteX2" fmla="*/ 74450 w 3419856"/>
+              <a:gd name="connsiteY2" fmla="*/ 0 h 3901233"/>
+              <a:gd name="connsiteX3" fmla="*/ 3345406 w 3419856"/>
+              <a:gd name="connsiteY3" fmla="*/ 0 h 3901233"/>
+              <a:gd name="connsiteX4" fmla="*/ 3398050 w 3419856"/>
+              <a:gd name="connsiteY4" fmla="*/ 21806 h 3901233"/>
+              <a:gd name="connsiteX5" fmla="*/ 3419856 w 3419856"/>
+              <a:gd name="connsiteY5" fmla="*/ 74450 h 3901233"/>
+              <a:gd name="connsiteX6" fmla="*/ 3419856 w 3419856"/>
+              <a:gd name="connsiteY6" fmla="*/ 3354550 h 3901233"/>
+              <a:gd name="connsiteX7" fmla="*/ 0 w 3419856"/>
+              <a:gd name="connsiteY7" fmla="*/ 3354550 h 3901233"/>
+              <a:gd name="connsiteX8" fmla="*/ 0 w 3419856"/>
+              <a:gd name="connsiteY8" fmla="*/ 74450 h 3901233"/>
+              <a:gd name="connsiteX0" fmla="*/ 0 w 3419856"/>
+              <a:gd name="connsiteY0" fmla="*/ 74450 h 3354550"/>
+              <a:gd name="connsiteX1" fmla="*/ 21806 w 3419856"/>
+              <a:gd name="connsiteY1" fmla="*/ 21806 h 3354550"/>
+              <a:gd name="connsiteX2" fmla="*/ 74450 w 3419856"/>
+              <a:gd name="connsiteY2" fmla="*/ 0 h 3354550"/>
+              <a:gd name="connsiteX3" fmla="*/ 3345406 w 3419856"/>
+              <a:gd name="connsiteY3" fmla="*/ 0 h 3354550"/>
+              <a:gd name="connsiteX4" fmla="*/ 3398050 w 3419856"/>
+              <a:gd name="connsiteY4" fmla="*/ 21806 h 3354550"/>
+              <a:gd name="connsiteX5" fmla="*/ 3419856 w 3419856"/>
+              <a:gd name="connsiteY5" fmla="*/ 74450 h 3354550"/>
+              <a:gd name="connsiteX6" fmla="*/ 3419856 w 3419856"/>
+              <a:gd name="connsiteY6" fmla="*/ 3354550 h 3354550"/>
+              <a:gd name="connsiteX7" fmla="*/ 0 w 3419856"/>
+              <a:gd name="connsiteY7" fmla="*/ 3354550 h 3354550"/>
+              <a:gd name="connsiteX8" fmla="*/ 0 w 3419856"/>
+              <a:gd name="connsiteY8" fmla="*/ 74450 h 3354550"/>
+            </a:gdLst>
+            <a:ahLst/>
+            <a:cxnLst>
+              <a:cxn ang="0">
+                <a:pos x="connsiteX0" y="connsiteY0"/>
+              </a:cxn>
+              <a:cxn ang="0">
+                <a:pos x="connsiteX1" y="connsiteY1"/>
+              </a:cxn>
+              <a:cxn ang="0">
+                <a:pos x="connsiteX2" y="connsiteY2"/>
+              </a:cxn>
+              <a:cxn ang="0">
+                <a:pos x="connsiteX3" y="connsiteY3"/>
+              </a:cxn>
+              <a:cxn ang="0">
+                <a:pos x="connsiteX4" y="connsiteY4"/>
+              </a:cxn>
+              <a:cxn ang="0">
+                <a:pos x="connsiteX5" y="connsiteY5"/>
+              </a:cxn>
+              <a:cxn ang="0">
+                <a:pos x="connsiteX6" y="connsiteY6"/>
+              </a:cxn>
+              <a:cxn ang="0">
+                <a:pos x="connsiteX7" y="connsiteY7"/>
+              </a:cxn>
+              <a:cxn ang="0">
+                <a:pos x="connsiteX8" y="connsiteY8"/>
+              </a:cxn>
+            </a:cxnLst>
+            <a:rect l="l" t="t" r="r" b="b"/>
+            <a:pathLst>
+              <a:path w="3419856" h="3354550">
+                <a:moveTo>
+                  <a:pt x="0" y="74450"/>
+                </a:moveTo>
+                <a:cubicBezTo>
+                  <a:pt x="0" y="54705"/>
+                  <a:pt x="7844" y="35768"/>
+                  <a:pt x="21806" y="21806"/>
+                </a:cubicBezTo>
+                <a:cubicBezTo>
+                  <a:pt x="35768" y="7844"/>
+                  <a:pt x="54705" y="0"/>
+                  <a:pt x="74450" y="0"/>
+                </a:cubicBezTo>
+                <a:lnTo>
+                  <a:pt x="3345406" y="0"/>
+                </a:lnTo>
+                <a:cubicBezTo>
+                  <a:pt x="3365151" y="0"/>
+                  <a:pt x="3384088" y="7844"/>
+                  <a:pt x="3398050" y="21806"/>
+                </a:cubicBezTo>
+                <a:cubicBezTo>
+                  <a:pt x="3412012" y="35768"/>
+                  <a:pt x="3419856" y="54705"/>
+                  <a:pt x="3419856" y="74450"/>
+                </a:cubicBezTo>
+                <a:lnTo>
+                  <a:pt x="3419856" y="3354550"/>
+                </a:lnTo>
+                <a:lnTo>
+                  <a:pt x="0" y="3354550"/>
+                </a:lnTo>
+                <a:lnTo>
+                  <a:pt x="0" y="74450"/>
+                </a:lnTo>
+                <a:close/>
+              </a:path>
+            </a:pathLst>
+          </a:custGeom>
+        </p:spPr>
+        <p:txBody>
+          <a:bodyPr>
+            <a:normAutofit/>
           </a:bodyPr>
           <a:lstStyle>
-            <a:lvl1pPr algn="l">
-              <a:defRPr sz="2000" b="0"/>
-            </a:lvl1pPr>
-            <a:extLst/>
-          </a:lstStyle>
-          <a:p>
-            <a:r>
-              <a:rPr kumimoji="0" lang="en-US" smtClean="0"/>
-              <a:t>Click to edit Master title style</a:t>
-            </a:r>
-            <a:endParaRPr kumimoji="0" lang="en-US"/>
-          </a:p>
-        </p:txBody>
-      </p:sp>
-      <p:sp>
-        <p:nvSpPr>
-          <p:cNvPr id="3" name="Picture Placeholder 2"/>
-          <p:cNvSpPr>
-            <a:spLocks noGrp="1"/>
-          </p:cNvSpPr>
-          <p:nvPr>
-            <p:ph type="pic" idx="1"/>
-          </p:nvPr>
-        </p:nvSpPr>
-        <p:spPr>
-          <a:xfrm>
-            <a:off x="2903805" y="1484808"/>
-            <a:ext cx="6247397" cy="5373192"/>
-          </a:xfrm>
-          <a:solidFill>
-            <a:schemeClr val="bg2">
-              <a:shade val="75000"/>
-            </a:schemeClr>
-          </a:solidFill>
-        </p:spPr>
-        <p:txBody>
-          <a:bodyPr/>
-          <a:lstStyle>
-            <a:lvl1pPr marL="0" indent="0">
+            <a:lvl1pPr marL="0" indent="0" algn="ctr">
               <a:buNone/>
-              <a:defRPr sz="3200"/>
+              <a:defRPr sz="2000" baseline="0">
+                <a:solidFill>
+                  <a:schemeClr val="tx1">
+                    <a:lumMod val="65000"/>
+                  </a:schemeClr>
+                </a:solidFill>
+              </a:defRPr>
             </a:lvl1pPr>
             <a:lvl2pPr marL="457200" indent="0">
               <a:buNone/>
@@ -2889,14 +2712,13 @@
               <a:buNone/>
               <a:defRPr sz="2000"/>
             </a:lvl9pPr>
-            <a:extLst/>
           </a:lstStyle>
           <a:p>
             <a:r>
-              <a:rPr kumimoji="0" lang="en-US" smtClean="0"/>
+              <a:rPr lang="en-US" smtClean="0"/>
               <a:t>Click icon to add picture</a:t>
             </a:r>
-            <a:endParaRPr kumimoji="0" lang="en-US" dirty="0"/>
+            <a:endParaRPr lang="en-US" dirty="0"/>
           </a:p>
         </p:txBody>
       </p:sp>
@@ -2912,12 +2734,14 @@
         </p:nvSpPr>
         <p:spPr>
           <a:xfrm>
-            <a:off x="164592" y="1728216"/>
-            <a:ext cx="2468880" cy="4572000"/>
+            <a:off x="609600" y="2547890"/>
+            <a:ext cx="2971800" cy="2405109"/>
           </a:xfrm>
         </p:spPr>
         <p:txBody>
-          <a:bodyPr/>
+          <a:bodyPr tIns="9144">
+            <a:normAutofit/>
+          </a:bodyPr>
           <a:lstStyle>
             <a:lvl1pPr marL="0" indent="0">
               <a:buNone/>
@@ -2955,12 +2779,11 @@
               <a:buNone/>
               <a:defRPr sz="900"/>
             </a:lvl9pPr>
-            <a:extLst/>
           </a:lstStyle>
           <a:p>
-            <a:pPr lvl="0" eaLnBrk="1" latinLnBrk="0" hangingPunct="1"/>
-            <a:r>
-              <a:rPr kumimoji="0" lang="en-US" smtClean="0"/>
+            <a:pPr lvl="0"/>
+            <a:r>
+              <a:rPr lang="en-US" smtClean="0"/>
               <a:t>Click to edit Master text styles</a:t>
             </a:r>
           </a:p>
@@ -2976,12 +2799,7 @@
             <p:ph type="dt" sz="half" idx="10"/>
           </p:nvPr>
         </p:nvSpPr>
-        <p:spPr>
-          <a:xfrm>
-            <a:off x="164592" y="1170432"/>
-            <a:ext cx="2523744" cy="201168"/>
-          </a:xfrm>
-        </p:spPr>
+        <p:spPr/>
         <p:txBody>
           <a:bodyPr/>
           <a:lstStyle/>
@@ -2996,100 +2814,6 @@
       </p:sp>
       <p:sp>
         <p:nvSpPr>
-          <p:cNvPr id="11" name="Rectangle 10"/>
-          <p:cNvSpPr/>
-          <p:nvPr/>
-        </p:nvSpPr>
-        <p:spPr>
-          <a:xfrm>
-            <a:off x="2855737" y="0"/>
-            <a:ext cx="45720" cy="6858000"/>
-          </a:xfrm>
-          <a:prstGeom prst="rect">
-            <a:avLst/>
-          </a:prstGeom>
-          <a:solidFill>
-            <a:srgbClr val="FFFFFF"/>
-          </a:solidFill>
-          <a:ln w="48000" cap="flat" cmpd="thickThin" algn="ctr">
-            <a:noFill/>
-            <a:prstDash val="solid"/>
-          </a:ln>
-        </p:spPr>
-        <p:style>
-          <a:lnRef idx="2">
-            <a:schemeClr val="accent1"/>
-          </a:lnRef>
-          <a:fillRef idx="1">
-            <a:schemeClr val="accent1"/>
-          </a:fillRef>
-          <a:effectRef idx="0">
-            <a:schemeClr val="accent1"/>
-          </a:effectRef>
-          <a:fontRef idx="minor">
-            <a:schemeClr val="lt1"/>
-          </a:fontRef>
-        </p:style>
-        <p:txBody>
-          <a:bodyPr rtlCol="0" anchor="ctr"/>
-          <a:lstStyle>
-            <a:extLst/>
-          </a:lstStyle>
-          <a:p>
-            <a:pPr algn="ctr" eaLnBrk="1" latinLnBrk="0" hangingPunct="1"/>
-            <a:endParaRPr kumimoji="0" lang="en-US"/>
-          </a:p>
-        </p:txBody>
-      </p:sp>
-      <p:sp>
-        <p:nvSpPr>
-          <p:cNvPr id="9" name="Rectangle 8"/>
-          <p:cNvSpPr/>
-          <p:nvPr/>
-        </p:nvSpPr>
-        <p:spPr bwMode="invGray">
-          <a:xfrm>
-            <a:off x="2855737" y="0"/>
-            <a:ext cx="45720" cy="6858000"/>
-          </a:xfrm>
-          <a:prstGeom prst="rect">
-            <a:avLst/>
-          </a:prstGeom>
-          <a:solidFill>
-            <a:srgbClr val="FFFFFF"/>
-          </a:solidFill>
-          <a:ln w="48000" cap="flat" cmpd="thickThin" algn="ctr">
-            <a:noFill/>
-            <a:prstDash val="solid"/>
-          </a:ln>
-        </p:spPr>
-        <p:style>
-          <a:lnRef idx="2">
-            <a:schemeClr val="accent1"/>
-          </a:lnRef>
-          <a:fillRef idx="1">
-            <a:schemeClr val="accent1"/>
-          </a:fillRef>
-          <a:effectRef idx="0">
-            <a:schemeClr val="accent1"/>
-          </a:effectRef>
-          <a:fontRef idx="minor">
-            <a:schemeClr val="lt1"/>
-          </a:fontRef>
-        </p:style>
-        <p:txBody>
-          <a:bodyPr rtlCol="0" anchor="ctr"/>
-          <a:lstStyle>
-            <a:extLst/>
-          </a:lstStyle>
-          <a:p>
-            <a:pPr algn="ctr" eaLnBrk="1" latinLnBrk="0" hangingPunct="1"/>
-            <a:endParaRPr kumimoji="0" lang="en-US"/>
-          </a:p>
-        </p:txBody>
-      </p:sp>
-      <p:sp>
-        <p:nvSpPr>
           <p:cNvPr id="6" name="Footer Placeholder 5"/>
           <p:cNvSpPr>
             <a:spLocks noGrp="1"/>
@@ -3098,25 +2822,10 @@
             <p:ph type="ftr" sz="quarter" idx="11"/>
           </p:nvPr>
         </p:nvSpPr>
-        <p:spPr>
-          <a:xfrm>
-            <a:off x="3035808" y="1170432"/>
-            <a:ext cx="5193792" cy="201168"/>
-          </a:xfrm>
-        </p:spPr>
+        <p:spPr/>
         <p:txBody>
           <a:bodyPr/>
-          <a:lstStyle>
-            <a:lvl1pPr>
-              <a:defRPr>
-                <a:solidFill>
-                  <a:schemeClr val="bg1">
-                    <a:shade val="50000"/>
-                  </a:schemeClr>
-                </a:solidFill>
-              </a:defRPr>
-            </a:lvl1pPr>
-          </a:lstStyle>
+          <a:lstStyle/>
           <a:p>
             <a:endParaRPr lang="en-US"/>
           </a:p>
@@ -3132,12 +2841,7 @@
             <p:ph type="sldNum" sz="quarter" idx="12"/>
           </p:nvPr>
         </p:nvSpPr>
-        <p:spPr>
-          <a:xfrm>
-            <a:off x="8339328" y="1170432"/>
-            <a:ext cx="733864" cy="201168"/>
-          </a:xfrm>
-        </p:spPr>
+        <p:spPr/>
         <p:txBody>
           <a:bodyPr/>
           <a:lstStyle/>
@@ -3153,7 +2857,7 @@
     </p:spTree>
   </p:cSld>
   <p:clrMapOvr>
-    <a:overrideClrMapping bg1="lt1" tx1="dk1" bg2="lt2" tx2="dk2" accent1="accent1" accent2="accent2" accent3="accent3" accent4="accent4" accent5="accent5" accent6="accent6" hlink="hlink" folHlink="folHlink"/>
+    <a:masterClrMapping/>
   </p:clrMapOvr>
 </p:sldLayout>
 </file>
@@ -3162,7 +2866,7 @@
 <p:sldMaster xmlns:a="http://schemas.openxmlformats.org/drawingml/2006/main" xmlns:r="http://schemas.openxmlformats.org/officeDocument/2006/relationships" xmlns:p="http://schemas.openxmlformats.org/presentationml/2006/main">
   <p:cSld>
     <p:bg>
-      <p:bgRef idx="1001">
+      <p:bgRef idx="1002">
         <a:schemeClr val="bg1"/>
       </p:bgRef>
     </p:bg>
@@ -3180,327 +2884,228 @@
           <a:chExt cx="0" cy="0"/>
         </a:xfrm>
       </p:grpSpPr>
-      <p:sp>
-        <p:nvSpPr>
-          <p:cNvPr id="10" name="Rectangle 9"/>
-          <p:cNvSpPr/>
+      <p:pic>
+        <p:nvPicPr>
+          <p:cNvPr id="7" name="Picture 6" descr="horizon.png"/>
+          <p:cNvPicPr>
+            <a:picLocks noChangeAspect="1"/>
+          </p:cNvPicPr>
           <p:nvPr/>
-        </p:nvSpPr>
-        <p:spPr bwMode="invGray">
-          <a:xfrm>
-            <a:off x="0" y="1435895"/>
-            <a:ext cx="9144000" cy="45720"/>
-          </a:xfrm>
-          <a:prstGeom prst="rect">
-            <a:avLst/>
-          </a:prstGeom>
-          <a:solidFill>
-            <a:srgbClr val="FFFFFF"/>
-          </a:solidFill>
-          <a:ln w="48000" cap="flat" cmpd="thickThin" algn="ctr">
-            <a:noFill/>
-            <a:prstDash val="solid"/>
-          </a:ln>
-          <a:effectLst>
-            <a:outerShdw blurRad="31750" dist="10160" dir="5400000" algn="tl" rotWithShape="0">
-              <a:srgbClr val="000000">
-                <a:alpha val="60000"/>
-              </a:srgbClr>
-            </a:outerShdw>
-          </a:effectLst>
-        </p:spPr>
-        <p:style>
-          <a:lnRef idx="2">
-            <a:schemeClr val="accent1"/>
-          </a:lnRef>
-          <a:fillRef idx="1">
-            <a:schemeClr val="accent1"/>
-          </a:fillRef>
-          <a:effectRef idx="0">
-            <a:schemeClr val="accent1"/>
-          </a:effectRef>
-          <a:fontRef idx="minor">
-            <a:schemeClr val="lt1"/>
-          </a:fontRef>
-        </p:style>
-        <p:txBody>
-          <a:bodyPr rtlCol="0" anchor="ctr"/>
-          <a:lstStyle>
-            <a:extLst/>
-          </a:lstStyle>
-          <a:p>
-            <a:pPr algn="ctr" eaLnBrk="1" latinLnBrk="0" hangingPunct="1"/>
-            <a:endParaRPr kumimoji="0" lang="en-US"/>
-          </a:p>
-        </p:txBody>
-      </p:sp>
-      <p:sp>
-        <p:nvSpPr>
-          <p:cNvPr id="7" name="Rectangle 6"/>
-          <p:cNvSpPr/>
-          <p:nvPr/>
-        </p:nvSpPr>
-        <p:spPr bwMode="ltGray">
+        </p:nvPicPr>
+        <p:blipFill>
+          <a:blip r:embed="rId13" cstate="print"/>
+          <a:stretch>
+            <a:fillRect/>
+          </a:stretch>
+        </p:blipFill>
+        <p:spPr>
           <a:xfrm>
             <a:off x="0" y="0"/>
-            <a:ext cx="9143999" cy="1433733"/>
-          </a:xfrm>
-          <a:prstGeom prst="rect">
-            <a:avLst/>
-          </a:prstGeom>
-          <a:solidFill>
-            <a:srgbClr val="000000"/>
-          </a:solidFill>
-          <a:ln w="48000" cap="flat" cmpd="thickThin" algn="ctr">
-            <a:noFill/>
-            <a:prstDash val="solid"/>
-          </a:ln>
-        </p:spPr>
-        <p:style>
-          <a:lnRef idx="2">
-            <a:schemeClr val="accent1"/>
-          </a:lnRef>
-          <a:fillRef idx="1">
-            <a:schemeClr val="accent1"/>
-          </a:fillRef>
-          <a:effectRef idx="0">
-            <a:schemeClr val="accent1"/>
-          </a:effectRef>
-          <a:fontRef idx="minor">
-            <a:schemeClr val="lt1"/>
-          </a:fontRef>
-        </p:style>
-        <p:txBody>
-          <a:bodyPr rtlCol="0" anchor="ctr"/>
-          <a:lstStyle>
-            <a:extLst/>
-          </a:lstStyle>
-          <a:p>
-            <a:pPr algn="ctr" eaLnBrk="1" latinLnBrk="0" hangingPunct="1"/>
-            <a:endParaRPr kumimoji="0" lang="en-US"/>
-          </a:p>
-        </p:txBody>
-      </p:sp>
-      <p:sp>
-        <p:nvSpPr>
-          <p:cNvPr id="2" name="Title Placeholder 1"/>
-          <p:cNvSpPr>
-            <a:spLocks noGrp="1"/>
-          </p:cNvSpPr>
-          <p:nvPr>
-            <p:ph type="title"/>
-          </p:nvPr>
-        </p:nvSpPr>
-        <p:spPr>
-          <a:xfrm>
-            <a:off x="457200" y="152400"/>
-            <a:ext cx="8229600" cy="1251062"/>
+            <a:ext cx="9144000" cy="6858000"/>
           </a:xfrm>
           <a:prstGeom prst="rect">
             <a:avLst/>
           </a:prstGeom>
         </p:spPr>
-        <p:txBody>
-          <a:bodyPr vert="horz" lIns="91440" rIns="45720" rtlCol="0" anchor="ctr">
-            <a:normAutofit/>
-            <a:scene3d>
-              <a:camera prst="orthographicFront"/>
-              <a:lightRig rig="threePt" dir="t">
-                <a:rot lat="0" lon="0" rev="4800000"/>
-              </a:lightRig>
-            </a:scene3d>
-            <a:sp3d prstMaterial="matte">
-              <a:bevelT w="50800" h="10160"/>
-            </a:sp3d>
-          </a:bodyPr>
-          <a:lstStyle>
-            <a:extLst/>
-          </a:lstStyle>
-          <a:p>
-            <a:r>
-              <a:rPr kumimoji="0" lang="en-US" smtClean="0"/>
-              <a:t>Click to edit Master title style</a:t>
-            </a:r>
-            <a:endParaRPr kumimoji="0" lang="en-US"/>
-          </a:p>
-        </p:txBody>
-      </p:sp>
-      <p:sp>
-        <p:nvSpPr>
-          <p:cNvPr id="3" name="Text Placeholder 2"/>
-          <p:cNvSpPr>
-            <a:spLocks noGrp="1"/>
-          </p:cNvSpPr>
-          <p:nvPr>
-            <p:ph type="body" idx="1"/>
+      </p:pic>
+      <p:sp>
+        <p:nvSpPr>
+          <p:cNvPr id="2" name="Title Placeholder 1"/>
+          <p:cNvSpPr>
+            <a:spLocks noGrp="1"/>
+          </p:cNvSpPr>
+          <p:nvPr>
+            <p:ph type="title"/>
           </p:nvPr>
         </p:nvSpPr>
         <p:spPr>
           <a:xfrm>
-            <a:off x="457200" y="1775191"/>
-            <a:ext cx="8229600" cy="4625609"/>
+            <a:off x="609600" y="274638"/>
+            <a:ext cx="7924800" cy="1143000"/>
           </a:xfrm>
           <a:prstGeom prst="rect">
             <a:avLst/>
           </a:prstGeom>
         </p:spPr>
         <p:txBody>
-          <a:bodyPr vert="horz" lIns="54864" tIns="91440" rtlCol="0">
-            <a:normAutofit/>
+          <a:bodyPr vert="horz" lIns="91440" tIns="45720" rIns="91440" bIns="45720" rtlCol="0" anchor="b" anchorCtr="0">
+            <a:noAutofit/>
           </a:bodyPr>
-          <a:lstStyle>
-            <a:extLst/>
-          </a:lstStyle>
-          <a:p>
-            <a:pPr lvl="0" eaLnBrk="1" latinLnBrk="0" hangingPunct="1"/>
-            <a:r>
-              <a:rPr kumimoji="0" lang="en-US" smtClean="0"/>
-              <a:t>Click to edit Master text styles</a:t>
-            </a:r>
-          </a:p>
-          <a:p>
-            <a:pPr lvl="1" eaLnBrk="1" latinLnBrk="0" hangingPunct="1"/>
-            <a:r>
-              <a:rPr kumimoji="0" lang="en-US" smtClean="0"/>
-              <a:t>Second level</a:t>
-            </a:r>
-          </a:p>
-          <a:p>
-            <a:pPr lvl="2" eaLnBrk="1" latinLnBrk="0" hangingPunct="1"/>
-            <a:r>
-              <a:rPr kumimoji="0" lang="en-US" smtClean="0"/>
-              <a:t>Third level</a:t>
-            </a:r>
-          </a:p>
-          <a:p>
-            <a:pPr lvl="3" eaLnBrk="1" latinLnBrk="0" hangingPunct="1"/>
-            <a:r>
-              <a:rPr kumimoji="0" lang="en-US" smtClean="0"/>
-              <a:t>Fourth level</a:t>
-            </a:r>
-          </a:p>
-          <a:p>
-            <a:pPr lvl="4" eaLnBrk="1" latinLnBrk="0" hangingPunct="1"/>
-            <a:r>
-              <a:rPr kumimoji="0" lang="en-US" smtClean="0"/>
-              <a:t>Fifth level</a:t>
-            </a:r>
-            <a:endParaRPr kumimoji="0" lang="en-US"/>
-          </a:p>
-        </p:txBody>
-      </p:sp>
-      <p:sp>
-        <p:nvSpPr>
-          <p:cNvPr id="4" name="Date Placeholder 3"/>
-          <p:cNvSpPr>
-            <a:spLocks noGrp="1"/>
-          </p:cNvSpPr>
-          <p:nvPr>
-            <p:ph type="dt" sz="half" idx="2"/>
+          <a:lstStyle/>
+          <a:p>
+            <a:r>
+              <a:rPr lang="en-US" smtClean="0"/>
+              <a:t>Click to edit Master title style</a:t>
+            </a:r>
+            <a:endParaRPr lang="en-US" dirty="0"/>
+          </a:p>
+        </p:txBody>
+      </p:sp>
+      <p:sp>
+        <p:nvSpPr>
+          <p:cNvPr id="3" name="Text Placeholder 2"/>
+          <p:cNvSpPr>
+            <a:spLocks noGrp="1"/>
+          </p:cNvSpPr>
+          <p:nvPr>
+            <p:ph type="body" idx="1"/>
           </p:nvPr>
         </p:nvSpPr>
         <p:spPr>
           <a:xfrm>
-            <a:off x="457200" y="6476999"/>
-            <a:ext cx="2133600" cy="274320"/>
+            <a:off x="609600" y="1600200"/>
+            <a:ext cx="7924800" cy="4525963"/>
           </a:xfrm>
           <a:prstGeom prst="rect">
             <a:avLst/>
           </a:prstGeom>
         </p:spPr>
         <p:txBody>
-          <a:bodyPr vert="horz" lIns="109728" rIns="45720" bIns="0" rtlCol="0" anchor="b"/>
-          <a:lstStyle>
-            <a:lvl1pPr algn="l" eaLnBrk="1" latinLnBrk="0" hangingPunct="1">
-              <a:defRPr kumimoji="0" sz="1200">
-                <a:solidFill>
-                  <a:schemeClr val="tx1">
-                    <a:tint val="95000"/>
-                  </a:schemeClr>
-                </a:solidFill>
-              </a:defRPr>
-            </a:lvl1pPr>
-            <a:extLst/>
-          </a:lstStyle>
-          <a:p>
-            <a:fld id="{8AE6C55E-4143-49FB-A6C2-6171CD6B66E5}" type="datetimeFigureOut">
-              <a:rPr lang="en-US" smtClean="0"/>
-              <a:t>10/23/2015</a:t>
-            </a:fld>
-            <a:endParaRPr lang="en-US"/>
-          </a:p>
-        </p:txBody>
-      </p:sp>
-      <p:sp>
-        <p:nvSpPr>
-          <p:cNvPr id="5" name="Footer Placeholder 4"/>
-          <p:cNvSpPr>
-            <a:spLocks noGrp="1"/>
-          </p:cNvSpPr>
-          <p:nvPr>
-            <p:ph type="ftr" sz="quarter" idx="3"/>
+          <a:bodyPr vert="horz" lIns="91440" tIns="45720" rIns="91440" bIns="45720" rtlCol="0">
+            <a:normAutofit/>
+          </a:bodyPr>
+          <a:lstStyle/>
+          <a:p>
+            <a:pPr lvl="0"/>
+            <a:r>
+              <a:rPr lang="en-US" smtClean="0"/>
+              <a:t>Click to edit Master text styles</a:t>
+            </a:r>
+          </a:p>
+          <a:p>
+            <a:pPr lvl="1"/>
+            <a:r>
+              <a:rPr lang="en-US" smtClean="0"/>
+              <a:t>Second level</a:t>
+            </a:r>
+          </a:p>
+          <a:p>
+            <a:pPr lvl="2"/>
+            <a:r>
+              <a:rPr lang="en-US" smtClean="0"/>
+              <a:t>Third level</a:t>
+            </a:r>
+          </a:p>
+          <a:p>
+            <a:pPr lvl="3"/>
+            <a:r>
+              <a:rPr lang="en-US" smtClean="0"/>
+              <a:t>Fourth level</a:t>
+            </a:r>
+          </a:p>
+          <a:p>
+            <a:pPr lvl="4"/>
+            <a:r>
+              <a:rPr lang="en-US" smtClean="0"/>
+              <a:t>Fifth level</a:t>
+            </a:r>
+            <a:endParaRPr lang="en-US" dirty="0" smtClean="0"/>
+          </a:p>
+        </p:txBody>
+      </p:sp>
+      <p:sp>
+        <p:nvSpPr>
+          <p:cNvPr id="4" name="Date Placeholder 3"/>
+          <p:cNvSpPr>
+            <a:spLocks noGrp="1"/>
+          </p:cNvSpPr>
+          <p:nvPr>
+            <p:ph type="dt" sz="half" idx="2"/>
           </p:nvPr>
         </p:nvSpPr>
         <p:spPr>
           <a:xfrm>
-            <a:off x="2640596" y="6476999"/>
-            <a:ext cx="5507719" cy="274320"/>
+            <a:off x="5715000" y="6356350"/>
+            <a:ext cx="1524000" cy="365125"/>
           </a:xfrm>
           <a:prstGeom prst="rect">
             <a:avLst/>
           </a:prstGeom>
         </p:spPr>
         <p:txBody>
-          <a:bodyPr vert="horz" lIns="45720" rIns="45720" bIns="0" rtlCol="0" anchor="b"/>
+          <a:bodyPr vert="horz" lIns="91440" tIns="45720" rIns="91440" bIns="45720" rtlCol="0" anchor="ctr"/>
           <a:lstStyle>
-            <a:lvl1pPr algn="l" eaLnBrk="1" latinLnBrk="0" hangingPunct="1">
-              <a:defRPr kumimoji="0" sz="1200">
+            <a:lvl1pPr algn="r">
+              <a:defRPr sz="1000" strike="noStrike" spc="60" baseline="0">
                 <a:solidFill>
-                  <a:schemeClr val="tx1">
-                    <a:tint val="95000"/>
-                  </a:schemeClr>
+                  <a:schemeClr val="tx1"/>
                 </a:solidFill>
               </a:defRPr>
             </a:lvl1pPr>
-            <a:extLst/>
           </a:lstStyle>
           <a:p>
+            <a:fld id="{8AE6C55E-4143-49FB-A6C2-6171CD6B66E5}" type="datetimeFigureOut">
+              <a:rPr lang="en-US" smtClean="0"/>
+              <a:t>10/23/2015</a:t>
+            </a:fld>
             <a:endParaRPr lang="en-US"/>
           </a:p>
         </p:txBody>
       </p:sp>
       <p:sp>
         <p:nvSpPr>
-          <p:cNvPr id="6" name="Slide Number Placeholder 5"/>
-          <p:cNvSpPr>
-            <a:spLocks noGrp="1"/>
-          </p:cNvSpPr>
-          <p:nvPr>
-            <p:ph type="sldNum" sz="quarter" idx="4"/>
+          <p:cNvPr id="5" name="Footer Placeholder 4"/>
+          <p:cNvSpPr>
+            <a:spLocks noGrp="1"/>
+          </p:cNvSpPr>
+          <p:nvPr>
+            <p:ph type="ftr" sz="quarter" idx="3"/>
           </p:nvPr>
         </p:nvSpPr>
         <p:spPr>
           <a:xfrm>
-            <a:off x="8204396" y="6476999"/>
-            <a:ext cx="733864" cy="274320"/>
+            <a:off x="609600" y="6356350"/>
+            <a:ext cx="2895600" cy="365125"/>
           </a:xfrm>
           <a:prstGeom prst="rect">
             <a:avLst/>
           </a:prstGeom>
         </p:spPr>
         <p:txBody>
-          <a:bodyPr vert="horz" bIns="0" rtlCol="0" anchor="b"/>
+          <a:bodyPr vert="horz" lIns="91440" tIns="45720" rIns="91440" bIns="45720" rtlCol="0" anchor="ctr"/>
           <a:lstStyle>
-            <a:lvl1pPr algn="r" eaLnBrk="1" latinLnBrk="0" hangingPunct="1">
-              <a:defRPr kumimoji="0" sz="1200">
+            <a:lvl1pPr algn="l">
+              <a:defRPr sz="1000" cap="all" spc="60" baseline="0">
                 <a:solidFill>
-                  <a:schemeClr val="tx1">
-                    <a:tint val="95000"/>
-                  </a:schemeClr>
+                  <a:schemeClr val="tx1"/>
                 </a:solidFill>
               </a:defRPr>
             </a:lvl1pPr>
-            <a:extLst/>
+          </a:lstStyle>
+          <a:p>
+            <a:endParaRPr lang="en-US"/>
+          </a:p>
+        </p:txBody>
+      </p:sp>
+      <p:sp>
+        <p:nvSpPr>
+          <p:cNvPr id="6" name="Slide Number Placeholder 5"/>
+          <p:cNvSpPr>
+            <a:spLocks noGrp="1"/>
+          </p:cNvSpPr>
+          <p:nvPr>
+            <p:ph type="sldNum" sz="quarter" idx="4"/>
+          </p:nvPr>
+        </p:nvSpPr>
+        <p:spPr>
+          <a:xfrm>
+            <a:off x="7543800" y="6356350"/>
+            <a:ext cx="990600" cy="365125"/>
+          </a:xfrm>
+          <a:prstGeom prst="rect">
+            <a:avLst/>
+          </a:prstGeom>
+        </p:spPr>
+        <p:txBody>
+          <a:bodyPr vert="horz" lIns="91440" tIns="45720" rIns="91440" bIns="45720" rtlCol="0" anchor="ctr"/>
+          <a:lstStyle>
+            <a:lvl1pPr algn="r">
+              <a:defRPr sz="1100" baseline="0">
+                <a:solidFill>
+                  <a:schemeClr val="tx1"/>
+                </a:solidFill>
+              </a:defRPr>
+            </a:lvl1pPr>
           </a:lstStyle>
           <a:p>
             <a:fld id="{6D571152-E3FD-465B-8743-F85DE18C0D96}" type="slidenum">
@@ -3513,53 +3118,110 @@
       </p:sp>
     </p:spTree>
   </p:cSld>
-  <p:clrMap bg1="lt1" tx1="dk1" bg2="lt2" tx2="dk2" accent1="accent1" accent2="accent2" accent3="accent3" accent4="accent4" accent5="accent5" accent6="accent6" hlink="hlink" folHlink="folHlink"/>
+  <p:clrMap bg1="dk1" tx1="lt1" bg2="dk2" tx2="lt2" accent1="accent1" accent2="accent2" accent3="accent3" accent4="accent4" accent5="accent5" accent6="accent6" hlink="hlink" folHlink="folHlink"/>
   <p:sldLayoutIdLst>
-    <p:sldLayoutId id="2147483685" r:id="rId1"/>
-    <p:sldLayoutId id="2147483686" r:id="rId2"/>
-    <p:sldLayoutId id="2147483687" r:id="rId3"/>
-    <p:sldLayoutId id="2147483688" r:id="rId4"/>
-    <p:sldLayoutId id="2147483689" r:id="rId5"/>
-    <p:sldLayoutId id="2147483690" r:id="rId6"/>
-    <p:sldLayoutId id="2147483691" r:id="rId7"/>
-    <p:sldLayoutId id="2147483692" r:id="rId8"/>
-    <p:sldLayoutId id="2147483693" r:id="rId9"/>
-    <p:sldLayoutId id="2147483694" r:id="rId10"/>
-    <p:sldLayoutId id="2147483695" r:id="rId11"/>
+    <p:sldLayoutId id="2147483745" r:id="rId1"/>
+    <p:sldLayoutId id="2147483746" r:id="rId2"/>
+    <p:sldLayoutId id="2147483747" r:id="rId3"/>
+    <p:sldLayoutId id="2147483748" r:id="rId4"/>
+    <p:sldLayoutId id="2147483749" r:id="rId5"/>
+    <p:sldLayoutId id="2147483750" r:id="rId6"/>
+    <p:sldLayoutId id="2147483751" r:id="rId7"/>
+    <p:sldLayoutId id="2147483752" r:id="rId8"/>
+    <p:sldLayoutId id="2147483753" r:id="rId9"/>
+    <p:sldLayoutId id="2147483754" r:id="rId10"/>
+    <p:sldLayoutId id="2147483755" r:id="rId11"/>
   </p:sldLayoutIdLst>
   <p:txStyles>
     <p:titleStyle>
-      <a:lvl1pPr algn="l" rtl="0" eaLnBrk="1" latinLnBrk="0" hangingPunct="1">
+      <a:lvl1pPr algn="l" defTabSz="914400" rtl="0" eaLnBrk="1" latinLnBrk="0" hangingPunct="1">
         <a:spcBef>
           <a:spcPct val="0"/>
         </a:spcBef>
         <a:buNone/>
-        <a:defRPr kumimoji="0" sz="4500" b="1" kern="1200">
+        <a:defRPr sz="3000" kern="1200" cap="all" spc="50" baseline="0">
           <a:solidFill>
-            <a:schemeClr val="accent1">
-              <a:satMod val="150000"/>
-            </a:schemeClr>
+            <a:schemeClr val="tx1"/>
           </a:solidFill>
-          <a:effectLst/>
           <a:latin typeface="+mj-lt"/>
           <a:ea typeface="+mj-ea"/>
           <a:cs typeface="+mj-cs"/>
         </a:defRPr>
       </a:lvl1pPr>
-      <a:extLst/>
+      <a:lvl2pPr eaLnBrk="1" hangingPunct="1">
+        <a:defRPr>
+          <a:solidFill>
+            <a:schemeClr val="tx2"/>
+          </a:solidFill>
+        </a:defRPr>
+      </a:lvl2pPr>
+      <a:lvl3pPr eaLnBrk="1" hangingPunct="1">
+        <a:defRPr>
+          <a:solidFill>
+            <a:schemeClr val="tx2"/>
+          </a:solidFill>
+        </a:defRPr>
+      </a:lvl3pPr>
+      <a:lvl4pPr eaLnBrk="1" hangingPunct="1">
+        <a:defRPr>
+          <a:solidFill>
+            <a:schemeClr val="tx2"/>
+          </a:solidFill>
+        </a:defRPr>
+      </a:lvl4pPr>
+      <a:lvl5pPr eaLnBrk="1" hangingPunct="1">
+        <a:defRPr>
+          <a:solidFill>
+            <a:schemeClr val="tx2"/>
+          </a:solidFill>
+        </a:defRPr>
+      </a:lvl5pPr>
+      <a:lvl6pPr eaLnBrk="1" hangingPunct="1">
+        <a:defRPr>
+          <a:solidFill>
+            <a:schemeClr val="tx2"/>
+          </a:solidFill>
+        </a:defRPr>
+      </a:lvl6pPr>
+      <a:lvl7pPr eaLnBrk="1" hangingPunct="1">
+        <a:defRPr>
+          <a:solidFill>
+            <a:schemeClr val="tx2"/>
+          </a:solidFill>
+        </a:defRPr>
+      </a:lvl7pPr>
+      <a:lvl8pPr eaLnBrk="1" hangingPunct="1">
+        <a:defRPr>
+          <a:solidFill>
+            <a:schemeClr val="tx2"/>
+          </a:solidFill>
+        </a:defRPr>
+      </a:lvl8pPr>
+      <a:lvl9pPr eaLnBrk="1" hangingPunct="1">
+        <a:defRPr>
+          <a:solidFill>
+            <a:schemeClr val="tx2"/>
+          </a:solidFill>
+        </a:defRPr>
+      </a:lvl9pPr>
     </p:titleStyle>
     <p:bodyStyle>
-      <a:lvl1pPr marL="438912" indent="-320040" algn="l" rtl="0" eaLnBrk="1" latinLnBrk="0" hangingPunct="1">
+      <a:lvl1pPr marL="342900" indent="-342900" algn="l" defTabSz="914400" rtl="0" eaLnBrk="1" latinLnBrk="0" hangingPunct="1">
+        <a:lnSpc>
+          <a:spcPct val="100000"/>
+        </a:lnSpc>
         <a:spcBef>
-          <a:spcPts val="0"/>
+          <a:spcPct val="20000"/>
         </a:spcBef>
+        <a:spcAft>
+          <a:spcPts val="600"/>
+        </a:spcAft>
         <a:buClr>
-          <a:schemeClr val="accent1"/>
+          <a:schemeClr val="tx2"/>
         </a:buClr>
-        <a:buSzPct val="80000"/>
-        <a:buFont typeface="Wingdings 2"/>
-        <a:buChar char=""/>
-        <a:defRPr kumimoji="0" sz="3200" kern="1200">
+        <a:buFont typeface="Arial" pitchFamily="34" charset="0"/>
+        <a:buChar char="•"/>
+        <a:defRPr sz="1700" kern="1200" spc="30" baseline="0">
           <a:solidFill>
             <a:schemeClr val="tx1"/>
           </a:solidFill>
@@ -3568,17 +3230,22 @@
           <a:cs typeface="+mn-cs"/>
         </a:defRPr>
       </a:lvl1pPr>
-      <a:lvl2pPr marL="731520" indent="-274320" algn="l" rtl="0" eaLnBrk="1" latinLnBrk="0" hangingPunct="1">
+      <a:lvl2pPr marL="742950" indent="-285750" algn="l" defTabSz="914400" rtl="0" eaLnBrk="1" latinLnBrk="0" hangingPunct="1">
+        <a:lnSpc>
+          <a:spcPct val="100000"/>
+        </a:lnSpc>
         <a:spcBef>
           <a:spcPct val="20000"/>
         </a:spcBef>
+        <a:spcAft>
+          <a:spcPts val="600"/>
+        </a:spcAft>
         <a:buClr>
-          <a:schemeClr val="accent2"/>
+          <a:schemeClr val="tx2"/>
         </a:buClr>
-        <a:buSzPct val="90000"/>
-        <a:buFont typeface="Wingdings"/>
-        <a:buChar char=""/>
-        <a:defRPr kumimoji="0" sz="2800" kern="1200">
+        <a:buFont typeface="Arial" pitchFamily="34" charset="0"/>
+        <a:buChar char="•"/>
+        <a:defRPr sz="1700" kern="1200" spc="30" baseline="0">
           <a:solidFill>
             <a:schemeClr val="tx1"/>
           </a:solidFill>
@@ -3587,16 +3254,22 @@
           <a:cs typeface="+mn-cs"/>
         </a:defRPr>
       </a:lvl2pPr>
-      <a:lvl3pPr marL="996696" indent="-228600" algn="l" rtl="0" eaLnBrk="1" latinLnBrk="0" hangingPunct="1">
+      <a:lvl3pPr marL="1143000" indent="-228600" algn="l" defTabSz="914400" rtl="0" eaLnBrk="1" latinLnBrk="0" hangingPunct="1">
+        <a:lnSpc>
+          <a:spcPct val="100000"/>
+        </a:lnSpc>
         <a:spcBef>
           <a:spcPct val="20000"/>
         </a:spcBef>
+        <a:spcAft>
+          <a:spcPts val="600"/>
+        </a:spcAft>
         <a:buClr>
-          <a:schemeClr val="accent3"/>
+          <a:schemeClr val="tx2"/>
         </a:buClr>
-        <a:buFont typeface="Arial"/>
-        <a:buChar char="▪"/>
-        <a:defRPr kumimoji="0" sz="2400" kern="1200">
+        <a:buFont typeface="Arial" pitchFamily="34" charset="0"/>
+        <a:buChar char="•"/>
+        <a:defRPr sz="1700" kern="1200" spc="30" baseline="0">
           <a:solidFill>
             <a:schemeClr val="tx1"/>
           </a:solidFill>
@@ -3605,16 +3278,22 @@
           <a:cs typeface="+mn-cs"/>
         </a:defRPr>
       </a:lvl3pPr>
-      <a:lvl4pPr marL="1216152" indent="-182880" algn="l" rtl="0" eaLnBrk="1" latinLnBrk="0" hangingPunct="1">
+      <a:lvl4pPr marL="1600200" indent="-228600" algn="l" defTabSz="914400" rtl="0" eaLnBrk="1" latinLnBrk="0" hangingPunct="1">
+        <a:lnSpc>
+          <a:spcPct val="100000"/>
+        </a:lnSpc>
         <a:spcBef>
           <a:spcPct val="20000"/>
         </a:spcBef>
+        <a:spcAft>
+          <a:spcPts val="600"/>
+        </a:spcAft>
         <a:buClr>
-          <a:schemeClr val="accent4"/>
+          <a:schemeClr val="tx2"/>
         </a:buClr>
-        <a:buFont typeface="Arial"/>
-        <a:buChar char="▪"/>
-        <a:defRPr kumimoji="0" sz="2000" kern="1200">
+        <a:buFont typeface="Arial" pitchFamily="34" charset="0"/>
+        <a:buChar char="•"/>
+        <a:defRPr sz="1700" kern="1200" spc="30" baseline="0">
           <a:solidFill>
             <a:schemeClr val="tx1"/>
           </a:solidFill>
@@ -3623,16 +3302,22 @@
           <a:cs typeface="+mn-cs"/>
         </a:defRPr>
       </a:lvl4pPr>
-      <a:lvl5pPr marL="1426464" indent="-182880" algn="l" rtl="0" eaLnBrk="1" latinLnBrk="0" hangingPunct="1">
+      <a:lvl5pPr marL="2057400" indent="-228600" algn="l" defTabSz="914400" rtl="0" eaLnBrk="1" latinLnBrk="0" hangingPunct="1">
+        <a:lnSpc>
+          <a:spcPct val="100000"/>
+        </a:lnSpc>
         <a:spcBef>
           <a:spcPct val="20000"/>
         </a:spcBef>
+        <a:spcAft>
+          <a:spcPts val="600"/>
+        </a:spcAft>
         <a:buClr>
-          <a:schemeClr val="accent5"/>
+          <a:schemeClr val="tx2"/>
         </a:buClr>
-        <a:buFont typeface="Wingdings 3"/>
-        <a:buChar char=""/>
-        <a:defRPr kumimoji="0" lang="en-US" sz="2000" kern="1200" smtClean="0">
+        <a:buFont typeface="Arial" pitchFamily="34" charset="0"/>
+        <a:buChar char="•"/>
+        <a:defRPr sz="1700" kern="1200" spc="30" baseline="0">
           <a:solidFill>
             <a:schemeClr val="tx1"/>
           </a:solidFill>
@@ -3641,17 +3326,22 @@
           <a:cs typeface="+mn-cs"/>
         </a:defRPr>
       </a:lvl5pPr>
-      <a:lvl6pPr marL="1627632" indent="-182880" algn="l" rtl="0" eaLnBrk="1" latinLnBrk="0" hangingPunct="1">
+      <a:lvl6pPr marL="2514600" indent="-228600" algn="l" defTabSz="914400" rtl="0" eaLnBrk="1" latinLnBrk="0" hangingPunct="1">
+        <a:lnSpc>
+          <a:spcPct val="100000"/>
+        </a:lnSpc>
         <a:spcBef>
           <a:spcPct val="20000"/>
         </a:spcBef>
+        <a:spcAft>
+          <a:spcPts val="600"/>
+        </a:spcAft>
         <a:buClr>
-          <a:schemeClr val="accent6"/>
+          <a:schemeClr val="tx2"/>
         </a:buClr>
-        <a:buSzPct val="100000"/>
-        <a:buFont typeface="Wingdings 2"/>
-        <a:buChar char=""/>
-        <a:defRPr kumimoji="0" sz="2000" kern="1200">
+        <a:buFont typeface="Arial" pitchFamily="34" charset="0"/>
+        <a:buChar char="•"/>
+        <a:defRPr sz="1700" kern="1200">
           <a:solidFill>
             <a:schemeClr val="tx1"/>
           </a:solidFill>
@@ -3660,17 +3350,22 @@
           <a:cs typeface="+mn-cs"/>
         </a:defRPr>
       </a:lvl6pPr>
-      <a:lvl7pPr marL="1828800" indent="-182880" algn="l" rtl="0" eaLnBrk="1" latinLnBrk="0" hangingPunct="1">
+      <a:lvl7pPr marL="2971800" indent="-228600" algn="l" defTabSz="914400" rtl="0" eaLnBrk="1" latinLnBrk="0" hangingPunct="1">
+        <a:lnSpc>
+          <a:spcPct val="100000"/>
+        </a:lnSpc>
         <a:spcBef>
           <a:spcPct val="20000"/>
         </a:spcBef>
+        <a:spcAft>
+          <a:spcPts val="600"/>
+        </a:spcAft>
         <a:buClr>
-          <a:schemeClr val="accent1"/>
+          <a:schemeClr val="tx2"/>
         </a:buClr>
-        <a:buSzPct val="100000"/>
-        <a:buFont typeface="Wingdings 2"/>
-        <a:buChar char=""/>
-        <a:defRPr kumimoji="0" sz="1800" kern="1200">
+        <a:buFont typeface="Arial" pitchFamily="34" charset="0"/>
+        <a:buChar char="•"/>
+        <a:defRPr sz="1700" kern="1200">
           <a:solidFill>
             <a:schemeClr val="tx1"/>
           </a:solidFill>
@@ -3679,16 +3374,22 @@
           <a:cs typeface="+mn-cs"/>
         </a:defRPr>
       </a:lvl7pPr>
-      <a:lvl8pPr marL="2029968" indent="-182880" algn="l" rtl="0" eaLnBrk="1" latinLnBrk="0" hangingPunct="1">
+      <a:lvl8pPr marL="3429000" indent="-228600" algn="l" defTabSz="914400" rtl="0" eaLnBrk="1" latinLnBrk="0" hangingPunct="1">
+        <a:lnSpc>
+          <a:spcPct val="100000"/>
+        </a:lnSpc>
         <a:spcBef>
           <a:spcPct val="20000"/>
         </a:spcBef>
+        <a:spcAft>
+          <a:spcPts val="600"/>
+        </a:spcAft>
         <a:buClr>
-          <a:schemeClr val="accent2"/>
+          <a:schemeClr val="tx2"/>
         </a:buClr>
-        <a:buFont typeface="Wingdings 2" pitchFamily="18" charset="2"/>
-        <a:buChar char=""/>
-        <a:defRPr kumimoji="0" sz="1800" kern="1200">
+        <a:buFont typeface="Arial" pitchFamily="34" charset="0"/>
+        <a:buChar char="•"/>
+        <a:defRPr sz="1700" kern="1200">
           <a:solidFill>
             <a:schemeClr val="tx1"/>
           </a:solidFill>
@@ -3697,16 +3398,22 @@
           <a:cs typeface="+mn-cs"/>
         </a:defRPr>
       </a:lvl8pPr>
-      <a:lvl9pPr marL="2231136" indent="-182880" algn="l" rtl="0" eaLnBrk="1" latinLnBrk="0" hangingPunct="1">
+      <a:lvl9pPr marL="3886200" indent="-228600" algn="l" defTabSz="914400" rtl="0" eaLnBrk="1" latinLnBrk="0" hangingPunct="1">
+        <a:lnSpc>
+          <a:spcPct val="100000"/>
+        </a:lnSpc>
         <a:spcBef>
           <a:spcPct val="20000"/>
         </a:spcBef>
+        <a:spcAft>
+          <a:spcPts val="600"/>
+        </a:spcAft>
         <a:buClr>
-          <a:schemeClr val="accent3"/>
+          <a:schemeClr val="tx2"/>
         </a:buClr>
-        <a:buFont typeface="Wingdings 2" pitchFamily="18" charset="2"/>
-        <a:buChar char=""/>
-        <a:defRPr kumimoji="0" sz="1800" kern="1200" baseline="0">
+        <a:buFont typeface="Arial" pitchFamily="34" charset="0"/>
+        <a:buChar char="•"/>
+        <a:defRPr sz="1700" kern="1200">
           <a:solidFill>
             <a:schemeClr val="tx1"/>
           </a:solidFill>
@@ -3715,11 +3422,13 @@
           <a:cs typeface="+mn-cs"/>
         </a:defRPr>
       </a:lvl9pPr>
-      <a:extLst/>
     </p:bodyStyle>
     <p:otherStyle>
-      <a:lvl1pPr marL="0" algn="l" rtl="0" eaLnBrk="1" latinLnBrk="0" hangingPunct="1">
-        <a:defRPr kumimoji="0" kern="1200">
+      <a:defPPr>
+        <a:defRPr lang="en-US"/>
+      </a:defPPr>
+      <a:lvl1pPr marL="0" algn="l" defTabSz="914400" rtl="0" eaLnBrk="1" latinLnBrk="0" hangingPunct="1">
+        <a:defRPr sz="1800" kern="1200">
           <a:solidFill>
             <a:schemeClr val="tx1"/>
           </a:solidFill>
@@ -3728,8 +3437,8 @@
           <a:cs typeface="+mn-cs"/>
         </a:defRPr>
       </a:lvl1pPr>
-      <a:lvl2pPr marL="457200" algn="l" rtl="0" eaLnBrk="1" latinLnBrk="0" hangingPunct="1">
-        <a:defRPr kumimoji="0" kern="1200">
+      <a:lvl2pPr marL="457200" algn="l" defTabSz="914400" rtl="0" eaLnBrk="1" latinLnBrk="0" hangingPunct="1">
+        <a:defRPr sz="1800" kern="1200">
           <a:solidFill>
             <a:schemeClr val="tx1"/>
           </a:solidFill>
@@ -3738,8 +3447,8 @@
           <a:cs typeface="+mn-cs"/>
         </a:defRPr>
       </a:lvl2pPr>
-      <a:lvl3pPr marL="914400" algn="l" rtl="0" eaLnBrk="1" latinLnBrk="0" hangingPunct="1">
-        <a:defRPr kumimoji="0" kern="1200">
+      <a:lvl3pPr marL="914400" algn="l" defTabSz="914400" rtl="0" eaLnBrk="1" latinLnBrk="0" hangingPunct="1">
+        <a:defRPr sz="1800" kern="1200">
           <a:solidFill>
             <a:schemeClr val="tx1"/>
           </a:solidFill>
@@ -3748,8 +3457,8 @@
           <a:cs typeface="+mn-cs"/>
         </a:defRPr>
       </a:lvl3pPr>
-      <a:lvl4pPr marL="1371600" algn="l" rtl="0" eaLnBrk="1" latinLnBrk="0" hangingPunct="1">
-        <a:defRPr kumimoji="0" kern="1200">
+      <a:lvl4pPr marL="1371600" algn="l" defTabSz="914400" rtl="0" eaLnBrk="1" latinLnBrk="0" hangingPunct="1">
+        <a:defRPr sz="1800" kern="1200">
           <a:solidFill>
             <a:schemeClr val="tx1"/>
           </a:solidFill>
@@ -3758,8 +3467,8 @@
           <a:cs typeface="+mn-cs"/>
         </a:defRPr>
       </a:lvl4pPr>
-      <a:lvl5pPr marL="1828800" algn="l" rtl="0" eaLnBrk="1" latinLnBrk="0" hangingPunct="1">
-        <a:defRPr kumimoji="0" kern="1200">
+      <a:lvl5pPr marL="1828800" algn="l" defTabSz="914400" rtl="0" eaLnBrk="1" latinLnBrk="0" hangingPunct="1">
+        <a:defRPr sz="1800" kern="1200">
           <a:solidFill>
             <a:schemeClr val="tx1"/>
           </a:solidFill>
@@ -3768,8 +3477,8 @@
           <a:cs typeface="+mn-cs"/>
         </a:defRPr>
       </a:lvl5pPr>
-      <a:lvl6pPr marL="2286000" algn="l" rtl="0" eaLnBrk="1" latinLnBrk="0" hangingPunct="1">
-        <a:defRPr kumimoji="0" kern="1200">
+      <a:lvl6pPr marL="2286000" algn="l" defTabSz="914400" rtl="0" eaLnBrk="1" latinLnBrk="0" hangingPunct="1">
+        <a:defRPr sz="1800" kern="1200">
           <a:solidFill>
             <a:schemeClr val="tx1"/>
           </a:solidFill>
@@ -3778,8 +3487,8 @@
           <a:cs typeface="+mn-cs"/>
         </a:defRPr>
       </a:lvl6pPr>
-      <a:lvl7pPr marL="2743200" algn="l" rtl="0" eaLnBrk="1" latinLnBrk="0" hangingPunct="1">
-        <a:defRPr kumimoji="0" kern="1200">
+      <a:lvl7pPr marL="2743200" algn="l" defTabSz="914400" rtl="0" eaLnBrk="1" latinLnBrk="0" hangingPunct="1">
+        <a:defRPr sz="1800" kern="1200">
           <a:solidFill>
             <a:schemeClr val="tx1"/>
           </a:solidFill>
@@ -3788,8 +3497,8 @@
           <a:cs typeface="+mn-cs"/>
         </a:defRPr>
       </a:lvl7pPr>
-      <a:lvl8pPr marL="3200400" algn="l" rtl="0" eaLnBrk="1" latinLnBrk="0" hangingPunct="1">
-        <a:defRPr kumimoji="0" kern="1200">
+      <a:lvl8pPr marL="3200400" algn="l" defTabSz="914400" rtl="0" eaLnBrk="1" latinLnBrk="0" hangingPunct="1">
+        <a:defRPr sz="1800" kern="1200">
           <a:solidFill>
             <a:schemeClr val="tx1"/>
           </a:solidFill>
@@ -3798,8 +3507,8 @@
           <a:cs typeface="+mn-cs"/>
         </a:defRPr>
       </a:lvl8pPr>
-      <a:lvl9pPr marL="3657600" algn="l" rtl="0" eaLnBrk="1" latinLnBrk="0" hangingPunct="1">
-        <a:defRPr kumimoji="0" kern="1200">
+      <a:lvl9pPr marL="3657600" algn="l" defTabSz="914400" rtl="0" eaLnBrk="1" latinLnBrk="0" hangingPunct="1">
+        <a:defRPr sz="1800" kern="1200">
           <a:solidFill>
             <a:schemeClr val="tx1"/>
           </a:solidFill>
@@ -3808,7 +3517,6 @@
           <a:cs typeface="+mn-cs"/>
         </a:defRPr>
       </a:lvl9pPr>
-      <a:extLst/>
     </p:otherStyle>
   </p:txStyles>
 </p:sldMaster>
@@ -3833,6 +3541,29 @@
       </p:grpSpPr>
       <p:sp>
         <p:nvSpPr>
+          <p:cNvPr id="3" name="Subtitle 2"/>
+          <p:cNvSpPr>
+            <a:spLocks noGrp="1"/>
+          </p:cNvSpPr>
+          <p:nvPr>
+            <p:ph type="subTitle" idx="1"/>
+          </p:nvPr>
+        </p:nvSpPr>
+        <p:spPr/>
+        <p:txBody>
+          <a:bodyPr/>
+          <a:lstStyle/>
+          <a:p>
+            <a:r>
+              <a:rPr lang="en-US" dirty="0" smtClean="0"/>
+              <a:t>TCCC 19 – Fall 2015</a:t>
+            </a:r>
+            <a:endParaRPr lang="en-US" dirty="0"/>
+          </a:p>
+        </p:txBody>
+      </p:sp>
+      <p:sp>
+        <p:nvSpPr>
           <p:cNvPr id="2" name="Title 1"/>
           <p:cNvSpPr>
             <a:spLocks noGrp="1"/>
@@ -3848,30 +3579,23 @@
           <a:p>
             <a:r>
               <a:rPr lang="en-US" dirty="0" smtClean="0"/>
-              <a:t>IAM / SSO Service</a:t>
-            </a:r>
-            <a:endParaRPr lang="en-US" dirty="0"/>
-          </a:p>
-        </p:txBody>
-      </p:sp>
-      <p:sp>
-        <p:nvSpPr>
-          <p:cNvPr id="3" name="Subtitle 2"/>
-          <p:cNvSpPr>
-            <a:spLocks noGrp="1"/>
-          </p:cNvSpPr>
-          <p:nvPr>
-            <p:ph type="subTitle" idx="1"/>
-          </p:nvPr>
-        </p:nvSpPr>
-        <p:spPr/>
-        <p:txBody>
-          <a:bodyPr/>
-          <a:lstStyle/>
-          <a:p>
-            <a:r>
-              <a:rPr lang="en-US" dirty="0" smtClean="0"/>
-              <a:t>Building a Secure, Low-Budget IAM / SSO</a:t>
+              <a:t>Building Secure, low-budget </a:t>
+            </a:r>
+            <a:r>
+              <a:rPr lang="en-US" dirty="0" err="1" smtClean="0"/>
+              <a:t>iam</a:t>
+            </a:r>
+            <a:r>
+              <a:rPr lang="en-US" dirty="0" smtClean="0"/>
+              <a:t>/</a:t>
+            </a:r>
+            <a:r>
+              <a:rPr lang="en-US" dirty="0" err="1" smtClean="0"/>
+              <a:t>sso</a:t>
+            </a:r>
+            <a:r>
+              <a:rPr lang="en-US" dirty="0" smtClean="0"/>
+              <a:t> Service</a:t>
             </a:r>
             <a:endParaRPr lang="en-US" dirty="0"/>
           </a:p>
@@ -3926,14 +3650,12 @@
         </p:nvSpPr>
         <p:spPr/>
         <p:txBody>
-          <a:bodyPr>
-            <a:normAutofit fontScale="90000"/>
-          </a:bodyPr>
-          <a:lstStyle/>
-          <a:p>
-            <a:r>
-              <a:rPr lang="en-US" dirty="0" smtClean="0"/>
-              <a:t>Talking Protocols We Chose to Use</a:t>
+          <a:bodyPr/>
+          <a:lstStyle/>
+          <a:p>
+            <a:r>
+              <a:rPr lang="en-US" dirty="0" smtClean="0"/>
+              <a:t>Before You Begin</a:t>
             </a:r>
             <a:endParaRPr lang="en-US" dirty="0"/>
           </a:p>
@@ -3946,162 +3668,40 @@
             <a:spLocks noGrp="1"/>
           </p:cNvSpPr>
           <p:nvPr>
-            <p:ph idx="1"/>
-          </p:nvPr>
-        </p:nvSpPr>
-        <p:spPr/>
-        <p:txBody>
-          <a:bodyPr>
-            <a:normAutofit/>
-          </a:bodyPr>
-          <a:lstStyle/>
-          <a:p>
-            <a:r>
-              <a:rPr lang="en-US" dirty="0" smtClean="0"/>
-              <a:t>SAML 2.0</a:t>
-            </a:r>
-          </a:p>
-          <a:p>
-            <a:r>
-              <a:rPr lang="en-US" dirty="0" smtClean="0"/>
-              <a:t>WS-Fed</a:t>
-            </a:r>
-          </a:p>
-          <a:p>
-            <a:r>
-              <a:rPr lang="en-US" dirty="0" err="1" smtClean="0"/>
-              <a:t>OAuth</a:t>
-            </a:r>
-            <a:endParaRPr lang="en-US" dirty="0" smtClean="0"/>
-          </a:p>
-          <a:p>
-            <a:pPr lvl="1"/>
-            <a:r>
-              <a:rPr lang="en-US" dirty="0" smtClean="0">
-                <a:solidFill>
-                  <a:schemeClr val="bg1">
-                    <a:lumMod val="85000"/>
-                  </a:schemeClr>
-                </a:solidFill>
-              </a:rPr>
-              <a:t>Authorization Code</a:t>
-            </a:r>
-          </a:p>
-          <a:p>
-            <a:pPr lvl="1"/>
-            <a:r>
-              <a:rPr lang="en-US" dirty="0" smtClean="0"/>
-              <a:t>Implicit </a:t>
-            </a:r>
-          </a:p>
-          <a:p>
-            <a:pPr lvl="1"/>
-            <a:r>
-              <a:rPr lang="en-US" dirty="0">
-                <a:solidFill>
-                  <a:schemeClr val="bg1">
-                    <a:lumMod val="85000"/>
-                  </a:schemeClr>
-                </a:solidFill>
-              </a:rPr>
-              <a:t>Resource-Owner </a:t>
-            </a:r>
-            <a:r>
-              <a:rPr lang="en-US" dirty="0" err="1">
-                <a:solidFill>
-                  <a:schemeClr val="bg1">
-                    <a:lumMod val="85000"/>
-                  </a:schemeClr>
-                </a:solidFill>
-              </a:rPr>
-              <a:t>Pwd</a:t>
-            </a:r>
-            <a:r>
-              <a:rPr lang="en-US" dirty="0">
-                <a:solidFill>
-                  <a:schemeClr val="bg1">
-                    <a:lumMod val="85000"/>
-                  </a:schemeClr>
-                </a:solidFill>
-              </a:rPr>
-              <a:t> </a:t>
-            </a:r>
-            <a:r>
-              <a:rPr lang="en-US" dirty="0" err="1">
-                <a:solidFill>
-                  <a:schemeClr val="bg1">
-                    <a:lumMod val="85000"/>
-                  </a:schemeClr>
-                </a:solidFill>
-              </a:rPr>
-              <a:t>Creds</a:t>
-            </a:r>
-            <a:endParaRPr lang="en-US" dirty="0">
-              <a:solidFill>
-                <a:schemeClr val="bg1">
-                  <a:lumMod val="85000"/>
-                </a:schemeClr>
-              </a:solidFill>
-            </a:endParaRPr>
-          </a:p>
-          <a:p>
-            <a:pPr lvl="1"/>
-            <a:r>
-              <a:rPr lang="en-US" dirty="0">
-                <a:solidFill>
-                  <a:schemeClr val="bg1">
-                    <a:lumMod val="85000"/>
-                  </a:schemeClr>
-                </a:solidFill>
-              </a:rPr>
-              <a:t>Client Credentials</a:t>
-            </a:r>
-          </a:p>
-          <a:p>
-            <a:r>
-              <a:rPr lang="en-US" dirty="0" err="1">
-                <a:solidFill>
-                  <a:schemeClr val="bg1">
-                    <a:lumMod val="85000"/>
-                  </a:schemeClr>
-                </a:solidFill>
-              </a:rPr>
-              <a:t>OpenID</a:t>
-            </a:r>
-            <a:r>
-              <a:rPr lang="en-US" dirty="0">
-                <a:solidFill>
-                  <a:schemeClr val="bg1">
-                    <a:lumMod val="85000"/>
-                  </a:schemeClr>
-                </a:solidFill>
-              </a:rPr>
-              <a:t> Connect</a:t>
-            </a:r>
-          </a:p>
-          <a:p>
-            <a:r>
-              <a:rPr lang="en-US" dirty="0" smtClean="0">
-                <a:solidFill>
-                  <a:schemeClr val="bg1">
-                    <a:lumMod val="85000"/>
-                  </a:schemeClr>
-                </a:solidFill>
-              </a:rPr>
-              <a:t>Many </a:t>
-            </a:r>
-            <a:r>
-              <a:rPr lang="en-US" dirty="0">
-                <a:solidFill>
-                  <a:schemeClr val="bg1">
-                    <a:lumMod val="85000"/>
-                  </a:schemeClr>
-                </a:solidFill>
-              </a:rPr>
-              <a:t>more to come…</a:t>
-            </a:r>
-          </a:p>
-          <a:p>
+            <p:ph sz="quarter" idx="13"/>
+          </p:nvPr>
+        </p:nvSpPr>
+        <p:spPr/>
+        <p:txBody>
+          <a:bodyPr/>
+          <a:lstStyle/>
+          <a:p>
+            <a:r>
+              <a:rPr lang="en-US" dirty="0" smtClean="0"/>
+              <a:t>Have a business case that can support a viable budget (you’ll need more than $45K)</a:t>
+            </a:r>
+          </a:p>
+          <a:p>
+            <a:r>
+              <a:rPr lang="en-US" dirty="0" smtClean="0"/>
+              <a:t>Identify which types of identities you are targeting (internal, external, or federated)</a:t>
+            </a:r>
+          </a:p>
+          <a:p>
+            <a:r>
+              <a:rPr lang="en-US" dirty="0" smtClean="0"/>
+              <a:t>If in a large corporate environment, find out to see if there are other corporate efforts to solve the IAM / SSO </a:t>
+            </a:r>
+            <a:r>
+              <a:rPr lang="en-US" dirty="0" smtClean="0"/>
+              <a:t>problem</a:t>
+            </a:r>
+          </a:p>
+          <a:p>
+            <a:r>
+              <a:rPr lang="en-US" dirty="0" smtClean="0"/>
+              <a:t>Find out if you have a Security Risk Assessment group in your organization. They will want to know what you are doing and you will need their support.</a:t>
+            </a:r>
             <a:endParaRPr lang="en-US" dirty="0"/>
           </a:p>
         </p:txBody>
@@ -4109,7 +3709,7 @@
     </p:spTree>
     <p:extLst>
       <p:ext uri="{BB962C8B-B14F-4D97-AF65-F5344CB8AC3E}">
-        <p14:creationId xmlns:p14="http://schemas.microsoft.com/office/powerpoint/2010/main" val="3117457946"/>
+        <p14:creationId xmlns:p14="http://schemas.microsoft.com/office/powerpoint/2010/main" val="1953705712"/>
       </p:ext>
     </p:extLst>
   </p:cSld>
@@ -4160,7 +3760,7 @@
           <a:p>
             <a:r>
               <a:rPr lang="en-US" dirty="0" smtClean="0"/>
-              <a:t>Talking Protocols – More Detail</a:t>
+              <a:t>Talking Protocols</a:t>
             </a:r>
             <a:endParaRPr lang="en-US" dirty="0"/>
           </a:p>
@@ -4173,67 +3773,194 @@
             <a:spLocks noGrp="1"/>
           </p:cNvSpPr>
           <p:nvPr>
-            <p:ph idx="1"/>
+            <p:ph sz="quarter" idx="13"/>
           </p:nvPr>
         </p:nvSpPr>
         <p:spPr/>
         <p:txBody>
           <a:bodyPr>
-            <a:normAutofit fontScale="85000" lnSpcReduction="20000"/>
+            <a:normAutofit/>
           </a:bodyPr>
           <a:lstStyle/>
           <a:p>
             <a:r>
               <a:rPr lang="en-US" dirty="0" smtClean="0"/>
-              <a:t>SAML</a:t>
-            </a:r>
+              <a:t>SAML – Security Assertion Markup Language</a:t>
+            </a:r>
+            <a:endParaRPr lang="en-US" dirty="0" smtClean="0"/>
+          </a:p>
+          <a:p>
+            <a:r>
+              <a:rPr lang="en-US" dirty="0" smtClean="0"/>
+              <a:t>WS-</a:t>
+            </a:r>
+            <a:r>
+              <a:rPr lang="en-US" dirty="0" smtClean="0"/>
+              <a:t>* - Web Security [many other sub protocols]</a:t>
+            </a:r>
+            <a:endParaRPr lang="en-US" dirty="0" smtClean="0"/>
+          </a:p>
+          <a:p>
+            <a:r>
+              <a:rPr lang="en-US" dirty="0" err="1" smtClean="0"/>
+              <a:t>Oauth</a:t>
+            </a:r>
+            <a:r>
+              <a:rPr lang="en-US" dirty="0" smtClean="0"/>
+              <a:t> -  Open Protocol for Secure Authorization</a:t>
+            </a:r>
+            <a:endParaRPr lang="en-US" dirty="0" smtClean="0"/>
           </a:p>
           <a:p>
             <a:pPr lvl="1"/>
             <a:r>
               <a:rPr lang="en-US" dirty="0" smtClean="0"/>
-              <a:t>XML</a:t>
+              <a:t>Authorization Code</a:t>
             </a:r>
           </a:p>
           <a:p>
             <a:pPr lvl="1"/>
             <a:r>
               <a:rPr lang="en-US" dirty="0" smtClean="0"/>
-              <a:t>Version 1.x / 2.x</a:t>
+              <a:t>Implicit </a:t>
+            </a:r>
+          </a:p>
+          <a:p>
+            <a:pPr lvl="1"/>
+            <a:r>
+              <a:rPr lang="en-US" dirty="0" smtClean="0"/>
+              <a:t>Resource-Owner </a:t>
+            </a:r>
+            <a:r>
+              <a:rPr lang="en-US" dirty="0" err="1" smtClean="0"/>
+              <a:t>Pwd</a:t>
+            </a:r>
+            <a:r>
+              <a:rPr lang="en-US" dirty="0" smtClean="0"/>
+              <a:t> </a:t>
+            </a:r>
+            <a:r>
+              <a:rPr lang="en-US" dirty="0" err="1" smtClean="0"/>
+              <a:t>Creds</a:t>
+            </a:r>
+            <a:endParaRPr lang="en-US" dirty="0" smtClean="0"/>
+          </a:p>
+          <a:p>
+            <a:pPr lvl="1"/>
+            <a:r>
+              <a:rPr lang="en-US" dirty="0" smtClean="0"/>
+              <a:t>Client Credentials</a:t>
+            </a:r>
+          </a:p>
+          <a:p>
+            <a:r>
+              <a:rPr lang="en-US" dirty="0" err="1" smtClean="0"/>
+              <a:t>OpenID</a:t>
+            </a:r>
+            <a:r>
+              <a:rPr lang="en-US" dirty="0" smtClean="0"/>
+              <a:t> Connect</a:t>
+            </a:r>
+          </a:p>
+          <a:p>
+            <a:r>
+              <a:rPr lang="en-US" dirty="0" smtClean="0"/>
+              <a:t>Many more to come…</a:t>
+            </a:r>
+          </a:p>
+          <a:p>
+            <a:endParaRPr lang="en-US" dirty="0"/>
+          </a:p>
+        </p:txBody>
+      </p:sp>
+    </p:spTree>
+    <p:extLst>
+      <p:ext uri="{BB962C8B-B14F-4D97-AF65-F5344CB8AC3E}">
+        <p14:creationId xmlns:p14="http://schemas.microsoft.com/office/powerpoint/2010/main" val="470273698"/>
+      </p:ext>
+    </p:extLst>
+  </p:cSld>
+  <p:clrMapOvr>
+    <a:masterClrMapping/>
+  </p:clrMapOvr>
+  <p:timing>
+    <p:tnLst>
+      <p:par>
+        <p:cTn id="1" dur="indefinite" restart="never" nodeType="tmRoot"/>
+      </p:par>
+    </p:tnLst>
+  </p:timing>
+</p:sld>
+</file>
+
+<file path=ppt/slides/slide12.xml><?xml version="1.0" encoding="utf-8"?>
+<p:sld xmlns:a="http://schemas.openxmlformats.org/drawingml/2006/main" xmlns:r="http://schemas.openxmlformats.org/officeDocument/2006/relationships" xmlns:p="http://schemas.openxmlformats.org/presentationml/2006/main">
+  <p:cSld>
+    <p:spTree>
+      <p:nvGrpSpPr>
+        <p:cNvPr id="1" name=""/>
+        <p:cNvGrpSpPr/>
+        <p:nvPr/>
+      </p:nvGrpSpPr>
+      <p:grpSpPr>
+        <a:xfrm>
+          <a:off x="0" y="0"/>
+          <a:ext cx="0" cy="0"/>
+          <a:chOff x="0" y="0"/>
+          <a:chExt cx="0" cy="0"/>
+        </a:xfrm>
+      </p:grpSpPr>
+      <p:sp>
+        <p:nvSpPr>
+          <p:cNvPr id="2" name="Title 1"/>
+          <p:cNvSpPr>
+            <a:spLocks noGrp="1"/>
+          </p:cNvSpPr>
+          <p:nvPr>
+            <p:ph type="title"/>
+          </p:nvPr>
+        </p:nvSpPr>
+        <p:spPr/>
+        <p:txBody>
+          <a:bodyPr>
+            <a:normAutofit/>
+          </a:bodyPr>
+          <a:lstStyle/>
+          <a:p>
+            <a:r>
+              <a:rPr lang="en-US" dirty="0" smtClean="0"/>
+              <a:t>Talking Protocols We Chose to Use</a:t>
+            </a:r>
+            <a:endParaRPr lang="en-US" dirty="0"/>
+          </a:p>
+        </p:txBody>
+      </p:sp>
+      <p:sp>
+        <p:nvSpPr>
+          <p:cNvPr id="3" name="Content Placeholder 2"/>
+          <p:cNvSpPr>
+            <a:spLocks noGrp="1"/>
+          </p:cNvSpPr>
+          <p:nvPr>
+            <p:ph sz="quarter" idx="13"/>
+          </p:nvPr>
+        </p:nvSpPr>
+        <p:spPr/>
+        <p:txBody>
+          <a:bodyPr>
+            <a:normAutofit/>
+          </a:bodyPr>
+          <a:lstStyle/>
+          <a:p>
+            <a:r>
+              <a:rPr lang="en-US" dirty="0" smtClean="0"/>
+              <a:t>SAML 2.0</a:t>
             </a:r>
           </a:p>
           <a:p>
             <a:r>
               <a:rPr lang="en-US" dirty="0" smtClean="0"/>
               <a:t>WS-Fed</a:t>
-            </a:r>
-          </a:p>
-          <a:p>
-            <a:pPr lvl="1"/>
-            <a:r>
-              <a:rPr lang="en-US" dirty="0" smtClean="0"/>
-              <a:t>Emits SAML Tokens</a:t>
-            </a:r>
-          </a:p>
-          <a:p>
-            <a:pPr lvl="1"/>
-            <a:r>
-              <a:rPr lang="en-US" dirty="0" smtClean="0"/>
-              <a:t>Works well with Microsoft solutions</a:t>
-            </a:r>
-          </a:p>
-          <a:p>
-            <a:pPr lvl="2"/>
-            <a:r>
-              <a:rPr lang="en-US" dirty="0" smtClean="0"/>
-              <a:t>SharePoint</a:t>
-            </a:r>
-          </a:p>
-          <a:p>
-            <a:pPr lvl="2"/>
-            <a:r>
-              <a:rPr lang="en-US" dirty="0" smtClean="0"/>
-              <a:t>Server-side web applications</a:t>
             </a:r>
           </a:p>
           <a:p>
@@ -4241,27 +3968,315 @@
               <a:rPr lang="en-US" dirty="0" err="1" smtClean="0"/>
               <a:t>OAuth</a:t>
             </a:r>
-            <a:r>
-              <a:rPr lang="en-US" dirty="0" smtClean="0"/>
-              <a:t> – Implicit Workflow</a:t>
-            </a:r>
+            <a:endParaRPr lang="en-US" dirty="0" smtClean="0"/>
           </a:p>
           <a:p>
             <a:pPr lvl="1"/>
             <a:r>
-              <a:rPr lang="en-US" dirty="0" smtClean="0"/>
-              <a:t>JWT</a:t>
+              <a:rPr lang="en-US" dirty="0" smtClean="0">
+                <a:solidFill>
+                  <a:schemeClr val="bg1">
+                    <a:lumMod val="85000"/>
+                  </a:schemeClr>
+                </a:solidFill>
+              </a:rPr>
+              <a:t>Authorization Code</a:t>
             </a:r>
           </a:p>
           <a:p>
             <a:pPr lvl="1"/>
             <a:r>
               <a:rPr lang="en-US" dirty="0" smtClean="0"/>
+              <a:t>Implicit </a:t>
+            </a:r>
+          </a:p>
+          <a:p>
+            <a:pPr lvl="1"/>
+            <a:r>
+              <a:rPr lang="en-US" dirty="0">
+                <a:solidFill>
+                  <a:schemeClr val="bg1">
+                    <a:lumMod val="85000"/>
+                  </a:schemeClr>
+                </a:solidFill>
+              </a:rPr>
+              <a:t>Resource-Owner </a:t>
+            </a:r>
+            <a:r>
+              <a:rPr lang="en-US" dirty="0" err="1">
+                <a:solidFill>
+                  <a:schemeClr val="bg1">
+                    <a:lumMod val="85000"/>
+                  </a:schemeClr>
+                </a:solidFill>
+              </a:rPr>
+              <a:t>Pwd</a:t>
+            </a:r>
+            <a:r>
+              <a:rPr lang="en-US" dirty="0">
+                <a:solidFill>
+                  <a:schemeClr val="bg1">
+                    <a:lumMod val="85000"/>
+                  </a:schemeClr>
+                </a:solidFill>
+              </a:rPr>
+              <a:t> </a:t>
+            </a:r>
+            <a:r>
+              <a:rPr lang="en-US" dirty="0" err="1">
+                <a:solidFill>
+                  <a:schemeClr val="bg1">
+                    <a:lumMod val="85000"/>
+                  </a:schemeClr>
+                </a:solidFill>
+              </a:rPr>
+              <a:t>Creds</a:t>
+            </a:r>
+            <a:endParaRPr lang="en-US" dirty="0">
+              <a:solidFill>
+                <a:schemeClr val="bg1">
+                  <a:lumMod val="85000"/>
+                </a:schemeClr>
+              </a:solidFill>
+            </a:endParaRPr>
+          </a:p>
+          <a:p>
+            <a:pPr lvl="1"/>
+            <a:r>
+              <a:rPr lang="en-US" dirty="0">
+                <a:solidFill>
+                  <a:schemeClr val="bg1">
+                    <a:lumMod val="85000"/>
+                  </a:schemeClr>
+                </a:solidFill>
+              </a:rPr>
+              <a:t>Client Credentials</a:t>
+            </a:r>
+          </a:p>
+          <a:p>
+            <a:r>
+              <a:rPr lang="en-US" dirty="0" err="1">
+                <a:solidFill>
+                  <a:schemeClr val="bg1">
+                    <a:lumMod val="85000"/>
+                  </a:schemeClr>
+                </a:solidFill>
+              </a:rPr>
+              <a:t>OpenID</a:t>
+            </a:r>
+            <a:r>
+              <a:rPr lang="en-US" dirty="0">
+                <a:solidFill>
+                  <a:schemeClr val="bg1">
+                    <a:lumMod val="85000"/>
+                  </a:schemeClr>
+                </a:solidFill>
+              </a:rPr>
+              <a:t> Connect</a:t>
+            </a:r>
+          </a:p>
+          <a:p>
+            <a:r>
+              <a:rPr lang="en-US" dirty="0" smtClean="0">
+                <a:solidFill>
+                  <a:schemeClr val="bg1">
+                    <a:lumMod val="85000"/>
+                  </a:schemeClr>
+                </a:solidFill>
+              </a:rPr>
+              <a:t>Many </a:t>
+            </a:r>
+            <a:r>
+              <a:rPr lang="en-US" dirty="0">
+                <a:solidFill>
+                  <a:schemeClr val="bg1">
+                    <a:lumMod val="85000"/>
+                  </a:schemeClr>
+                </a:solidFill>
+              </a:rPr>
+              <a:t>more to come…</a:t>
+            </a:r>
+          </a:p>
+          <a:p>
+            <a:endParaRPr lang="en-US" dirty="0"/>
+          </a:p>
+        </p:txBody>
+      </p:sp>
+    </p:spTree>
+    <p:extLst>
+      <p:ext uri="{BB962C8B-B14F-4D97-AF65-F5344CB8AC3E}">
+        <p14:creationId xmlns:p14="http://schemas.microsoft.com/office/powerpoint/2010/main" val="3117457946"/>
+      </p:ext>
+    </p:extLst>
+  </p:cSld>
+  <p:clrMapOvr>
+    <a:masterClrMapping/>
+  </p:clrMapOvr>
+  <p:timing>
+    <p:tnLst>
+      <p:par>
+        <p:cTn id="1" dur="indefinite" restart="never" nodeType="tmRoot"/>
+      </p:par>
+    </p:tnLst>
+  </p:timing>
+</p:sld>
+</file>
+
+<file path=ppt/slides/slide13.xml><?xml version="1.0" encoding="utf-8"?>
+<p:sld xmlns:a="http://schemas.openxmlformats.org/drawingml/2006/main" xmlns:r="http://schemas.openxmlformats.org/officeDocument/2006/relationships" xmlns:p="http://schemas.openxmlformats.org/presentationml/2006/main">
+  <p:cSld>
+    <p:spTree>
+      <p:nvGrpSpPr>
+        <p:cNvPr id="1" name=""/>
+        <p:cNvGrpSpPr/>
+        <p:nvPr/>
+      </p:nvGrpSpPr>
+      <p:grpSpPr>
+        <a:xfrm>
+          <a:off x="0" y="0"/>
+          <a:ext cx="0" cy="0"/>
+          <a:chOff x="0" y="0"/>
+          <a:chExt cx="0" cy="0"/>
+        </a:xfrm>
+      </p:grpSpPr>
+      <p:sp>
+        <p:nvSpPr>
+          <p:cNvPr id="2" name="Title 1"/>
+          <p:cNvSpPr>
+            <a:spLocks noGrp="1"/>
+          </p:cNvSpPr>
+          <p:nvPr>
+            <p:ph type="title"/>
+          </p:nvPr>
+        </p:nvSpPr>
+        <p:spPr/>
+        <p:txBody>
+          <a:bodyPr/>
+          <a:lstStyle/>
+          <a:p>
+            <a:r>
+              <a:rPr lang="en-US" dirty="0" smtClean="0"/>
+              <a:t>Talking Protocols – More Detail</a:t>
+            </a:r>
+            <a:endParaRPr lang="en-US" dirty="0"/>
+          </a:p>
+        </p:txBody>
+      </p:sp>
+      <p:sp>
+        <p:nvSpPr>
+          <p:cNvPr id="3" name="Content Placeholder 2"/>
+          <p:cNvSpPr>
+            <a:spLocks noGrp="1"/>
+          </p:cNvSpPr>
+          <p:nvPr>
+            <p:ph sz="quarter" idx="13"/>
+          </p:nvPr>
+        </p:nvSpPr>
+        <p:spPr/>
+        <p:txBody>
+          <a:bodyPr>
+            <a:normAutofit lnSpcReduction="10000"/>
+          </a:bodyPr>
+          <a:lstStyle/>
+          <a:p>
+            <a:r>
+              <a:rPr lang="en-US" dirty="0" smtClean="0"/>
+              <a:t>Protocols</a:t>
+            </a:r>
+          </a:p>
+          <a:p>
+            <a:pPr lvl="1"/>
+            <a:r>
+              <a:rPr lang="en-US" dirty="0" smtClean="0"/>
+              <a:t>SAML</a:t>
+            </a:r>
+            <a:endParaRPr lang="en-US" dirty="0" smtClean="0"/>
+          </a:p>
+          <a:p>
+            <a:pPr lvl="2"/>
+            <a:r>
+              <a:rPr lang="en-US" dirty="0"/>
+              <a:t>Emits SAML Tokens </a:t>
+            </a:r>
+            <a:endParaRPr lang="en-US" dirty="0" smtClean="0"/>
+          </a:p>
+          <a:p>
+            <a:pPr lvl="2"/>
+            <a:r>
+              <a:rPr lang="en-US" dirty="0" smtClean="0"/>
+              <a:t>Version </a:t>
+            </a:r>
+            <a:r>
+              <a:rPr lang="en-US" dirty="0" smtClean="0"/>
+              <a:t>1.x / </a:t>
+            </a:r>
+            <a:r>
+              <a:rPr lang="en-US" dirty="0" smtClean="0"/>
+              <a:t>2.x</a:t>
+            </a:r>
+            <a:endParaRPr lang="en-US" dirty="0" smtClean="0"/>
+          </a:p>
+          <a:p>
+            <a:pPr lvl="1"/>
+            <a:r>
+              <a:rPr lang="en-US" dirty="0" smtClean="0"/>
+              <a:t>WS-Fed</a:t>
+            </a:r>
+          </a:p>
+          <a:p>
+            <a:pPr lvl="2"/>
+            <a:r>
+              <a:rPr lang="en-US" dirty="0" smtClean="0"/>
+              <a:t>Emits SAML Tokens</a:t>
+            </a:r>
+          </a:p>
+          <a:p>
+            <a:pPr lvl="2"/>
+            <a:r>
+              <a:rPr lang="en-US" dirty="0" smtClean="0"/>
+              <a:t>Works well with Microsoft solutions</a:t>
+            </a:r>
+          </a:p>
+          <a:p>
+            <a:pPr lvl="1"/>
+            <a:r>
+              <a:rPr lang="en-US" dirty="0" err="1" smtClean="0"/>
+              <a:t>OAuth</a:t>
+            </a:r>
+            <a:r>
+              <a:rPr lang="en-US" dirty="0" smtClean="0"/>
+              <a:t> </a:t>
+            </a:r>
+            <a:r>
+              <a:rPr lang="en-US" dirty="0" smtClean="0"/>
+              <a:t>– Implicit Workflow</a:t>
+            </a:r>
+          </a:p>
+          <a:p>
+            <a:pPr lvl="2"/>
+            <a:r>
+              <a:rPr lang="en-US" dirty="0" smtClean="0"/>
+              <a:t>Emits JWT (</a:t>
+            </a:r>
+            <a:r>
+              <a:rPr lang="en-US" dirty="0" err="1" smtClean="0"/>
+              <a:t>Json</a:t>
+            </a:r>
+            <a:r>
+              <a:rPr lang="en-US" dirty="0" smtClean="0"/>
+              <a:t> Web Token)</a:t>
+            </a:r>
+            <a:endParaRPr lang="en-US" dirty="0" smtClean="0"/>
+          </a:p>
+          <a:p>
+            <a:pPr lvl="3"/>
+            <a:r>
+              <a:rPr lang="en-US" dirty="0" smtClean="0"/>
               <a:t>Use it to secure a REST API</a:t>
             </a:r>
           </a:p>
           <a:p>
-            <a:pPr lvl="1"/>
+            <a:pPr lvl="3"/>
             <a:r>
               <a:rPr lang="en-US" dirty="0" smtClean="0"/>
               <a:t>Client-side web applications</a:t>
@@ -4290,7 +4305,7 @@
 </p:sld>
 </file>
 
-<file path=ppt/slides/slide12.xml><?xml version="1.0" encoding="utf-8"?>
+<file path=ppt/slides/slide14.xml><?xml version="1.0" encoding="utf-8"?>
 <p:sld xmlns:a="http://schemas.openxmlformats.org/drawingml/2006/main" xmlns:r="http://schemas.openxmlformats.org/officeDocument/2006/relationships" xmlns:p="http://schemas.openxmlformats.org/presentationml/2006/main">
   <p:cSld>
     <p:spTree>
@@ -4404,254 +4419,6 @@
 </p:sld>
 </file>
 
-<file path=ppt/slides/slide13.xml><?xml version="1.0" encoding="utf-8"?>
-<p:sld xmlns:a="http://schemas.openxmlformats.org/drawingml/2006/main" xmlns:r="http://schemas.openxmlformats.org/officeDocument/2006/relationships" xmlns:p="http://schemas.openxmlformats.org/presentationml/2006/main">
-  <p:cSld>
-    <p:spTree>
-      <p:nvGrpSpPr>
-        <p:cNvPr id="1" name=""/>
-        <p:cNvGrpSpPr/>
-        <p:nvPr/>
-      </p:nvGrpSpPr>
-      <p:grpSpPr>
-        <a:xfrm>
-          <a:off x="0" y="0"/>
-          <a:ext cx="0" cy="0"/>
-          <a:chOff x="0" y="0"/>
-          <a:chExt cx="0" cy="0"/>
-        </a:xfrm>
-      </p:grpSpPr>
-      <p:sp>
-        <p:nvSpPr>
-          <p:cNvPr id="2" name="Title 1"/>
-          <p:cNvSpPr>
-            <a:spLocks noGrp="1"/>
-          </p:cNvSpPr>
-          <p:nvPr>
-            <p:ph type="title"/>
-          </p:nvPr>
-        </p:nvSpPr>
-        <p:spPr/>
-        <p:txBody>
-          <a:bodyPr/>
-          <a:lstStyle/>
-          <a:p>
-            <a:r>
-              <a:rPr lang="en-US" dirty="0" smtClean="0"/>
-              <a:t>DMZ</a:t>
-            </a:r>
-            <a:endParaRPr lang="en-US" dirty="0"/>
-          </a:p>
-        </p:txBody>
-      </p:sp>
-      <p:sp>
-        <p:nvSpPr>
-          <p:cNvPr id="3" name="Content Placeholder 2"/>
-          <p:cNvSpPr>
-            <a:spLocks noGrp="1"/>
-          </p:cNvSpPr>
-          <p:nvPr>
-            <p:ph idx="1"/>
-          </p:nvPr>
-        </p:nvSpPr>
-        <p:spPr/>
-        <p:txBody>
-          <a:bodyPr/>
-          <a:lstStyle/>
-          <a:p>
-            <a:r>
-              <a:rPr lang="en-US" dirty="0" smtClean="0"/>
-              <a:t>Reverse Proxy</a:t>
-            </a:r>
-          </a:p>
-          <a:p>
-            <a:r>
-              <a:rPr lang="en-US" dirty="0" smtClean="0"/>
-              <a:t>Web Applications / REST API</a:t>
-            </a:r>
-          </a:p>
-          <a:p>
-            <a:r>
-              <a:rPr lang="en-US" dirty="0" smtClean="0"/>
-              <a:t>ADFS 3.0 </a:t>
-            </a:r>
-          </a:p>
-          <a:p>
-            <a:pPr lvl="1"/>
-            <a:r>
-              <a:rPr lang="en-US" b="1" dirty="0" smtClean="0">
-                <a:solidFill>
-                  <a:srgbClr val="FF0000"/>
-                </a:solidFill>
-              </a:rPr>
-              <a:t>Do Not Recommend Using ADFS 2.0</a:t>
-            </a:r>
-          </a:p>
-          <a:p>
-            <a:r>
-              <a:rPr lang="en-US" dirty="0" err="1" smtClean="0"/>
-              <a:t>Oauth</a:t>
-            </a:r>
-            <a:endParaRPr lang="en-US" dirty="0" smtClean="0"/>
-          </a:p>
-          <a:p>
-            <a:pPr lvl="1"/>
-            <a:r>
-              <a:rPr lang="en-US" dirty="0" err="1" smtClean="0"/>
-              <a:t>Thinktecture’s</a:t>
-            </a:r>
-            <a:r>
-              <a:rPr lang="en-US" dirty="0" smtClean="0"/>
-              <a:t> Authorization Server 2.0</a:t>
-            </a:r>
-          </a:p>
-          <a:p>
-            <a:pPr lvl="1"/>
-            <a:r>
-              <a:rPr lang="en-US" dirty="0" err="1" smtClean="0"/>
-              <a:t>Thinktecture’s</a:t>
-            </a:r>
-            <a:r>
-              <a:rPr lang="en-US" dirty="0" smtClean="0"/>
-              <a:t> Identity Server 3.0</a:t>
-            </a:r>
-          </a:p>
-          <a:p>
-            <a:r>
-              <a:rPr lang="en-US" dirty="0" smtClean="0"/>
-              <a:t>Active Directory</a:t>
-            </a:r>
-            <a:endParaRPr lang="en-US" dirty="0"/>
-          </a:p>
-        </p:txBody>
-      </p:sp>
-    </p:spTree>
-    <p:extLst>
-      <p:ext uri="{BB962C8B-B14F-4D97-AF65-F5344CB8AC3E}">
-        <p14:creationId xmlns:p14="http://schemas.microsoft.com/office/powerpoint/2010/main" val="3913976944"/>
-      </p:ext>
-    </p:extLst>
-  </p:cSld>
-  <p:clrMapOvr>
-    <a:masterClrMapping/>
-  </p:clrMapOvr>
-  <p:timing>
-    <p:tnLst>
-      <p:par>
-        <p:cTn id="1" dur="indefinite" restart="never" nodeType="tmRoot"/>
-      </p:par>
-    </p:tnLst>
-  </p:timing>
-</p:sld>
-</file>
-
-<file path=ppt/slides/slide14.xml><?xml version="1.0" encoding="utf-8"?>
-<p:sld xmlns:a="http://schemas.openxmlformats.org/drawingml/2006/main" xmlns:r="http://schemas.openxmlformats.org/officeDocument/2006/relationships" xmlns:p="http://schemas.openxmlformats.org/presentationml/2006/main">
-  <p:cSld>
-    <p:spTree>
-      <p:nvGrpSpPr>
-        <p:cNvPr id="1" name=""/>
-        <p:cNvGrpSpPr/>
-        <p:nvPr/>
-      </p:nvGrpSpPr>
-      <p:grpSpPr>
-        <a:xfrm>
-          <a:off x="0" y="0"/>
-          <a:ext cx="0" cy="0"/>
-          <a:chOff x="0" y="0"/>
-          <a:chExt cx="0" cy="0"/>
-        </a:xfrm>
-      </p:grpSpPr>
-      <p:sp>
-        <p:nvSpPr>
-          <p:cNvPr id="2" name="Title 1"/>
-          <p:cNvSpPr>
-            <a:spLocks noGrp="1"/>
-          </p:cNvSpPr>
-          <p:nvPr>
-            <p:ph type="title"/>
-          </p:nvPr>
-        </p:nvSpPr>
-        <p:spPr/>
-        <p:txBody>
-          <a:bodyPr/>
-          <a:lstStyle/>
-          <a:p>
-            <a:r>
-              <a:rPr lang="en-US" dirty="0" smtClean="0"/>
-              <a:t>Back-End</a:t>
-            </a:r>
-            <a:endParaRPr lang="en-US" dirty="0"/>
-          </a:p>
-        </p:txBody>
-      </p:sp>
-      <p:sp>
-        <p:nvSpPr>
-          <p:cNvPr id="3" name="Content Placeholder 2"/>
-          <p:cNvSpPr>
-            <a:spLocks noGrp="1"/>
-          </p:cNvSpPr>
-          <p:nvPr>
-            <p:ph idx="1"/>
-          </p:nvPr>
-        </p:nvSpPr>
-        <p:spPr/>
-        <p:txBody>
-          <a:bodyPr/>
-          <a:lstStyle/>
-          <a:p>
-            <a:r>
-              <a:rPr lang="en-US" dirty="0" smtClean="0"/>
-              <a:t>Application Server</a:t>
-            </a:r>
-          </a:p>
-          <a:p>
-            <a:r>
-              <a:rPr lang="en-US" dirty="0" smtClean="0"/>
-              <a:t>Internal Web App / REST API</a:t>
-            </a:r>
-          </a:p>
-          <a:p>
-            <a:r>
-              <a:rPr lang="en-US" dirty="0" smtClean="0"/>
-              <a:t>ADFS</a:t>
-            </a:r>
-          </a:p>
-          <a:p>
-            <a:r>
-              <a:rPr lang="en-US" dirty="0" smtClean="0"/>
-              <a:t>Active Directory</a:t>
-            </a:r>
-          </a:p>
-          <a:p>
-            <a:r>
-              <a:rPr lang="en-US" dirty="0" smtClean="0"/>
-              <a:t>Database</a:t>
-            </a:r>
-            <a:endParaRPr lang="en-US" dirty="0"/>
-          </a:p>
-        </p:txBody>
-      </p:sp>
-    </p:spTree>
-    <p:extLst>
-      <p:ext uri="{BB962C8B-B14F-4D97-AF65-F5344CB8AC3E}">
-        <p14:creationId xmlns:p14="http://schemas.microsoft.com/office/powerpoint/2010/main" val="3041264222"/>
-      </p:ext>
-    </p:extLst>
-  </p:cSld>
-  <p:clrMapOvr>
-    <a:masterClrMapping/>
-  </p:clrMapOvr>
-  <p:timing>
-    <p:tnLst>
-      <p:par>
-        <p:cTn id="1" dur="indefinite" restart="never" nodeType="tmRoot"/>
-      </p:par>
-    </p:tnLst>
-  </p:timing>
-</p:sld>
-</file>
-
 <file path=ppt/slides/slide15.xml><?xml version="1.0" encoding="utf-8"?>
 <p:sld xmlns:a="http://schemas.openxmlformats.org/drawingml/2006/main" xmlns:r="http://schemas.openxmlformats.org/officeDocument/2006/relationships" xmlns:p="http://schemas.openxmlformats.org/presentationml/2006/main">
   <p:cSld>
@@ -4686,70 +4453,16 @@
           <a:p>
             <a:r>
               <a:rPr lang="en-US" dirty="0" smtClean="0"/>
-              <a:t>Architecture of Solution</a:t>
+              <a:t>DEMO #1 – client-side Web app (spa)</a:t>
             </a:r>
             <a:endParaRPr lang="en-US" dirty="0"/>
           </a:p>
         </p:txBody>
       </p:sp>
-      <p:pic>
-        <p:nvPicPr>
-          <p:cNvPr id="5" name="Picture 2"/>
-          <p:cNvPicPr>
-            <a:picLocks noChangeAspect="1" noChangeArrowheads="1"/>
-          </p:cNvPicPr>
-          <p:nvPr/>
-        </p:nvPicPr>
-        <p:blipFill>
-          <a:blip r:embed="rId2">
-            <a:extLst>
-              <a:ext uri="{28A0092B-C50C-407E-A947-70E740481C1C}">
-                <a14:useLocalDpi xmlns:a14="http://schemas.microsoft.com/office/drawing/2010/main" val="0"/>
-              </a:ext>
-            </a:extLst>
-          </a:blip>
-          <a:srcRect/>
-          <a:stretch>
-            <a:fillRect/>
-          </a:stretch>
-        </p:blipFill>
-        <p:spPr bwMode="auto">
-          <a:xfrm>
-            <a:off x="685800" y="1498984"/>
-            <a:ext cx="7933870" cy="5251065"/>
-          </a:xfrm>
-          <a:prstGeom prst="rect">
-            <a:avLst/>
-          </a:prstGeom>
-          <a:noFill/>
-          <a:ln>
-            <a:noFill/>
-          </a:ln>
-          <a:extLst>
-            <a:ext uri="{909E8E84-426E-40DD-AFC4-6F175D3DCCD1}">
-              <a14:hiddenFill xmlns:a14="http://schemas.microsoft.com/office/drawing/2010/main">
-                <a:solidFill>
-                  <a:schemeClr val="accent1"/>
-                </a:solidFill>
-              </a14:hiddenFill>
-            </a:ext>
-            <a:ext uri="{91240B29-F687-4F45-9708-019B960494DF}">
-              <a14:hiddenLine xmlns:a14="http://schemas.microsoft.com/office/drawing/2010/main" w="9525">
-                <a:solidFill>
-                  <a:schemeClr val="tx1"/>
-                </a:solidFill>
-                <a:miter lim="800000"/>
-                <a:headEnd/>
-                <a:tailEnd/>
-              </a14:hiddenLine>
-            </a:ext>
-          </a:extLst>
-        </p:spPr>
-      </p:pic>
     </p:spTree>
     <p:extLst>
       <p:ext uri="{BB962C8B-B14F-4D97-AF65-F5344CB8AC3E}">
-        <p14:creationId xmlns:p14="http://schemas.microsoft.com/office/powerpoint/2010/main" val="1860669247"/>
+        <p14:creationId xmlns:p14="http://schemas.microsoft.com/office/powerpoint/2010/main" val="3677096059"/>
       </p:ext>
     </p:extLst>
   </p:cSld>
@@ -4796,13 +4509,13 @@
         <p:spPr/>
         <p:txBody>
           <a:bodyPr>
-            <a:normAutofit fontScale="90000"/>
+            <a:normAutofit/>
           </a:bodyPr>
           <a:lstStyle/>
           <a:p>
             <a:r>
               <a:rPr lang="en-US" dirty="0" smtClean="0"/>
-              <a:t>Working Example – Server-Side Web App</a:t>
+              <a:t>Working Example – Client-Side Web App</a:t>
             </a:r>
             <a:endParaRPr lang="en-US" dirty="0"/>
           </a:p>
@@ -4815,7 +4528,7 @@
             <a:picLocks noGrp="1" noChangeAspect="1"/>
           </p:cNvPicPr>
           <p:nvPr>
-            <p:ph idx="1"/>
+            <p:ph sz="quarter" idx="13"/>
           </p:nvPr>
         </p:nvPicPr>
         <p:blipFill>
@@ -4832,99 +4545,8 @@
         </p:blipFill>
         <p:spPr>
           <a:xfrm>
-            <a:off x="528576" y="1774825"/>
-            <a:ext cx="8086847" cy="4625975"/>
-          </a:xfrm>
-        </p:spPr>
-      </p:pic>
-    </p:spTree>
-    <p:extLst>
-      <p:ext uri="{BB962C8B-B14F-4D97-AF65-F5344CB8AC3E}">
-        <p14:creationId xmlns:p14="http://schemas.microsoft.com/office/powerpoint/2010/main" val="3377139226"/>
-      </p:ext>
-    </p:extLst>
-  </p:cSld>
-  <p:clrMapOvr>
-    <a:masterClrMapping/>
-  </p:clrMapOvr>
-  <p:timing>
-    <p:tnLst>
-      <p:par>
-        <p:cTn id="1" dur="indefinite" restart="never" nodeType="tmRoot"/>
-      </p:par>
-    </p:tnLst>
-  </p:timing>
-</p:sld>
-</file>
-
-<file path=ppt/slides/slide17.xml><?xml version="1.0" encoding="utf-8"?>
-<p:sld xmlns:a="http://schemas.openxmlformats.org/drawingml/2006/main" xmlns:r="http://schemas.openxmlformats.org/officeDocument/2006/relationships" xmlns:p="http://schemas.openxmlformats.org/presentationml/2006/main">
-  <p:cSld>
-    <p:spTree>
-      <p:nvGrpSpPr>
-        <p:cNvPr id="1" name=""/>
-        <p:cNvGrpSpPr/>
-        <p:nvPr/>
-      </p:nvGrpSpPr>
-      <p:grpSpPr>
-        <a:xfrm>
-          <a:off x="0" y="0"/>
-          <a:ext cx="0" cy="0"/>
-          <a:chOff x="0" y="0"/>
-          <a:chExt cx="0" cy="0"/>
-        </a:xfrm>
-      </p:grpSpPr>
-      <p:sp>
-        <p:nvSpPr>
-          <p:cNvPr id="2" name="Title 1"/>
-          <p:cNvSpPr>
-            <a:spLocks noGrp="1"/>
-          </p:cNvSpPr>
-          <p:nvPr>
-            <p:ph type="title"/>
-          </p:nvPr>
-        </p:nvSpPr>
-        <p:spPr/>
-        <p:txBody>
-          <a:bodyPr>
-            <a:normAutofit fontScale="90000"/>
-          </a:bodyPr>
-          <a:lstStyle/>
-          <a:p>
-            <a:r>
-              <a:rPr lang="en-US" dirty="0" smtClean="0"/>
-              <a:t>Working Example – Client-Side Web App</a:t>
-            </a:r>
-            <a:endParaRPr lang="en-US" dirty="0"/>
-          </a:p>
-        </p:txBody>
-      </p:sp>
-      <p:pic>
-        <p:nvPicPr>
-          <p:cNvPr id="5" name="Content Placeholder 4"/>
-          <p:cNvPicPr>
-            <a:picLocks noGrp="1" noChangeAspect="1"/>
-          </p:cNvPicPr>
-          <p:nvPr>
-            <p:ph idx="1"/>
-          </p:nvPr>
-        </p:nvPicPr>
-        <p:blipFill>
-          <a:blip r:embed="rId2">
-            <a:extLst>
-              <a:ext uri="{28A0092B-C50C-407E-A947-70E740481C1C}">
-                <a14:useLocalDpi xmlns:a14="http://schemas.microsoft.com/office/drawing/2010/main" val="0"/>
-              </a:ext>
-            </a:extLst>
-          </a:blip>
-          <a:stretch>
-            <a:fillRect/>
-          </a:stretch>
-        </p:blipFill>
-        <p:spPr>
-          <a:xfrm>
-            <a:off x="457200" y="1882934"/>
-            <a:ext cx="8229600" cy="4409757"/>
+            <a:off x="732428" y="1600200"/>
+            <a:ext cx="7679143" cy="4114800"/>
           </a:xfrm>
         </p:spPr>
       </p:pic>
@@ -4948,7 +4570,7 @@
 </p:sld>
 </file>
 
-<file path=ppt/slides/slide18.xml><?xml version="1.0" encoding="utf-8"?>
+<file path=ppt/slides/slide17.xml><?xml version="1.0" encoding="utf-8"?>
 <p:sld xmlns:a="http://schemas.openxmlformats.org/drawingml/2006/main" xmlns:r="http://schemas.openxmlformats.org/officeDocument/2006/relationships" xmlns:p="http://schemas.openxmlformats.org/presentationml/2006/main">
   <p:cSld>
     <p:spTree>
@@ -5062,7 +4684,315 @@
 </p:sld>
 </file>
 
+<file path=ppt/slides/slide18.xml><?xml version="1.0" encoding="utf-8"?>
+<p:sld xmlns:a="http://schemas.openxmlformats.org/drawingml/2006/main" xmlns:r="http://schemas.openxmlformats.org/officeDocument/2006/relationships" xmlns:p="http://schemas.openxmlformats.org/presentationml/2006/main">
+  <p:cSld>
+    <p:spTree>
+      <p:nvGrpSpPr>
+        <p:cNvPr id="1" name=""/>
+        <p:cNvGrpSpPr/>
+        <p:nvPr/>
+      </p:nvGrpSpPr>
+      <p:grpSpPr>
+        <a:xfrm>
+          <a:off x="0" y="0"/>
+          <a:ext cx="0" cy="0"/>
+          <a:chOff x="0" y="0"/>
+          <a:chExt cx="0" cy="0"/>
+        </a:xfrm>
+      </p:grpSpPr>
+      <p:sp>
+        <p:nvSpPr>
+          <p:cNvPr id="2" name="Title 1"/>
+          <p:cNvSpPr>
+            <a:spLocks noGrp="1"/>
+          </p:cNvSpPr>
+          <p:nvPr>
+            <p:ph type="title"/>
+          </p:nvPr>
+        </p:nvSpPr>
+        <p:spPr/>
+        <p:txBody>
+          <a:bodyPr/>
+          <a:lstStyle/>
+          <a:p>
+            <a:r>
+              <a:rPr lang="en-US" dirty="0" smtClean="0"/>
+              <a:t>Demo #2 – server-side Web app</a:t>
+            </a:r>
+            <a:endParaRPr lang="en-US" dirty="0"/>
+          </a:p>
+        </p:txBody>
+      </p:sp>
+    </p:spTree>
+    <p:extLst>
+      <p:ext uri="{BB962C8B-B14F-4D97-AF65-F5344CB8AC3E}">
+        <p14:creationId xmlns:p14="http://schemas.microsoft.com/office/powerpoint/2010/main" val="2432229940"/>
+      </p:ext>
+    </p:extLst>
+  </p:cSld>
+  <p:clrMapOvr>
+    <a:masterClrMapping/>
+  </p:clrMapOvr>
+  <p:timing>
+    <p:tnLst>
+      <p:par>
+        <p:cTn id="1" dur="indefinite" restart="never" nodeType="tmRoot"/>
+      </p:par>
+    </p:tnLst>
+  </p:timing>
+</p:sld>
+</file>
+
 <file path=ppt/slides/slide19.xml><?xml version="1.0" encoding="utf-8"?>
+<p:sld xmlns:a="http://schemas.openxmlformats.org/drawingml/2006/main" xmlns:r="http://schemas.openxmlformats.org/officeDocument/2006/relationships" xmlns:p="http://schemas.openxmlformats.org/presentationml/2006/main">
+  <p:cSld>
+    <p:spTree>
+      <p:nvGrpSpPr>
+        <p:cNvPr id="1" name=""/>
+        <p:cNvGrpSpPr/>
+        <p:nvPr/>
+      </p:nvGrpSpPr>
+      <p:grpSpPr>
+        <a:xfrm>
+          <a:off x="0" y="0"/>
+          <a:ext cx="0" cy="0"/>
+          <a:chOff x="0" y="0"/>
+          <a:chExt cx="0" cy="0"/>
+        </a:xfrm>
+      </p:grpSpPr>
+      <p:sp>
+        <p:nvSpPr>
+          <p:cNvPr id="2" name="Title 1"/>
+          <p:cNvSpPr>
+            <a:spLocks noGrp="1"/>
+          </p:cNvSpPr>
+          <p:nvPr>
+            <p:ph type="title"/>
+          </p:nvPr>
+        </p:nvSpPr>
+        <p:spPr/>
+        <p:txBody>
+          <a:bodyPr>
+            <a:normAutofit/>
+          </a:bodyPr>
+          <a:lstStyle/>
+          <a:p>
+            <a:r>
+              <a:rPr lang="en-US" dirty="0" smtClean="0"/>
+              <a:t>Working Example – Server-Side Web App</a:t>
+            </a:r>
+            <a:endParaRPr lang="en-US" dirty="0"/>
+          </a:p>
+        </p:txBody>
+      </p:sp>
+      <p:pic>
+        <p:nvPicPr>
+          <p:cNvPr id="5" name="Content Placeholder 4"/>
+          <p:cNvPicPr>
+            <a:picLocks noGrp="1" noChangeAspect="1"/>
+          </p:cNvPicPr>
+          <p:nvPr>
+            <p:ph sz="quarter" idx="13"/>
+          </p:nvPr>
+        </p:nvPicPr>
+        <p:blipFill>
+          <a:blip r:embed="rId2">
+            <a:extLst>
+              <a:ext uri="{28A0092B-C50C-407E-A947-70E740481C1C}">
+                <a14:useLocalDpi xmlns:a14="http://schemas.microsoft.com/office/drawing/2010/main" val="0"/>
+              </a:ext>
+            </a:extLst>
+          </a:blip>
+          <a:stretch>
+            <a:fillRect/>
+          </a:stretch>
+        </p:blipFill>
+        <p:spPr>
+          <a:xfrm>
+            <a:off x="975379" y="1600200"/>
+            <a:ext cx="7193242" cy="4114800"/>
+          </a:xfrm>
+        </p:spPr>
+      </p:pic>
+    </p:spTree>
+    <p:extLst>
+      <p:ext uri="{BB962C8B-B14F-4D97-AF65-F5344CB8AC3E}">
+        <p14:creationId xmlns:p14="http://schemas.microsoft.com/office/powerpoint/2010/main" val="3377139226"/>
+      </p:ext>
+    </p:extLst>
+  </p:cSld>
+  <p:clrMapOvr>
+    <a:masterClrMapping/>
+  </p:clrMapOvr>
+  <p:timing>
+    <p:tnLst>
+      <p:par>
+        <p:cTn id="1" dur="indefinite" restart="never" nodeType="tmRoot"/>
+      </p:par>
+    </p:tnLst>
+  </p:timing>
+</p:sld>
+</file>
+
+<file path=ppt/slides/slide2.xml><?xml version="1.0" encoding="utf-8"?>
+<p:sld xmlns:a="http://schemas.openxmlformats.org/drawingml/2006/main" xmlns:r="http://schemas.openxmlformats.org/officeDocument/2006/relationships" xmlns:p="http://schemas.openxmlformats.org/presentationml/2006/main">
+  <p:cSld>
+    <p:spTree>
+      <p:nvGrpSpPr>
+        <p:cNvPr id="1" name=""/>
+        <p:cNvGrpSpPr/>
+        <p:nvPr/>
+      </p:nvGrpSpPr>
+      <p:grpSpPr>
+        <a:xfrm>
+          <a:off x="0" y="0"/>
+          <a:ext cx="0" cy="0"/>
+          <a:chOff x="0" y="0"/>
+          <a:chExt cx="0" cy="0"/>
+        </a:xfrm>
+      </p:grpSpPr>
+      <p:sp>
+        <p:nvSpPr>
+          <p:cNvPr id="2" name="Title 1"/>
+          <p:cNvSpPr>
+            <a:spLocks noGrp="1"/>
+          </p:cNvSpPr>
+          <p:nvPr>
+            <p:ph type="title"/>
+          </p:nvPr>
+        </p:nvSpPr>
+        <p:spPr/>
+        <p:txBody>
+          <a:bodyPr/>
+          <a:lstStyle/>
+          <a:p>
+            <a:r>
+              <a:rPr lang="en-US" dirty="0" smtClean="0"/>
+              <a:t>Contact Info</a:t>
+            </a:r>
+            <a:endParaRPr lang="en-US" dirty="0"/>
+          </a:p>
+        </p:txBody>
+      </p:sp>
+      <p:sp>
+        <p:nvSpPr>
+          <p:cNvPr id="3" name="Content Placeholder 2"/>
+          <p:cNvSpPr>
+            <a:spLocks noGrp="1"/>
+          </p:cNvSpPr>
+          <p:nvPr>
+            <p:ph sz="quarter" idx="13"/>
+          </p:nvPr>
+        </p:nvSpPr>
+        <p:spPr/>
+        <p:txBody>
+          <a:bodyPr>
+            <a:normAutofit/>
+          </a:bodyPr>
+          <a:lstStyle/>
+          <a:p>
+            <a:r>
+              <a:rPr lang="en-US" dirty="0" smtClean="0"/>
+              <a:t>Praveen Addepally</a:t>
+            </a:r>
+          </a:p>
+          <a:p>
+            <a:pPr lvl="1"/>
+            <a:r>
+              <a:rPr lang="en-US" dirty="0" smtClean="0"/>
+              <a:t>LinkedIn</a:t>
+            </a:r>
+            <a:r>
+              <a:rPr lang="en-US" dirty="0" smtClean="0"/>
+              <a:t>: </a:t>
+            </a:r>
+            <a:r>
+              <a:rPr lang="en-US" sz="2000" dirty="0">
+                <a:hlinkClick r:id="rId2"/>
+              </a:rPr>
+              <a:t>https://</a:t>
+            </a:r>
+            <a:r>
+              <a:rPr lang="en-US" sz="2000" dirty="0" smtClean="0">
+                <a:hlinkClick r:id="rId2"/>
+              </a:rPr>
+              <a:t>www.linkedin.com/in/pravinady</a:t>
+            </a:r>
+            <a:endParaRPr lang="en-US" sz="2000" dirty="0" smtClean="0"/>
+          </a:p>
+          <a:p>
+            <a:r>
+              <a:rPr lang="en-US" dirty="0" smtClean="0"/>
+              <a:t>Sunil Ayyappankutty</a:t>
+            </a:r>
+          </a:p>
+          <a:p>
+            <a:pPr lvl="1"/>
+            <a:r>
+              <a:rPr lang="en-US" dirty="0" smtClean="0"/>
+              <a:t>LinkedIn: </a:t>
+            </a:r>
+            <a:r>
+              <a:rPr lang="en-US" sz="2000" dirty="0">
+                <a:hlinkClick r:id="rId3"/>
+              </a:rPr>
+              <a:t>https://www.linkedin.com/in/sunilkutty</a:t>
+            </a:r>
+            <a:r>
+              <a:rPr lang="en-US" sz="2000" dirty="0"/>
+              <a:t> </a:t>
+            </a:r>
+          </a:p>
+          <a:p>
+            <a:r>
+              <a:rPr lang="en-US" dirty="0" smtClean="0"/>
+              <a:t>Anibal Velarde</a:t>
+            </a:r>
+          </a:p>
+          <a:p>
+            <a:pPr lvl="1"/>
+            <a:r>
+              <a:rPr lang="en-US" dirty="0" smtClean="0"/>
+              <a:t>LinkedIn: </a:t>
+            </a:r>
+            <a:r>
+              <a:rPr lang="en-US" sz="2000" dirty="0">
+                <a:hlinkClick r:id="rId4"/>
+              </a:rPr>
+              <a:t>https://</a:t>
+            </a:r>
+            <a:r>
+              <a:rPr lang="en-US" sz="2000" dirty="0" smtClean="0">
+                <a:hlinkClick r:id="rId4"/>
+              </a:rPr>
+              <a:t>www.linkedin.com/in/anibalvelarde</a:t>
+            </a:r>
+            <a:endParaRPr lang="en-US" sz="2000" dirty="0"/>
+          </a:p>
+        </p:txBody>
+      </p:sp>
+    </p:spTree>
+    <p:extLst>
+      <p:ext uri="{BB962C8B-B14F-4D97-AF65-F5344CB8AC3E}">
+        <p14:creationId xmlns:p14="http://schemas.microsoft.com/office/powerpoint/2010/main" val="175318683"/>
+      </p:ext>
+    </p:extLst>
+  </p:cSld>
+  <p:clrMapOvr>
+    <a:masterClrMapping/>
+  </p:clrMapOvr>
+  <p:timing>
+    <p:tnLst>
+      <p:par>
+        <p:cTn id="1" dur="indefinite" restart="never" nodeType="tmRoot"/>
+      </p:par>
+    </p:tnLst>
+  </p:timing>
+</p:sld>
+</file>
+
+<file path=ppt/slides/slide20.xml><?xml version="1.0" encoding="utf-8"?>
 <p:sld xmlns:a="http://schemas.openxmlformats.org/drawingml/2006/main" xmlns:r="http://schemas.openxmlformats.org/officeDocument/2006/relationships" xmlns:p="http://schemas.openxmlformats.org/presentationml/2006/main">
   <p:cSld>
     <p:spTree>
@@ -5125,8 +5055,8 @@
         </p:blipFill>
         <p:spPr bwMode="auto">
           <a:xfrm>
-            <a:off x="32963" y="1066800"/>
-            <a:ext cx="9080557" cy="5638800"/>
+            <a:off x="304800" y="1371600"/>
+            <a:ext cx="8351520" cy="5186086"/>
           </a:xfrm>
           <a:prstGeom prst="rect">
             <a:avLst/>
@@ -5176,7 +5106,7 @@
 </p:sld>
 </file>
 
-<file path=ppt/slides/slide2.xml><?xml version="1.0" encoding="utf-8"?>
+<file path=ppt/slides/slide21.xml><?xml version="1.0" encoding="utf-8"?>
 <p:sld xmlns:a="http://schemas.openxmlformats.org/drawingml/2006/main" xmlns:r="http://schemas.openxmlformats.org/officeDocument/2006/relationships" xmlns:p="http://schemas.openxmlformats.org/presentationml/2006/main">
   <p:cSld>
     <p:spTree>
@@ -5210,7 +5140,11 @@
           <a:p>
             <a:r>
               <a:rPr lang="en-US" dirty="0" smtClean="0"/>
-              <a:t>Contact Info</a:t>
+              <a:t>References</a:t>
+            </a:r>
+            <a:r>
+              <a:rPr lang="en-US" dirty="0" smtClean="0"/>
+              <a:t>…</a:t>
             </a:r>
             <a:endParaRPr lang="en-US" dirty="0"/>
           </a:p>
@@ -5223,244 +5157,92 @@
             <a:spLocks noGrp="1"/>
           </p:cNvSpPr>
           <p:nvPr>
-            <p:ph idx="1"/>
+            <p:ph sz="quarter" idx="13"/>
           </p:nvPr>
         </p:nvSpPr>
         <p:spPr/>
         <p:txBody>
           <a:bodyPr>
-            <a:normAutofit/>
+            <a:normAutofit fontScale="32500" lnSpcReduction="20000"/>
           </a:bodyPr>
           <a:lstStyle/>
           <a:p>
             <a:r>
-              <a:rPr lang="en-US" dirty="0" smtClean="0"/>
-              <a:t>Praveen Addepally</a:t>
+              <a:rPr lang="en-US" sz="9600" dirty="0" smtClean="0"/>
+              <a:t>ADFS</a:t>
             </a:r>
           </a:p>
           <a:p>
             <a:pPr lvl="1"/>
             <a:r>
-              <a:rPr lang="en-US" dirty="0" smtClean="0"/>
-              <a:t>LinkedIn:</a:t>
-            </a:r>
-          </a:p>
-          <a:p>
-            <a:r>
-              <a:rPr lang="en-US" dirty="0" smtClean="0"/>
-              <a:t>Sunil Ayyappankutty</a:t>
-            </a:r>
-          </a:p>
-          <a:p>
-            <a:pPr lvl="1"/>
-            <a:r>
-              <a:rPr lang="en-US" dirty="0" smtClean="0"/>
-              <a:t>LinkedIn: </a:t>
-            </a:r>
-            <a:r>
-              <a:rPr lang="en-US" sz="2000" dirty="0">
+              <a:rPr lang="en-US" sz="9600" dirty="0" smtClean="0"/>
+              <a:t>Installation</a:t>
+            </a:r>
+            <a:endParaRPr lang="en-US" sz="9600" dirty="0"/>
+          </a:p>
+          <a:p>
+            <a:pPr lvl="2"/>
+            <a:r>
+              <a:rPr lang="en-US" sz="9600" u="sng" dirty="0">
                 <a:hlinkClick r:id="rId2"/>
               </a:rPr>
-              <a:t>https://</a:t>
-            </a:r>
-            <a:r>
-              <a:rPr lang="en-US" sz="2000" dirty="0">
+              <a:t>http://</a:t>
+            </a:r>
+            <a:r>
+              <a:rPr lang="en-US" sz="9600" u="sng" dirty="0" smtClean="0">
                 <a:hlinkClick r:id="rId2"/>
               </a:rPr>
-              <a:t>www.linkedin.com/in/sunilkutty</a:t>
-            </a:r>
-            <a:r>
-              <a:rPr lang="en-US" sz="2000" dirty="0"/>
-              <a:t> </a:t>
-            </a:r>
-          </a:p>
-          <a:p>
-            <a:r>
-              <a:rPr lang="en-US" dirty="0" smtClean="0"/>
-              <a:t>Anibal Velarde</a:t>
-            </a:r>
+              <a:t>bit.ly/1wZFG06</a:t>
+            </a:r>
+            <a:endParaRPr lang="en-US" sz="9600" dirty="0"/>
           </a:p>
           <a:p>
             <a:pPr lvl="1"/>
             <a:r>
-              <a:rPr lang="en-US" dirty="0" smtClean="0"/>
-              <a:t>LinkedIn: </a:t>
-            </a:r>
-            <a:r>
-              <a:rPr lang="en-US" sz="2000" dirty="0">
+              <a:rPr lang="en-US" sz="9600" dirty="0" smtClean="0"/>
+              <a:t>Claims </a:t>
+            </a:r>
+            <a:r>
+              <a:rPr lang="en-US" sz="9600" dirty="0"/>
+              <a:t>Rule Language</a:t>
+            </a:r>
+          </a:p>
+          <a:p>
+            <a:pPr lvl="2"/>
+            <a:r>
+              <a:rPr lang="en-US" sz="9600" u="sng" dirty="0">
                 <a:hlinkClick r:id="rId3"/>
               </a:rPr>
-              <a:t>https://</a:t>
-            </a:r>
-            <a:r>
-              <a:rPr lang="en-US" sz="2000" dirty="0" smtClean="0">
-                <a:hlinkClick r:id="rId3"/>
+              <a:t>http://bit.ly/1Bse84u</a:t>
+            </a:r>
+            <a:endParaRPr lang="en-US" sz="9600" dirty="0"/>
+          </a:p>
+          <a:p>
+            <a:pPr lvl="1"/>
+            <a:r>
+              <a:rPr lang="en-US" sz="9600" dirty="0" smtClean="0"/>
+              <a:t>Multi-factor </a:t>
+            </a:r>
+            <a:r>
+              <a:rPr lang="en-US" sz="9600" dirty="0"/>
+              <a:t>Authentication</a:t>
+            </a:r>
+          </a:p>
+          <a:p>
+            <a:pPr lvl="2"/>
+            <a:r>
+              <a:rPr lang="en-US" sz="9600" u="sng" dirty="0">
+                <a:hlinkClick r:id="rId4"/>
               </a:rPr>
-              <a:t>www.linkedin.com/in/anibalvelarde</a:t>
-            </a:r>
-            <a:endParaRPr lang="en-US" sz="2000" dirty="0"/>
-          </a:p>
-          <a:p>
-            <a:r>
-              <a:rPr lang="en-US" dirty="0" smtClean="0"/>
-              <a:t>Resources</a:t>
-            </a:r>
-          </a:p>
-          <a:p>
-            <a:pPr lvl="1"/>
-            <a:r>
-              <a:rPr lang="en-US" dirty="0" err="1" smtClean="0"/>
-              <a:t>GitHub</a:t>
-            </a:r>
-            <a:r>
-              <a:rPr lang="en-US" dirty="0" smtClean="0"/>
-              <a:t>: </a:t>
-            </a:r>
-            <a:r>
-              <a:rPr lang="en-US" sz="2400" dirty="0"/>
-              <a:t>https://github.com/anibalvelarde/SSOExample</a:t>
-            </a:r>
-          </a:p>
-        </p:txBody>
-      </p:sp>
-    </p:spTree>
-    <p:extLst>
-      <p:ext uri="{BB962C8B-B14F-4D97-AF65-F5344CB8AC3E}">
-        <p14:creationId xmlns:p14="http://schemas.microsoft.com/office/powerpoint/2010/main" val="175318683"/>
-      </p:ext>
-    </p:extLst>
-  </p:cSld>
-  <p:clrMapOvr>
-    <a:masterClrMapping/>
-  </p:clrMapOvr>
-  <p:timing>
-    <p:tnLst>
-      <p:par>
-        <p:cTn id="1" dur="indefinite" restart="never" nodeType="tmRoot"/>
-      </p:par>
-    </p:tnLst>
-  </p:timing>
-</p:sld>
-</file>
-
-<file path=ppt/slides/slide20.xml><?xml version="1.0" encoding="utf-8"?>
-<p:sld xmlns:a="http://schemas.openxmlformats.org/drawingml/2006/main" xmlns:r="http://schemas.openxmlformats.org/officeDocument/2006/relationships" xmlns:p="http://schemas.openxmlformats.org/presentationml/2006/main">
-  <p:cSld>
-    <p:spTree>
-      <p:nvGrpSpPr>
-        <p:cNvPr id="1" name=""/>
-        <p:cNvGrpSpPr/>
-        <p:nvPr/>
-      </p:nvGrpSpPr>
-      <p:grpSpPr>
-        <a:xfrm>
-          <a:off x="0" y="0"/>
-          <a:ext cx="0" cy="0"/>
-          <a:chOff x="0" y="0"/>
-          <a:chExt cx="0" cy="0"/>
-        </a:xfrm>
-      </p:grpSpPr>
-      <p:sp>
-        <p:nvSpPr>
-          <p:cNvPr id="2" name="Title 1"/>
-          <p:cNvSpPr>
-            <a:spLocks noGrp="1"/>
-          </p:cNvSpPr>
-          <p:nvPr>
-            <p:ph type="title"/>
-          </p:nvPr>
-        </p:nvSpPr>
-        <p:spPr/>
-        <p:txBody>
-          <a:bodyPr/>
-          <a:lstStyle/>
-          <a:p>
-            <a:r>
-              <a:rPr lang="en-US" dirty="0" smtClean="0"/>
-              <a:t>More References…</a:t>
-            </a:r>
-            <a:endParaRPr lang="en-US" dirty="0"/>
-          </a:p>
-        </p:txBody>
-      </p:sp>
-      <p:sp>
-        <p:nvSpPr>
-          <p:cNvPr id="3" name="Content Placeholder 2"/>
-          <p:cNvSpPr>
-            <a:spLocks noGrp="1"/>
-          </p:cNvSpPr>
-          <p:nvPr>
-            <p:ph idx="1"/>
-          </p:nvPr>
-        </p:nvSpPr>
-        <p:spPr/>
-        <p:txBody>
-          <a:bodyPr>
-            <a:normAutofit lnSpcReduction="10000"/>
-          </a:bodyPr>
-          <a:lstStyle/>
-          <a:p>
-            <a:r>
-              <a:rPr lang="en-US" dirty="0" smtClean="0"/>
-              <a:t>ADFS</a:t>
-            </a:r>
-          </a:p>
-          <a:p>
-            <a:pPr lvl="1"/>
-            <a:r>
-              <a:rPr lang="en-US" dirty="0" smtClean="0"/>
-              <a:t>Configuration</a:t>
-            </a:r>
-          </a:p>
-          <a:p>
-            <a:r>
-              <a:rPr lang="en-US" dirty="0" err="1" smtClean="0"/>
-              <a:t>Thinktecture</a:t>
-            </a:r>
-            <a:endParaRPr lang="en-US" dirty="0"/>
-          </a:p>
-          <a:p>
-            <a:pPr lvl="1"/>
-            <a:r>
-              <a:rPr lang="en-US" dirty="0" err="1" smtClean="0"/>
-              <a:t>GitHub</a:t>
-            </a:r>
-            <a:endParaRPr lang="en-US" dirty="0" smtClean="0"/>
-          </a:p>
-          <a:p>
-            <a:pPr lvl="1"/>
-            <a:r>
-              <a:rPr lang="en-US" dirty="0" smtClean="0"/>
-              <a:t>Configuration</a:t>
-            </a:r>
-          </a:p>
-          <a:p>
-            <a:r>
-              <a:rPr lang="en-US" dirty="0" smtClean="0"/>
-              <a:t>Domain Knowledge</a:t>
-            </a:r>
-          </a:p>
-          <a:p>
-            <a:pPr lvl="1"/>
-            <a:r>
-              <a:rPr lang="en-US" dirty="0" smtClean="0"/>
-              <a:t>Least Privilege</a:t>
-            </a:r>
-          </a:p>
-          <a:p>
-            <a:pPr lvl="1"/>
-            <a:r>
-              <a:rPr lang="en-US" dirty="0" err="1" smtClean="0"/>
-              <a:t>Oauth</a:t>
-            </a:r>
-            <a:endParaRPr lang="en-US" dirty="0" smtClean="0"/>
-          </a:p>
-          <a:p>
-            <a:pPr lvl="1"/>
-            <a:r>
-              <a:rPr lang="en-US" dirty="0" smtClean="0"/>
-              <a:t>Others…</a:t>
-            </a:r>
+              <a:t>http://bit.ly/1MYHy4p</a:t>
+            </a:r>
+            <a:endParaRPr lang="en-US" sz="9600" dirty="0"/>
+          </a:p>
+          <a:p>
+            <a:pPr marL="0" indent="0">
+              <a:buNone/>
+            </a:pPr>
+            <a:endParaRPr lang="en-US" sz="9600" dirty="0"/>
           </a:p>
           <a:p>
             <a:pPr lvl="1"/>
@@ -5488,6 +5270,341 @@
 </p:sld>
 </file>
 
+<file path=ppt/slides/slide22.xml><?xml version="1.0" encoding="utf-8"?>
+<p:sld xmlns:a="http://schemas.openxmlformats.org/drawingml/2006/main" xmlns:r="http://schemas.openxmlformats.org/officeDocument/2006/relationships" xmlns:p="http://schemas.openxmlformats.org/presentationml/2006/main">
+  <p:cSld>
+    <p:spTree>
+      <p:nvGrpSpPr>
+        <p:cNvPr id="1" name=""/>
+        <p:cNvGrpSpPr/>
+        <p:nvPr/>
+      </p:nvGrpSpPr>
+      <p:grpSpPr>
+        <a:xfrm>
+          <a:off x="0" y="0"/>
+          <a:ext cx="0" cy="0"/>
+          <a:chOff x="0" y="0"/>
+          <a:chExt cx="0" cy="0"/>
+        </a:xfrm>
+      </p:grpSpPr>
+      <p:sp>
+        <p:nvSpPr>
+          <p:cNvPr id="2" name="Title 1"/>
+          <p:cNvSpPr>
+            <a:spLocks noGrp="1"/>
+          </p:cNvSpPr>
+          <p:nvPr>
+            <p:ph type="title"/>
+          </p:nvPr>
+        </p:nvSpPr>
+        <p:spPr/>
+        <p:txBody>
+          <a:bodyPr/>
+          <a:lstStyle/>
+          <a:p>
+            <a:r>
+              <a:rPr lang="en-US" dirty="0" smtClean="0"/>
+              <a:t>More references…</a:t>
+            </a:r>
+            <a:endParaRPr lang="en-US" dirty="0"/>
+          </a:p>
+        </p:txBody>
+      </p:sp>
+      <p:sp>
+        <p:nvSpPr>
+          <p:cNvPr id="3" name="Content Placeholder 2"/>
+          <p:cNvSpPr>
+            <a:spLocks noGrp="1"/>
+          </p:cNvSpPr>
+          <p:nvPr>
+            <p:ph sz="quarter" idx="13"/>
+          </p:nvPr>
+        </p:nvSpPr>
+        <p:spPr/>
+        <p:txBody>
+          <a:bodyPr>
+            <a:normAutofit fontScale="25000" lnSpcReduction="20000"/>
+          </a:bodyPr>
+          <a:lstStyle/>
+          <a:p>
+            <a:r>
+              <a:rPr lang="en-US" sz="9600" dirty="0" err="1"/>
+              <a:t>Thinktecture</a:t>
+            </a:r>
+            <a:r>
+              <a:rPr lang="en-US" sz="9600" dirty="0"/>
+              <a:t> Authorization Server</a:t>
+            </a:r>
+          </a:p>
+          <a:p>
+            <a:pPr lvl="1"/>
+            <a:r>
+              <a:rPr lang="en-US" sz="9600" dirty="0"/>
+              <a:t>Source Code</a:t>
+            </a:r>
+          </a:p>
+          <a:p>
+            <a:pPr lvl="2"/>
+            <a:r>
+              <a:rPr lang="en-US" sz="9600" u="sng" dirty="0">
+                <a:hlinkClick r:id="rId2"/>
+              </a:rPr>
+              <a:t>https://github.com/IdentityModel/AuthorizationServer</a:t>
+            </a:r>
+            <a:endParaRPr lang="en-US" sz="9600" dirty="0"/>
+          </a:p>
+          <a:p>
+            <a:pPr lvl="1"/>
+            <a:r>
+              <a:rPr lang="en-US" sz="9600" dirty="0"/>
+              <a:t>Configuration</a:t>
+            </a:r>
+          </a:p>
+          <a:p>
+            <a:pPr lvl="1"/>
+            <a:r>
+              <a:rPr lang="en-US" sz="9600" u="sng" dirty="0">
+                <a:hlinkClick r:id="rId3"/>
+              </a:rPr>
+              <a:t>https://github.com/IdentityModel/AuthorizationServer/wiki</a:t>
+            </a:r>
+            <a:endParaRPr lang="en-US" sz="9600" dirty="0"/>
+          </a:p>
+          <a:p>
+            <a:r>
+              <a:rPr lang="en-US" sz="9600" dirty="0" err="1"/>
+              <a:t>Thinktecture</a:t>
+            </a:r>
+            <a:r>
+              <a:rPr lang="en-US" sz="9600" dirty="0"/>
+              <a:t> Identity Server (Supports </a:t>
+            </a:r>
+            <a:r>
+              <a:rPr lang="en-US" sz="9600" dirty="0" err="1"/>
+              <a:t>OpenID</a:t>
+            </a:r>
+            <a:r>
+              <a:rPr lang="en-US" sz="9600" dirty="0"/>
+              <a:t> Connect)</a:t>
+            </a:r>
+          </a:p>
+          <a:p>
+            <a:pPr lvl="1"/>
+            <a:r>
+              <a:rPr lang="en-US" sz="9600" u="sng" dirty="0">
+                <a:hlinkClick r:id="rId4"/>
+              </a:rPr>
+              <a:t>https://</a:t>
+            </a:r>
+            <a:r>
+              <a:rPr lang="en-US" sz="9600" u="sng" dirty="0" smtClean="0">
+                <a:hlinkClick r:id="rId4"/>
+              </a:rPr>
+              <a:t>github.com/IdentityServer/IdentityServer3</a:t>
+            </a:r>
+            <a:endParaRPr lang="en-US" sz="9600" dirty="0"/>
+          </a:p>
+        </p:txBody>
+      </p:sp>
+    </p:spTree>
+    <p:extLst>
+      <p:ext uri="{BB962C8B-B14F-4D97-AF65-F5344CB8AC3E}">
+        <p14:creationId xmlns:p14="http://schemas.microsoft.com/office/powerpoint/2010/main" val="2966040042"/>
+      </p:ext>
+    </p:extLst>
+  </p:cSld>
+  <p:clrMapOvr>
+    <a:masterClrMapping/>
+  </p:clrMapOvr>
+</p:sld>
+</file>
+
+<file path=ppt/slides/slide23.xml><?xml version="1.0" encoding="utf-8"?>
+<p:sld xmlns:a="http://schemas.openxmlformats.org/drawingml/2006/main" xmlns:r="http://schemas.openxmlformats.org/officeDocument/2006/relationships" xmlns:p="http://schemas.openxmlformats.org/presentationml/2006/main">
+  <p:cSld>
+    <p:spTree>
+      <p:nvGrpSpPr>
+        <p:cNvPr id="1" name=""/>
+        <p:cNvGrpSpPr/>
+        <p:nvPr/>
+      </p:nvGrpSpPr>
+      <p:grpSpPr>
+        <a:xfrm>
+          <a:off x="0" y="0"/>
+          <a:ext cx="0" cy="0"/>
+          <a:chOff x="0" y="0"/>
+          <a:chExt cx="0" cy="0"/>
+        </a:xfrm>
+      </p:grpSpPr>
+      <p:sp>
+        <p:nvSpPr>
+          <p:cNvPr id="2" name="Title 1"/>
+          <p:cNvSpPr>
+            <a:spLocks noGrp="1"/>
+          </p:cNvSpPr>
+          <p:nvPr>
+            <p:ph type="title"/>
+          </p:nvPr>
+        </p:nvSpPr>
+        <p:spPr/>
+        <p:txBody>
+          <a:bodyPr/>
+          <a:lstStyle/>
+          <a:p>
+            <a:r>
+              <a:rPr lang="en-US" dirty="0" smtClean="0"/>
+              <a:t>Even more references…</a:t>
+            </a:r>
+            <a:endParaRPr lang="en-US" dirty="0"/>
+          </a:p>
+        </p:txBody>
+      </p:sp>
+      <p:sp>
+        <p:nvSpPr>
+          <p:cNvPr id="3" name="Content Placeholder 2"/>
+          <p:cNvSpPr>
+            <a:spLocks noGrp="1"/>
+          </p:cNvSpPr>
+          <p:nvPr>
+            <p:ph sz="quarter" idx="13"/>
+          </p:nvPr>
+        </p:nvSpPr>
+        <p:spPr/>
+        <p:txBody>
+          <a:bodyPr>
+            <a:normAutofit fontScale="25000" lnSpcReduction="20000"/>
+          </a:bodyPr>
+          <a:lstStyle/>
+          <a:p>
+            <a:r>
+              <a:rPr lang="en-US" sz="8000" dirty="0" err="1"/>
+              <a:t>OAuth</a:t>
+            </a:r>
+            <a:r>
+              <a:rPr lang="en-US" sz="8000" dirty="0"/>
+              <a:t> specification</a:t>
+            </a:r>
+          </a:p>
+          <a:p>
+            <a:pPr lvl="1"/>
+            <a:r>
+              <a:rPr lang="en-US" sz="8000" u="sng" dirty="0">
+                <a:hlinkClick r:id="rId2"/>
+              </a:rPr>
+              <a:t>https://tools.ietf.org/html/rfc6749</a:t>
+            </a:r>
+            <a:endParaRPr lang="en-US" sz="8000" dirty="0"/>
+          </a:p>
+          <a:p>
+            <a:r>
+              <a:rPr lang="en-US" sz="8000" dirty="0"/>
+              <a:t>SAML Specification</a:t>
+            </a:r>
+          </a:p>
+          <a:p>
+            <a:pPr lvl="1"/>
+            <a:r>
+              <a:rPr lang="en-US" sz="8000" u="sng" dirty="0">
+                <a:hlinkClick r:id="rId3"/>
+              </a:rPr>
+              <a:t>http://saml.xml.org/saml-specifications</a:t>
+            </a:r>
+            <a:endParaRPr lang="en-US" sz="8000" dirty="0"/>
+          </a:p>
+          <a:p>
+            <a:r>
+              <a:rPr lang="en-US" sz="8000" dirty="0" smtClean="0"/>
+              <a:t>Auth0</a:t>
+            </a:r>
+            <a:endParaRPr lang="en-US" sz="8000" dirty="0"/>
+          </a:p>
+          <a:p>
+            <a:pPr lvl="1"/>
+            <a:r>
+              <a:rPr lang="en-US" sz="8000" u="sng" dirty="0">
+                <a:hlinkClick r:id="rId4"/>
+              </a:rPr>
+              <a:t>https://auth0.com</a:t>
+            </a:r>
+            <a:r>
+              <a:rPr lang="en-US" sz="8000" u="sng" dirty="0" smtClean="0">
+                <a:hlinkClick r:id="rId4"/>
+              </a:rPr>
+              <a:t>/</a:t>
+            </a:r>
+            <a:endParaRPr lang="en-US" sz="8000" u="sng" dirty="0" smtClean="0"/>
+          </a:p>
+          <a:p>
+            <a:r>
+              <a:rPr lang="en-US" sz="8000" dirty="0"/>
+              <a:t>Helpful Tools</a:t>
+            </a:r>
+          </a:p>
+          <a:p>
+            <a:pPr lvl="1"/>
+            <a:r>
+              <a:rPr lang="en-US" sz="8000" u="sng" dirty="0">
+                <a:hlinkClick r:id="rId5"/>
+              </a:rPr>
+              <a:t>https://www.samltool.com/decode.php</a:t>
+            </a:r>
+            <a:endParaRPr lang="en-US" sz="8000" u="sng" dirty="0"/>
+          </a:p>
+          <a:p>
+            <a:pPr lvl="1"/>
+            <a:r>
+              <a:rPr lang="en-US" sz="8000" u="sng" dirty="0">
+                <a:hlinkClick r:id="rId6"/>
+              </a:rPr>
+              <a:t>http://www.jwt.io</a:t>
+            </a:r>
+            <a:endParaRPr lang="en-US" sz="8000" u="sng" dirty="0"/>
+          </a:p>
+          <a:p>
+            <a:pPr lvl="1"/>
+            <a:r>
+              <a:rPr lang="en-US" sz="8000" u="sng" dirty="0">
+                <a:hlinkClick r:id="rId7"/>
+              </a:rPr>
+              <a:t>http://www.telerik.com/fiddler</a:t>
+            </a:r>
+            <a:r>
+              <a:rPr lang="en-US" sz="8000" u="sng" dirty="0"/>
+              <a:t> (for PC)</a:t>
+            </a:r>
+          </a:p>
+          <a:p>
+            <a:pPr lvl="1"/>
+            <a:r>
+              <a:rPr lang="en-US" sz="8000" u="sng" dirty="0">
+                <a:hlinkClick r:id="rId8"/>
+              </a:rPr>
+              <a:t>http://www.charlesproxy.com/</a:t>
+            </a:r>
+            <a:r>
+              <a:rPr lang="en-US" sz="8000" u="sng" dirty="0"/>
+              <a:t> (for Mac)</a:t>
+            </a:r>
+            <a:endParaRPr lang="en-US" sz="8000" dirty="0"/>
+          </a:p>
+          <a:p>
+            <a:endParaRPr lang="en-US" dirty="0"/>
+          </a:p>
+        </p:txBody>
+      </p:sp>
+    </p:spTree>
+    <p:extLst>
+      <p:ext uri="{BB962C8B-B14F-4D97-AF65-F5344CB8AC3E}">
+        <p14:creationId xmlns:p14="http://schemas.microsoft.com/office/powerpoint/2010/main" val="3667180933"/>
+      </p:ext>
+    </p:extLst>
+  </p:cSld>
+  <p:clrMapOvr>
+    <a:masterClrMapping/>
+  </p:clrMapOvr>
+</p:sld>
+</file>
+
 <file path=ppt/slides/slide3.xml><?xml version="1.0" encoding="utf-8"?>
 <p:sld xmlns:a="http://schemas.openxmlformats.org/drawingml/2006/main" xmlns:r="http://schemas.openxmlformats.org/officeDocument/2006/relationships" xmlns:p="http://schemas.openxmlformats.org/presentationml/2006/main">
   <p:cSld>
@@ -5517,102 +5634,87 @@
         </p:nvSpPr>
         <p:spPr/>
         <p:txBody>
-          <a:bodyPr>
-            <a:normAutofit fontScale="90000"/>
+          <a:bodyPr/>
+          <a:lstStyle/>
+          <a:p>
+            <a:r>
+              <a:rPr lang="en-US" dirty="0" err="1" smtClean="0"/>
+              <a:t>Github</a:t>
+            </a:r>
+            <a:r>
+              <a:rPr lang="en-US" dirty="0" smtClean="0"/>
+              <a:t> </a:t>
+            </a:r>
+            <a:r>
+              <a:rPr lang="en-US" dirty="0" err="1" smtClean="0"/>
+              <a:t>url</a:t>
+            </a:r>
+            <a:endParaRPr lang="en-US" dirty="0"/>
+          </a:p>
+        </p:txBody>
+      </p:sp>
+      <p:pic>
+        <p:nvPicPr>
+          <p:cNvPr id="4" name="Content Placeholder 3"/>
+          <p:cNvPicPr>
+            <a:picLocks noGrp="1" noChangeAspect="1"/>
+          </p:cNvPicPr>
+          <p:nvPr>
+            <p:ph sz="quarter" idx="13"/>
+          </p:nvPr>
+        </p:nvPicPr>
+        <p:blipFill>
+          <a:blip r:embed="rId2">
+            <a:extLst>
+              <a:ext uri="{28A0092B-C50C-407E-A947-70E740481C1C}">
+                <a14:useLocalDpi xmlns:a14="http://schemas.microsoft.com/office/drawing/2010/main" val="0"/>
+              </a:ext>
+            </a:extLst>
+          </a:blip>
+          <a:stretch>
+            <a:fillRect/>
+          </a:stretch>
+        </p:blipFill>
+        <p:spPr>
+          <a:xfrm>
+            <a:off x="3124200" y="1752600"/>
+            <a:ext cx="2819400" cy="2819400"/>
+          </a:xfrm>
+        </p:spPr>
+      </p:pic>
+      <p:sp>
+        <p:nvSpPr>
+          <p:cNvPr id="5" name="TextBox 4"/>
+          <p:cNvSpPr txBox="1"/>
+          <p:nvPr/>
+        </p:nvSpPr>
+        <p:spPr>
+          <a:xfrm>
+            <a:off x="1447800" y="5257800"/>
+            <a:ext cx="6477000" cy="523220"/>
+          </a:xfrm>
+          <a:prstGeom prst="rect">
+            <a:avLst/>
+          </a:prstGeom>
+          <a:noFill/>
+        </p:spPr>
+        <p:txBody>
+          <a:bodyPr wrap="square" rtlCol="0">
+            <a:spAutoFit/>
           </a:bodyPr>
           <a:lstStyle/>
           <a:p>
             <a:r>
-              <a:rPr lang="en-US" dirty="0" smtClean="0"/>
-              <a:t>IAM – Identity and Access Management</a:t>
-            </a:r>
-            <a:endParaRPr lang="en-US" dirty="0"/>
-          </a:p>
-        </p:txBody>
-      </p:sp>
-      <p:sp>
-        <p:nvSpPr>
-          <p:cNvPr id="3" name="Content Placeholder 2"/>
-          <p:cNvSpPr>
-            <a:spLocks noGrp="1"/>
-          </p:cNvSpPr>
-          <p:nvPr>
-            <p:ph idx="1"/>
-          </p:nvPr>
-        </p:nvSpPr>
-        <p:spPr/>
-        <p:txBody>
-          <a:bodyPr/>
-          <a:lstStyle/>
-          <a:p>
-            <a:r>
-              <a:rPr lang="en-US" dirty="0" smtClean="0"/>
-              <a:t>Has to do with</a:t>
-            </a:r>
-          </a:p>
-          <a:p>
-            <a:pPr lvl="1"/>
-            <a:r>
-              <a:rPr lang="en-US" dirty="0" smtClean="0"/>
-              <a:t>Identity Management</a:t>
-            </a:r>
-          </a:p>
-          <a:p>
-            <a:pPr lvl="2"/>
-            <a:r>
-              <a:rPr lang="en-US" dirty="0" smtClean="0"/>
-              <a:t>On-boarding </a:t>
-            </a:r>
-          </a:p>
-          <a:p>
-            <a:pPr lvl="2"/>
-            <a:r>
-              <a:rPr lang="en-US" dirty="0" smtClean="0"/>
-              <a:t>Off-boarding</a:t>
-            </a:r>
-          </a:p>
-          <a:p>
-            <a:pPr lvl="1"/>
-            <a:r>
-              <a:rPr lang="en-US" dirty="0" smtClean="0"/>
-              <a:t>Application Access Management</a:t>
-            </a:r>
-          </a:p>
-          <a:p>
-            <a:pPr lvl="1"/>
-            <a:r>
-              <a:rPr lang="en-US" dirty="0" smtClean="0"/>
-              <a:t>SSO</a:t>
-            </a:r>
-          </a:p>
-          <a:p>
-            <a:pPr lvl="1"/>
-            <a:r>
-              <a:rPr lang="en-US" dirty="0" smtClean="0"/>
-              <a:t>Federation</a:t>
-            </a:r>
-          </a:p>
-          <a:p>
-            <a:pPr lvl="1"/>
-            <a:r>
-              <a:rPr lang="en-US" dirty="0" smtClean="0"/>
-              <a:t>Compliance (S-Ox)</a:t>
-            </a:r>
-          </a:p>
-          <a:p>
-            <a:pPr lvl="1"/>
-            <a:r>
-              <a:rPr lang="en-US" dirty="0" smtClean="0"/>
-              <a:t>And many others</a:t>
-            </a:r>
-            <a:endParaRPr lang="en-US" dirty="0"/>
+              <a:rPr lang="en-US" sz="2800" dirty="0"/>
+              <a:t>https://github.com/anibalvelarde/SSOExample</a:t>
+            </a:r>
           </a:p>
         </p:txBody>
       </p:sp>
     </p:spTree>
     <p:extLst>
       <p:ext uri="{BB962C8B-B14F-4D97-AF65-F5344CB8AC3E}">
-        <p14:creationId xmlns:p14="http://schemas.microsoft.com/office/powerpoint/2010/main" val="1723509150"/>
+        <p14:creationId xmlns:p14="http://schemas.microsoft.com/office/powerpoint/2010/main" val="3424500618"/>
       </p:ext>
     </p:extLst>
   </p:cSld>
@@ -5658,12 +5760,14 @@
         </p:nvSpPr>
         <p:spPr/>
         <p:txBody>
-          <a:bodyPr/>
-          <a:lstStyle/>
-          <a:p>
-            <a:r>
-              <a:rPr lang="en-US" dirty="0" smtClean="0"/>
-              <a:t>SSO – Single Sign-On</a:t>
+          <a:bodyPr>
+            <a:normAutofit/>
+          </a:bodyPr>
+          <a:lstStyle/>
+          <a:p>
+            <a:r>
+              <a:rPr lang="en-US" dirty="0" smtClean="0"/>
+              <a:t>IAM – Identity and Access Management</a:t>
             </a:r>
             <a:endParaRPr lang="en-US" dirty="0"/>
           </a:p>
@@ -5676,12 +5780,14 @@
             <a:spLocks noGrp="1"/>
           </p:cNvSpPr>
           <p:nvPr>
-            <p:ph idx="1"/>
-          </p:nvPr>
-        </p:nvSpPr>
-        <p:spPr/>
-        <p:txBody>
-          <a:bodyPr/>
+            <p:ph sz="quarter" idx="13"/>
+          </p:nvPr>
+        </p:nvSpPr>
+        <p:spPr/>
+        <p:txBody>
+          <a:bodyPr>
+            <a:normAutofit/>
+          </a:bodyPr>
           <a:lstStyle/>
           <a:p>
             <a:r>
@@ -5693,28 +5799,65 @@
             <a:pPr lvl="1"/>
             <a:r>
               <a:rPr lang="en-US" dirty="0" smtClean="0"/>
-              <a:t>Authentication</a:t>
+              <a:t>Identity Management</a:t>
+            </a:r>
+          </a:p>
+          <a:p>
+            <a:pPr lvl="2"/>
+            <a:r>
+              <a:rPr lang="en-US" dirty="0" smtClean="0"/>
+              <a:t>On-boarding </a:t>
+            </a:r>
+          </a:p>
+          <a:p>
+            <a:pPr lvl="2"/>
+            <a:r>
+              <a:rPr lang="en-US" dirty="0" smtClean="0"/>
+              <a:t>Off-boarding</a:t>
             </a:r>
           </a:p>
           <a:p>
             <a:pPr lvl="1"/>
             <a:r>
               <a:rPr lang="en-US" dirty="0" smtClean="0"/>
-              <a:t>High Level Authorization</a:t>
-            </a:r>
-          </a:p>
-          <a:p>
-            <a:pPr marL="457200" lvl="1" indent="0">
-              <a:buNone/>
-            </a:pPr>
-            <a:endParaRPr lang="en-US" dirty="0" smtClean="0"/>
+              <a:t>Application Access Management</a:t>
+            </a:r>
+          </a:p>
+          <a:p>
+            <a:pPr lvl="1"/>
+            <a:r>
+              <a:rPr lang="en-US" dirty="0" smtClean="0"/>
+              <a:t>SSO</a:t>
+            </a:r>
+          </a:p>
+          <a:p>
+            <a:pPr lvl="1"/>
+            <a:r>
+              <a:rPr lang="en-US" dirty="0" smtClean="0"/>
+              <a:t>Federation</a:t>
+            </a:r>
+          </a:p>
+          <a:p>
+            <a:pPr lvl="1"/>
+            <a:r>
+              <a:rPr lang="en-US" dirty="0" smtClean="0"/>
+              <a:t>Compliance (S-Ox)</a:t>
+            </a:r>
+          </a:p>
+          <a:p>
+            <a:pPr lvl="1"/>
+            <a:r>
+              <a:rPr lang="en-US" dirty="0" smtClean="0"/>
+              <a:t>And many others</a:t>
+            </a:r>
+            <a:endParaRPr lang="en-US" dirty="0"/>
           </a:p>
         </p:txBody>
       </p:sp>
     </p:spTree>
     <p:extLst>
       <p:ext uri="{BB962C8B-B14F-4D97-AF65-F5344CB8AC3E}">
-        <p14:creationId xmlns:p14="http://schemas.microsoft.com/office/powerpoint/2010/main" val="2073098232"/>
+        <p14:creationId xmlns:p14="http://schemas.microsoft.com/office/powerpoint/2010/main" val="1723509150"/>
       </p:ext>
     </p:extLst>
   </p:cSld>
@@ -5765,6 +5908,108 @@
           <a:p>
             <a:r>
               <a:rPr lang="en-US" dirty="0" smtClean="0"/>
+              <a:t>SSO – Single Sign-On</a:t>
+            </a:r>
+            <a:endParaRPr lang="en-US" dirty="0"/>
+          </a:p>
+        </p:txBody>
+      </p:sp>
+      <p:sp>
+        <p:nvSpPr>
+          <p:cNvPr id="3" name="Content Placeholder 2"/>
+          <p:cNvSpPr>
+            <a:spLocks noGrp="1"/>
+          </p:cNvSpPr>
+          <p:nvPr>
+            <p:ph sz="quarter" idx="13"/>
+          </p:nvPr>
+        </p:nvSpPr>
+        <p:spPr/>
+        <p:txBody>
+          <a:bodyPr/>
+          <a:lstStyle/>
+          <a:p>
+            <a:r>
+              <a:rPr lang="en-US" dirty="0" smtClean="0"/>
+              <a:t>Has to do with</a:t>
+            </a:r>
+          </a:p>
+          <a:p>
+            <a:pPr lvl="1"/>
+            <a:r>
+              <a:rPr lang="en-US" dirty="0" smtClean="0"/>
+              <a:t>Authentication</a:t>
+            </a:r>
+          </a:p>
+          <a:p>
+            <a:pPr lvl="1"/>
+            <a:r>
+              <a:rPr lang="en-US" dirty="0" smtClean="0"/>
+              <a:t>High Level Authorization</a:t>
+            </a:r>
+          </a:p>
+          <a:p>
+            <a:pPr marL="457200" lvl="1" indent="0">
+              <a:buNone/>
+            </a:pPr>
+            <a:endParaRPr lang="en-US" dirty="0" smtClean="0"/>
+          </a:p>
+        </p:txBody>
+      </p:sp>
+    </p:spTree>
+    <p:extLst>
+      <p:ext uri="{BB962C8B-B14F-4D97-AF65-F5344CB8AC3E}">
+        <p14:creationId xmlns:p14="http://schemas.microsoft.com/office/powerpoint/2010/main" val="2073098232"/>
+      </p:ext>
+    </p:extLst>
+  </p:cSld>
+  <p:clrMapOvr>
+    <a:masterClrMapping/>
+  </p:clrMapOvr>
+  <p:timing>
+    <p:tnLst>
+      <p:par>
+        <p:cTn id="1" dur="indefinite" restart="never" nodeType="tmRoot"/>
+      </p:par>
+    </p:tnLst>
+  </p:timing>
+</p:sld>
+</file>
+
+<file path=ppt/slides/slide6.xml><?xml version="1.0" encoding="utf-8"?>
+<p:sld xmlns:a="http://schemas.openxmlformats.org/drawingml/2006/main" xmlns:r="http://schemas.openxmlformats.org/officeDocument/2006/relationships" xmlns:p="http://schemas.openxmlformats.org/presentationml/2006/main">
+  <p:cSld>
+    <p:spTree>
+      <p:nvGrpSpPr>
+        <p:cNvPr id="1" name=""/>
+        <p:cNvGrpSpPr/>
+        <p:nvPr/>
+      </p:nvGrpSpPr>
+      <p:grpSpPr>
+        <a:xfrm>
+          <a:off x="0" y="0"/>
+          <a:ext cx="0" cy="0"/>
+          <a:chOff x="0" y="0"/>
+          <a:chExt cx="0" cy="0"/>
+        </a:xfrm>
+      </p:grpSpPr>
+      <p:sp>
+        <p:nvSpPr>
+          <p:cNvPr id="2" name="Title 1"/>
+          <p:cNvSpPr>
+            <a:spLocks noGrp="1"/>
+          </p:cNvSpPr>
+          <p:nvPr>
+            <p:ph type="title"/>
+          </p:nvPr>
+        </p:nvSpPr>
+        <p:spPr/>
+        <p:txBody>
+          <a:bodyPr/>
+          <a:lstStyle/>
+          <a:p>
+            <a:r>
+              <a:rPr lang="en-US" dirty="0" smtClean="0"/>
               <a:t>Build or Buy?</a:t>
             </a:r>
             <a:endParaRPr lang="en-US" dirty="0"/>
@@ -5778,12 +6023,14 @@
             <a:spLocks noGrp="1"/>
           </p:cNvSpPr>
           <p:nvPr>
-            <p:ph idx="1"/>
-          </p:nvPr>
-        </p:nvSpPr>
-        <p:spPr/>
-        <p:txBody>
-          <a:bodyPr/>
+            <p:ph sz="quarter" idx="13"/>
+          </p:nvPr>
+        </p:nvSpPr>
+        <p:spPr/>
+        <p:txBody>
+          <a:bodyPr>
+            <a:normAutofit/>
+          </a:bodyPr>
           <a:lstStyle/>
           <a:p>
             <a:r>
@@ -5795,15 +6042,33 @@
             <a:pPr lvl="1"/>
             <a:r>
               <a:rPr lang="en-US" dirty="0" smtClean="0"/>
-              <a:t>Who are the players?</a:t>
-            </a:r>
+              <a:t>Who are the players</a:t>
+            </a:r>
+            <a:r>
+              <a:rPr lang="en-US" dirty="0" smtClean="0"/>
+              <a:t>?  [Ping, Net.IQ, Microsoft, </a:t>
+            </a:r>
+            <a:r>
+              <a:rPr lang="en-US" dirty="0" err="1" smtClean="0"/>
+              <a:t>Stormpath</a:t>
+            </a:r>
+            <a:r>
+              <a:rPr lang="en-US" dirty="0" smtClean="0"/>
+              <a:t>, and many more]]</a:t>
+            </a:r>
+            <a:endParaRPr lang="en-US" dirty="0" smtClean="0"/>
           </a:p>
           <a:p>
             <a:pPr lvl="1"/>
             <a:r>
               <a:rPr lang="en-US" dirty="0" smtClean="0"/>
-              <a:t>What are their offerings?</a:t>
-            </a:r>
+              <a:t>What are their offerings</a:t>
+            </a:r>
+            <a:r>
+              <a:rPr lang="en-US" dirty="0" smtClean="0"/>
+              <a:t>? [Reverse Proxy, STS, IDP, ID Stores, Admin Tools, Monitoring, Reporting, etc.]</a:t>
+            </a:r>
+            <a:endParaRPr lang="en-US" dirty="0" smtClean="0"/>
           </a:p>
           <a:p>
             <a:pPr lvl="1"/>
@@ -5859,7 +6124,15 @@
             <a:pPr lvl="2"/>
             <a:r>
               <a:rPr lang="en-US" dirty="0" smtClean="0"/>
-              <a:t>Only for Education or Intellectual curiosity</a:t>
+              <a:t>Only for Education or Intellectual </a:t>
+            </a:r>
+            <a:r>
+              <a:rPr lang="en-US" dirty="0" smtClean="0"/>
+              <a:t>curiosity</a:t>
+            </a:r>
+            <a:r>
+              <a:rPr lang="en-US" dirty="0" smtClean="0"/>
+              <a:t> </a:t>
             </a:r>
             <a:endParaRPr lang="en-US" dirty="0"/>
           </a:p>
@@ -5885,7 +6158,142 @@
 </p:sld>
 </file>
 
-<file path=ppt/slides/slide6.xml><?xml version="1.0" encoding="utf-8"?>
+<file path=ppt/slides/slide7.xml><?xml version="1.0" encoding="utf-8"?>
+<p:sld xmlns:a="http://schemas.openxmlformats.org/drawingml/2006/main" xmlns:r="http://schemas.openxmlformats.org/officeDocument/2006/relationships" xmlns:p="http://schemas.openxmlformats.org/presentationml/2006/main">
+  <p:cSld>
+    <p:spTree>
+      <p:nvGrpSpPr>
+        <p:cNvPr id="1" name=""/>
+        <p:cNvGrpSpPr/>
+        <p:nvPr/>
+      </p:nvGrpSpPr>
+      <p:grpSpPr>
+        <a:xfrm>
+          <a:off x="0" y="0"/>
+          <a:ext cx="0" cy="0"/>
+          <a:chOff x="0" y="0"/>
+          <a:chExt cx="0" cy="0"/>
+        </a:xfrm>
+      </p:grpSpPr>
+      <p:sp>
+        <p:nvSpPr>
+          <p:cNvPr id="2" name="Title 1"/>
+          <p:cNvSpPr>
+            <a:spLocks noGrp="1"/>
+          </p:cNvSpPr>
+          <p:nvPr>
+            <p:ph type="title"/>
+          </p:nvPr>
+        </p:nvSpPr>
+        <p:spPr/>
+        <p:txBody>
+          <a:bodyPr/>
+          <a:lstStyle/>
+          <a:p>
+            <a:r>
+              <a:rPr lang="en-US" dirty="0" smtClean="0"/>
+              <a:t>Build or buy?</a:t>
+            </a:r>
+            <a:endParaRPr lang="en-US" dirty="0"/>
+          </a:p>
+        </p:txBody>
+      </p:sp>
+      <p:sp>
+        <p:nvSpPr>
+          <p:cNvPr id="3" name="Content Placeholder 2"/>
+          <p:cNvSpPr>
+            <a:spLocks noGrp="1"/>
+          </p:cNvSpPr>
+          <p:nvPr>
+            <p:ph sz="quarter" idx="13"/>
+          </p:nvPr>
+        </p:nvSpPr>
+        <p:spPr/>
+        <p:txBody>
+          <a:bodyPr/>
+          <a:lstStyle/>
+          <a:p>
+            <a:r>
+              <a:rPr lang="en-US" dirty="0"/>
+              <a:t>Other Issues</a:t>
+            </a:r>
+          </a:p>
+          <a:p>
+            <a:pPr lvl="1"/>
+            <a:r>
+              <a:rPr lang="en-US" dirty="0"/>
+              <a:t>Single Log Out</a:t>
+            </a:r>
+          </a:p>
+          <a:p>
+            <a:pPr lvl="1"/>
+            <a:r>
+              <a:rPr lang="en-US" dirty="0" smtClean="0"/>
+              <a:t>Criticisms</a:t>
+            </a:r>
+          </a:p>
+          <a:p>
+            <a:pPr lvl="2"/>
+            <a:r>
+              <a:rPr lang="en-US" dirty="0" smtClean="0"/>
+              <a:t>Reduced Sign-On</a:t>
+            </a:r>
+          </a:p>
+          <a:p>
+            <a:pPr lvl="2"/>
+            <a:r>
+              <a:rPr lang="en-US" dirty="0" smtClean="0"/>
+              <a:t>Larger negative impact when credentials are compromised</a:t>
+            </a:r>
+          </a:p>
+          <a:p>
+            <a:pPr lvl="2"/>
+            <a:r>
+              <a:rPr lang="en-US" dirty="0" smtClean="0"/>
+              <a:t>Authentication service becomes a highly-critical service</a:t>
+            </a:r>
+          </a:p>
+          <a:p>
+            <a:pPr lvl="2"/>
+            <a:r>
+              <a:rPr lang="en-US" dirty="0" smtClean="0"/>
+              <a:t>Settings for SSO Tokens [Sliding Windows, Access Tokens]</a:t>
+            </a:r>
+          </a:p>
+          <a:p>
+            <a:pPr lvl="2"/>
+            <a:r>
+              <a:rPr lang="en-US" dirty="0" smtClean="0"/>
+              <a:t>And others…</a:t>
+            </a:r>
+          </a:p>
+          <a:p>
+            <a:pPr lvl="2"/>
+            <a:endParaRPr lang="en-US" dirty="0"/>
+          </a:p>
+        </p:txBody>
+      </p:sp>
+    </p:spTree>
+    <p:extLst>
+      <p:ext uri="{BB962C8B-B14F-4D97-AF65-F5344CB8AC3E}">
+        <p14:creationId xmlns:p14="http://schemas.microsoft.com/office/powerpoint/2010/main" val="3586225803"/>
+      </p:ext>
+    </p:extLst>
+  </p:cSld>
+  <p:clrMapOvr>
+    <a:masterClrMapping/>
+  </p:clrMapOvr>
+  <p:timing>
+    <p:tnLst>
+      <p:par>
+        <p:cTn id="1" dur="indefinite" restart="never" nodeType="tmRoot"/>
+      </p:par>
+    </p:tnLst>
+  </p:timing>
+</p:sld>
+</file>
+
+<file path=ppt/slides/slide8.xml><?xml version="1.0" encoding="utf-8"?>
 <p:sld xmlns:a="http://schemas.openxmlformats.org/drawingml/2006/main" xmlns:r="http://schemas.openxmlformats.org/officeDocument/2006/relationships" xmlns:p="http://schemas.openxmlformats.org/presentationml/2006/main">
   <p:cSld>
     <p:spTree>
@@ -6001,7 +6409,7 @@
 </p:sld>
 </file>
 
-<file path=ppt/slides/slide7.xml><?xml version="1.0" encoding="utf-8"?>
+<file path=ppt/slides/slide9.xml><?xml version="1.0" encoding="utf-8"?>
 <p:sld xmlns:a="http://schemas.openxmlformats.org/drawingml/2006/main" xmlns:r="http://schemas.openxmlformats.org/officeDocument/2006/relationships" xmlns:p="http://schemas.openxmlformats.org/presentationml/2006/main">
   <p:cSld>
     <p:spTree>
@@ -6048,7 +6456,7 @@
             <a:spLocks noGrp="1"/>
           </p:cNvSpPr>
           <p:nvPr>
-            <p:ph idx="1"/>
+            <p:ph sz="quarter" idx="13"/>
           </p:nvPr>
         </p:nvSpPr>
         <p:spPr/>
@@ -6130,309 +6538,59 @@
 </p:sld>
 </file>
 
-<file path=ppt/slides/slide8.xml><?xml version="1.0" encoding="utf-8"?>
-<p:sld xmlns:a="http://schemas.openxmlformats.org/drawingml/2006/main" xmlns:r="http://schemas.openxmlformats.org/officeDocument/2006/relationships" xmlns:p="http://schemas.openxmlformats.org/presentationml/2006/main">
-  <p:cSld>
-    <p:spTree>
-      <p:nvGrpSpPr>
-        <p:cNvPr id="1" name=""/>
-        <p:cNvGrpSpPr/>
-        <p:nvPr/>
-      </p:nvGrpSpPr>
-      <p:grpSpPr>
-        <a:xfrm>
-          <a:off x="0" y="0"/>
-          <a:ext cx="0" cy="0"/>
-          <a:chOff x="0" y="0"/>
-          <a:chExt cx="0" cy="0"/>
-        </a:xfrm>
-      </p:grpSpPr>
-      <p:sp>
-        <p:nvSpPr>
-          <p:cNvPr id="2" name="Title 1"/>
-          <p:cNvSpPr>
-            <a:spLocks noGrp="1"/>
-          </p:cNvSpPr>
-          <p:nvPr>
-            <p:ph type="title"/>
-          </p:nvPr>
-        </p:nvSpPr>
-        <p:spPr/>
-        <p:txBody>
-          <a:bodyPr/>
-          <a:lstStyle/>
-          <a:p>
-            <a:r>
-              <a:rPr lang="en-US" dirty="0" smtClean="0"/>
-              <a:t>Before You Begin</a:t>
-            </a:r>
-            <a:endParaRPr lang="en-US" dirty="0"/>
-          </a:p>
-        </p:txBody>
-      </p:sp>
-      <p:sp>
-        <p:nvSpPr>
-          <p:cNvPr id="3" name="Content Placeholder 2"/>
-          <p:cNvSpPr>
-            <a:spLocks noGrp="1"/>
-          </p:cNvSpPr>
-          <p:nvPr>
-            <p:ph idx="1"/>
-          </p:nvPr>
-        </p:nvSpPr>
-        <p:spPr/>
-        <p:txBody>
-          <a:bodyPr/>
-          <a:lstStyle/>
-          <a:p>
-            <a:r>
-              <a:rPr lang="en-US" dirty="0" smtClean="0"/>
-              <a:t>Have a business case that can support a viable budget (you’ll need more than $45K)</a:t>
-            </a:r>
-          </a:p>
-          <a:p>
-            <a:r>
-              <a:rPr lang="en-US" dirty="0" smtClean="0"/>
-              <a:t>Identify which types of identities you are targeting (internal, external, or federated)</a:t>
-            </a:r>
-          </a:p>
-          <a:p>
-            <a:r>
-              <a:rPr lang="en-US" dirty="0" smtClean="0"/>
-              <a:t>If in a large corporate environment, find out to see if there are other corporate efforts to solve the IAM / SSO problem</a:t>
-            </a:r>
-            <a:endParaRPr lang="en-US" dirty="0"/>
-          </a:p>
-        </p:txBody>
-      </p:sp>
-    </p:spTree>
-    <p:extLst>
-      <p:ext uri="{BB962C8B-B14F-4D97-AF65-F5344CB8AC3E}">
-        <p14:creationId xmlns:p14="http://schemas.microsoft.com/office/powerpoint/2010/main" val="1953705712"/>
-      </p:ext>
-    </p:extLst>
-  </p:cSld>
-  <p:clrMapOvr>
-    <a:masterClrMapping/>
-  </p:clrMapOvr>
-  <p:timing>
-    <p:tnLst>
-      <p:par>
-        <p:cTn id="1" dur="indefinite" restart="never" nodeType="tmRoot"/>
-      </p:par>
-    </p:tnLst>
-  </p:timing>
-</p:sld>
-</file>
-
-<file path=ppt/slides/slide9.xml><?xml version="1.0" encoding="utf-8"?>
-<p:sld xmlns:a="http://schemas.openxmlformats.org/drawingml/2006/main" xmlns:r="http://schemas.openxmlformats.org/officeDocument/2006/relationships" xmlns:p="http://schemas.openxmlformats.org/presentationml/2006/main">
-  <p:cSld>
-    <p:spTree>
-      <p:nvGrpSpPr>
-        <p:cNvPr id="1" name=""/>
-        <p:cNvGrpSpPr/>
-        <p:nvPr/>
-      </p:nvGrpSpPr>
-      <p:grpSpPr>
-        <a:xfrm>
-          <a:off x="0" y="0"/>
-          <a:ext cx="0" cy="0"/>
-          <a:chOff x="0" y="0"/>
-          <a:chExt cx="0" cy="0"/>
-        </a:xfrm>
-      </p:grpSpPr>
-      <p:sp>
-        <p:nvSpPr>
-          <p:cNvPr id="2" name="Title 1"/>
-          <p:cNvSpPr>
-            <a:spLocks noGrp="1"/>
-          </p:cNvSpPr>
-          <p:nvPr>
-            <p:ph type="title"/>
-          </p:nvPr>
-        </p:nvSpPr>
-        <p:spPr/>
-        <p:txBody>
-          <a:bodyPr/>
-          <a:lstStyle/>
-          <a:p>
-            <a:r>
-              <a:rPr lang="en-US" dirty="0" smtClean="0"/>
-              <a:t>Talking Protocols</a:t>
-            </a:r>
-            <a:endParaRPr lang="en-US" dirty="0"/>
-          </a:p>
-        </p:txBody>
-      </p:sp>
-      <p:sp>
-        <p:nvSpPr>
-          <p:cNvPr id="3" name="Content Placeholder 2"/>
-          <p:cNvSpPr>
-            <a:spLocks noGrp="1"/>
-          </p:cNvSpPr>
-          <p:nvPr>
-            <p:ph idx="1"/>
-          </p:nvPr>
-        </p:nvSpPr>
-        <p:spPr/>
-        <p:txBody>
-          <a:bodyPr/>
-          <a:lstStyle/>
-          <a:p>
-            <a:r>
-              <a:rPr lang="en-US" dirty="0" smtClean="0"/>
-              <a:t>SAML</a:t>
-            </a:r>
-          </a:p>
-          <a:p>
-            <a:r>
-              <a:rPr lang="en-US" dirty="0" smtClean="0"/>
-              <a:t>WS-*</a:t>
-            </a:r>
-          </a:p>
-          <a:p>
-            <a:r>
-              <a:rPr lang="en-US" dirty="0" err="1" smtClean="0"/>
-              <a:t>OAuth</a:t>
-            </a:r>
-            <a:endParaRPr lang="en-US" dirty="0" smtClean="0"/>
-          </a:p>
-          <a:p>
-            <a:pPr lvl="1"/>
-            <a:r>
-              <a:rPr lang="en-US" dirty="0" smtClean="0"/>
-              <a:t>Authorization Code</a:t>
-            </a:r>
-          </a:p>
-          <a:p>
-            <a:pPr lvl="1"/>
-            <a:r>
-              <a:rPr lang="en-US" dirty="0" smtClean="0"/>
-              <a:t>Implicit </a:t>
-            </a:r>
-          </a:p>
-          <a:p>
-            <a:pPr lvl="1"/>
-            <a:r>
-              <a:rPr lang="en-US" dirty="0" smtClean="0"/>
-              <a:t>Resource-Owner </a:t>
-            </a:r>
-            <a:r>
-              <a:rPr lang="en-US" dirty="0" err="1" smtClean="0"/>
-              <a:t>Pwd</a:t>
-            </a:r>
-            <a:r>
-              <a:rPr lang="en-US" dirty="0" smtClean="0"/>
-              <a:t> </a:t>
-            </a:r>
-            <a:r>
-              <a:rPr lang="en-US" dirty="0" err="1" smtClean="0"/>
-              <a:t>Creds</a:t>
-            </a:r>
-            <a:endParaRPr lang="en-US" dirty="0" smtClean="0"/>
-          </a:p>
-          <a:p>
-            <a:pPr lvl="1"/>
-            <a:r>
-              <a:rPr lang="en-US" dirty="0" smtClean="0"/>
-              <a:t>Client Credentials</a:t>
-            </a:r>
-          </a:p>
-          <a:p>
-            <a:r>
-              <a:rPr lang="en-US" dirty="0" err="1" smtClean="0"/>
-              <a:t>OpenID</a:t>
-            </a:r>
-            <a:r>
-              <a:rPr lang="en-US" dirty="0" smtClean="0"/>
-              <a:t> Connect</a:t>
-            </a:r>
-          </a:p>
-          <a:p>
-            <a:r>
-              <a:rPr lang="en-US" dirty="0" smtClean="0"/>
-              <a:t>Many more to come…</a:t>
-            </a:r>
-          </a:p>
-          <a:p>
-            <a:endParaRPr lang="en-US" dirty="0"/>
-          </a:p>
-        </p:txBody>
-      </p:sp>
-    </p:spTree>
-    <p:extLst>
-      <p:ext uri="{BB962C8B-B14F-4D97-AF65-F5344CB8AC3E}">
-        <p14:creationId xmlns:p14="http://schemas.microsoft.com/office/powerpoint/2010/main" val="470273698"/>
-      </p:ext>
-    </p:extLst>
-  </p:cSld>
-  <p:clrMapOvr>
-    <a:masterClrMapping/>
-  </p:clrMapOvr>
-  <p:timing>
-    <p:tnLst>
-      <p:par>
-        <p:cTn id="1" dur="indefinite" restart="never" nodeType="tmRoot"/>
-      </p:par>
-    </p:tnLst>
-  </p:timing>
-</p:sld>
-</file>
-
 <file path=ppt/theme/theme1.xml><?xml version="1.0" encoding="utf-8"?>
-<a:theme xmlns:a="http://schemas.openxmlformats.org/drawingml/2006/main" name="Module">
+<a:theme xmlns:a="http://schemas.openxmlformats.org/drawingml/2006/main" name="Horizon">
   <a:themeElements>
-    <a:clrScheme name="Module">
+    <a:clrScheme name="Horizon">
       <a:dk1>
-        <a:sysClr val="windowText" lastClr="000000"/>
+        <a:srgbClr val="000000"/>
       </a:dk1>
       <a:lt1>
-        <a:sysClr val="window" lastClr="FFFFFF"/>
+        <a:srgbClr val="FFFFFF"/>
       </a:lt1>
       <a:dk2>
-        <a:srgbClr val="5A6378"/>
+        <a:srgbClr val="1F2123"/>
       </a:dk2>
       <a:lt2>
-        <a:srgbClr val="D4D4D6"/>
+        <a:srgbClr val="DC9E1F"/>
       </a:lt2>
       <a:accent1>
-        <a:srgbClr val="F0AD00"/>
+        <a:srgbClr val="7E97AD"/>
       </a:accent1>
       <a:accent2>
-        <a:srgbClr val="60B5CC"/>
+        <a:srgbClr val="CC8E60"/>
       </a:accent2>
       <a:accent3>
-        <a:srgbClr val="E66C7D"/>
+        <a:srgbClr val="7A6A60"/>
       </a:accent3>
       <a:accent4>
-        <a:srgbClr val="6BB76D"/>
+        <a:srgbClr val="B4936D"/>
       </a:accent4>
       <a:accent5>
-        <a:srgbClr val="E88651"/>
+        <a:srgbClr val="67787B"/>
       </a:accent5>
       <a:accent6>
-        <a:srgbClr val="C64847"/>
+        <a:srgbClr val="9D936F"/>
       </a:accent6>
       <a:hlink>
-        <a:srgbClr val="168BBA"/>
+        <a:srgbClr val="646464"/>
       </a:hlink>
       <a:folHlink>
-        <a:srgbClr val="680000"/>
+        <a:srgbClr val="969696"/>
       </a:folHlink>
     </a:clrScheme>
-    <a:fontScheme name="Module">
+    <a:fontScheme name="Horizon">
       <a:majorFont>
-        <a:latin typeface="Corbel"/>
+        <a:latin typeface="Arial Narrow"/>
         <a:ea typeface=""/>
         <a:cs typeface=""/>
         <a:font script="Jpan" typeface="HGｺﾞｼｯｸM"/>
-        <a:font script="Hang" typeface="HY엽서L"/>
-        <a:font script="Hans" typeface="华文楷体"/>
-        <a:font script="Hant" typeface="新細明體"/>
-        <a:font script="Arab" typeface="Tahoma"/>
-        <a:font script="Hebr" typeface="Miriam"/>
-        <a:font script="Thai" typeface="DilleniaUPC"/>
+        <a:font script="Hang" typeface="HY얕은샘물M"/>
+        <a:font script="Hans" typeface="方正姚体"/>
+        <a:font script="Hant" typeface="微軟正黑體"/>
+        <a:font script="Arab" typeface="Arial"/>
+        <a:font script="Hebr" typeface="Levenim MT"/>
+        <a:font script="Thai" typeface="FreesiaUPC"/>
         <a:font script="Ethi" typeface="Nyala"/>
         <a:font script="Beng" typeface="Vrinda"/>
         <a:font script="Gujr" typeface="Shruti"/>
@@ -6453,21 +6611,21 @@
         <a:font script="Laoo" typeface="DokChampa"/>
         <a:font script="Sinh" typeface="Iskoola Pota"/>
         <a:font script="Mong" typeface="Mongolian Baiti"/>
-        <a:font script="Viet" typeface="Arial"/>
+        <a:font script="Viet" typeface="Tahoma"/>
         <a:font script="Uigh" typeface="Microsoft Uighur"/>
         <a:font script="Geor" typeface="Sylfaen"/>
       </a:majorFont>
       <a:minorFont>
-        <a:latin typeface="Corbel"/>
+        <a:latin typeface="Arial Narrow"/>
         <a:ea typeface=""/>
         <a:cs typeface=""/>
         <a:font script="Jpan" typeface="HGｺﾞｼｯｸM"/>
-        <a:font script="Hang" typeface="HY엽서L"/>
-        <a:font script="Hans" typeface="华文楷体"/>
-        <a:font script="Hant" typeface="新細明體"/>
-        <a:font script="Arab" typeface="Tahoma"/>
-        <a:font script="Hebr" typeface="Miriam"/>
-        <a:font script="Thai" typeface="DilleniaUPC"/>
+        <a:font script="Hang" typeface="HY얕은샘물M"/>
+        <a:font script="Hans" typeface="方正姚体"/>
+        <a:font script="Hant" typeface="微軟正黑體"/>
+        <a:font script="Arab" typeface="Arial"/>
+        <a:font script="Hebr" typeface="Levenim MT"/>
+        <a:font script="Thai" typeface="FreesiaUPC"/>
         <a:font script="Ethi" typeface="Nyala"/>
         <a:font script="Beng" typeface="Vrinda"/>
         <a:font script="Gujr" typeface="Shruti"/>
@@ -6488,12 +6646,12 @@
         <a:font script="Laoo" typeface="DokChampa"/>
         <a:font script="Sinh" typeface="Iskoola Pota"/>
         <a:font script="Mong" typeface="Mongolian Baiti"/>
-        <a:font script="Viet" typeface="Arial"/>
+        <a:font script="Viet" typeface="Tahoma"/>
         <a:font script="Uigh" typeface="Microsoft Uighur"/>
         <a:font script="Geor" typeface="Sylfaen"/>
       </a:minorFont>
     </a:fontScheme>
-    <a:fmtScheme name="Module">
+    <a:fmtScheme name="Horizon">
       <a:fillStyleLst>
         <a:solidFill>
           <a:schemeClr val="phClr"/>
@@ -6502,68 +6660,62 @@
           <a:gsLst>
             <a:gs pos="0">
               <a:schemeClr val="phClr">
-                <a:tint val="50000"/>
-                <a:satMod val="300000"/>
-              </a:schemeClr>
-            </a:gs>
-            <a:gs pos="35000">
-              <a:schemeClr val="phClr">
-                <a:tint val="37000"/>
-                <a:satMod val="300000"/>
+                <a:tint val="83000"/>
+                <a:shade val="100000"/>
+                <a:satMod val="100000"/>
               </a:schemeClr>
             </a:gs>
             <a:gs pos="100000">
               <a:schemeClr val="phClr">
-                <a:tint val="15000"/>
-                <a:satMod val="350000"/>
+                <a:tint val="61000"/>
+                <a:alpha val="100000"/>
+                <a:satMod val="200000"/>
               </a:schemeClr>
             </a:gs>
           </a:gsLst>
-          <a:lin ang="16200000" scaled="1"/>
+          <a:path path="circle">
+            <a:fillToRect l="100000" t="100000" r="100000" b="100000"/>
+          </a:path>
         </a:gradFill>
         <a:gradFill rotWithShape="1">
           <a:gsLst>
             <a:gs pos="0">
               <a:schemeClr val="phClr">
-                <a:shade val="47500"/>
-                <a:satMod val="137000"/>
-              </a:schemeClr>
-            </a:gs>
-            <a:gs pos="55000">
-              <a:schemeClr val="phClr">
-                <a:shade val="69000"/>
-                <a:satMod val="137000"/>
+                <a:shade val="85000"/>
               </a:schemeClr>
             </a:gs>
             <a:gs pos="100000">
               <a:schemeClr val="phClr">
-                <a:shade val="98000"/>
-                <a:satMod val="137000"/>
+                <a:tint val="90000"/>
+                <a:alpha val="100000"/>
+                <a:satMod val="200000"/>
               </a:schemeClr>
             </a:gs>
           </a:gsLst>
-          <a:lin ang="16200000" scaled="0"/>
+          <a:path path="circle">
+            <a:fillToRect l="100000" t="100000" r="100000" b="100000"/>
+          </a:path>
         </a:gradFill>
       </a:fillStyleLst>
       <a:lnStyleLst>
-        <a:ln w="6350" cap="rnd" cmpd="sng" algn="ctr">
-          <a:solidFill>
-            <a:schemeClr val="phClr">
-              <a:shade val="95000"/>
-              <a:satMod val="105000"/>
-            </a:schemeClr>
-          </a:solidFill>
-          <a:prstDash val="solid"/>
-        </a:ln>
-        <a:ln w="48000" cap="flat" cmpd="thickThin" algn="ctr">
+        <a:ln w="9525" cap="flat" cmpd="sng" algn="ctr">
           <a:solidFill>
             <a:schemeClr val="phClr"/>
           </a:solidFill>
           <a:prstDash val="solid"/>
         </a:ln>
-        <a:ln w="48500" cap="flat" cmpd="thickThin" algn="ctr">
+        <a:ln w="10795" cap="flat" cmpd="sng" algn="ctr">
           <a:solidFill>
             <a:schemeClr val="phClr"/>
+          </a:solidFill>
+          <a:prstDash val="solid"/>
+        </a:ln>
+        <a:ln w="15240" cap="flat" cmpd="sng" algn="ctr">
+          <a:solidFill>
+            <a:schemeClr val="phClr">
+              <a:tint val="25000"/>
+              <a:alpha val="25000"/>
+            </a:schemeClr>
           </a:solidFill>
           <a:prstDash val="solid"/>
         </a:ln>
@@ -6571,40 +6723,40 @@
       <a:effectStyleLst>
         <a:effectStyle>
           <a:effectLst>
-            <a:outerShdw blurRad="45000" dist="25000" dir="5400000" rotWithShape="0">
+            <a:outerShdw blurRad="38100" dist="25400" dir="5400000" rotWithShape="0">
               <a:srgbClr val="000000">
-                <a:alpha val="38000"/>
+                <a:alpha val="40000"/>
               </a:srgbClr>
             </a:outerShdw>
           </a:effectLst>
         </a:effectStyle>
         <a:effectStyle>
           <a:effectLst>
-            <a:outerShdw blurRad="39000" dist="25400" dir="5400000" rotWithShape="0">
+            <a:outerShdw blurRad="50800" dist="42924" dir="5400000" rotWithShape="0">
               <a:srgbClr val="000000">
-                <a:alpha val="38000"/>
+                <a:alpha val="40000"/>
               </a:srgbClr>
             </a:outerShdw>
           </a:effectLst>
         </a:effectStyle>
         <a:effectStyle>
           <a:effectLst>
-            <a:outerShdw blurRad="39000" dist="25400" dir="5400000" rotWithShape="0">
+            <a:outerShdw blurRad="50800" dist="25400" dir="5400000" rotWithShape="0">
               <a:srgbClr val="000000">
-                <a:alpha val="38000"/>
+                <a:alpha val="40000"/>
               </a:srgbClr>
             </a:outerShdw>
           </a:effectLst>
           <a:scene3d>
-            <a:camera prst="orthographicFront" fov="0">
+            <a:camera prst="orthographicFront">
               <a:rot lat="0" lon="0" rev="0"/>
             </a:camera>
-            <a:lightRig rig="threePt" dir="t">
-              <a:rot lat="0" lon="0" rev="1800000"/>
+            <a:lightRig rig="flat" dir="t">
+              <a:rot lat="0" lon="0" rev="3600000"/>
             </a:lightRig>
           </a:scene3d>
-          <a:sp3d prstMaterial="matte">
-            <a:bevelT h="20000"/>
+          <a:sp3d prstMaterial="flat">
+            <a:bevelT w="34925" h="47625" prst="coolSlant"/>
           </a:sp3d>
         </a:effectStyle>
       </a:effectStyleLst>
@@ -6616,47 +6768,59 @@
           <a:gsLst>
             <a:gs pos="0">
               <a:schemeClr val="phClr">
-                <a:tint val="48000"/>
-                <a:satMod val="300000"/>
+                <a:tint val="96000"/>
+                <a:shade val="100000"/>
+                <a:alpha val="100000"/>
+                <a:satMod val="140000"/>
               </a:schemeClr>
             </a:gs>
-            <a:gs pos="12000">
+            <a:gs pos="31000">
               <a:schemeClr val="phClr">
-                <a:tint val="48000"/>
-                <a:satMod val="300000"/>
-              </a:schemeClr>
-            </a:gs>
-            <a:gs pos="20000">
-              <a:schemeClr val="phClr">
-                <a:tint val="49000"/>
-                <a:satMod val="300000"/>
+                <a:tint val="100000"/>
+                <a:shade val="90000"/>
+                <a:alpha val="100000"/>
               </a:schemeClr>
             </a:gs>
             <a:gs pos="100000">
               <a:schemeClr val="phClr">
-                <a:shade val="30000"/>
+                <a:tint val="100000"/>
+                <a:shade val="80000"/>
+                <a:alpha val="100000"/>
+              </a:schemeClr>
+            </a:gs>
+          </a:gsLst>
+          <a:lin ang="5400000" scaled="0"/>
+        </a:gradFill>
+        <a:gradFill rotWithShape="1">
+          <a:gsLst>
+            <a:gs pos="0">
+              <a:schemeClr val="phClr">
+                <a:tint val="96000"/>
+                <a:shade val="100000"/>
+                <a:alpha val="100000"/>
+                <a:satMod val="180000"/>
+              </a:schemeClr>
+            </a:gs>
+            <a:gs pos="41000">
+              <a:schemeClr val="phClr">
+                <a:tint val="100000"/>
+                <a:shade val="100000"/>
+                <a:alpha val="100000"/>
+                <a:satMod val="150000"/>
+              </a:schemeClr>
+            </a:gs>
+            <a:gs pos="100000">
+              <a:schemeClr val="phClr">
+                <a:tint val="100000"/>
+                <a:shade val="65000"/>
+                <a:alpha val="100000"/>
               </a:schemeClr>
             </a:gs>
           </a:gsLst>
           <a:path path="circle">
-            <a:fillToRect l="10000" t="-25000" r="10000" b="125000"/>
+            <a:fillToRect l="50000" t="80000" r="100000" b="100000"/>
           </a:path>
         </a:gradFill>
-        <a:blipFill>
-          <a:blip xmlns:r="http://schemas.openxmlformats.org/officeDocument/2006/relationships" r:embed="rId1">
-            <a:duotone>
-              <a:schemeClr val="phClr">
-                <a:shade val="75000"/>
-                <a:satMod val="105000"/>
-              </a:schemeClr>
-              <a:schemeClr val="phClr">
-                <a:tint val="95000"/>
-                <a:satMod val="105000"/>
-              </a:schemeClr>
-            </a:duotone>
-          </a:blip>
-          <a:tile tx="0" ty="0" sx="38000" sy="38000" flip="none" algn="tl"/>
-        </a:blipFill>
       </a:bgFillStyleLst>
     </a:fmtScheme>
   </a:themeElements>

--- a/SSOPresentation/IAM_SSO.pptx
+++ b/SSOPresentation/IAM_SSO.pptx
@@ -10,24 +10,26 @@
     <p:sldId id="282" r:id="rId4"/>
     <p:sldId id="258" r:id="rId5"/>
     <p:sldId id="259" r:id="rId6"/>
-    <p:sldId id="261" r:id="rId7"/>
-    <p:sldId id="279" r:id="rId8"/>
-    <p:sldId id="260" r:id="rId9"/>
-    <p:sldId id="262" r:id="rId10"/>
-    <p:sldId id="264" r:id="rId11"/>
-    <p:sldId id="276" r:id="rId12"/>
-    <p:sldId id="277" r:id="rId13"/>
-    <p:sldId id="278" r:id="rId14"/>
-    <p:sldId id="263" r:id="rId15"/>
-    <p:sldId id="280" r:id="rId16"/>
-    <p:sldId id="273" r:id="rId17"/>
-    <p:sldId id="274" r:id="rId18"/>
-    <p:sldId id="281" r:id="rId19"/>
-    <p:sldId id="270" r:id="rId20"/>
-    <p:sldId id="272" r:id="rId21"/>
-    <p:sldId id="275" r:id="rId22"/>
-    <p:sldId id="283" r:id="rId23"/>
-    <p:sldId id="284" r:id="rId24"/>
+    <p:sldId id="285" r:id="rId7"/>
+    <p:sldId id="261" r:id="rId8"/>
+    <p:sldId id="279" r:id="rId9"/>
+    <p:sldId id="260" r:id="rId10"/>
+    <p:sldId id="262" r:id="rId11"/>
+    <p:sldId id="264" r:id="rId12"/>
+    <p:sldId id="276" r:id="rId13"/>
+    <p:sldId id="277" r:id="rId14"/>
+    <p:sldId id="278" r:id="rId15"/>
+    <p:sldId id="263" r:id="rId16"/>
+    <p:sldId id="280" r:id="rId17"/>
+    <p:sldId id="273" r:id="rId18"/>
+    <p:sldId id="274" r:id="rId19"/>
+    <p:sldId id="281" r:id="rId20"/>
+    <p:sldId id="270" r:id="rId21"/>
+    <p:sldId id="272" r:id="rId22"/>
+    <p:sldId id="286" r:id="rId23"/>
+    <p:sldId id="275" r:id="rId24"/>
+    <p:sldId id="283" r:id="rId25"/>
+    <p:sldId id="284" r:id="rId26"/>
   </p:sldIdLst>
   <p:sldSz cx="9144000" cy="6858000" type="screen4x3"/>
   <p:notesSz cx="6858000" cy="9144000"/>
@@ -128,7 +130,7 @@
   </p:defaultTextStyle>
   <p:extLst>
     <p:ext uri="{EFAFB233-063F-42B5-8137-9DF3F51BA10A}">
-      <p15:sldGuideLst xmlns:p15="http://schemas.microsoft.com/office/powerpoint/2012/main" xmlns="">
+      <p15:sldGuideLst xmlns="" xmlns:p15="http://schemas.microsoft.com/office/powerpoint/2012/main">
         <p15:guide id="1" orient="horz" pos="2160">
           <p15:clr>
             <a:srgbClr val="A4A3A4"/>
@@ -204,7 +206,7 @@
           <a:p>
             <a:fld id="{8AE6C55E-4143-49FB-A6C2-6171CD6B66E5}" type="datetimeFigureOut">
               <a:rPr lang="en-US" smtClean="0"/>
-              <a:t>10/23/2015</a:t>
+              <a:t>10/24/2015</a:t>
             </a:fld>
             <a:endParaRPr lang="en-US"/>
           </a:p>
@@ -520,7 +522,7 @@
           <a:p>
             <a:fld id="{8AE6C55E-4143-49FB-A6C2-6171CD6B66E5}" type="datetimeFigureOut">
               <a:rPr lang="en-US" smtClean="0"/>
-              <a:t>10/23/2015</a:t>
+              <a:t>10/24/2015</a:t>
             </a:fld>
             <a:endParaRPr lang="en-US"/>
           </a:p>
@@ -695,7 +697,7 @@
           <a:p>
             <a:fld id="{8AE6C55E-4143-49FB-A6C2-6171CD6B66E5}" type="datetimeFigureOut">
               <a:rPr lang="en-US" smtClean="0"/>
-              <a:t>10/23/2015</a:t>
+              <a:t>10/24/2015</a:t>
             </a:fld>
             <a:endParaRPr lang="en-US"/>
           </a:p>
@@ -813,7 +815,7 @@
           <a:p>
             <a:fld id="{8AE6C55E-4143-49FB-A6C2-6171CD6B66E5}" type="datetimeFigureOut">
               <a:rPr lang="en-US" smtClean="0"/>
-              <a:t>10/23/2015</a:t>
+              <a:t>10/24/2015</a:t>
             </a:fld>
             <a:endParaRPr lang="en-US"/>
           </a:p>
@@ -1111,7 +1113,7 @@
           <a:p>
             <a:fld id="{8AE6C55E-4143-49FB-A6C2-6171CD6B66E5}" type="datetimeFigureOut">
               <a:rPr lang="en-US" smtClean="0"/>
-              <a:t>10/23/2015</a:t>
+              <a:t>10/24/2015</a:t>
             </a:fld>
             <a:endParaRPr lang="en-US"/>
           </a:p>
@@ -1404,7 +1406,7 @@
           <a:p>
             <a:fld id="{8AE6C55E-4143-49FB-A6C2-6171CD6B66E5}" type="datetimeFigureOut">
               <a:rPr lang="en-US" smtClean="0"/>
-              <a:t>10/23/2015</a:t>
+              <a:t>10/24/2015</a:t>
             </a:fld>
             <a:endParaRPr lang="en-US"/>
           </a:p>
@@ -1832,7 +1834,7 @@
           <a:p>
             <a:fld id="{8AE6C55E-4143-49FB-A6C2-6171CD6B66E5}" type="datetimeFigureOut">
               <a:rPr lang="en-US" smtClean="0"/>
-              <a:t>10/23/2015</a:t>
+              <a:t>10/24/2015</a:t>
             </a:fld>
             <a:endParaRPr lang="en-US"/>
           </a:p>
@@ -1950,7 +1952,7 @@
           <a:p>
             <a:fld id="{8AE6C55E-4143-49FB-A6C2-6171CD6B66E5}" type="datetimeFigureOut">
               <a:rPr lang="en-US" smtClean="0"/>
-              <a:t>10/23/2015</a:t>
+              <a:t>10/24/2015</a:t>
             </a:fld>
             <a:endParaRPr lang="en-US"/>
           </a:p>
@@ -2040,7 +2042,7 @@
           <a:p>
             <a:fld id="{8AE6C55E-4143-49FB-A6C2-6171CD6B66E5}" type="datetimeFigureOut">
               <a:rPr lang="en-US" smtClean="0"/>
-              <a:t>10/23/2015</a:t>
+              <a:t>10/24/2015</a:t>
             </a:fld>
             <a:endParaRPr lang="en-US"/>
           </a:p>
@@ -2290,7 +2292,7 @@
           <a:p>
             <a:fld id="{8AE6C55E-4143-49FB-A6C2-6171CD6B66E5}" type="datetimeFigureOut">
               <a:rPr lang="en-US" smtClean="0"/>
-              <a:t>10/23/2015</a:t>
+              <a:t>10/24/2015</a:t>
             </a:fld>
             <a:endParaRPr lang="en-US"/>
           </a:p>
@@ -2806,7 +2808,7 @@
           <a:p>
             <a:fld id="{8AE6C55E-4143-49FB-A6C2-6171CD6B66E5}" type="datetimeFigureOut">
               <a:rPr lang="en-US" smtClean="0"/>
-              <a:t>10/23/2015</a:t>
+              <a:t>10/24/2015</a:t>
             </a:fld>
             <a:endParaRPr lang="en-US"/>
           </a:p>
@@ -3036,7 +3038,7 @@
           <a:p>
             <a:fld id="{8AE6C55E-4143-49FB-A6C2-6171CD6B66E5}" type="datetimeFigureOut">
               <a:rPr lang="en-US" smtClean="0"/>
-              <a:t>10/23/2015</a:t>
+              <a:t>10/24/2015</a:t>
             </a:fld>
             <a:endParaRPr lang="en-US"/>
           </a:p>
@@ -3611,12 +3613,147 @@
   <p:clrMapOvr>
     <a:masterClrMapping/>
   </p:clrMapOvr>
+  <mc:AlternateContent xmlns:mc="http://schemas.openxmlformats.org/markup-compatibility/2006">
+    <mc:Choice xmlns:p14="http://schemas.microsoft.com/office/powerpoint/2010/main" Requires="p14">
+      <p:transition spd="med" p14:dur="700">
+        <p:fade/>
+      </p:transition>
+    </mc:Choice>
+    <mc:Fallback>
+      <p:transition spd="med">
+        <p:fade/>
+      </p:transition>
+    </mc:Fallback>
+  </mc:AlternateContent>
   <p:timing>
     <p:tnLst>
       <p:par>
-        <p:cTn id="1" dur="indefinite" restart="never" nodeType="tmRoot"/>
+        <p:cTn id="1" dur="indefinite" restart="never" nodeType="tmRoot">
+          <p:childTnLst>
+            <p:seq concurrent="1" nextAc="seek">
+              <p:cTn id="2" dur="indefinite" nodeType="mainSeq">
+                <p:childTnLst>
+                  <p:par>
+                    <p:cTn id="3" fill="hold">
+                      <p:stCondLst>
+                        <p:cond delay="indefinite"/>
+                      </p:stCondLst>
+                      <p:childTnLst>
+                        <p:par>
+                          <p:cTn id="4" fill="hold">
+                            <p:stCondLst>
+                              <p:cond delay="0"/>
+                            </p:stCondLst>
+                            <p:childTnLst>
+                              <p:par>
+                                <p:cTn id="5" presetID="10" presetClass="entr" presetSubtype="0" fill="hold" grpId="0" nodeType="clickEffect">
+                                  <p:stCondLst>
+                                    <p:cond delay="0"/>
+                                  </p:stCondLst>
+                                  <p:childTnLst>
+                                    <p:set>
+                                      <p:cBhvr>
+                                        <p:cTn id="6" dur="1" fill="hold">
+                                          <p:stCondLst>
+                                            <p:cond delay="0"/>
+                                          </p:stCondLst>
+                                        </p:cTn>
+                                        <p:tgtEl>
+                                          <p:spTgt spid="2"/>
+                                        </p:tgtEl>
+                                        <p:attrNameLst>
+                                          <p:attrName>style.visibility</p:attrName>
+                                        </p:attrNameLst>
+                                      </p:cBhvr>
+                                      <p:to>
+                                        <p:strVal val="visible"/>
+                                      </p:to>
+                                    </p:set>
+                                    <p:animEffect transition="in" filter="fade">
+                                      <p:cBhvr>
+                                        <p:cTn id="7" dur="500"/>
+                                        <p:tgtEl>
+                                          <p:spTgt spid="2"/>
+                                        </p:tgtEl>
+                                      </p:cBhvr>
+                                    </p:animEffect>
+                                  </p:childTnLst>
+                                </p:cTn>
+                              </p:par>
+                              <p:par>
+                                <p:cTn id="8" presetID="10" presetClass="entr" presetSubtype="0" fill="hold" grpId="0" nodeType="withEffect">
+                                  <p:stCondLst>
+                                    <p:cond delay="0"/>
+                                  </p:stCondLst>
+                                  <p:childTnLst>
+                                    <p:set>
+                                      <p:cBhvr>
+                                        <p:cTn id="9" dur="1" fill="hold">
+                                          <p:stCondLst>
+                                            <p:cond delay="0"/>
+                                          </p:stCondLst>
+                                        </p:cTn>
+                                        <p:tgtEl>
+                                          <p:spTgt spid="3">
+                                            <p:txEl>
+                                              <p:pRg st="0" end="0"/>
+                                            </p:txEl>
+                                          </p:spTgt>
+                                        </p:tgtEl>
+                                        <p:attrNameLst>
+                                          <p:attrName>style.visibility</p:attrName>
+                                        </p:attrNameLst>
+                                      </p:cBhvr>
+                                      <p:to>
+                                        <p:strVal val="visible"/>
+                                      </p:to>
+                                    </p:set>
+                                    <p:animEffect transition="in" filter="fade">
+                                      <p:cBhvr>
+                                        <p:cTn id="10" dur="500"/>
+                                        <p:tgtEl>
+                                          <p:spTgt spid="3">
+                                            <p:txEl>
+                                              <p:pRg st="0" end="0"/>
+                                            </p:txEl>
+                                          </p:spTgt>
+                                        </p:tgtEl>
+                                      </p:cBhvr>
+                                    </p:animEffect>
+                                  </p:childTnLst>
+                                </p:cTn>
+                              </p:par>
+                            </p:childTnLst>
+                          </p:cTn>
+                        </p:par>
+                      </p:childTnLst>
+                    </p:cTn>
+                  </p:par>
+                </p:childTnLst>
+              </p:cTn>
+              <p:prevCondLst>
+                <p:cond evt="onPrev" delay="0">
+                  <p:tgtEl>
+                    <p:sldTgt/>
+                  </p:tgtEl>
+                </p:cond>
+              </p:prevCondLst>
+              <p:nextCondLst>
+                <p:cond evt="onNext" delay="0">
+                  <p:tgtEl>
+                    <p:sldTgt/>
+                  </p:tgtEl>
+                </p:cond>
+              </p:nextCondLst>
+            </p:seq>
+          </p:childTnLst>
+        </p:cTn>
       </p:par>
     </p:tnLst>
+    <p:bldLst>
+      <p:bldP spid="3" grpId="0" build="p"/>
+      <p:bldP spid="2" grpId="0"/>
+    </p:bldLst>
   </p:timing>
 </p:sld>
 </file>
@@ -3655,7 +3792,7 @@
           <a:p>
             <a:r>
               <a:rPr lang="en-US" dirty="0" smtClean="0"/>
-              <a:t>Before You Begin</a:t>
+              <a:t>Our constraints</a:t>
             </a:r>
             <a:endParaRPr lang="en-US" dirty="0"/>
           </a:p>
@@ -3678,29 +3815,53 @@
           <a:p>
             <a:r>
               <a:rPr lang="en-US" dirty="0" smtClean="0"/>
-              <a:t>Have a business case that can support a viable budget (you’ll need more than $45K)</a:t>
-            </a:r>
-          </a:p>
-          <a:p>
-            <a:r>
-              <a:rPr lang="en-US" dirty="0" smtClean="0"/>
-              <a:t>Identify which types of identities you are targeting (internal, external, or federated)</a:t>
-            </a:r>
-          </a:p>
-          <a:p>
-            <a:r>
-              <a:rPr lang="en-US" dirty="0" smtClean="0"/>
-              <a:t>If in a large corporate environment, find out to see if there are other corporate efforts to solve the IAM / SSO </a:t>
-            </a:r>
-            <a:r>
-              <a:rPr lang="en-US" dirty="0" smtClean="0"/>
-              <a:t>problem</a:t>
-            </a:r>
-          </a:p>
-          <a:p>
-            <a:r>
-              <a:rPr lang="en-US" dirty="0" smtClean="0"/>
-              <a:t>Find out if you have a Security Risk Assessment group in your organization. They will want to know what you are doing and you will need their support.</a:t>
+              <a:t>Microsoft Shop</a:t>
+            </a:r>
+          </a:p>
+          <a:p>
+            <a:pPr lvl="1"/>
+            <a:r>
+              <a:rPr lang="en-US" dirty="0" smtClean="0"/>
+              <a:t>Active Directory</a:t>
+            </a:r>
+          </a:p>
+          <a:p>
+            <a:pPr lvl="1"/>
+            <a:r>
+              <a:rPr lang="en-US" dirty="0" smtClean="0"/>
+              <a:t>Access to new servers (Windows 2012 R2)</a:t>
+            </a:r>
+          </a:p>
+          <a:p>
+            <a:pPr lvl="1"/>
+            <a:r>
+              <a:rPr lang="en-US" dirty="0" smtClean="0"/>
+              <a:t>Microsoft-oriented Datacenter Environment</a:t>
+            </a:r>
+          </a:p>
+          <a:p>
+            <a:r>
+              <a:rPr lang="en-US" dirty="0" smtClean="0"/>
+              <a:t>Budget ($45K)</a:t>
+            </a:r>
+          </a:p>
+          <a:p>
+            <a:pPr lvl="1"/>
+            <a:r>
+              <a:rPr lang="en-US" dirty="0" smtClean="0"/>
+              <a:t>Kind of low for an IAM/SSO solution</a:t>
+            </a:r>
+          </a:p>
+          <a:p>
+            <a:r>
+              <a:rPr lang="en-US" dirty="0" smtClean="0"/>
+              <a:t>Analysis Paralysis</a:t>
+            </a:r>
+          </a:p>
+          <a:p>
+            <a:r>
+              <a:rPr lang="en-US" dirty="0" smtClean="0"/>
+              <a:t>Very new domain for us</a:t>
             </a:r>
             <a:endParaRPr lang="en-US" dirty="0"/>
           </a:p>
@@ -3709,13 +3870,25 @@
     </p:spTree>
     <p:extLst>
       <p:ext uri="{BB962C8B-B14F-4D97-AF65-F5344CB8AC3E}">
-        <p14:creationId xmlns:p14="http://schemas.microsoft.com/office/powerpoint/2010/main" val="1953705712"/>
+        <p14:creationId xmlns:p14="http://schemas.microsoft.com/office/powerpoint/2010/main" val="2351143878"/>
       </p:ext>
     </p:extLst>
   </p:cSld>
   <p:clrMapOvr>
     <a:masterClrMapping/>
   </p:clrMapOvr>
+  <mc:AlternateContent xmlns:mc="http://schemas.openxmlformats.org/markup-compatibility/2006">
+    <mc:Choice xmlns:p14="http://schemas.microsoft.com/office/powerpoint/2010/main" Requires="p14">
+      <p:transition spd="med" p14:dur="700">
+        <p:fade/>
+      </p:transition>
+    </mc:Choice>
+    <mc:Fallback>
+      <p:transition spd="med">
+        <p:fade/>
+      </p:transition>
+    </mc:Fallback>
+  </mc:AlternateContent>
   <p:timing>
     <p:tnLst>
       <p:par>
@@ -3760,7 +3933,7 @@
           <a:p>
             <a:r>
               <a:rPr lang="en-US" dirty="0" smtClean="0"/>
-              <a:t>Talking Protocols</a:t>
+              <a:t>Before You Begin</a:t>
             </a:r>
             <a:endParaRPr lang="en-US" dirty="0"/>
           </a:p>
@@ -3778,97 +3951,31 @@
         </p:nvSpPr>
         <p:spPr/>
         <p:txBody>
-          <a:bodyPr>
-            <a:normAutofit/>
-          </a:bodyPr>
+          <a:bodyPr/>
           <a:lstStyle/>
           <a:p>
             <a:r>
               <a:rPr lang="en-US" dirty="0" smtClean="0"/>
-              <a:t>SAML – Security Assertion Markup Language</a:t>
-            </a:r>
-            <a:endParaRPr lang="en-US" dirty="0" smtClean="0"/>
-          </a:p>
-          <a:p>
-            <a:r>
-              <a:rPr lang="en-US" dirty="0" smtClean="0"/>
-              <a:t>WS-</a:t>
-            </a:r>
-            <a:r>
-              <a:rPr lang="en-US" dirty="0" smtClean="0"/>
-              <a:t>* - Web Security [many other sub protocols]</a:t>
-            </a:r>
-            <a:endParaRPr lang="en-US" dirty="0" smtClean="0"/>
-          </a:p>
-          <a:p>
-            <a:r>
-              <a:rPr lang="en-US" dirty="0" err="1" smtClean="0"/>
-              <a:t>Oauth</a:t>
-            </a:r>
-            <a:r>
-              <a:rPr lang="en-US" dirty="0" smtClean="0"/>
-              <a:t> -  Open Protocol for Secure Authorization</a:t>
-            </a:r>
-            <a:endParaRPr lang="en-US" dirty="0" smtClean="0"/>
-          </a:p>
-          <a:p>
-            <a:pPr lvl="1"/>
-            <a:r>
-              <a:rPr lang="en-US" dirty="0" smtClean="0"/>
-              <a:t>Authorization Code</a:t>
-            </a:r>
-          </a:p>
-          <a:p>
-            <a:pPr lvl="1"/>
-            <a:r>
-              <a:rPr lang="en-US" dirty="0" smtClean="0"/>
-              <a:t>Implicit </a:t>
-            </a:r>
-          </a:p>
-          <a:p>
-            <a:pPr lvl="1"/>
-            <a:r>
-              <a:rPr lang="en-US" dirty="0" smtClean="0"/>
-              <a:t>Resource-Owner </a:t>
-            </a:r>
-            <a:r>
-              <a:rPr lang="en-US" dirty="0" err="1" smtClean="0"/>
-              <a:t>Pwd</a:t>
-            </a:r>
-            <a:r>
-              <a:rPr lang="en-US" dirty="0" smtClean="0"/>
-              <a:t> </a:t>
-            </a:r>
-            <a:r>
-              <a:rPr lang="en-US" dirty="0" err="1" smtClean="0"/>
-              <a:t>Creds</a:t>
-            </a:r>
-            <a:endParaRPr lang="en-US" dirty="0" smtClean="0"/>
-          </a:p>
-          <a:p>
-            <a:pPr lvl="1"/>
-            <a:r>
-              <a:rPr lang="en-US" dirty="0" smtClean="0"/>
-              <a:t>Client Credentials</a:t>
-            </a:r>
-          </a:p>
-          <a:p>
-            <a:r>
-              <a:rPr lang="en-US" dirty="0" err="1" smtClean="0"/>
-              <a:t>OpenID</a:t>
-            </a:r>
-            <a:r>
-              <a:rPr lang="en-US" dirty="0" smtClean="0"/>
-              <a:t> Connect</a:t>
-            </a:r>
-          </a:p>
-          <a:p>
-            <a:r>
-              <a:rPr lang="en-US" dirty="0" smtClean="0"/>
-              <a:t>Many more to come…</a:t>
-            </a:r>
-          </a:p>
-          <a:p>
+              <a:t>Have a business case that can support a viable budget (you’ll need more than $45K)</a:t>
+            </a:r>
+          </a:p>
+          <a:p>
+            <a:r>
+              <a:rPr lang="en-US" dirty="0" smtClean="0"/>
+              <a:t>Identify which types of identities you are targeting (internal, external, or federated)</a:t>
+            </a:r>
+          </a:p>
+          <a:p>
+            <a:r>
+              <a:rPr lang="en-US" dirty="0" smtClean="0"/>
+              <a:t>If in a large corporate environment, find out to see if there are other corporate efforts to solve the IAM / SSO problem</a:t>
+            </a:r>
+          </a:p>
+          <a:p>
+            <a:r>
+              <a:rPr lang="en-US" dirty="0" smtClean="0"/>
+              <a:t>Find out if you have a Security Risk Assessment group in your organization. They will want to know what you are doing and you will need their support.</a:t>
+            </a:r>
             <a:endParaRPr lang="en-US" dirty="0"/>
           </a:p>
         </p:txBody>
@@ -3876,13 +3983,25 @@
     </p:spTree>
     <p:extLst>
       <p:ext uri="{BB962C8B-B14F-4D97-AF65-F5344CB8AC3E}">
-        <p14:creationId xmlns:p14="http://schemas.microsoft.com/office/powerpoint/2010/main" val="470273698"/>
+        <p14:creationId xmlns:p14="http://schemas.microsoft.com/office/powerpoint/2010/main" val="1953705712"/>
       </p:ext>
     </p:extLst>
   </p:cSld>
   <p:clrMapOvr>
     <a:masterClrMapping/>
   </p:clrMapOvr>
+  <mc:AlternateContent xmlns:mc="http://schemas.openxmlformats.org/markup-compatibility/2006">
+    <mc:Choice xmlns:p14="http://schemas.microsoft.com/office/powerpoint/2010/main" Requires="p14">
+      <p:transition spd="med" p14:dur="700">
+        <p:fade/>
+      </p:transition>
+    </mc:Choice>
+    <mc:Fallback>
+      <p:transition spd="med">
+        <p:fade/>
+      </p:transition>
+    </mc:Fallback>
+  </mc:AlternateContent>
   <p:timing>
     <p:tnLst>
       <p:par>
@@ -3922,6 +4041,29 @@
         </p:nvSpPr>
         <p:spPr/>
         <p:txBody>
+          <a:bodyPr/>
+          <a:lstStyle/>
+          <a:p>
+            <a:r>
+              <a:rPr lang="en-US" dirty="0" smtClean="0"/>
+              <a:t>Talking Protocols</a:t>
+            </a:r>
+            <a:endParaRPr lang="en-US" dirty="0"/>
+          </a:p>
+        </p:txBody>
+      </p:sp>
+      <p:sp>
+        <p:nvSpPr>
+          <p:cNvPr id="3" name="Content Placeholder 2"/>
+          <p:cNvSpPr>
+            <a:spLocks noGrp="1"/>
+          </p:cNvSpPr>
+          <p:nvPr>
+            <p:ph sz="quarter" idx="13"/>
+          </p:nvPr>
+        </p:nvSpPr>
+        <p:spPr/>
+        <p:txBody>
           <a:bodyPr>
             <a:normAutofit/>
           </a:bodyPr>
@@ -3929,172 +4071,80 @@
           <a:p>
             <a:r>
               <a:rPr lang="en-US" dirty="0" smtClean="0"/>
-              <a:t>Talking Protocols We Chose to Use</a:t>
-            </a:r>
-            <a:endParaRPr lang="en-US" dirty="0"/>
-          </a:p>
-        </p:txBody>
-      </p:sp>
-      <p:sp>
-        <p:nvSpPr>
-          <p:cNvPr id="3" name="Content Placeholder 2"/>
-          <p:cNvSpPr>
-            <a:spLocks noGrp="1"/>
-          </p:cNvSpPr>
-          <p:nvPr>
-            <p:ph sz="quarter" idx="13"/>
-          </p:nvPr>
-        </p:nvSpPr>
-        <p:spPr/>
-        <p:txBody>
-          <a:bodyPr>
-            <a:normAutofit/>
-          </a:bodyPr>
-          <a:lstStyle/>
-          <a:p>
-            <a:r>
-              <a:rPr lang="en-US" dirty="0" smtClean="0"/>
-              <a:t>SAML 2.0</a:t>
-            </a:r>
-          </a:p>
-          <a:p>
-            <a:r>
-              <a:rPr lang="en-US" dirty="0" smtClean="0"/>
-              <a:t>WS-Fed</a:t>
+              <a:t>SAML – Security Assertion Markup Language</a:t>
+            </a:r>
+          </a:p>
+          <a:p>
+            <a:r>
+              <a:rPr lang="en-US" dirty="0" smtClean="0"/>
+              <a:t>WS-* - Web Security [many other sub protocols]</a:t>
             </a:r>
           </a:p>
           <a:p>
             <a:r>
               <a:rPr lang="en-US" dirty="0" err="1" smtClean="0"/>
-              <a:t>OAuth</a:t>
+              <a:t>Oauth</a:t>
+            </a:r>
+            <a:r>
+              <a:rPr lang="en-US" dirty="0" smtClean="0"/>
+              <a:t> -  Open Protocol for Secure Authorization</a:t>
+            </a:r>
+          </a:p>
+          <a:p>
+            <a:pPr lvl="1"/>
+            <a:r>
+              <a:rPr lang="en-US" dirty="0" smtClean="0"/>
+              <a:t>Authorization Code</a:t>
+            </a:r>
+          </a:p>
+          <a:p>
+            <a:pPr lvl="1"/>
+            <a:r>
+              <a:rPr lang="en-US" dirty="0" smtClean="0"/>
+              <a:t>Implicit </a:t>
+            </a:r>
+          </a:p>
+          <a:p>
+            <a:pPr lvl="1"/>
+            <a:r>
+              <a:rPr lang="en-US" dirty="0" smtClean="0"/>
+              <a:t>Resource-Owner </a:t>
+            </a:r>
+            <a:r>
+              <a:rPr lang="en-US" dirty="0" err="1" smtClean="0"/>
+              <a:t>Pwd</a:t>
+            </a:r>
+            <a:r>
+              <a:rPr lang="en-US" dirty="0" smtClean="0"/>
+              <a:t> </a:t>
+            </a:r>
+            <a:r>
+              <a:rPr lang="en-US" dirty="0" err="1" smtClean="0"/>
+              <a:t>Creds</a:t>
             </a:r>
             <a:endParaRPr lang="en-US" dirty="0" smtClean="0"/>
           </a:p>
           <a:p>
             <a:pPr lvl="1"/>
             <a:r>
-              <a:rPr lang="en-US" dirty="0" smtClean="0">
-                <a:solidFill>
-                  <a:schemeClr val="bg1">
-                    <a:lumMod val="85000"/>
-                  </a:schemeClr>
-                </a:solidFill>
-              </a:rPr>
-              <a:t>Authorization Code</a:t>
-            </a:r>
-          </a:p>
-          <a:p>
-            <a:pPr lvl="1"/>
-            <a:r>
-              <a:rPr lang="en-US" dirty="0" smtClean="0"/>
-              <a:t>Implicit </a:t>
-            </a:r>
-          </a:p>
-          <a:p>
-            <a:pPr lvl="1"/>
-            <a:r>
-              <a:rPr lang="en-US" dirty="0">
-                <a:solidFill>
-                  <a:schemeClr val="bg1">
-                    <a:lumMod val="85000"/>
-                  </a:schemeClr>
-                </a:solidFill>
-              </a:rPr>
-              <a:t>Resource-Owner </a:t>
-            </a:r>
-            <a:r>
-              <a:rPr lang="en-US" dirty="0" err="1">
-                <a:solidFill>
-                  <a:schemeClr val="bg1">
-                    <a:lumMod val="85000"/>
-                  </a:schemeClr>
-                </a:solidFill>
-              </a:rPr>
-              <a:t>Pwd</a:t>
-            </a:r>
-            <a:r>
-              <a:rPr lang="en-US" dirty="0">
-                <a:solidFill>
-                  <a:schemeClr val="bg1">
-                    <a:lumMod val="85000"/>
-                  </a:schemeClr>
-                </a:solidFill>
-              </a:rPr>
-              <a:t> </a:t>
-            </a:r>
-            <a:r>
-              <a:rPr lang="en-US" dirty="0" err="1">
-                <a:solidFill>
-                  <a:schemeClr val="bg1">
-                    <a:lumMod val="85000"/>
-                  </a:schemeClr>
-                </a:solidFill>
-              </a:rPr>
-              <a:t>Creds</a:t>
-            </a:r>
-            <a:endParaRPr lang="en-US" dirty="0">
-              <a:solidFill>
-                <a:schemeClr val="bg1">
-                  <a:lumMod val="85000"/>
-                </a:schemeClr>
-              </a:solidFill>
-            </a:endParaRPr>
-          </a:p>
-          <a:p>
-            <a:pPr lvl="1"/>
-            <a:r>
-              <a:rPr lang="en-US" dirty="0">
-                <a:solidFill>
-                  <a:schemeClr val="bg1">
-                    <a:lumMod val="85000"/>
-                  </a:schemeClr>
-                </a:solidFill>
-              </a:rPr>
+              <a:rPr lang="en-US" dirty="0" smtClean="0"/>
               <a:t>Client Credentials</a:t>
             </a:r>
           </a:p>
           <a:p>
             <a:r>
-              <a:rPr lang="en-US" dirty="0" err="1">
-                <a:solidFill>
-                  <a:schemeClr val="bg1">
-                    <a:lumMod val="85000"/>
-                  </a:schemeClr>
-                </a:solidFill>
-              </a:rPr>
+              <a:rPr lang="en-US" dirty="0" err="1" smtClean="0"/>
               <a:t>OpenID</a:t>
             </a:r>
             <a:r>
-              <a:rPr lang="en-US" dirty="0">
-                <a:solidFill>
-                  <a:schemeClr val="bg1">
-                    <a:lumMod val="85000"/>
-                  </a:schemeClr>
-                </a:solidFill>
-              </a:rPr>
+              <a:rPr lang="en-US" dirty="0" smtClean="0"/>
               <a:t> Connect</a:t>
             </a:r>
           </a:p>
           <a:p>
             <a:r>
-              <a:rPr lang="en-US" dirty="0" smtClean="0">
-                <a:solidFill>
-                  <a:schemeClr val="bg1">
-                    <a:lumMod val="85000"/>
-                  </a:schemeClr>
-                </a:solidFill>
-              </a:rPr>
-              <a:t>Many </a:t>
-            </a:r>
-            <a:r>
-              <a:rPr lang="en-US" dirty="0">
-                <a:solidFill>
-                  <a:schemeClr val="bg1">
-                    <a:lumMod val="85000"/>
-                  </a:schemeClr>
-                </a:solidFill>
-              </a:rPr>
-              <a:t>more to come…</a:t>
+              <a:rPr lang="en-US" dirty="0" smtClean="0"/>
+              <a:t>Many more to come…</a:t>
             </a:r>
           </a:p>
           <a:p>
@@ -4105,13 +4155,25 @@
     </p:spTree>
     <p:extLst>
       <p:ext uri="{BB962C8B-B14F-4D97-AF65-F5344CB8AC3E}">
-        <p14:creationId xmlns:p14="http://schemas.microsoft.com/office/powerpoint/2010/main" val="3117457946"/>
+        <p14:creationId xmlns:p14="http://schemas.microsoft.com/office/powerpoint/2010/main" val="470273698"/>
       </p:ext>
     </p:extLst>
   </p:cSld>
   <p:clrMapOvr>
     <a:masterClrMapping/>
   </p:clrMapOvr>
+  <mc:AlternateContent xmlns:mc="http://schemas.openxmlformats.org/markup-compatibility/2006">
+    <mc:Choice xmlns:p14="http://schemas.microsoft.com/office/powerpoint/2010/main" Requires="p14">
+      <p:transition spd="med" p14:dur="700">
+        <p:fade/>
+      </p:transition>
+    </mc:Choice>
+    <mc:Fallback>
+      <p:transition spd="med">
+        <p:fade/>
+      </p:transition>
+    </mc:Fallback>
+  </mc:AlternateContent>
   <p:timing>
     <p:tnLst>
       <p:par>
@@ -4151,136 +4213,182 @@
         </p:nvSpPr>
         <p:spPr/>
         <p:txBody>
-          <a:bodyPr/>
-          <a:lstStyle/>
-          <a:p>
-            <a:r>
-              <a:rPr lang="en-US" dirty="0" smtClean="0"/>
-              <a:t>Talking Protocols – More Detail</a:t>
-            </a:r>
-            <a:endParaRPr lang="en-US" dirty="0"/>
-          </a:p>
-        </p:txBody>
-      </p:sp>
-      <p:sp>
-        <p:nvSpPr>
-          <p:cNvPr id="3" name="Content Placeholder 2"/>
-          <p:cNvSpPr>
-            <a:spLocks noGrp="1"/>
-          </p:cNvSpPr>
-          <p:nvPr>
-            <p:ph sz="quarter" idx="13"/>
-          </p:nvPr>
-        </p:nvSpPr>
-        <p:spPr/>
-        <p:txBody>
           <a:bodyPr>
-            <a:normAutofit lnSpcReduction="10000"/>
+            <a:normAutofit/>
           </a:bodyPr>
           <a:lstStyle/>
           <a:p>
             <a:r>
               <a:rPr lang="en-US" dirty="0" smtClean="0"/>
-              <a:t>Protocols</a:t>
-            </a:r>
-          </a:p>
-          <a:p>
-            <a:pPr lvl="1"/>
-            <a:r>
-              <a:rPr lang="en-US" dirty="0" smtClean="0"/>
-              <a:t>SAML</a:t>
-            </a:r>
-            <a:endParaRPr lang="en-US" dirty="0" smtClean="0"/>
-          </a:p>
-          <a:p>
-            <a:pPr lvl="2"/>
-            <a:r>
-              <a:rPr lang="en-US" dirty="0"/>
-              <a:t>Emits SAML Tokens </a:t>
-            </a:r>
-            <a:endParaRPr lang="en-US" dirty="0" smtClean="0"/>
-          </a:p>
-          <a:p>
-            <a:pPr lvl="2"/>
-            <a:r>
-              <a:rPr lang="en-US" dirty="0" smtClean="0"/>
-              <a:t>Version </a:t>
-            </a:r>
-            <a:r>
-              <a:rPr lang="en-US" dirty="0" smtClean="0"/>
-              <a:t>1.x / </a:t>
-            </a:r>
-            <a:r>
-              <a:rPr lang="en-US" dirty="0" smtClean="0"/>
-              <a:t>2.x</a:t>
-            </a:r>
-            <a:endParaRPr lang="en-US" dirty="0" smtClean="0"/>
-          </a:p>
-          <a:p>
-            <a:pPr lvl="1"/>
+              <a:t>Talking Protocols We Chose to Use</a:t>
+            </a:r>
+            <a:endParaRPr lang="en-US" dirty="0"/>
+          </a:p>
+        </p:txBody>
+      </p:sp>
+      <p:sp>
+        <p:nvSpPr>
+          <p:cNvPr id="3" name="Content Placeholder 2"/>
+          <p:cNvSpPr>
+            <a:spLocks noGrp="1"/>
+          </p:cNvSpPr>
+          <p:nvPr>
+            <p:ph sz="quarter" idx="13"/>
+          </p:nvPr>
+        </p:nvSpPr>
+        <p:spPr/>
+        <p:txBody>
+          <a:bodyPr>
+            <a:normAutofit/>
+          </a:bodyPr>
+          <a:lstStyle/>
+          <a:p>
+            <a:r>
+              <a:rPr lang="en-US" dirty="0" smtClean="0"/>
+              <a:t>SAML 2.0</a:t>
+            </a:r>
+          </a:p>
+          <a:p>
             <a:r>
               <a:rPr lang="en-US" dirty="0" smtClean="0"/>
               <a:t>WS-Fed</a:t>
             </a:r>
           </a:p>
           <a:p>
-            <a:pPr lvl="2"/>
-            <a:r>
-              <a:rPr lang="en-US" dirty="0" smtClean="0"/>
-              <a:t>Emits SAML Tokens</a:t>
-            </a:r>
-          </a:p>
-          <a:p>
-            <a:pPr lvl="2"/>
-            <a:r>
-              <a:rPr lang="en-US" dirty="0" smtClean="0"/>
-              <a:t>Works well with Microsoft solutions</a:t>
-            </a:r>
-          </a:p>
-          <a:p>
-            <a:pPr lvl="1"/>
             <a:r>
               <a:rPr lang="en-US" dirty="0" err="1" smtClean="0"/>
               <a:t>OAuth</a:t>
             </a:r>
-            <a:r>
-              <a:rPr lang="en-US" dirty="0" smtClean="0"/>
+            <a:endParaRPr lang="en-US" dirty="0" smtClean="0"/>
+          </a:p>
+          <a:p>
+            <a:pPr lvl="1"/>
+            <a:r>
+              <a:rPr lang="en-US" dirty="0" smtClean="0">
+                <a:solidFill>
+                  <a:schemeClr val="bg1">
+                    <a:lumMod val="85000"/>
+                  </a:schemeClr>
+                </a:solidFill>
+              </a:rPr>
+              <a:t>Authorization Code</a:t>
+            </a:r>
+          </a:p>
+          <a:p>
+            <a:pPr lvl="1"/>
+            <a:r>
+              <a:rPr lang="en-US" dirty="0" smtClean="0"/>
+              <a:t>Implicit </a:t>
+            </a:r>
+          </a:p>
+          <a:p>
+            <a:pPr lvl="1"/>
+            <a:r>
+              <a:rPr lang="en-US" dirty="0">
+                <a:solidFill>
+                  <a:schemeClr val="bg1">
+                    <a:lumMod val="85000"/>
+                  </a:schemeClr>
+                </a:solidFill>
+              </a:rPr>
+              <a:t>Resource-Owner </a:t>
+            </a:r>
+            <a:r>
+              <a:rPr lang="en-US" dirty="0" err="1">
+                <a:solidFill>
+                  <a:schemeClr val="bg1">
+                    <a:lumMod val="85000"/>
+                  </a:schemeClr>
+                </a:solidFill>
+              </a:rPr>
+              <a:t>Pwd</a:t>
+            </a:r>
+            <a:r>
+              <a:rPr lang="en-US" dirty="0">
+                <a:solidFill>
+                  <a:schemeClr val="bg1">
+                    <a:lumMod val="85000"/>
+                  </a:schemeClr>
+                </a:solidFill>
+              </a:rPr>
               <a:t> </a:t>
             </a:r>
             <a:r>
-              <a:rPr lang="en-US" dirty="0" smtClean="0"/>
-              <a:t>– Implicit Workflow</a:t>
-            </a:r>
-          </a:p>
-          <a:p>
-            <a:pPr lvl="2"/>
-            <a:r>
-              <a:rPr lang="en-US" dirty="0" smtClean="0"/>
-              <a:t>Emits JWT (</a:t>
-            </a:r>
-            <a:r>
-              <a:rPr lang="en-US" dirty="0" err="1" smtClean="0"/>
-              <a:t>Json</a:t>
-            </a:r>
-            <a:r>
-              <a:rPr lang="en-US" dirty="0" smtClean="0"/>
-              <a:t> Web Token)</a:t>
-            </a:r>
-            <a:endParaRPr lang="en-US" dirty="0" smtClean="0"/>
-          </a:p>
-          <a:p>
-            <a:pPr lvl="3"/>
-            <a:r>
-              <a:rPr lang="en-US" dirty="0" smtClean="0"/>
-              <a:t>Use it to secure a REST API</a:t>
-            </a:r>
-          </a:p>
-          <a:p>
-            <a:pPr lvl="3"/>
-            <a:r>
-              <a:rPr lang="en-US" dirty="0" smtClean="0"/>
-              <a:t>Client-side web applications</a:t>
-            </a:r>
+              <a:rPr lang="en-US" dirty="0" err="1">
+                <a:solidFill>
+                  <a:schemeClr val="bg1">
+                    <a:lumMod val="85000"/>
+                  </a:schemeClr>
+                </a:solidFill>
+              </a:rPr>
+              <a:t>Creds</a:t>
+            </a:r>
+            <a:endParaRPr lang="en-US" dirty="0">
+              <a:solidFill>
+                <a:schemeClr val="bg1">
+                  <a:lumMod val="85000"/>
+                </a:schemeClr>
+              </a:solidFill>
+            </a:endParaRPr>
+          </a:p>
+          <a:p>
+            <a:pPr lvl="1"/>
+            <a:r>
+              <a:rPr lang="en-US" dirty="0">
+                <a:solidFill>
+                  <a:schemeClr val="bg1">
+                    <a:lumMod val="85000"/>
+                  </a:schemeClr>
+                </a:solidFill>
+              </a:rPr>
+              <a:t>Client Credentials</a:t>
+            </a:r>
+          </a:p>
+          <a:p>
+            <a:r>
+              <a:rPr lang="en-US" dirty="0" err="1">
+                <a:solidFill>
+                  <a:schemeClr val="bg1">
+                    <a:lumMod val="85000"/>
+                  </a:schemeClr>
+                </a:solidFill>
+              </a:rPr>
+              <a:t>OpenID</a:t>
+            </a:r>
+            <a:r>
+              <a:rPr lang="en-US" dirty="0">
+                <a:solidFill>
+                  <a:schemeClr val="bg1">
+                    <a:lumMod val="85000"/>
+                  </a:schemeClr>
+                </a:solidFill>
+              </a:rPr>
+              <a:t> Connect</a:t>
+            </a:r>
+          </a:p>
+          <a:p>
+            <a:r>
+              <a:rPr lang="en-US" dirty="0" smtClean="0">
+                <a:solidFill>
+                  <a:schemeClr val="bg1">
+                    <a:lumMod val="85000"/>
+                  </a:schemeClr>
+                </a:solidFill>
+              </a:rPr>
+              <a:t>Many </a:t>
+            </a:r>
+            <a:r>
+              <a:rPr lang="en-US" dirty="0">
+                <a:solidFill>
+                  <a:schemeClr val="bg1">
+                    <a:lumMod val="85000"/>
+                  </a:schemeClr>
+                </a:solidFill>
+              </a:rPr>
+              <a:t>more to come…</a:t>
+            </a:r>
+          </a:p>
+          <a:p>
             <a:endParaRPr lang="en-US" dirty="0"/>
           </a:p>
         </p:txBody>
@@ -4288,13 +4396,25 @@
     </p:spTree>
     <p:extLst>
       <p:ext uri="{BB962C8B-B14F-4D97-AF65-F5344CB8AC3E}">
-        <p14:creationId xmlns:p14="http://schemas.microsoft.com/office/powerpoint/2010/main" val="185759316"/>
+        <p14:creationId xmlns:p14="http://schemas.microsoft.com/office/powerpoint/2010/main" val="3117457946"/>
       </p:ext>
     </p:extLst>
   </p:cSld>
   <p:clrMapOvr>
     <a:masterClrMapping/>
   </p:clrMapOvr>
+  <mc:AlternateContent xmlns:mc="http://schemas.openxmlformats.org/markup-compatibility/2006">
+    <mc:Choice xmlns:p14="http://schemas.microsoft.com/office/powerpoint/2010/main" Requires="p14">
+      <p:transition spd="med" p14:dur="700">
+        <p:fade/>
+      </p:transition>
+    </mc:Choice>
+    <mc:Fallback>
+      <p:transition spd="med">
+        <p:fade/>
+      </p:transition>
+    </mc:Fallback>
+  </mc:AlternateContent>
   <p:timing>
     <p:tnLst>
       <p:par>
@@ -4306,6 +4426,186 @@
 </file>
 
 <file path=ppt/slides/slide14.xml><?xml version="1.0" encoding="utf-8"?>
+<p:sld xmlns:a="http://schemas.openxmlformats.org/drawingml/2006/main" xmlns:r="http://schemas.openxmlformats.org/officeDocument/2006/relationships" xmlns:p="http://schemas.openxmlformats.org/presentationml/2006/main">
+  <p:cSld>
+    <p:spTree>
+      <p:nvGrpSpPr>
+        <p:cNvPr id="1" name=""/>
+        <p:cNvGrpSpPr/>
+        <p:nvPr/>
+      </p:nvGrpSpPr>
+      <p:grpSpPr>
+        <a:xfrm>
+          <a:off x="0" y="0"/>
+          <a:ext cx="0" cy="0"/>
+          <a:chOff x="0" y="0"/>
+          <a:chExt cx="0" cy="0"/>
+        </a:xfrm>
+      </p:grpSpPr>
+      <p:sp>
+        <p:nvSpPr>
+          <p:cNvPr id="2" name="Title 1"/>
+          <p:cNvSpPr>
+            <a:spLocks noGrp="1"/>
+          </p:cNvSpPr>
+          <p:nvPr>
+            <p:ph type="title"/>
+          </p:nvPr>
+        </p:nvSpPr>
+        <p:spPr/>
+        <p:txBody>
+          <a:bodyPr/>
+          <a:lstStyle/>
+          <a:p>
+            <a:r>
+              <a:rPr lang="en-US" dirty="0" smtClean="0"/>
+              <a:t>Talking Protocols – More Detail</a:t>
+            </a:r>
+            <a:endParaRPr lang="en-US" dirty="0"/>
+          </a:p>
+        </p:txBody>
+      </p:sp>
+      <p:sp>
+        <p:nvSpPr>
+          <p:cNvPr id="3" name="Content Placeholder 2"/>
+          <p:cNvSpPr>
+            <a:spLocks noGrp="1"/>
+          </p:cNvSpPr>
+          <p:nvPr>
+            <p:ph sz="quarter" idx="13"/>
+          </p:nvPr>
+        </p:nvSpPr>
+        <p:spPr/>
+        <p:txBody>
+          <a:bodyPr>
+            <a:normAutofit lnSpcReduction="10000"/>
+          </a:bodyPr>
+          <a:lstStyle/>
+          <a:p>
+            <a:r>
+              <a:rPr lang="en-US" dirty="0" smtClean="0"/>
+              <a:t>Protocols</a:t>
+            </a:r>
+          </a:p>
+          <a:p>
+            <a:pPr lvl="1"/>
+            <a:r>
+              <a:rPr lang="en-US" dirty="0" smtClean="0"/>
+              <a:t>SAML</a:t>
+            </a:r>
+          </a:p>
+          <a:p>
+            <a:pPr lvl="2"/>
+            <a:r>
+              <a:rPr lang="en-US" dirty="0"/>
+              <a:t>Emits SAML Tokens </a:t>
+            </a:r>
+            <a:endParaRPr lang="en-US" dirty="0" smtClean="0"/>
+          </a:p>
+          <a:p>
+            <a:pPr lvl="2"/>
+            <a:r>
+              <a:rPr lang="en-US" dirty="0" smtClean="0"/>
+              <a:t>Version 1.x / 2.x</a:t>
+            </a:r>
+          </a:p>
+          <a:p>
+            <a:pPr lvl="1"/>
+            <a:r>
+              <a:rPr lang="en-US" dirty="0" smtClean="0"/>
+              <a:t>WS-Fed</a:t>
+            </a:r>
+          </a:p>
+          <a:p>
+            <a:pPr lvl="2"/>
+            <a:r>
+              <a:rPr lang="en-US" dirty="0" smtClean="0"/>
+              <a:t>Emits SAML Tokens</a:t>
+            </a:r>
+          </a:p>
+          <a:p>
+            <a:pPr lvl="2"/>
+            <a:r>
+              <a:rPr lang="en-US" dirty="0" smtClean="0"/>
+              <a:t>Works well with Microsoft solutions</a:t>
+            </a:r>
+          </a:p>
+          <a:p>
+            <a:pPr lvl="1"/>
+            <a:r>
+              <a:rPr lang="en-US" dirty="0" err="1" smtClean="0"/>
+              <a:t>OAuth</a:t>
+            </a:r>
+            <a:r>
+              <a:rPr lang="en-US" dirty="0" smtClean="0"/>
+              <a:t> – Implicit Workflow</a:t>
+            </a:r>
+          </a:p>
+          <a:p>
+            <a:pPr lvl="2"/>
+            <a:r>
+              <a:rPr lang="en-US" dirty="0" smtClean="0"/>
+              <a:t>Emits JWT (</a:t>
+            </a:r>
+            <a:r>
+              <a:rPr lang="en-US" dirty="0" err="1" smtClean="0"/>
+              <a:t>Json</a:t>
+            </a:r>
+            <a:r>
+              <a:rPr lang="en-US" dirty="0" smtClean="0"/>
+              <a:t> Web Token)</a:t>
+            </a:r>
+          </a:p>
+          <a:p>
+            <a:pPr lvl="3"/>
+            <a:r>
+              <a:rPr lang="en-US" dirty="0" smtClean="0"/>
+              <a:t>Use it to secure a REST API</a:t>
+            </a:r>
+          </a:p>
+          <a:p>
+            <a:pPr lvl="3"/>
+            <a:r>
+              <a:rPr lang="en-US" dirty="0" smtClean="0"/>
+              <a:t>Client-side web applications</a:t>
+            </a:r>
+            <a:endParaRPr lang="en-US" dirty="0"/>
+          </a:p>
+        </p:txBody>
+      </p:sp>
+    </p:spTree>
+    <p:extLst>
+      <p:ext uri="{BB962C8B-B14F-4D97-AF65-F5344CB8AC3E}">
+        <p14:creationId xmlns:p14="http://schemas.microsoft.com/office/powerpoint/2010/main" val="185759316"/>
+      </p:ext>
+    </p:extLst>
+  </p:cSld>
+  <p:clrMapOvr>
+    <a:masterClrMapping/>
+  </p:clrMapOvr>
+  <mc:AlternateContent xmlns:mc="http://schemas.openxmlformats.org/markup-compatibility/2006">
+    <mc:Choice xmlns:p14="http://schemas.microsoft.com/office/powerpoint/2010/main" Requires="p14">
+      <p:transition spd="med" p14:dur="700">
+        <p:fade/>
+      </p:transition>
+    </mc:Choice>
+    <mc:Fallback>
+      <p:transition spd="med">
+        <p:fade/>
+      </p:transition>
+    </mc:Fallback>
+  </mc:AlternateContent>
+  <p:timing>
+    <p:tnLst>
+      <p:par>
+        <p:cTn id="1" dur="indefinite" restart="never" nodeType="tmRoot"/>
+      </p:par>
+    </p:tnLst>
+  </p:timing>
+</p:sld>
+</file>
+
+<file path=ppt/slides/slide15.xml><?xml version="1.0" encoding="utf-8"?>
 <p:sld xmlns:a="http://schemas.openxmlformats.org/drawingml/2006/main" xmlns:r="http://schemas.openxmlformats.org/officeDocument/2006/relationships" xmlns:p="http://schemas.openxmlformats.org/presentationml/2006/main">
   <p:cSld>
     <p:spTree>
@@ -4409,6 +4709,18 @@
   <p:clrMapOvr>
     <a:masterClrMapping/>
   </p:clrMapOvr>
+  <mc:AlternateContent xmlns:mc="http://schemas.openxmlformats.org/markup-compatibility/2006">
+    <mc:Choice xmlns:p14="http://schemas.microsoft.com/office/powerpoint/2010/main" Requires="p14">
+      <p:transition spd="med" p14:dur="700">
+        <p:fade/>
+      </p:transition>
+    </mc:Choice>
+    <mc:Fallback>
+      <p:transition spd="med">
+        <p:fade/>
+      </p:transition>
+    </mc:Fallback>
+  </mc:AlternateContent>
   <p:timing>
     <p:tnLst>
       <p:par>
@@ -4419,7 +4731,7 @@
 </p:sld>
 </file>
 
-<file path=ppt/slides/slide15.xml><?xml version="1.0" encoding="utf-8"?>
+<file path=ppt/slides/slide16.xml><?xml version="1.0" encoding="utf-8"?>
 <p:sld xmlns:a="http://schemas.openxmlformats.org/drawingml/2006/main" xmlns:r="http://schemas.openxmlformats.org/officeDocument/2006/relationships" xmlns:p="http://schemas.openxmlformats.org/presentationml/2006/main">
   <p:cSld>
     <p:spTree>
@@ -4469,6 +4781,18 @@
   <p:clrMapOvr>
     <a:masterClrMapping/>
   </p:clrMapOvr>
+  <mc:AlternateContent xmlns:mc="http://schemas.openxmlformats.org/markup-compatibility/2006">
+    <mc:Choice xmlns:p14="http://schemas.microsoft.com/office/powerpoint/2010/main" Requires="p14">
+      <p:transition spd="med" p14:dur="700">
+        <p:fade/>
+      </p:transition>
+    </mc:Choice>
+    <mc:Fallback>
+      <p:transition spd="med">
+        <p:fade/>
+      </p:transition>
+    </mc:Fallback>
+  </mc:AlternateContent>
   <p:timing>
     <p:tnLst>
       <p:par>
@@ -4479,7 +4803,7 @@
 </p:sld>
 </file>
 
-<file path=ppt/slides/slide16.xml><?xml version="1.0" encoding="utf-8"?>
+<file path=ppt/slides/slide17.xml><?xml version="1.0" encoding="utf-8"?>
 <p:sld xmlns:a="http://schemas.openxmlformats.org/drawingml/2006/main" xmlns:r="http://schemas.openxmlformats.org/officeDocument/2006/relationships" xmlns:p="http://schemas.openxmlformats.org/presentationml/2006/main">
   <p:cSld>
     <p:spTree>
@@ -4560,6 +4884,18 @@
   <p:clrMapOvr>
     <a:masterClrMapping/>
   </p:clrMapOvr>
+  <mc:AlternateContent xmlns:mc="http://schemas.openxmlformats.org/markup-compatibility/2006">
+    <mc:Choice xmlns:p14="http://schemas.microsoft.com/office/powerpoint/2010/main" Requires="p14">
+      <p:transition spd="med" p14:dur="700">
+        <p:fade/>
+      </p:transition>
+    </mc:Choice>
+    <mc:Fallback>
+      <p:transition spd="med">
+        <p:fade/>
+      </p:transition>
+    </mc:Fallback>
+  </mc:AlternateContent>
   <p:timing>
     <p:tnLst>
       <p:par>
@@ -4570,7 +4906,7 @@
 </p:sld>
 </file>
 
-<file path=ppt/slides/slide17.xml><?xml version="1.0" encoding="utf-8"?>
+<file path=ppt/slides/slide18.xml><?xml version="1.0" encoding="utf-8"?>
 <p:sld xmlns:a="http://schemas.openxmlformats.org/drawingml/2006/main" xmlns:r="http://schemas.openxmlformats.org/officeDocument/2006/relationships" xmlns:p="http://schemas.openxmlformats.org/presentationml/2006/main">
   <p:cSld>
     <p:spTree>
@@ -4674,6 +5010,18 @@
   <p:clrMapOvr>
     <a:masterClrMapping/>
   </p:clrMapOvr>
+  <mc:AlternateContent xmlns:mc="http://schemas.openxmlformats.org/markup-compatibility/2006">
+    <mc:Choice xmlns:p14="http://schemas.microsoft.com/office/powerpoint/2010/main" Requires="p14">
+      <p:transition spd="med" p14:dur="700">
+        <p:fade/>
+      </p:transition>
+    </mc:Choice>
+    <mc:Fallback>
+      <p:transition spd="med">
+        <p:fade/>
+      </p:transition>
+    </mc:Fallback>
+  </mc:AlternateContent>
   <p:timing>
     <p:tnLst>
       <p:par>
@@ -4684,7 +5032,7 @@
 </p:sld>
 </file>
 
-<file path=ppt/slides/slide18.xml><?xml version="1.0" encoding="utf-8"?>
+<file path=ppt/slides/slide19.xml><?xml version="1.0" encoding="utf-8"?>
 <p:sld xmlns:a="http://schemas.openxmlformats.org/drawingml/2006/main" xmlns:r="http://schemas.openxmlformats.org/officeDocument/2006/relationships" xmlns:p="http://schemas.openxmlformats.org/presentationml/2006/main">
   <p:cSld>
     <p:spTree>
@@ -4734,6 +5082,18 @@
   <p:clrMapOvr>
     <a:masterClrMapping/>
   </p:clrMapOvr>
+  <mc:AlternateContent xmlns:mc="http://schemas.openxmlformats.org/markup-compatibility/2006">
+    <mc:Choice xmlns:p14="http://schemas.microsoft.com/office/powerpoint/2010/main" Requires="p14">
+      <p:transition spd="med" p14:dur="700">
+        <p:fade/>
+      </p:transition>
+    </mc:Choice>
+    <mc:Fallback>
+      <p:transition spd="med">
+        <p:fade/>
+      </p:transition>
+    </mc:Fallback>
+  </mc:AlternateContent>
   <p:timing>
     <p:tnLst>
       <p:par>
@@ -4744,7 +5104,510 @@
 </p:sld>
 </file>
 
-<file path=ppt/slides/slide19.xml><?xml version="1.0" encoding="utf-8"?>
+<file path=ppt/slides/slide2.xml><?xml version="1.0" encoding="utf-8"?>
+<p:sld xmlns:a="http://schemas.openxmlformats.org/drawingml/2006/main" xmlns:r="http://schemas.openxmlformats.org/officeDocument/2006/relationships" xmlns:p="http://schemas.openxmlformats.org/presentationml/2006/main">
+  <p:cSld>
+    <p:spTree>
+      <p:nvGrpSpPr>
+        <p:cNvPr id="1" name=""/>
+        <p:cNvGrpSpPr/>
+        <p:nvPr/>
+      </p:nvGrpSpPr>
+      <p:grpSpPr>
+        <a:xfrm>
+          <a:off x="0" y="0"/>
+          <a:ext cx="0" cy="0"/>
+          <a:chOff x="0" y="0"/>
+          <a:chExt cx="0" cy="0"/>
+        </a:xfrm>
+      </p:grpSpPr>
+      <p:sp>
+        <p:nvSpPr>
+          <p:cNvPr id="2" name="Title 1"/>
+          <p:cNvSpPr>
+            <a:spLocks noGrp="1"/>
+          </p:cNvSpPr>
+          <p:nvPr>
+            <p:ph type="title"/>
+          </p:nvPr>
+        </p:nvSpPr>
+        <p:spPr/>
+        <p:txBody>
+          <a:bodyPr/>
+          <a:lstStyle/>
+          <a:p>
+            <a:r>
+              <a:rPr lang="en-US" dirty="0" smtClean="0"/>
+              <a:t>Contact Info</a:t>
+            </a:r>
+            <a:endParaRPr lang="en-US" dirty="0"/>
+          </a:p>
+        </p:txBody>
+      </p:sp>
+      <p:sp>
+        <p:nvSpPr>
+          <p:cNvPr id="3" name="Content Placeholder 2"/>
+          <p:cNvSpPr>
+            <a:spLocks noGrp="1"/>
+          </p:cNvSpPr>
+          <p:nvPr>
+            <p:ph sz="quarter" idx="13"/>
+          </p:nvPr>
+        </p:nvSpPr>
+        <p:spPr/>
+        <p:txBody>
+          <a:bodyPr>
+            <a:normAutofit/>
+          </a:bodyPr>
+          <a:lstStyle/>
+          <a:p>
+            <a:r>
+              <a:rPr lang="en-US" dirty="0" smtClean="0"/>
+              <a:t>Praveen Addepally</a:t>
+            </a:r>
+          </a:p>
+          <a:p>
+            <a:pPr lvl="1"/>
+            <a:r>
+              <a:rPr lang="en-US" dirty="0" smtClean="0"/>
+              <a:t>LinkedIn: </a:t>
+            </a:r>
+            <a:r>
+              <a:rPr lang="en-US" sz="2000" dirty="0">
+                <a:hlinkClick r:id="rId2"/>
+              </a:rPr>
+              <a:t>https://</a:t>
+            </a:r>
+            <a:r>
+              <a:rPr lang="en-US" sz="2000" dirty="0" smtClean="0">
+                <a:hlinkClick r:id="rId2"/>
+              </a:rPr>
+              <a:t>www.linkedin.com/in/pravinady</a:t>
+            </a:r>
+            <a:endParaRPr lang="en-US" sz="2000" dirty="0" smtClean="0"/>
+          </a:p>
+          <a:p>
+            <a:r>
+              <a:rPr lang="en-US" dirty="0" smtClean="0"/>
+              <a:t>Sunil Ayyappankutty</a:t>
+            </a:r>
+          </a:p>
+          <a:p>
+            <a:pPr lvl="1"/>
+            <a:r>
+              <a:rPr lang="en-US" dirty="0" smtClean="0"/>
+              <a:t>LinkedIn: </a:t>
+            </a:r>
+            <a:r>
+              <a:rPr lang="en-US" sz="2000" dirty="0">
+                <a:hlinkClick r:id="rId3"/>
+              </a:rPr>
+              <a:t>https://www.linkedin.com/in/sunilkutty</a:t>
+            </a:r>
+            <a:r>
+              <a:rPr lang="en-US" sz="2000" dirty="0"/>
+              <a:t> </a:t>
+            </a:r>
+          </a:p>
+          <a:p>
+            <a:r>
+              <a:rPr lang="en-US" dirty="0" smtClean="0"/>
+              <a:t>Anibal Velarde</a:t>
+            </a:r>
+          </a:p>
+          <a:p>
+            <a:pPr lvl="1"/>
+            <a:r>
+              <a:rPr lang="en-US" dirty="0" smtClean="0"/>
+              <a:t>LinkedIn: </a:t>
+            </a:r>
+            <a:r>
+              <a:rPr lang="en-US" sz="2000" dirty="0">
+                <a:hlinkClick r:id="rId4"/>
+              </a:rPr>
+              <a:t>https://</a:t>
+            </a:r>
+            <a:r>
+              <a:rPr lang="en-US" sz="2000" dirty="0" smtClean="0">
+                <a:hlinkClick r:id="rId4"/>
+              </a:rPr>
+              <a:t>www.linkedin.com/in/anibalvelarde</a:t>
+            </a:r>
+            <a:endParaRPr lang="en-US" sz="2000" dirty="0"/>
+          </a:p>
+        </p:txBody>
+      </p:sp>
+    </p:spTree>
+    <p:extLst>
+      <p:ext uri="{BB962C8B-B14F-4D97-AF65-F5344CB8AC3E}">
+        <p14:creationId xmlns:p14="http://schemas.microsoft.com/office/powerpoint/2010/main" val="175318683"/>
+      </p:ext>
+    </p:extLst>
+  </p:cSld>
+  <p:clrMapOvr>
+    <a:masterClrMapping/>
+  </p:clrMapOvr>
+  <mc:AlternateContent xmlns:mc="http://schemas.openxmlformats.org/markup-compatibility/2006">
+    <mc:Choice xmlns:p14="http://schemas.microsoft.com/office/powerpoint/2010/main" Requires="p14">
+      <p:transition spd="med" p14:dur="700">
+        <p:fade/>
+      </p:transition>
+    </mc:Choice>
+    <mc:Fallback>
+      <p:transition spd="med">
+        <p:fade/>
+      </p:transition>
+    </mc:Fallback>
+  </mc:AlternateContent>
+  <p:timing>
+    <p:tnLst>
+      <p:par>
+        <p:cTn id="1" dur="indefinite" restart="never" nodeType="tmRoot">
+          <p:childTnLst>
+            <p:seq concurrent="1" nextAc="seek">
+              <p:cTn id="2" dur="indefinite" nodeType="mainSeq">
+                <p:childTnLst>
+                  <p:par>
+                    <p:cTn id="3" fill="hold">
+                      <p:stCondLst>
+                        <p:cond delay="indefinite"/>
+                      </p:stCondLst>
+                      <p:childTnLst>
+                        <p:par>
+                          <p:cTn id="4" fill="hold">
+                            <p:stCondLst>
+                              <p:cond delay="0"/>
+                            </p:stCondLst>
+                            <p:childTnLst>
+                              <p:par>
+                                <p:cTn id="5" presetID="10" presetClass="entr" presetSubtype="0" fill="hold" grpId="0" nodeType="clickEffect">
+                                  <p:stCondLst>
+                                    <p:cond delay="0"/>
+                                  </p:stCondLst>
+                                  <p:childTnLst>
+                                    <p:set>
+                                      <p:cBhvr>
+                                        <p:cTn id="6" dur="1" fill="hold">
+                                          <p:stCondLst>
+                                            <p:cond delay="0"/>
+                                          </p:stCondLst>
+                                        </p:cTn>
+                                        <p:tgtEl>
+                                          <p:spTgt spid="3">
+                                            <p:txEl>
+                                              <p:pRg st="0" end="0"/>
+                                            </p:txEl>
+                                          </p:spTgt>
+                                        </p:tgtEl>
+                                        <p:attrNameLst>
+                                          <p:attrName>style.visibility</p:attrName>
+                                        </p:attrNameLst>
+                                      </p:cBhvr>
+                                      <p:to>
+                                        <p:strVal val="visible"/>
+                                      </p:to>
+                                    </p:set>
+                                    <p:animEffect transition="in" filter="fade">
+                                      <p:cBhvr>
+                                        <p:cTn id="7" dur="500"/>
+                                        <p:tgtEl>
+                                          <p:spTgt spid="3">
+                                            <p:txEl>
+                                              <p:pRg st="0" end="0"/>
+                                            </p:txEl>
+                                          </p:spTgt>
+                                        </p:tgtEl>
+                                      </p:cBhvr>
+                                    </p:animEffect>
+                                  </p:childTnLst>
+                                </p:cTn>
+                              </p:par>
+                              <p:par>
+                                <p:cTn id="8" presetID="10" presetClass="entr" presetSubtype="0" fill="hold" grpId="0" nodeType="withEffect">
+                                  <p:stCondLst>
+                                    <p:cond delay="0"/>
+                                  </p:stCondLst>
+                                  <p:childTnLst>
+                                    <p:set>
+                                      <p:cBhvr>
+                                        <p:cTn id="9" dur="1" fill="hold">
+                                          <p:stCondLst>
+                                            <p:cond delay="0"/>
+                                          </p:stCondLst>
+                                        </p:cTn>
+                                        <p:tgtEl>
+                                          <p:spTgt spid="3">
+                                            <p:txEl>
+                                              <p:pRg st="1" end="1"/>
+                                            </p:txEl>
+                                          </p:spTgt>
+                                        </p:tgtEl>
+                                        <p:attrNameLst>
+                                          <p:attrName>style.visibility</p:attrName>
+                                        </p:attrNameLst>
+                                      </p:cBhvr>
+                                      <p:to>
+                                        <p:strVal val="visible"/>
+                                      </p:to>
+                                    </p:set>
+                                    <p:animEffect transition="in" filter="fade">
+                                      <p:cBhvr>
+                                        <p:cTn id="10" dur="500"/>
+                                        <p:tgtEl>
+                                          <p:spTgt spid="3">
+                                            <p:txEl>
+                                              <p:pRg st="1" end="1"/>
+                                            </p:txEl>
+                                          </p:spTgt>
+                                        </p:tgtEl>
+                                      </p:cBhvr>
+                                    </p:animEffect>
+                                  </p:childTnLst>
+                                </p:cTn>
+                              </p:par>
+                            </p:childTnLst>
+                          </p:cTn>
+                        </p:par>
+                      </p:childTnLst>
+                    </p:cTn>
+                  </p:par>
+                  <p:par>
+                    <p:cTn id="11" fill="hold">
+                      <p:stCondLst>
+                        <p:cond delay="indefinite"/>
+                      </p:stCondLst>
+                      <p:childTnLst>
+                        <p:par>
+                          <p:cTn id="12" fill="hold">
+                            <p:stCondLst>
+                              <p:cond delay="0"/>
+                            </p:stCondLst>
+                            <p:childTnLst>
+                              <p:par>
+                                <p:cTn id="13" presetID="10" presetClass="entr" presetSubtype="0" fill="hold" grpId="0" nodeType="clickEffect">
+                                  <p:stCondLst>
+                                    <p:cond delay="0"/>
+                                  </p:stCondLst>
+                                  <p:childTnLst>
+                                    <p:set>
+                                      <p:cBhvr>
+                                        <p:cTn id="14" dur="1" fill="hold">
+                                          <p:stCondLst>
+                                            <p:cond delay="0"/>
+                                          </p:stCondLst>
+                                        </p:cTn>
+                                        <p:tgtEl>
+                                          <p:spTgt spid="3">
+                                            <p:txEl>
+                                              <p:pRg st="2" end="2"/>
+                                            </p:txEl>
+                                          </p:spTgt>
+                                        </p:tgtEl>
+                                        <p:attrNameLst>
+                                          <p:attrName>style.visibility</p:attrName>
+                                        </p:attrNameLst>
+                                      </p:cBhvr>
+                                      <p:to>
+                                        <p:strVal val="visible"/>
+                                      </p:to>
+                                    </p:set>
+                                    <p:animEffect transition="in" filter="fade">
+                                      <p:cBhvr>
+                                        <p:cTn id="15" dur="500"/>
+                                        <p:tgtEl>
+                                          <p:spTgt spid="3">
+                                            <p:txEl>
+                                              <p:pRg st="2" end="2"/>
+                                            </p:txEl>
+                                          </p:spTgt>
+                                        </p:tgtEl>
+                                      </p:cBhvr>
+                                    </p:animEffect>
+                                  </p:childTnLst>
+                                </p:cTn>
+                              </p:par>
+                              <p:par>
+                                <p:cTn id="16" presetID="10" presetClass="entr" presetSubtype="0" fill="hold" grpId="0" nodeType="withEffect">
+                                  <p:stCondLst>
+                                    <p:cond delay="0"/>
+                                  </p:stCondLst>
+                                  <p:childTnLst>
+                                    <p:set>
+                                      <p:cBhvr>
+                                        <p:cTn id="17" dur="1" fill="hold">
+                                          <p:stCondLst>
+                                            <p:cond delay="0"/>
+                                          </p:stCondLst>
+                                        </p:cTn>
+                                        <p:tgtEl>
+                                          <p:spTgt spid="3">
+                                            <p:txEl>
+                                              <p:pRg st="3" end="3"/>
+                                            </p:txEl>
+                                          </p:spTgt>
+                                        </p:tgtEl>
+                                        <p:attrNameLst>
+                                          <p:attrName>style.visibility</p:attrName>
+                                        </p:attrNameLst>
+                                      </p:cBhvr>
+                                      <p:to>
+                                        <p:strVal val="visible"/>
+                                      </p:to>
+                                    </p:set>
+                                    <p:animEffect transition="in" filter="fade">
+                                      <p:cBhvr>
+                                        <p:cTn id="18" dur="500"/>
+                                        <p:tgtEl>
+                                          <p:spTgt spid="3">
+                                            <p:txEl>
+                                              <p:pRg st="3" end="3"/>
+                                            </p:txEl>
+                                          </p:spTgt>
+                                        </p:tgtEl>
+                                      </p:cBhvr>
+                                    </p:animEffect>
+                                  </p:childTnLst>
+                                </p:cTn>
+                              </p:par>
+                            </p:childTnLst>
+                          </p:cTn>
+                        </p:par>
+                      </p:childTnLst>
+                    </p:cTn>
+                  </p:par>
+                  <p:par>
+                    <p:cTn id="19" fill="hold">
+                      <p:stCondLst>
+                        <p:cond delay="indefinite"/>
+                      </p:stCondLst>
+                      <p:childTnLst>
+                        <p:par>
+                          <p:cTn id="20" fill="hold">
+                            <p:stCondLst>
+                              <p:cond delay="0"/>
+                            </p:stCondLst>
+                            <p:childTnLst>
+                              <p:par>
+                                <p:cTn id="21" presetID="10" presetClass="entr" presetSubtype="0" fill="hold" grpId="0" nodeType="clickEffect">
+                                  <p:stCondLst>
+                                    <p:cond delay="0"/>
+                                  </p:stCondLst>
+                                  <p:childTnLst>
+                                    <p:set>
+                                      <p:cBhvr>
+                                        <p:cTn id="22" dur="1" fill="hold">
+                                          <p:stCondLst>
+                                            <p:cond delay="0"/>
+                                          </p:stCondLst>
+                                        </p:cTn>
+                                        <p:tgtEl>
+                                          <p:spTgt spid="3">
+                                            <p:txEl>
+                                              <p:pRg st="4" end="4"/>
+                                            </p:txEl>
+                                          </p:spTgt>
+                                        </p:tgtEl>
+                                        <p:attrNameLst>
+                                          <p:attrName>style.visibility</p:attrName>
+                                        </p:attrNameLst>
+                                      </p:cBhvr>
+                                      <p:to>
+                                        <p:strVal val="visible"/>
+                                      </p:to>
+                                    </p:set>
+                                    <p:animEffect transition="in" filter="fade">
+                                      <p:cBhvr>
+                                        <p:cTn id="23" dur="500"/>
+                                        <p:tgtEl>
+                                          <p:spTgt spid="3">
+                                            <p:txEl>
+                                              <p:pRg st="4" end="4"/>
+                                            </p:txEl>
+                                          </p:spTgt>
+                                        </p:tgtEl>
+                                      </p:cBhvr>
+                                    </p:animEffect>
+                                  </p:childTnLst>
+                                </p:cTn>
+                              </p:par>
+                              <p:par>
+                                <p:cTn id="24" presetID="10" presetClass="entr" presetSubtype="0" fill="hold" grpId="0" nodeType="withEffect">
+                                  <p:stCondLst>
+                                    <p:cond delay="0"/>
+                                  </p:stCondLst>
+                                  <p:childTnLst>
+                                    <p:set>
+                                      <p:cBhvr>
+                                        <p:cTn id="25" dur="1" fill="hold">
+                                          <p:stCondLst>
+                                            <p:cond delay="0"/>
+                                          </p:stCondLst>
+                                        </p:cTn>
+                                        <p:tgtEl>
+                                          <p:spTgt spid="3">
+                                            <p:txEl>
+                                              <p:pRg st="5" end="5"/>
+                                            </p:txEl>
+                                          </p:spTgt>
+                                        </p:tgtEl>
+                                        <p:attrNameLst>
+                                          <p:attrName>style.visibility</p:attrName>
+                                        </p:attrNameLst>
+                                      </p:cBhvr>
+                                      <p:to>
+                                        <p:strVal val="visible"/>
+                                      </p:to>
+                                    </p:set>
+                                    <p:animEffect transition="in" filter="fade">
+                                      <p:cBhvr>
+                                        <p:cTn id="26" dur="500"/>
+                                        <p:tgtEl>
+                                          <p:spTgt spid="3">
+                                            <p:txEl>
+                                              <p:pRg st="5" end="5"/>
+                                            </p:txEl>
+                                          </p:spTgt>
+                                        </p:tgtEl>
+                                      </p:cBhvr>
+                                    </p:animEffect>
+                                  </p:childTnLst>
+                                </p:cTn>
+                              </p:par>
+                            </p:childTnLst>
+                          </p:cTn>
+                        </p:par>
+                      </p:childTnLst>
+                    </p:cTn>
+                  </p:par>
+                </p:childTnLst>
+              </p:cTn>
+              <p:prevCondLst>
+                <p:cond evt="onPrev" delay="0">
+                  <p:tgtEl>
+                    <p:sldTgt/>
+                  </p:tgtEl>
+                </p:cond>
+              </p:prevCondLst>
+              <p:nextCondLst>
+                <p:cond evt="onNext" delay="0">
+                  <p:tgtEl>
+                    <p:sldTgt/>
+                  </p:tgtEl>
+                </p:cond>
+              </p:nextCondLst>
+            </p:seq>
+          </p:childTnLst>
+        </p:cTn>
+      </p:par>
+    </p:tnLst>
+    <p:bldLst>
+      <p:bldP spid="3" grpId="0" build="p"/>
+    </p:bldLst>
+  </p:timing>
+</p:sld>
+</file>
+
+<file path=ppt/slides/slide20.xml><?xml version="1.0" encoding="utf-8"?>
 <p:sld xmlns:a="http://schemas.openxmlformats.org/drawingml/2006/main" xmlns:r="http://schemas.openxmlformats.org/officeDocument/2006/relationships" xmlns:p="http://schemas.openxmlformats.org/presentationml/2006/main">
   <p:cSld>
     <p:spTree>
@@ -4825,6 +5688,18 @@
   <p:clrMapOvr>
     <a:masterClrMapping/>
   </p:clrMapOvr>
+  <mc:AlternateContent xmlns:mc="http://schemas.openxmlformats.org/markup-compatibility/2006">
+    <mc:Choice xmlns:p14="http://schemas.microsoft.com/office/powerpoint/2010/main" Requires="p14">
+      <p:transition spd="med" p14:dur="700">
+        <p:fade/>
+      </p:transition>
+    </mc:Choice>
+    <mc:Fallback>
+      <p:transition spd="med">
+        <p:fade/>
+      </p:transition>
+    </mc:Fallback>
+  </mc:AlternateContent>
   <p:timing>
     <p:tnLst>
       <p:par>
@@ -4835,164 +5710,7 @@
 </p:sld>
 </file>
 
-<file path=ppt/slides/slide2.xml><?xml version="1.0" encoding="utf-8"?>
-<p:sld xmlns:a="http://schemas.openxmlformats.org/drawingml/2006/main" xmlns:r="http://schemas.openxmlformats.org/officeDocument/2006/relationships" xmlns:p="http://schemas.openxmlformats.org/presentationml/2006/main">
-  <p:cSld>
-    <p:spTree>
-      <p:nvGrpSpPr>
-        <p:cNvPr id="1" name=""/>
-        <p:cNvGrpSpPr/>
-        <p:nvPr/>
-      </p:nvGrpSpPr>
-      <p:grpSpPr>
-        <a:xfrm>
-          <a:off x="0" y="0"/>
-          <a:ext cx="0" cy="0"/>
-          <a:chOff x="0" y="0"/>
-          <a:chExt cx="0" cy="0"/>
-        </a:xfrm>
-      </p:grpSpPr>
-      <p:sp>
-        <p:nvSpPr>
-          <p:cNvPr id="2" name="Title 1"/>
-          <p:cNvSpPr>
-            <a:spLocks noGrp="1"/>
-          </p:cNvSpPr>
-          <p:nvPr>
-            <p:ph type="title"/>
-          </p:nvPr>
-        </p:nvSpPr>
-        <p:spPr/>
-        <p:txBody>
-          <a:bodyPr/>
-          <a:lstStyle/>
-          <a:p>
-            <a:r>
-              <a:rPr lang="en-US" dirty="0" smtClean="0"/>
-              <a:t>Contact Info</a:t>
-            </a:r>
-            <a:endParaRPr lang="en-US" dirty="0"/>
-          </a:p>
-        </p:txBody>
-      </p:sp>
-      <p:sp>
-        <p:nvSpPr>
-          <p:cNvPr id="3" name="Content Placeholder 2"/>
-          <p:cNvSpPr>
-            <a:spLocks noGrp="1"/>
-          </p:cNvSpPr>
-          <p:nvPr>
-            <p:ph sz="quarter" idx="13"/>
-          </p:nvPr>
-        </p:nvSpPr>
-        <p:spPr/>
-        <p:txBody>
-          <a:bodyPr>
-            <a:normAutofit/>
-          </a:bodyPr>
-          <a:lstStyle/>
-          <a:p>
-            <a:r>
-              <a:rPr lang="en-US" dirty="0" smtClean="0"/>
-              <a:t>Praveen Addepally</a:t>
-            </a:r>
-          </a:p>
-          <a:p>
-            <a:pPr lvl="1"/>
-            <a:r>
-              <a:rPr lang="en-US" dirty="0" smtClean="0"/>
-              <a:t>LinkedIn</a:t>
-            </a:r>
-            <a:r>
-              <a:rPr lang="en-US" dirty="0" smtClean="0"/>
-              <a:t>: </a:t>
-            </a:r>
-            <a:r>
-              <a:rPr lang="en-US" sz="2000" dirty="0">
-                <a:hlinkClick r:id="rId2"/>
-              </a:rPr>
-              <a:t>https://</a:t>
-            </a:r>
-            <a:r>
-              <a:rPr lang="en-US" sz="2000" dirty="0" smtClean="0">
-                <a:hlinkClick r:id="rId2"/>
-              </a:rPr>
-              <a:t>www.linkedin.com/in/pravinady</a:t>
-            </a:r>
-            <a:endParaRPr lang="en-US" sz="2000" dirty="0" smtClean="0"/>
-          </a:p>
-          <a:p>
-            <a:r>
-              <a:rPr lang="en-US" dirty="0" smtClean="0"/>
-              <a:t>Sunil Ayyappankutty</a:t>
-            </a:r>
-          </a:p>
-          <a:p>
-            <a:pPr lvl="1"/>
-            <a:r>
-              <a:rPr lang="en-US" dirty="0" smtClean="0"/>
-              <a:t>LinkedIn: </a:t>
-            </a:r>
-            <a:r>
-              <a:rPr lang="en-US" sz="2000" dirty="0">
-                <a:hlinkClick r:id="rId3"/>
-              </a:rPr>
-              <a:t>https://www.linkedin.com/in/sunilkutty</a:t>
-            </a:r>
-            <a:r>
-              <a:rPr lang="en-US" sz="2000" dirty="0"/>
-              <a:t> </a:t>
-            </a:r>
-          </a:p>
-          <a:p>
-            <a:r>
-              <a:rPr lang="en-US" dirty="0" smtClean="0"/>
-              <a:t>Anibal Velarde</a:t>
-            </a:r>
-          </a:p>
-          <a:p>
-            <a:pPr lvl="1"/>
-            <a:r>
-              <a:rPr lang="en-US" dirty="0" smtClean="0"/>
-              <a:t>LinkedIn: </a:t>
-            </a:r>
-            <a:r>
-              <a:rPr lang="en-US" sz="2000" dirty="0">
-                <a:hlinkClick r:id="rId4"/>
-              </a:rPr>
-              <a:t>https://</a:t>
-            </a:r>
-            <a:r>
-              <a:rPr lang="en-US" sz="2000" dirty="0" smtClean="0">
-                <a:hlinkClick r:id="rId4"/>
-              </a:rPr>
-              <a:t>www.linkedin.com/in/anibalvelarde</a:t>
-            </a:r>
-            <a:endParaRPr lang="en-US" sz="2000" dirty="0"/>
-          </a:p>
-        </p:txBody>
-      </p:sp>
-    </p:spTree>
-    <p:extLst>
-      <p:ext uri="{BB962C8B-B14F-4D97-AF65-F5344CB8AC3E}">
-        <p14:creationId xmlns:p14="http://schemas.microsoft.com/office/powerpoint/2010/main" val="175318683"/>
-      </p:ext>
-    </p:extLst>
-  </p:cSld>
-  <p:clrMapOvr>
-    <a:masterClrMapping/>
-  </p:clrMapOvr>
-  <p:timing>
-    <p:tnLst>
-      <p:par>
-        <p:cTn id="1" dur="indefinite" restart="never" nodeType="tmRoot"/>
-      </p:par>
-    </p:tnLst>
-  </p:timing>
-</p:sld>
-</file>
-
-<file path=ppt/slides/slide20.xml><?xml version="1.0" encoding="utf-8"?>
+<file path=ppt/slides/slide21.xml><?xml version="1.0" encoding="utf-8"?>
 <p:sld xmlns:a="http://schemas.openxmlformats.org/drawingml/2006/main" xmlns:r="http://schemas.openxmlformats.org/officeDocument/2006/relationships" xmlns:p="http://schemas.openxmlformats.org/presentationml/2006/main">
   <p:cSld>
     <p:spTree>
@@ -5096,170 +5814,18 @@
   <p:clrMapOvr>
     <a:masterClrMapping/>
   </p:clrMapOvr>
-  <p:timing>
-    <p:tnLst>
-      <p:par>
-        <p:cTn id="1" dur="indefinite" restart="never" nodeType="tmRoot"/>
-      </p:par>
-    </p:tnLst>
-  </p:timing>
-</p:sld>
-</file>
-
-<file path=ppt/slides/slide21.xml><?xml version="1.0" encoding="utf-8"?>
-<p:sld xmlns:a="http://schemas.openxmlformats.org/drawingml/2006/main" xmlns:r="http://schemas.openxmlformats.org/officeDocument/2006/relationships" xmlns:p="http://schemas.openxmlformats.org/presentationml/2006/main">
-  <p:cSld>
-    <p:spTree>
-      <p:nvGrpSpPr>
-        <p:cNvPr id="1" name=""/>
-        <p:cNvGrpSpPr/>
-        <p:nvPr/>
-      </p:nvGrpSpPr>
-      <p:grpSpPr>
-        <a:xfrm>
-          <a:off x="0" y="0"/>
-          <a:ext cx="0" cy="0"/>
-          <a:chOff x="0" y="0"/>
-          <a:chExt cx="0" cy="0"/>
-        </a:xfrm>
-      </p:grpSpPr>
-      <p:sp>
-        <p:nvSpPr>
-          <p:cNvPr id="2" name="Title 1"/>
-          <p:cNvSpPr>
-            <a:spLocks noGrp="1"/>
-          </p:cNvSpPr>
-          <p:nvPr>
-            <p:ph type="title"/>
-          </p:nvPr>
-        </p:nvSpPr>
-        <p:spPr/>
-        <p:txBody>
-          <a:bodyPr/>
-          <a:lstStyle/>
-          <a:p>
-            <a:r>
-              <a:rPr lang="en-US" dirty="0" smtClean="0"/>
-              <a:t>References</a:t>
-            </a:r>
-            <a:r>
-              <a:rPr lang="en-US" dirty="0" smtClean="0"/>
-              <a:t>…</a:t>
-            </a:r>
-            <a:endParaRPr lang="en-US" dirty="0"/>
-          </a:p>
-        </p:txBody>
-      </p:sp>
-      <p:sp>
-        <p:nvSpPr>
-          <p:cNvPr id="3" name="Content Placeholder 2"/>
-          <p:cNvSpPr>
-            <a:spLocks noGrp="1"/>
-          </p:cNvSpPr>
-          <p:nvPr>
-            <p:ph sz="quarter" idx="13"/>
-          </p:nvPr>
-        </p:nvSpPr>
-        <p:spPr/>
-        <p:txBody>
-          <a:bodyPr>
-            <a:normAutofit fontScale="32500" lnSpcReduction="20000"/>
-          </a:bodyPr>
-          <a:lstStyle/>
-          <a:p>
-            <a:r>
-              <a:rPr lang="en-US" sz="9600" dirty="0" smtClean="0"/>
-              <a:t>ADFS</a:t>
-            </a:r>
-          </a:p>
-          <a:p>
-            <a:pPr lvl="1"/>
-            <a:r>
-              <a:rPr lang="en-US" sz="9600" dirty="0" smtClean="0"/>
-              <a:t>Installation</a:t>
-            </a:r>
-            <a:endParaRPr lang="en-US" sz="9600" dirty="0"/>
-          </a:p>
-          <a:p>
-            <a:pPr lvl="2"/>
-            <a:r>
-              <a:rPr lang="en-US" sz="9600" u="sng" dirty="0">
-                <a:hlinkClick r:id="rId2"/>
-              </a:rPr>
-              <a:t>http://</a:t>
-            </a:r>
-            <a:r>
-              <a:rPr lang="en-US" sz="9600" u="sng" dirty="0" smtClean="0">
-                <a:hlinkClick r:id="rId2"/>
-              </a:rPr>
-              <a:t>bit.ly/1wZFG06</a:t>
-            </a:r>
-            <a:endParaRPr lang="en-US" sz="9600" dirty="0"/>
-          </a:p>
-          <a:p>
-            <a:pPr lvl="1"/>
-            <a:r>
-              <a:rPr lang="en-US" sz="9600" dirty="0" smtClean="0"/>
-              <a:t>Claims </a:t>
-            </a:r>
-            <a:r>
-              <a:rPr lang="en-US" sz="9600" dirty="0"/>
-              <a:t>Rule Language</a:t>
-            </a:r>
-          </a:p>
-          <a:p>
-            <a:pPr lvl="2"/>
-            <a:r>
-              <a:rPr lang="en-US" sz="9600" u="sng" dirty="0">
-                <a:hlinkClick r:id="rId3"/>
-              </a:rPr>
-              <a:t>http://bit.ly/1Bse84u</a:t>
-            </a:r>
-            <a:endParaRPr lang="en-US" sz="9600" dirty="0"/>
-          </a:p>
-          <a:p>
-            <a:pPr lvl="1"/>
-            <a:r>
-              <a:rPr lang="en-US" sz="9600" dirty="0" smtClean="0"/>
-              <a:t>Multi-factor </a:t>
-            </a:r>
-            <a:r>
-              <a:rPr lang="en-US" sz="9600" dirty="0"/>
-              <a:t>Authentication</a:t>
-            </a:r>
-          </a:p>
-          <a:p>
-            <a:pPr lvl="2"/>
-            <a:r>
-              <a:rPr lang="en-US" sz="9600" u="sng" dirty="0">
-                <a:hlinkClick r:id="rId4"/>
-              </a:rPr>
-              <a:t>http://bit.ly/1MYHy4p</a:t>
-            </a:r>
-            <a:endParaRPr lang="en-US" sz="9600" dirty="0"/>
-          </a:p>
-          <a:p>
-            <a:pPr marL="0" indent="0">
-              <a:buNone/>
-            </a:pPr>
-            <a:endParaRPr lang="en-US" sz="9600" dirty="0"/>
-          </a:p>
-          <a:p>
-            <a:pPr lvl="1"/>
-            <a:endParaRPr lang="en-US" dirty="0"/>
-          </a:p>
-        </p:txBody>
-      </p:sp>
-    </p:spTree>
-    <p:extLst>
-      <p:ext uri="{BB962C8B-B14F-4D97-AF65-F5344CB8AC3E}">
-        <p14:creationId xmlns:p14="http://schemas.microsoft.com/office/powerpoint/2010/main" val="2253948"/>
-      </p:ext>
-    </p:extLst>
-  </p:cSld>
-  <p:clrMapOvr>
-    <a:masterClrMapping/>
-  </p:clrMapOvr>
+  <mc:AlternateContent xmlns:mc="http://schemas.openxmlformats.org/markup-compatibility/2006">
+    <mc:Choice xmlns:p14="http://schemas.microsoft.com/office/powerpoint/2010/main" Requires="p14">
+      <p:transition spd="med" p14:dur="700">
+        <p:fade/>
+      </p:transition>
+    </mc:Choice>
+    <mc:Fallback>
+      <p:transition spd="med">
+        <p:fade/>
+      </p:transition>
+    </mc:Fallback>
+  </mc:AlternateContent>
   <p:timing>
     <p:tnLst>
       <p:par>
@@ -5304,7 +5870,7 @@
           <a:p>
             <a:r>
               <a:rPr lang="en-US" dirty="0" smtClean="0"/>
-              <a:t>More references…</a:t>
+              <a:t>In Conclusion</a:t>
             </a:r>
             <a:endParaRPr lang="en-US" dirty="0"/>
           </a:p>
@@ -5322,100 +5888,610 @@
         </p:nvSpPr>
         <p:spPr/>
         <p:txBody>
-          <a:bodyPr>
-            <a:normAutofit fontScale="25000" lnSpcReduction="20000"/>
-          </a:bodyPr>
+          <a:bodyPr/>
           <a:lstStyle/>
           <a:p>
             <a:r>
-              <a:rPr lang="en-US" sz="9600" dirty="0" err="1"/>
-              <a:t>Thinktecture</a:t>
-            </a:r>
-            <a:r>
-              <a:rPr lang="en-US" sz="9600" dirty="0"/>
-              <a:t> Authorization Server</a:t>
-            </a:r>
-          </a:p>
-          <a:p>
-            <a:pPr lvl="1"/>
-            <a:r>
-              <a:rPr lang="en-US" sz="9600" dirty="0"/>
-              <a:t>Source Code</a:t>
-            </a:r>
-          </a:p>
-          <a:p>
-            <a:pPr lvl="2"/>
-            <a:r>
-              <a:rPr lang="en-US" sz="9600" u="sng" dirty="0">
-                <a:hlinkClick r:id="rId2"/>
-              </a:rPr>
-              <a:t>https://github.com/IdentityModel/AuthorizationServer</a:t>
-            </a:r>
-            <a:endParaRPr lang="en-US" sz="9600" dirty="0"/>
-          </a:p>
-          <a:p>
-            <a:pPr lvl="1"/>
-            <a:r>
-              <a:rPr lang="en-US" sz="9600" dirty="0"/>
-              <a:t>Configuration</a:t>
-            </a:r>
-          </a:p>
-          <a:p>
-            <a:pPr lvl="1"/>
-            <a:r>
-              <a:rPr lang="en-US" sz="9600" u="sng" dirty="0">
-                <a:hlinkClick r:id="rId3"/>
-              </a:rPr>
-              <a:t>https://github.com/IdentityModel/AuthorizationServer/wiki</a:t>
-            </a:r>
-            <a:endParaRPr lang="en-US" sz="9600" dirty="0"/>
-          </a:p>
-          <a:p>
-            <a:r>
-              <a:rPr lang="en-US" sz="9600" dirty="0" err="1"/>
-              <a:t>Thinktecture</a:t>
-            </a:r>
-            <a:r>
-              <a:rPr lang="en-US" sz="9600" dirty="0"/>
-              <a:t> Identity Server (Supports </a:t>
-            </a:r>
-            <a:r>
-              <a:rPr lang="en-US" sz="9600" dirty="0" err="1"/>
-              <a:t>OpenID</a:t>
-            </a:r>
-            <a:r>
-              <a:rPr lang="en-US" sz="9600" dirty="0"/>
-              <a:t> Connect)</a:t>
-            </a:r>
-          </a:p>
-          <a:p>
-            <a:pPr lvl="1"/>
-            <a:r>
-              <a:rPr lang="en-US" sz="9600" u="sng" dirty="0">
-                <a:hlinkClick r:id="rId4"/>
-              </a:rPr>
-              <a:t>https://</a:t>
-            </a:r>
-            <a:r>
-              <a:rPr lang="en-US" sz="9600" u="sng" dirty="0" smtClean="0">
-                <a:hlinkClick r:id="rId4"/>
-              </a:rPr>
-              <a:t>github.com/IdentityServer/IdentityServer3</a:t>
-            </a:r>
-            <a:endParaRPr lang="en-US" sz="9600" dirty="0"/>
+              <a:rPr lang="en-US" dirty="0" smtClean="0"/>
+              <a:t>Keep Researching / Investigating / and Learning</a:t>
+            </a:r>
+          </a:p>
+          <a:p>
+            <a:r>
+              <a:rPr lang="en-US" dirty="0" smtClean="0"/>
+              <a:t>Remember the “Before You Begin” aspects</a:t>
+            </a:r>
+          </a:p>
+          <a:p>
+            <a:r>
+              <a:rPr lang="en-US" dirty="0" smtClean="0"/>
+              <a:t>Know your AD instance</a:t>
+            </a:r>
+          </a:p>
+          <a:p>
+            <a:r>
+              <a:rPr lang="en-US" dirty="0" smtClean="0"/>
+              <a:t>Stand up ADFS</a:t>
+            </a:r>
+          </a:p>
+          <a:p>
+            <a:r>
+              <a:rPr lang="en-US" dirty="0" smtClean="0"/>
+              <a:t>Stand up </a:t>
+            </a:r>
+            <a:r>
+              <a:rPr lang="en-US" dirty="0" err="1" smtClean="0"/>
+              <a:t>Oauth</a:t>
+            </a:r>
+            <a:r>
+              <a:rPr lang="en-US" dirty="0" smtClean="0"/>
+              <a:t> Service</a:t>
+            </a:r>
+          </a:p>
+          <a:p>
+            <a:r>
+              <a:rPr lang="en-US" dirty="0" smtClean="0"/>
+              <a:t>Build your app with “Claims-Awareness” in mind</a:t>
+            </a:r>
+          </a:p>
+          <a:p>
+            <a:r>
+              <a:rPr lang="en-US" dirty="0" smtClean="0"/>
+              <a:t>Setup life-cycle environments separate from what you already have (DEV, QA, PROD)</a:t>
+            </a:r>
+          </a:p>
+          <a:p>
+            <a:r>
+              <a:rPr lang="en-US" dirty="0" smtClean="0"/>
+              <a:t>Understand the implications of choosing this path (Criticisms of SSO)</a:t>
+            </a:r>
+            <a:endParaRPr lang="en-US" dirty="0"/>
           </a:p>
         </p:txBody>
       </p:sp>
     </p:spTree>
     <p:extLst>
       <p:ext uri="{BB962C8B-B14F-4D97-AF65-F5344CB8AC3E}">
-        <p14:creationId xmlns:p14="http://schemas.microsoft.com/office/powerpoint/2010/main" val="2966040042"/>
+        <p14:creationId xmlns:p14="http://schemas.microsoft.com/office/powerpoint/2010/main" val="498168973"/>
       </p:ext>
     </p:extLst>
   </p:cSld>
   <p:clrMapOvr>
     <a:masterClrMapping/>
   </p:clrMapOvr>
+  <mc:AlternateContent xmlns:mc="http://schemas.openxmlformats.org/markup-compatibility/2006">
+    <mc:Choice xmlns:p14="http://schemas.microsoft.com/office/powerpoint/2010/main" Requires="p14">
+      <p:transition spd="med" p14:dur="700">
+        <p:fade/>
+      </p:transition>
+    </mc:Choice>
+    <mc:Fallback>
+      <p:transition spd="med">
+        <p:fade/>
+      </p:transition>
+    </mc:Fallback>
+  </mc:AlternateContent>
+  <p:timing>
+    <p:tnLst>
+      <p:par>
+        <p:cTn id="1" dur="indefinite" restart="never" nodeType="tmRoot">
+          <p:childTnLst>
+            <p:seq concurrent="1" nextAc="seek">
+              <p:cTn id="2" dur="indefinite" nodeType="mainSeq">
+                <p:childTnLst>
+                  <p:par>
+                    <p:cTn id="3" fill="hold">
+                      <p:stCondLst>
+                        <p:cond delay="indefinite"/>
+                      </p:stCondLst>
+                      <p:childTnLst>
+                        <p:par>
+                          <p:cTn id="4" fill="hold">
+                            <p:stCondLst>
+                              <p:cond delay="0"/>
+                            </p:stCondLst>
+                            <p:childTnLst>
+                              <p:par>
+                                <p:cTn id="5" presetID="10" presetClass="entr" presetSubtype="0" fill="hold" grpId="0" nodeType="clickEffect">
+                                  <p:stCondLst>
+                                    <p:cond delay="0"/>
+                                  </p:stCondLst>
+                                  <p:childTnLst>
+                                    <p:set>
+                                      <p:cBhvr>
+                                        <p:cTn id="6" dur="1" fill="hold">
+                                          <p:stCondLst>
+                                            <p:cond delay="0"/>
+                                          </p:stCondLst>
+                                        </p:cTn>
+                                        <p:tgtEl>
+                                          <p:spTgt spid="3">
+                                            <p:txEl>
+                                              <p:pRg st="0" end="0"/>
+                                            </p:txEl>
+                                          </p:spTgt>
+                                        </p:tgtEl>
+                                        <p:attrNameLst>
+                                          <p:attrName>style.visibility</p:attrName>
+                                        </p:attrNameLst>
+                                      </p:cBhvr>
+                                      <p:to>
+                                        <p:strVal val="visible"/>
+                                      </p:to>
+                                    </p:set>
+                                    <p:animEffect transition="in" filter="fade">
+                                      <p:cBhvr>
+                                        <p:cTn id="7" dur="500"/>
+                                        <p:tgtEl>
+                                          <p:spTgt spid="3">
+                                            <p:txEl>
+                                              <p:pRg st="0" end="0"/>
+                                            </p:txEl>
+                                          </p:spTgt>
+                                        </p:tgtEl>
+                                      </p:cBhvr>
+                                    </p:animEffect>
+                                  </p:childTnLst>
+                                </p:cTn>
+                              </p:par>
+                            </p:childTnLst>
+                          </p:cTn>
+                        </p:par>
+                      </p:childTnLst>
+                    </p:cTn>
+                  </p:par>
+                  <p:par>
+                    <p:cTn id="8" fill="hold">
+                      <p:stCondLst>
+                        <p:cond delay="indefinite"/>
+                      </p:stCondLst>
+                      <p:childTnLst>
+                        <p:par>
+                          <p:cTn id="9" fill="hold">
+                            <p:stCondLst>
+                              <p:cond delay="0"/>
+                            </p:stCondLst>
+                            <p:childTnLst>
+                              <p:par>
+                                <p:cTn id="10" presetID="10" presetClass="entr" presetSubtype="0" fill="hold" grpId="0" nodeType="clickEffect">
+                                  <p:stCondLst>
+                                    <p:cond delay="0"/>
+                                  </p:stCondLst>
+                                  <p:childTnLst>
+                                    <p:set>
+                                      <p:cBhvr>
+                                        <p:cTn id="11" dur="1" fill="hold">
+                                          <p:stCondLst>
+                                            <p:cond delay="0"/>
+                                          </p:stCondLst>
+                                        </p:cTn>
+                                        <p:tgtEl>
+                                          <p:spTgt spid="3">
+                                            <p:txEl>
+                                              <p:pRg st="1" end="1"/>
+                                            </p:txEl>
+                                          </p:spTgt>
+                                        </p:tgtEl>
+                                        <p:attrNameLst>
+                                          <p:attrName>style.visibility</p:attrName>
+                                        </p:attrNameLst>
+                                      </p:cBhvr>
+                                      <p:to>
+                                        <p:strVal val="visible"/>
+                                      </p:to>
+                                    </p:set>
+                                    <p:animEffect transition="in" filter="fade">
+                                      <p:cBhvr>
+                                        <p:cTn id="12" dur="500"/>
+                                        <p:tgtEl>
+                                          <p:spTgt spid="3">
+                                            <p:txEl>
+                                              <p:pRg st="1" end="1"/>
+                                            </p:txEl>
+                                          </p:spTgt>
+                                        </p:tgtEl>
+                                      </p:cBhvr>
+                                    </p:animEffect>
+                                  </p:childTnLst>
+                                </p:cTn>
+                              </p:par>
+                            </p:childTnLst>
+                          </p:cTn>
+                        </p:par>
+                      </p:childTnLst>
+                    </p:cTn>
+                  </p:par>
+                  <p:par>
+                    <p:cTn id="13" fill="hold">
+                      <p:stCondLst>
+                        <p:cond delay="indefinite"/>
+                      </p:stCondLst>
+                      <p:childTnLst>
+                        <p:par>
+                          <p:cTn id="14" fill="hold">
+                            <p:stCondLst>
+                              <p:cond delay="0"/>
+                            </p:stCondLst>
+                            <p:childTnLst>
+                              <p:par>
+                                <p:cTn id="15" presetID="10" presetClass="entr" presetSubtype="0" fill="hold" grpId="0" nodeType="clickEffect">
+                                  <p:stCondLst>
+                                    <p:cond delay="0"/>
+                                  </p:stCondLst>
+                                  <p:childTnLst>
+                                    <p:set>
+                                      <p:cBhvr>
+                                        <p:cTn id="16" dur="1" fill="hold">
+                                          <p:stCondLst>
+                                            <p:cond delay="0"/>
+                                          </p:stCondLst>
+                                        </p:cTn>
+                                        <p:tgtEl>
+                                          <p:spTgt spid="3">
+                                            <p:txEl>
+                                              <p:pRg st="2" end="2"/>
+                                            </p:txEl>
+                                          </p:spTgt>
+                                        </p:tgtEl>
+                                        <p:attrNameLst>
+                                          <p:attrName>style.visibility</p:attrName>
+                                        </p:attrNameLst>
+                                      </p:cBhvr>
+                                      <p:to>
+                                        <p:strVal val="visible"/>
+                                      </p:to>
+                                    </p:set>
+                                    <p:animEffect transition="in" filter="fade">
+                                      <p:cBhvr>
+                                        <p:cTn id="17" dur="500"/>
+                                        <p:tgtEl>
+                                          <p:spTgt spid="3">
+                                            <p:txEl>
+                                              <p:pRg st="2" end="2"/>
+                                            </p:txEl>
+                                          </p:spTgt>
+                                        </p:tgtEl>
+                                      </p:cBhvr>
+                                    </p:animEffect>
+                                  </p:childTnLst>
+                                </p:cTn>
+                              </p:par>
+                            </p:childTnLst>
+                          </p:cTn>
+                        </p:par>
+                      </p:childTnLst>
+                    </p:cTn>
+                  </p:par>
+                  <p:par>
+                    <p:cTn id="18" fill="hold">
+                      <p:stCondLst>
+                        <p:cond delay="indefinite"/>
+                      </p:stCondLst>
+                      <p:childTnLst>
+                        <p:par>
+                          <p:cTn id="19" fill="hold">
+                            <p:stCondLst>
+                              <p:cond delay="0"/>
+                            </p:stCondLst>
+                            <p:childTnLst>
+                              <p:par>
+                                <p:cTn id="20" presetID="10" presetClass="entr" presetSubtype="0" fill="hold" grpId="0" nodeType="clickEffect">
+                                  <p:stCondLst>
+                                    <p:cond delay="0"/>
+                                  </p:stCondLst>
+                                  <p:childTnLst>
+                                    <p:set>
+                                      <p:cBhvr>
+                                        <p:cTn id="21" dur="1" fill="hold">
+                                          <p:stCondLst>
+                                            <p:cond delay="0"/>
+                                          </p:stCondLst>
+                                        </p:cTn>
+                                        <p:tgtEl>
+                                          <p:spTgt spid="3">
+                                            <p:txEl>
+                                              <p:pRg st="3" end="3"/>
+                                            </p:txEl>
+                                          </p:spTgt>
+                                        </p:tgtEl>
+                                        <p:attrNameLst>
+                                          <p:attrName>style.visibility</p:attrName>
+                                        </p:attrNameLst>
+                                      </p:cBhvr>
+                                      <p:to>
+                                        <p:strVal val="visible"/>
+                                      </p:to>
+                                    </p:set>
+                                    <p:animEffect transition="in" filter="fade">
+                                      <p:cBhvr>
+                                        <p:cTn id="22" dur="500"/>
+                                        <p:tgtEl>
+                                          <p:spTgt spid="3">
+                                            <p:txEl>
+                                              <p:pRg st="3" end="3"/>
+                                            </p:txEl>
+                                          </p:spTgt>
+                                        </p:tgtEl>
+                                      </p:cBhvr>
+                                    </p:animEffect>
+                                  </p:childTnLst>
+                                </p:cTn>
+                              </p:par>
+                            </p:childTnLst>
+                          </p:cTn>
+                        </p:par>
+                      </p:childTnLst>
+                    </p:cTn>
+                  </p:par>
+                  <p:par>
+                    <p:cTn id="23" fill="hold">
+                      <p:stCondLst>
+                        <p:cond delay="indefinite"/>
+                      </p:stCondLst>
+                      <p:childTnLst>
+                        <p:par>
+                          <p:cTn id="24" fill="hold">
+                            <p:stCondLst>
+                              <p:cond delay="0"/>
+                            </p:stCondLst>
+                            <p:childTnLst>
+                              <p:par>
+                                <p:cTn id="25" presetID="10" presetClass="entr" presetSubtype="0" fill="hold" grpId="0" nodeType="clickEffect">
+                                  <p:stCondLst>
+                                    <p:cond delay="0"/>
+                                  </p:stCondLst>
+                                  <p:childTnLst>
+                                    <p:set>
+                                      <p:cBhvr>
+                                        <p:cTn id="26" dur="1" fill="hold">
+                                          <p:stCondLst>
+                                            <p:cond delay="0"/>
+                                          </p:stCondLst>
+                                        </p:cTn>
+                                        <p:tgtEl>
+                                          <p:spTgt spid="3">
+                                            <p:txEl>
+                                              <p:pRg st="4" end="4"/>
+                                            </p:txEl>
+                                          </p:spTgt>
+                                        </p:tgtEl>
+                                        <p:attrNameLst>
+                                          <p:attrName>style.visibility</p:attrName>
+                                        </p:attrNameLst>
+                                      </p:cBhvr>
+                                      <p:to>
+                                        <p:strVal val="visible"/>
+                                      </p:to>
+                                    </p:set>
+                                    <p:animEffect transition="in" filter="fade">
+                                      <p:cBhvr>
+                                        <p:cTn id="27" dur="500"/>
+                                        <p:tgtEl>
+                                          <p:spTgt spid="3">
+                                            <p:txEl>
+                                              <p:pRg st="4" end="4"/>
+                                            </p:txEl>
+                                          </p:spTgt>
+                                        </p:tgtEl>
+                                      </p:cBhvr>
+                                    </p:animEffect>
+                                  </p:childTnLst>
+                                </p:cTn>
+                              </p:par>
+                            </p:childTnLst>
+                          </p:cTn>
+                        </p:par>
+                      </p:childTnLst>
+                    </p:cTn>
+                  </p:par>
+                  <p:par>
+                    <p:cTn id="28" fill="hold">
+                      <p:stCondLst>
+                        <p:cond delay="indefinite"/>
+                      </p:stCondLst>
+                      <p:childTnLst>
+                        <p:par>
+                          <p:cTn id="29" fill="hold">
+                            <p:stCondLst>
+                              <p:cond delay="0"/>
+                            </p:stCondLst>
+                            <p:childTnLst>
+                              <p:par>
+                                <p:cTn id="30" presetID="10" presetClass="entr" presetSubtype="0" fill="hold" grpId="0" nodeType="clickEffect">
+                                  <p:stCondLst>
+                                    <p:cond delay="0"/>
+                                  </p:stCondLst>
+                                  <p:childTnLst>
+                                    <p:set>
+                                      <p:cBhvr>
+                                        <p:cTn id="31" dur="1" fill="hold">
+                                          <p:stCondLst>
+                                            <p:cond delay="0"/>
+                                          </p:stCondLst>
+                                        </p:cTn>
+                                        <p:tgtEl>
+                                          <p:spTgt spid="3">
+                                            <p:txEl>
+                                              <p:pRg st="5" end="5"/>
+                                            </p:txEl>
+                                          </p:spTgt>
+                                        </p:tgtEl>
+                                        <p:attrNameLst>
+                                          <p:attrName>style.visibility</p:attrName>
+                                        </p:attrNameLst>
+                                      </p:cBhvr>
+                                      <p:to>
+                                        <p:strVal val="visible"/>
+                                      </p:to>
+                                    </p:set>
+                                    <p:animEffect transition="in" filter="fade">
+                                      <p:cBhvr>
+                                        <p:cTn id="32" dur="500"/>
+                                        <p:tgtEl>
+                                          <p:spTgt spid="3">
+                                            <p:txEl>
+                                              <p:pRg st="5" end="5"/>
+                                            </p:txEl>
+                                          </p:spTgt>
+                                        </p:tgtEl>
+                                      </p:cBhvr>
+                                    </p:animEffect>
+                                  </p:childTnLst>
+                                </p:cTn>
+                              </p:par>
+                            </p:childTnLst>
+                          </p:cTn>
+                        </p:par>
+                      </p:childTnLst>
+                    </p:cTn>
+                  </p:par>
+                  <p:par>
+                    <p:cTn id="33" fill="hold">
+                      <p:stCondLst>
+                        <p:cond delay="indefinite"/>
+                      </p:stCondLst>
+                      <p:childTnLst>
+                        <p:par>
+                          <p:cTn id="34" fill="hold">
+                            <p:stCondLst>
+                              <p:cond delay="0"/>
+                            </p:stCondLst>
+                            <p:childTnLst>
+                              <p:par>
+                                <p:cTn id="35" presetID="10" presetClass="entr" presetSubtype="0" fill="hold" grpId="0" nodeType="clickEffect">
+                                  <p:stCondLst>
+                                    <p:cond delay="0"/>
+                                  </p:stCondLst>
+                                  <p:childTnLst>
+                                    <p:set>
+                                      <p:cBhvr>
+                                        <p:cTn id="36" dur="1" fill="hold">
+                                          <p:stCondLst>
+                                            <p:cond delay="0"/>
+                                          </p:stCondLst>
+                                        </p:cTn>
+                                        <p:tgtEl>
+                                          <p:spTgt spid="3">
+                                            <p:txEl>
+                                              <p:pRg st="6" end="6"/>
+                                            </p:txEl>
+                                          </p:spTgt>
+                                        </p:tgtEl>
+                                        <p:attrNameLst>
+                                          <p:attrName>style.visibility</p:attrName>
+                                        </p:attrNameLst>
+                                      </p:cBhvr>
+                                      <p:to>
+                                        <p:strVal val="visible"/>
+                                      </p:to>
+                                    </p:set>
+                                    <p:animEffect transition="in" filter="fade">
+                                      <p:cBhvr>
+                                        <p:cTn id="37" dur="500"/>
+                                        <p:tgtEl>
+                                          <p:spTgt spid="3">
+                                            <p:txEl>
+                                              <p:pRg st="6" end="6"/>
+                                            </p:txEl>
+                                          </p:spTgt>
+                                        </p:tgtEl>
+                                      </p:cBhvr>
+                                    </p:animEffect>
+                                  </p:childTnLst>
+                                </p:cTn>
+                              </p:par>
+                            </p:childTnLst>
+                          </p:cTn>
+                        </p:par>
+                      </p:childTnLst>
+                    </p:cTn>
+                  </p:par>
+                  <p:par>
+                    <p:cTn id="38" fill="hold">
+                      <p:stCondLst>
+                        <p:cond delay="indefinite"/>
+                      </p:stCondLst>
+                      <p:childTnLst>
+                        <p:par>
+                          <p:cTn id="39" fill="hold">
+                            <p:stCondLst>
+                              <p:cond delay="0"/>
+                            </p:stCondLst>
+                            <p:childTnLst>
+                              <p:par>
+                                <p:cTn id="40" presetID="10" presetClass="entr" presetSubtype="0" fill="hold" grpId="0" nodeType="clickEffect">
+                                  <p:stCondLst>
+                                    <p:cond delay="0"/>
+                                  </p:stCondLst>
+                                  <p:childTnLst>
+                                    <p:set>
+                                      <p:cBhvr>
+                                        <p:cTn id="41" dur="1" fill="hold">
+                                          <p:stCondLst>
+                                            <p:cond delay="0"/>
+                                          </p:stCondLst>
+                                        </p:cTn>
+                                        <p:tgtEl>
+                                          <p:spTgt spid="3">
+                                            <p:txEl>
+                                              <p:pRg st="7" end="7"/>
+                                            </p:txEl>
+                                          </p:spTgt>
+                                        </p:tgtEl>
+                                        <p:attrNameLst>
+                                          <p:attrName>style.visibility</p:attrName>
+                                        </p:attrNameLst>
+                                      </p:cBhvr>
+                                      <p:to>
+                                        <p:strVal val="visible"/>
+                                      </p:to>
+                                    </p:set>
+                                    <p:animEffect transition="in" filter="fade">
+                                      <p:cBhvr>
+                                        <p:cTn id="42" dur="500"/>
+                                        <p:tgtEl>
+                                          <p:spTgt spid="3">
+                                            <p:txEl>
+                                              <p:pRg st="7" end="7"/>
+                                            </p:txEl>
+                                          </p:spTgt>
+                                        </p:tgtEl>
+                                      </p:cBhvr>
+                                    </p:animEffect>
+                                  </p:childTnLst>
+                                </p:cTn>
+                              </p:par>
+                            </p:childTnLst>
+                          </p:cTn>
+                        </p:par>
+                      </p:childTnLst>
+                    </p:cTn>
+                  </p:par>
+                </p:childTnLst>
+              </p:cTn>
+              <p:prevCondLst>
+                <p:cond evt="onPrev" delay="0">
+                  <p:tgtEl>
+                    <p:sldTgt/>
+                  </p:tgtEl>
+                </p:cond>
+              </p:prevCondLst>
+              <p:nextCondLst>
+                <p:cond evt="onNext" delay="0">
+                  <p:tgtEl>
+                    <p:sldTgt/>
+                  </p:tgtEl>
+                </p:cond>
+              </p:nextCondLst>
+            </p:seq>
+          </p:childTnLst>
+        </p:cTn>
+      </p:par>
+    </p:tnLst>
+    <p:bldLst>
+      <p:bldP spid="3" grpId="0" build="p"/>
+    </p:bldLst>
+  </p:timing>
 </p:sld>
 </file>
 
@@ -5453,6 +6529,346 @@
           <a:p>
             <a:r>
               <a:rPr lang="en-US" dirty="0" smtClean="0"/>
+              <a:t>References…</a:t>
+            </a:r>
+            <a:endParaRPr lang="en-US" dirty="0"/>
+          </a:p>
+        </p:txBody>
+      </p:sp>
+      <p:sp>
+        <p:nvSpPr>
+          <p:cNvPr id="3" name="Content Placeholder 2"/>
+          <p:cNvSpPr>
+            <a:spLocks noGrp="1"/>
+          </p:cNvSpPr>
+          <p:nvPr>
+            <p:ph sz="quarter" idx="13"/>
+          </p:nvPr>
+        </p:nvSpPr>
+        <p:spPr/>
+        <p:txBody>
+          <a:bodyPr>
+            <a:normAutofit fontScale="32500" lnSpcReduction="20000"/>
+          </a:bodyPr>
+          <a:lstStyle/>
+          <a:p>
+            <a:r>
+              <a:rPr lang="en-US" sz="9600" dirty="0" smtClean="0"/>
+              <a:t>ADFS</a:t>
+            </a:r>
+          </a:p>
+          <a:p>
+            <a:pPr lvl="1"/>
+            <a:r>
+              <a:rPr lang="en-US" sz="9600" dirty="0" smtClean="0"/>
+              <a:t>Installation</a:t>
+            </a:r>
+            <a:endParaRPr lang="en-US" sz="9600" dirty="0"/>
+          </a:p>
+          <a:p>
+            <a:pPr lvl="2"/>
+            <a:r>
+              <a:rPr lang="en-US" sz="9600" u="sng" dirty="0">
+                <a:hlinkClick r:id="rId2"/>
+              </a:rPr>
+              <a:t>http://</a:t>
+            </a:r>
+            <a:r>
+              <a:rPr lang="en-US" sz="9600" u="sng" dirty="0" smtClean="0">
+                <a:hlinkClick r:id="rId2"/>
+              </a:rPr>
+              <a:t>bit.ly/1wZFG06</a:t>
+            </a:r>
+            <a:endParaRPr lang="en-US" sz="9600" dirty="0"/>
+          </a:p>
+          <a:p>
+            <a:pPr lvl="1"/>
+            <a:r>
+              <a:rPr lang="en-US" sz="9600" dirty="0" smtClean="0"/>
+              <a:t>Claims </a:t>
+            </a:r>
+            <a:r>
+              <a:rPr lang="en-US" sz="9600" dirty="0"/>
+              <a:t>Rule Language</a:t>
+            </a:r>
+          </a:p>
+          <a:p>
+            <a:pPr lvl="2"/>
+            <a:r>
+              <a:rPr lang="en-US" sz="9600" u="sng" dirty="0">
+                <a:hlinkClick r:id="rId3"/>
+              </a:rPr>
+              <a:t>http://bit.ly/1Bse84u</a:t>
+            </a:r>
+            <a:endParaRPr lang="en-US" sz="9600" dirty="0"/>
+          </a:p>
+          <a:p>
+            <a:pPr lvl="1"/>
+            <a:r>
+              <a:rPr lang="en-US" sz="9600" dirty="0" smtClean="0"/>
+              <a:t>Multi-factor </a:t>
+            </a:r>
+            <a:r>
+              <a:rPr lang="en-US" sz="9600" dirty="0"/>
+              <a:t>Authentication</a:t>
+            </a:r>
+          </a:p>
+          <a:p>
+            <a:pPr lvl="2"/>
+            <a:r>
+              <a:rPr lang="en-US" sz="9600" u="sng" dirty="0">
+                <a:hlinkClick r:id="rId4"/>
+              </a:rPr>
+              <a:t>http://bit.ly/1MYHy4p</a:t>
+            </a:r>
+            <a:endParaRPr lang="en-US" sz="9600" dirty="0"/>
+          </a:p>
+          <a:p>
+            <a:pPr marL="0" indent="0">
+              <a:buNone/>
+            </a:pPr>
+            <a:endParaRPr lang="en-US" sz="9600" dirty="0"/>
+          </a:p>
+          <a:p>
+            <a:pPr lvl="1"/>
+            <a:endParaRPr lang="en-US" dirty="0"/>
+          </a:p>
+        </p:txBody>
+      </p:sp>
+    </p:spTree>
+    <p:extLst>
+      <p:ext uri="{BB962C8B-B14F-4D97-AF65-F5344CB8AC3E}">
+        <p14:creationId xmlns:p14="http://schemas.microsoft.com/office/powerpoint/2010/main" val="2253948"/>
+      </p:ext>
+    </p:extLst>
+  </p:cSld>
+  <p:clrMapOvr>
+    <a:masterClrMapping/>
+  </p:clrMapOvr>
+  <mc:AlternateContent xmlns:mc="http://schemas.openxmlformats.org/markup-compatibility/2006">
+    <mc:Choice xmlns:p14="http://schemas.microsoft.com/office/powerpoint/2010/main" Requires="p14">
+      <p:transition spd="med" p14:dur="700">
+        <p:fade/>
+      </p:transition>
+    </mc:Choice>
+    <mc:Fallback>
+      <p:transition spd="med">
+        <p:fade/>
+      </p:transition>
+    </mc:Fallback>
+  </mc:AlternateContent>
+  <p:timing>
+    <p:tnLst>
+      <p:par>
+        <p:cTn id="1" dur="indefinite" restart="never" nodeType="tmRoot"/>
+      </p:par>
+    </p:tnLst>
+  </p:timing>
+</p:sld>
+</file>
+
+<file path=ppt/slides/slide24.xml><?xml version="1.0" encoding="utf-8"?>
+<p:sld xmlns:a="http://schemas.openxmlformats.org/drawingml/2006/main" xmlns:r="http://schemas.openxmlformats.org/officeDocument/2006/relationships" xmlns:p="http://schemas.openxmlformats.org/presentationml/2006/main">
+  <p:cSld>
+    <p:spTree>
+      <p:nvGrpSpPr>
+        <p:cNvPr id="1" name=""/>
+        <p:cNvGrpSpPr/>
+        <p:nvPr/>
+      </p:nvGrpSpPr>
+      <p:grpSpPr>
+        <a:xfrm>
+          <a:off x="0" y="0"/>
+          <a:ext cx="0" cy="0"/>
+          <a:chOff x="0" y="0"/>
+          <a:chExt cx="0" cy="0"/>
+        </a:xfrm>
+      </p:grpSpPr>
+      <p:sp>
+        <p:nvSpPr>
+          <p:cNvPr id="2" name="Title 1"/>
+          <p:cNvSpPr>
+            <a:spLocks noGrp="1"/>
+          </p:cNvSpPr>
+          <p:nvPr>
+            <p:ph type="title"/>
+          </p:nvPr>
+        </p:nvSpPr>
+        <p:spPr/>
+        <p:txBody>
+          <a:bodyPr/>
+          <a:lstStyle/>
+          <a:p>
+            <a:r>
+              <a:rPr lang="en-US" dirty="0" smtClean="0"/>
+              <a:t>More references…</a:t>
+            </a:r>
+            <a:endParaRPr lang="en-US" dirty="0"/>
+          </a:p>
+        </p:txBody>
+      </p:sp>
+      <p:sp>
+        <p:nvSpPr>
+          <p:cNvPr id="3" name="Content Placeholder 2"/>
+          <p:cNvSpPr>
+            <a:spLocks noGrp="1"/>
+          </p:cNvSpPr>
+          <p:nvPr>
+            <p:ph sz="quarter" idx="13"/>
+          </p:nvPr>
+        </p:nvSpPr>
+        <p:spPr/>
+        <p:txBody>
+          <a:bodyPr>
+            <a:normAutofit fontScale="25000" lnSpcReduction="20000"/>
+          </a:bodyPr>
+          <a:lstStyle/>
+          <a:p>
+            <a:r>
+              <a:rPr lang="en-US" sz="9600" dirty="0" err="1"/>
+              <a:t>Thinktecture</a:t>
+            </a:r>
+            <a:r>
+              <a:rPr lang="en-US" sz="9600" dirty="0"/>
+              <a:t> Authorization Server</a:t>
+            </a:r>
+          </a:p>
+          <a:p>
+            <a:pPr lvl="1"/>
+            <a:r>
+              <a:rPr lang="en-US" sz="9600" dirty="0"/>
+              <a:t>Source Code</a:t>
+            </a:r>
+          </a:p>
+          <a:p>
+            <a:pPr lvl="2"/>
+            <a:r>
+              <a:rPr lang="en-US" sz="9600" u="sng" dirty="0">
+                <a:hlinkClick r:id="rId2"/>
+              </a:rPr>
+              <a:t>https://github.com/IdentityModel/AuthorizationServer</a:t>
+            </a:r>
+            <a:endParaRPr lang="en-US" sz="9600" dirty="0"/>
+          </a:p>
+          <a:p>
+            <a:pPr lvl="1"/>
+            <a:r>
+              <a:rPr lang="en-US" sz="9600" dirty="0"/>
+              <a:t>Configuration</a:t>
+            </a:r>
+          </a:p>
+          <a:p>
+            <a:pPr lvl="1"/>
+            <a:r>
+              <a:rPr lang="en-US" sz="9600" u="sng" dirty="0">
+                <a:hlinkClick r:id="rId3"/>
+              </a:rPr>
+              <a:t>https://github.com/IdentityModel/AuthorizationServer/wiki</a:t>
+            </a:r>
+            <a:endParaRPr lang="en-US" sz="9600" dirty="0"/>
+          </a:p>
+          <a:p>
+            <a:r>
+              <a:rPr lang="en-US" sz="9600" dirty="0" err="1"/>
+              <a:t>Thinktecture</a:t>
+            </a:r>
+            <a:r>
+              <a:rPr lang="en-US" sz="9600" dirty="0"/>
+              <a:t> Identity Server (Supports </a:t>
+            </a:r>
+            <a:r>
+              <a:rPr lang="en-US" sz="9600" dirty="0" err="1"/>
+              <a:t>OpenID</a:t>
+            </a:r>
+            <a:r>
+              <a:rPr lang="en-US" sz="9600" dirty="0"/>
+              <a:t> Connect)</a:t>
+            </a:r>
+          </a:p>
+          <a:p>
+            <a:pPr lvl="1"/>
+            <a:r>
+              <a:rPr lang="en-US" sz="9600" u="sng" dirty="0">
+                <a:hlinkClick r:id="rId4"/>
+              </a:rPr>
+              <a:t>https://</a:t>
+            </a:r>
+            <a:r>
+              <a:rPr lang="en-US" sz="9600" u="sng" dirty="0" smtClean="0">
+                <a:hlinkClick r:id="rId4"/>
+              </a:rPr>
+              <a:t>github.com/IdentityServer/IdentityServer3</a:t>
+            </a:r>
+            <a:endParaRPr lang="en-US" sz="9600" dirty="0"/>
+          </a:p>
+        </p:txBody>
+      </p:sp>
+    </p:spTree>
+    <p:extLst>
+      <p:ext uri="{BB962C8B-B14F-4D97-AF65-F5344CB8AC3E}">
+        <p14:creationId xmlns:p14="http://schemas.microsoft.com/office/powerpoint/2010/main" val="2966040042"/>
+      </p:ext>
+    </p:extLst>
+  </p:cSld>
+  <p:clrMapOvr>
+    <a:masterClrMapping/>
+  </p:clrMapOvr>
+  <mc:AlternateContent xmlns:mc="http://schemas.openxmlformats.org/markup-compatibility/2006">
+    <mc:Choice xmlns:p14="http://schemas.microsoft.com/office/powerpoint/2010/main" Requires="p14">
+      <p:transition spd="med" p14:dur="700">
+        <p:fade/>
+      </p:transition>
+    </mc:Choice>
+    <mc:Fallback>
+      <p:transition spd="med">
+        <p:fade/>
+      </p:transition>
+    </mc:Fallback>
+  </mc:AlternateContent>
+  <p:timing>
+    <p:tnLst>
+      <p:par>
+        <p:cTn id="1" dur="indefinite" restart="never" nodeType="tmRoot"/>
+      </p:par>
+    </p:tnLst>
+  </p:timing>
+</p:sld>
+</file>
+
+<file path=ppt/slides/slide25.xml><?xml version="1.0" encoding="utf-8"?>
+<p:sld xmlns:a="http://schemas.openxmlformats.org/drawingml/2006/main" xmlns:r="http://schemas.openxmlformats.org/officeDocument/2006/relationships" xmlns:p="http://schemas.openxmlformats.org/presentationml/2006/main">
+  <p:cSld>
+    <p:spTree>
+      <p:nvGrpSpPr>
+        <p:cNvPr id="1" name=""/>
+        <p:cNvGrpSpPr/>
+        <p:nvPr/>
+      </p:nvGrpSpPr>
+      <p:grpSpPr>
+        <a:xfrm>
+          <a:off x="0" y="0"/>
+          <a:ext cx="0" cy="0"/>
+          <a:chOff x="0" y="0"/>
+          <a:chExt cx="0" cy="0"/>
+        </a:xfrm>
+      </p:grpSpPr>
+      <p:sp>
+        <p:nvSpPr>
+          <p:cNvPr id="2" name="Title 1"/>
+          <p:cNvSpPr>
+            <a:spLocks noGrp="1"/>
+          </p:cNvSpPr>
+          <p:nvPr>
+            <p:ph type="title"/>
+          </p:nvPr>
+        </p:nvSpPr>
+        <p:spPr/>
+        <p:txBody>
+          <a:bodyPr/>
+          <a:lstStyle/>
+          <a:p>
+            <a:r>
+              <a:rPr lang="en-US" dirty="0" smtClean="0"/>
               <a:t>Even more references…</a:t>
             </a:r>
             <a:endParaRPr lang="en-US" dirty="0"/>
@@ -5602,6 +7018,25 @@
   <p:clrMapOvr>
     <a:masterClrMapping/>
   </p:clrMapOvr>
+  <mc:AlternateContent xmlns:mc="http://schemas.openxmlformats.org/markup-compatibility/2006">
+    <mc:Choice xmlns:p14="http://schemas.microsoft.com/office/powerpoint/2010/main" Requires="p14">
+      <p:transition spd="med" p14:dur="700">
+        <p:fade/>
+      </p:transition>
+    </mc:Choice>
+    <mc:Fallback>
+      <p:transition spd="med">
+        <p:fade/>
+      </p:transition>
+    </mc:Fallback>
+  </mc:AlternateContent>
+  <p:timing>
+    <p:tnLst>
+      <p:par>
+        <p:cTn id="1" dur="indefinite" restart="never" nodeType="tmRoot"/>
+      </p:par>
+    </p:tnLst>
+  </p:timing>
 </p:sld>
 </file>
 
@@ -5721,12 +7156,174 @@
   <p:clrMapOvr>
     <a:masterClrMapping/>
   </p:clrMapOvr>
+  <mc:AlternateContent xmlns:mc="http://schemas.openxmlformats.org/markup-compatibility/2006">
+    <mc:Choice xmlns:p14="http://schemas.microsoft.com/office/powerpoint/2010/main" Requires="p14">
+      <p:transition spd="med" p14:dur="700">
+        <p:fade/>
+      </p:transition>
+    </mc:Choice>
+    <mc:Fallback>
+      <p:transition spd="med">
+        <p:fade/>
+      </p:transition>
+    </mc:Fallback>
+  </mc:AlternateContent>
   <p:timing>
     <p:tnLst>
       <p:par>
-        <p:cTn id="1" dur="indefinite" restart="never" nodeType="tmRoot"/>
+        <p:cTn id="1" dur="indefinite" restart="never" nodeType="tmRoot">
+          <p:childTnLst>
+            <p:seq concurrent="1" nextAc="seek">
+              <p:cTn id="2" dur="indefinite" nodeType="mainSeq">
+                <p:childTnLst>
+                  <p:par>
+                    <p:cTn id="3" fill="hold">
+                      <p:stCondLst>
+                        <p:cond delay="indefinite"/>
+                      </p:stCondLst>
+                      <p:childTnLst>
+                        <p:par>
+                          <p:cTn id="4" fill="hold">
+                            <p:stCondLst>
+                              <p:cond delay="0"/>
+                            </p:stCondLst>
+                            <p:childTnLst>
+                              <p:par>
+                                <p:cTn id="5" presetID="10" presetClass="entr" presetSubtype="0" fill="hold" grpId="0" nodeType="clickEffect">
+                                  <p:stCondLst>
+                                    <p:cond delay="0"/>
+                                  </p:stCondLst>
+                                  <p:childTnLst>
+                                    <p:set>
+                                      <p:cBhvr>
+                                        <p:cTn id="6" dur="1" fill="hold">
+                                          <p:stCondLst>
+                                            <p:cond delay="0"/>
+                                          </p:stCondLst>
+                                        </p:cTn>
+                                        <p:tgtEl>
+                                          <p:spTgt spid="2"/>
+                                        </p:tgtEl>
+                                        <p:attrNameLst>
+                                          <p:attrName>style.visibility</p:attrName>
+                                        </p:attrNameLst>
+                                      </p:cBhvr>
+                                      <p:to>
+                                        <p:strVal val="visible"/>
+                                      </p:to>
+                                    </p:set>
+                                    <p:animEffect transition="in" filter="fade">
+                                      <p:cBhvr>
+                                        <p:cTn id="7" dur="500"/>
+                                        <p:tgtEl>
+                                          <p:spTgt spid="2"/>
+                                        </p:tgtEl>
+                                      </p:cBhvr>
+                                    </p:animEffect>
+                                  </p:childTnLst>
+                                </p:cTn>
+                              </p:par>
+                              <p:par>
+                                <p:cTn id="8" presetID="10" presetClass="entr" presetSubtype="0" fill="hold" nodeType="withEffect">
+                                  <p:stCondLst>
+                                    <p:cond delay="0"/>
+                                  </p:stCondLst>
+                                  <p:childTnLst>
+                                    <p:set>
+                                      <p:cBhvr>
+                                        <p:cTn id="9" dur="1" fill="hold">
+                                          <p:stCondLst>
+                                            <p:cond delay="0"/>
+                                          </p:stCondLst>
+                                        </p:cTn>
+                                        <p:tgtEl>
+                                          <p:spTgt spid="4"/>
+                                        </p:tgtEl>
+                                        <p:attrNameLst>
+                                          <p:attrName>style.visibility</p:attrName>
+                                        </p:attrNameLst>
+                                      </p:cBhvr>
+                                      <p:to>
+                                        <p:strVal val="visible"/>
+                                      </p:to>
+                                    </p:set>
+                                    <p:animEffect transition="in" filter="fade">
+                                      <p:cBhvr>
+                                        <p:cTn id="10" dur="500"/>
+                                        <p:tgtEl>
+                                          <p:spTgt spid="4"/>
+                                        </p:tgtEl>
+                                      </p:cBhvr>
+                                    </p:animEffect>
+                                  </p:childTnLst>
+                                </p:cTn>
+                              </p:par>
+                              <p:par>
+                                <p:cTn id="11" presetID="10" presetClass="entr" presetSubtype="0" fill="hold" grpId="0" nodeType="withEffect">
+                                  <p:stCondLst>
+                                    <p:cond delay="0"/>
+                                  </p:stCondLst>
+                                  <p:childTnLst>
+                                    <p:set>
+                                      <p:cBhvr>
+                                        <p:cTn id="12" dur="1" fill="hold">
+                                          <p:stCondLst>
+                                            <p:cond delay="0"/>
+                                          </p:stCondLst>
+                                        </p:cTn>
+                                        <p:tgtEl>
+                                          <p:spTgt spid="5"/>
+                                        </p:tgtEl>
+                                        <p:attrNameLst>
+                                          <p:attrName>style.visibility</p:attrName>
+                                        </p:attrNameLst>
+                                      </p:cBhvr>
+                                      <p:to>
+                                        <p:strVal val="visible"/>
+                                      </p:to>
+                                    </p:set>
+                                    <p:animEffect transition="in" filter="fade">
+                                      <p:cBhvr>
+                                        <p:cTn id="13" dur="500"/>
+                                        <p:tgtEl>
+                                          <p:spTgt spid="5"/>
+                                        </p:tgtEl>
+                                      </p:cBhvr>
+                                    </p:animEffect>
+                                  </p:childTnLst>
+                                </p:cTn>
+                              </p:par>
+                            </p:childTnLst>
+                          </p:cTn>
+                        </p:par>
+                      </p:childTnLst>
+                    </p:cTn>
+                  </p:par>
+                </p:childTnLst>
+              </p:cTn>
+              <p:prevCondLst>
+                <p:cond evt="onPrev" delay="0">
+                  <p:tgtEl>
+                    <p:sldTgt/>
+                  </p:tgtEl>
+                </p:cond>
+              </p:prevCondLst>
+              <p:nextCondLst>
+                <p:cond evt="onNext" delay="0">
+                  <p:tgtEl>
+                    <p:sldTgt/>
+                  </p:tgtEl>
+                </p:cond>
+              </p:nextCondLst>
+            </p:seq>
+          </p:childTnLst>
+        </p:cTn>
       </p:par>
     </p:tnLst>
+    <p:bldLst>
+      <p:bldP spid="2" grpId="0"/>
+      <p:bldP spid="5" grpId="0"/>
+    </p:bldLst>
   </p:timing>
 </p:sld>
 </file>
@@ -5827,8 +7424,9 @@
             <a:pPr lvl="1"/>
             <a:r>
               <a:rPr lang="en-US" dirty="0" smtClean="0"/>
-              <a:t>SSO</a:t>
-            </a:r>
+              <a:t>Management of User Access to Applications</a:t>
+            </a:r>
+            <a:endParaRPr lang="en-US" dirty="0" smtClean="0"/>
           </a:p>
           <a:p>
             <a:pPr lvl="1"/>
@@ -5864,12 +7462,491 @@
   <p:clrMapOvr>
     <a:masterClrMapping/>
   </p:clrMapOvr>
+  <mc:AlternateContent xmlns:mc="http://schemas.openxmlformats.org/markup-compatibility/2006">
+    <mc:Choice xmlns:p14="http://schemas.microsoft.com/office/powerpoint/2010/main" Requires="p14">
+      <p:transition spd="med" p14:dur="700">
+        <p:fade/>
+      </p:transition>
+    </mc:Choice>
+    <mc:Fallback>
+      <p:transition spd="med">
+        <p:fade/>
+      </p:transition>
+    </mc:Fallback>
+  </mc:AlternateContent>
   <p:timing>
     <p:tnLst>
       <p:par>
-        <p:cTn id="1" dur="indefinite" restart="never" nodeType="tmRoot"/>
+        <p:cTn id="1" dur="indefinite" restart="never" nodeType="tmRoot">
+          <p:childTnLst>
+            <p:seq concurrent="1" nextAc="seek">
+              <p:cTn id="2" dur="indefinite" nodeType="mainSeq">
+                <p:childTnLst>
+                  <p:par>
+                    <p:cTn id="3" fill="hold">
+                      <p:stCondLst>
+                        <p:cond delay="indefinite"/>
+                      </p:stCondLst>
+                      <p:childTnLst>
+                        <p:par>
+                          <p:cTn id="4" fill="hold">
+                            <p:stCondLst>
+                              <p:cond delay="0"/>
+                            </p:stCondLst>
+                            <p:childTnLst>
+                              <p:par>
+                                <p:cTn id="5" presetID="10" presetClass="entr" presetSubtype="0" fill="hold" grpId="0" nodeType="clickEffect">
+                                  <p:stCondLst>
+                                    <p:cond delay="0"/>
+                                  </p:stCondLst>
+                                  <p:childTnLst>
+                                    <p:set>
+                                      <p:cBhvr>
+                                        <p:cTn id="6" dur="1" fill="hold">
+                                          <p:stCondLst>
+                                            <p:cond delay="0"/>
+                                          </p:stCondLst>
+                                        </p:cTn>
+                                        <p:tgtEl>
+                                          <p:spTgt spid="2"/>
+                                        </p:tgtEl>
+                                        <p:attrNameLst>
+                                          <p:attrName>style.visibility</p:attrName>
+                                        </p:attrNameLst>
+                                      </p:cBhvr>
+                                      <p:to>
+                                        <p:strVal val="visible"/>
+                                      </p:to>
+                                    </p:set>
+                                    <p:animEffect transition="in" filter="fade">
+                                      <p:cBhvr>
+                                        <p:cTn id="7" dur="500"/>
+                                        <p:tgtEl>
+                                          <p:spTgt spid="2"/>
+                                        </p:tgtEl>
+                                      </p:cBhvr>
+                                    </p:animEffect>
+                                  </p:childTnLst>
+                                </p:cTn>
+                              </p:par>
+                              <p:par>
+                                <p:cTn id="8" presetID="10" presetClass="entr" presetSubtype="0" fill="hold" grpId="0" nodeType="withEffect">
+                                  <p:stCondLst>
+                                    <p:cond delay="0"/>
+                                  </p:stCondLst>
+                                  <p:childTnLst>
+                                    <p:set>
+                                      <p:cBhvr>
+                                        <p:cTn id="9" dur="1" fill="hold">
+                                          <p:stCondLst>
+                                            <p:cond delay="0"/>
+                                          </p:stCondLst>
+                                        </p:cTn>
+                                        <p:tgtEl>
+                                          <p:spTgt spid="3">
+                                            <p:txEl>
+                                              <p:pRg st="0" end="0"/>
+                                            </p:txEl>
+                                          </p:spTgt>
+                                        </p:tgtEl>
+                                        <p:attrNameLst>
+                                          <p:attrName>style.visibility</p:attrName>
+                                        </p:attrNameLst>
+                                      </p:cBhvr>
+                                      <p:to>
+                                        <p:strVal val="visible"/>
+                                      </p:to>
+                                    </p:set>
+                                    <p:animEffect transition="in" filter="fade">
+                                      <p:cBhvr>
+                                        <p:cTn id="10" dur="500"/>
+                                        <p:tgtEl>
+                                          <p:spTgt spid="3">
+                                            <p:txEl>
+                                              <p:pRg st="0" end="0"/>
+                                            </p:txEl>
+                                          </p:spTgt>
+                                        </p:tgtEl>
+                                      </p:cBhvr>
+                                    </p:animEffect>
+                                  </p:childTnLst>
+                                </p:cTn>
+                              </p:par>
+                              <p:par>
+                                <p:cTn id="11" presetID="10" presetClass="entr" presetSubtype="0" fill="hold" grpId="0" nodeType="withEffect">
+                                  <p:stCondLst>
+                                    <p:cond delay="0"/>
+                                  </p:stCondLst>
+                                  <p:childTnLst>
+                                    <p:set>
+                                      <p:cBhvr>
+                                        <p:cTn id="12" dur="1" fill="hold">
+                                          <p:stCondLst>
+                                            <p:cond delay="0"/>
+                                          </p:stCondLst>
+                                        </p:cTn>
+                                        <p:tgtEl>
+                                          <p:spTgt spid="3">
+                                            <p:txEl>
+                                              <p:pRg st="1" end="1"/>
+                                            </p:txEl>
+                                          </p:spTgt>
+                                        </p:tgtEl>
+                                        <p:attrNameLst>
+                                          <p:attrName>style.visibility</p:attrName>
+                                        </p:attrNameLst>
+                                      </p:cBhvr>
+                                      <p:to>
+                                        <p:strVal val="visible"/>
+                                      </p:to>
+                                    </p:set>
+                                    <p:animEffect transition="in" filter="fade">
+                                      <p:cBhvr>
+                                        <p:cTn id="13" dur="500"/>
+                                        <p:tgtEl>
+                                          <p:spTgt spid="3">
+                                            <p:txEl>
+                                              <p:pRg st="1" end="1"/>
+                                            </p:txEl>
+                                          </p:spTgt>
+                                        </p:tgtEl>
+                                      </p:cBhvr>
+                                    </p:animEffect>
+                                  </p:childTnLst>
+                                </p:cTn>
+                              </p:par>
+                              <p:par>
+                                <p:cTn id="14" presetID="10" presetClass="entr" presetSubtype="0" fill="hold" grpId="0" nodeType="withEffect">
+                                  <p:stCondLst>
+                                    <p:cond delay="0"/>
+                                  </p:stCondLst>
+                                  <p:childTnLst>
+                                    <p:set>
+                                      <p:cBhvr>
+                                        <p:cTn id="15" dur="1" fill="hold">
+                                          <p:stCondLst>
+                                            <p:cond delay="0"/>
+                                          </p:stCondLst>
+                                        </p:cTn>
+                                        <p:tgtEl>
+                                          <p:spTgt spid="3">
+                                            <p:txEl>
+                                              <p:pRg st="2" end="2"/>
+                                            </p:txEl>
+                                          </p:spTgt>
+                                        </p:tgtEl>
+                                        <p:attrNameLst>
+                                          <p:attrName>style.visibility</p:attrName>
+                                        </p:attrNameLst>
+                                      </p:cBhvr>
+                                      <p:to>
+                                        <p:strVal val="visible"/>
+                                      </p:to>
+                                    </p:set>
+                                    <p:animEffect transition="in" filter="fade">
+                                      <p:cBhvr>
+                                        <p:cTn id="16" dur="500"/>
+                                        <p:tgtEl>
+                                          <p:spTgt spid="3">
+                                            <p:txEl>
+                                              <p:pRg st="2" end="2"/>
+                                            </p:txEl>
+                                          </p:spTgt>
+                                        </p:tgtEl>
+                                      </p:cBhvr>
+                                    </p:animEffect>
+                                  </p:childTnLst>
+                                </p:cTn>
+                              </p:par>
+                              <p:par>
+                                <p:cTn id="17" presetID="10" presetClass="entr" presetSubtype="0" fill="hold" grpId="0" nodeType="withEffect">
+                                  <p:stCondLst>
+                                    <p:cond delay="0"/>
+                                  </p:stCondLst>
+                                  <p:childTnLst>
+                                    <p:set>
+                                      <p:cBhvr>
+                                        <p:cTn id="18" dur="1" fill="hold">
+                                          <p:stCondLst>
+                                            <p:cond delay="0"/>
+                                          </p:stCondLst>
+                                        </p:cTn>
+                                        <p:tgtEl>
+                                          <p:spTgt spid="3">
+                                            <p:txEl>
+                                              <p:pRg st="3" end="3"/>
+                                            </p:txEl>
+                                          </p:spTgt>
+                                        </p:tgtEl>
+                                        <p:attrNameLst>
+                                          <p:attrName>style.visibility</p:attrName>
+                                        </p:attrNameLst>
+                                      </p:cBhvr>
+                                      <p:to>
+                                        <p:strVal val="visible"/>
+                                      </p:to>
+                                    </p:set>
+                                    <p:animEffect transition="in" filter="fade">
+                                      <p:cBhvr>
+                                        <p:cTn id="19" dur="500"/>
+                                        <p:tgtEl>
+                                          <p:spTgt spid="3">
+                                            <p:txEl>
+                                              <p:pRg st="3" end="3"/>
+                                            </p:txEl>
+                                          </p:spTgt>
+                                        </p:tgtEl>
+                                      </p:cBhvr>
+                                    </p:animEffect>
+                                  </p:childTnLst>
+                                </p:cTn>
+                              </p:par>
+                              <p:par>
+                                <p:cTn id="20" presetID="10" presetClass="entr" presetSubtype="0" fill="hold" grpId="0" nodeType="withEffect">
+                                  <p:stCondLst>
+                                    <p:cond delay="0"/>
+                                  </p:stCondLst>
+                                  <p:childTnLst>
+                                    <p:set>
+                                      <p:cBhvr>
+                                        <p:cTn id="21" dur="1" fill="hold">
+                                          <p:stCondLst>
+                                            <p:cond delay="0"/>
+                                          </p:stCondLst>
+                                        </p:cTn>
+                                        <p:tgtEl>
+                                          <p:spTgt spid="3">
+                                            <p:txEl>
+                                              <p:pRg st="4" end="4"/>
+                                            </p:txEl>
+                                          </p:spTgt>
+                                        </p:tgtEl>
+                                        <p:attrNameLst>
+                                          <p:attrName>style.visibility</p:attrName>
+                                        </p:attrNameLst>
+                                      </p:cBhvr>
+                                      <p:to>
+                                        <p:strVal val="visible"/>
+                                      </p:to>
+                                    </p:set>
+                                    <p:animEffect transition="in" filter="fade">
+                                      <p:cBhvr>
+                                        <p:cTn id="22" dur="500"/>
+                                        <p:tgtEl>
+                                          <p:spTgt spid="3">
+                                            <p:txEl>
+                                              <p:pRg st="4" end="4"/>
+                                            </p:txEl>
+                                          </p:spTgt>
+                                        </p:tgtEl>
+                                      </p:cBhvr>
+                                    </p:animEffect>
+                                  </p:childTnLst>
+                                </p:cTn>
+                              </p:par>
+                              <p:par>
+                                <p:cTn id="23" presetID="10" presetClass="entr" presetSubtype="0" fill="hold" grpId="0" nodeType="withEffect">
+                                  <p:stCondLst>
+                                    <p:cond delay="0"/>
+                                  </p:stCondLst>
+                                  <p:childTnLst>
+                                    <p:set>
+                                      <p:cBhvr>
+                                        <p:cTn id="24" dur="1" fill="hold">
+                                          <p:stCondLst>
+                                            <p:cond delay="0"/>
+                                          </p:stCondLst>
+                                        </p:cTn>
+                                        <p:tgtEl>
+                                          <p:spTgt spid="3">
+                                            <p:txEl>
+                                              <p:pRg st="5" end="5"/>
+                                            </p:txEl>
+                                          </p:spTgt>
+                                        </p:tgtEl>
+                                        <p:attrNameLst>
+                                          <p:attrName>style.visibility</p:attrName>
+                                        </p:attrNameLst>
+                                      </p:cBhvr>
+                                      <p:to>
+                                        <p:strVal val="visible"/>
+                                      </p:to>
+                                    </p:set>
+                                    <p:animEffect transition="in" filter="fade">
+                                      <p:cBhvr>
+                                        <p:cTn id="25" dur="500"/>
+                                        <p:tgtEl>
+                                          <p:spTgt spid="3">
+                                            <p:txEl>
+                                              <p:pRg st="5" end="5"/>
+                                            </p:txEl>
+                                          </p:spTgt>
+                                        </p:tgtEl>
+                                      </p:cBhvr>
+                                    </p:animEffect>
+                                  </p:childTnLst>
+                                </p:cTn>
+                              </p:par>
+                              <p:par>
+                                <p:cTn id="26" presetID="10" presetClass="entr" presetSubtype="0" fill="hold" grpId="0" nodeType="withEffect">
+                                  <p:stCondLst>
+                                    <p:cond delay="0"/>
+                                  </p:stCondLst>
+                                  <p:childTnLst>
+                                    <p:set>
+                                      <p:cBhvr>
+                                        <p:cTn id="27" dur="1" fill="hold">
+                                          <p:stCondLst>
+                                            <p:cond delay="0"/>
+                                          </p:stCondLst>
+                                        </p:cTn>
+                                        <p:tgtEl>
+                                          <p:spTgt spid="3">
+                                            <p:txEl>
+                                              <p:pRg st="6" end="6"/>
+                                            </p:txEl>
+                                          </p:spTgt>
+                                        </p:tgtEl>
+                                        <p:attrNameLst>
+                                          <p:attrName>style.visibility</p:attrName>
+                                        </p:attrNameLst>
+                                      </p:cBhvr>
+                                      <p:to>
+                                        <p:strVal val="visible"/>
+                                      </p:to>
+                                    </p:set>
+                                    <p:animEffect transition="in" filter="fade">
+                                      <p:cBhvr>
+                                        <p:cTn id="28" dur="500"/>
+                                        <p:tgtEl>
+                                          <p:spTgt spid="3">
+                                            <p:txEl>
+                                              <p:pRg st="6" end="6"/>
+                                            </p:txEl>
+                                          </p:spTgt>
+                                        </p:tgtEl>
+                                      </p:cBhvr>
+                                    </p:animEffect>
+                                  </p:childTnLst>
+                                </p:cTn>
+                              </p:par>
+                              <p:par>
+                                <p:cTn id="29" presetID="10" presetClass="entr" presetSubtype="0" fill="hold" grpId="0" nodeType="withEffect">
+                                  <p:stCondLst>
+                                    <p:cond delay="0"/>
+                                  </p:stCondLst>
+                                  <p:childTnLst>
+                                    <p:set>
+                                      <p:cBhvr>
+                                        <p:cTn id="30" dur="1" fill="hold">
+                                          <p:stCondLst>
+                                            <p:cond delay="0"/>
+                                          </p:stCondLst>
+                                        </p:cTn>
+                                        <p:tgtEl>
+                                          <p:spTgt spid="3">
+                                            <p:txEl>
+                                              <p:pRg st="7" end="7"/>
+                                            </p:txEl>
+                                          </p:spTgt>
+                                        </p:tgtEl>
+                                        <p:attrNameLst>
+                                          <p:attrName>style.visibility</p:attrName>
+                                        </p:attrNameLst>
+                                      </p:cBhvr>
+                                      <p:to>
+                                        <p:strVal val="visible"/>
+                                      </p:to>
+                                    </p:set>
+                                    <p:animEffect transition="in" filter="fade">
+                                      <p:cBhvr>
+                                        <p:cTn id="31" dur="500"/>
+                                        <p:tgtEl>
+                                          <p:spTgt spid="3">
+                                            <p:txEl>
+                                              <p:pRg st="7" end="7"/>
+                                            </p:txEl>
+                                          </p:spTgt>
+                                        </p:tgtEl>
+                                      </p:cBhvr>
+                                    </p:animEffect>
+                                  </p:childTnLst>
+                                </p:cTn>
+                              </p:par>
+                              <p:par>
+                                <p:cTn id="32" presetID="10" presetClass="entr" presetSubtype="0" fill="hold" grpId="0" nodeType="withEffect">
+                                  <p:stCondLst>
+                                    <p:cond delay="0"/>
+                                  </p:stCondLst>
+                                  <p:childTnLst>
+                                    <p:set>
+                                      <p:cBhvr>
+                                        <p:cTn id="33" dur="1" fill="hold">
+                                          <p:stCondLst>
+                                            <p:cond delay="0"/>
+                                          </p:stCondLst>
+                                        </p:cTn>
+                                        <p:tgtEl>
+                                          <p:spTgt spid="3">
+                                            <p:txEl>
+                                              <p:pRg st="8" end="8"/>
+                                            </p:txEl>
+                                          </p:spTgt>
+                                        </p:tgtEl>
+                                        <p:attrNameLst>
+                                          <p:attrName>style.visibility</p:attrName>
+                                        </p:attrNameLst>
+                                      </p:cBhvr>
+                                      <p:to>
+                                        <p:strVal val="visible"/>
+                                      </p:to>
+                                    </p:set>
+                                    <p:animEffect transition="in" filter="fade">
+                                      <p:cBhvr>
+                                        <p:cTn id="34" dur="500"/>
+                                        <p:tgtEl>
+                                          <p:spTgt spid="3">
+                                            <p:txEl>
+                                              <p:pRg st="8" end="8"/>
+                                            </p:txEl>
+                                          </p:spTgt>
+                                        </p:tgtEl>
+                                      </p:cBhvr>
+                                    </p:animEffect>
+                                  </p:childTnLst>
+                                </p:cTn>
+                              </p:par>
+                            </p:childTnLst>
+                          </p:cTn>
+                        </p:par>
+                      </p:childTnLst>
+                    </p:cTn>
+                  </p:par>
+                </p:childTnLst>
+              </p:cTn>
+              <p:prevCondLst>
+                <p:cond evt="onPrev" delay="0">
+                  <p:tgtEl>
+                    <p:sldTgt/>
+                  </p:tgtEl>
+                </p:cond>
+              </p:prevCondLst>
+              <p:nextCondLst>
+                <p:cond evt="onNext" delay="0">
+                  <p:tgtEl>
+                    <p:sldTgt/>
+                  </p:tgtEl>
+                </p:cond>
+              </p:nextCondLst>
+            </p:seq>
+          </p:childTnLst>
+        </p:cTn>
       </p:par>
     </p:tnLst>
+    <p:bldLst>
+      <p:bldP spid="2" grpId="0"/>
+      <p:bldP spid="3" grpId="0" build="p"/>
+    </p:bldLst>
   </p:timing>
 </p:sld>
 </file>
@@ -5966,6 +8043,18 @@
   <p:clrMapOvr>
     <a:masterClrMapping/>
   </p:clrMapOvr>
+  <mc:AlternateContent xmlns:mc="http://schemas.openxmlformats.org/markup-compatibility/2006">
+    <mc:Choice xmlns:p14="http://schemas.microsoft.com/office/powerpoint/2010/main" Requires="p14">
+      <p:transition spd="med" p14:dur="700">
+        <p:fade/>
+      </p:transition>
+    </mc:Choice>
+    <mc:Fallback>
+      <p:transition spd="med">
+        <p:fade/>
+      </p:transition>
+    </mc:Fallback>
+  </mc:AlternateContent>
   <p:timing>
     <p:tnLst>
       <p:par>
@@ -6010,7 +8099,7 @@
           <a:p>
             <a:r>
               <a:rPr lang="en-US" dirty="0" smtClean="0"/>
-              <a:t>Build or Buy?</a:t>
+              <a:t>Basic terminology</a:t>
             </a:r>
             <a:endParaRPr lang="en-US" dirty="0"/>
           </a:p>
@@ -6028,112 +8117,76 @@
         </p:nvSpPr>
         <p:spPr/>
         <p:txBody>
-          <a:bodyPr>
-            <a:normAutofit/>
-          </a:bodyPr>
+          <a:bodyPr/>
           <a:lstStyle/>
           <a:p>
             <a:r>
               <a:rPr lang="en-US" dirty="0" smtClean="0"/>
-              <a:t>If you buy</a:t>
+              <a:t>IDP</a:t>
             </a:r>
           </a:p>
           <a:p>
             <a:pPr lvl="1"/>
             <a:r>
               <a:rPr lang="en-US" dirty="0" smtClean="0"/>
-              <a:t>Who are the players</a:t>
-            </a:r>
-            <a:r>
-              <a:rPr lang="en-US" dirty="0" smtClean="0"/>
-              <a:t>?  [Ping, Net.IQ, Microsoft, </a:t>
-            </a:r>
-            <a:r>
-              <a:rPr lang="en-US" dirty="0" err="1" smtClean="0"/>
-              <a:t>Stormpath</a:t>
-            </a:r>
-            <a:r>
-              <a:rPr lang="en-US" dirty="0" smtClean="0"/>
-              <a:t>, and many more]]</a:t>
-            </a:r>
-            <a:endParaRPr lang="en-US" dirty="0" smtClean="0"/>
+              <a:t>Identity Provider</a:t>
+            </a:r>
           </a:p>
           <a:p>
             <a:pPr lvl="1"/>
             <a:r>
               <a:rPr lang="en-US" dirty="0" smtClean="0"/>
-              <a:t>What are their offerings</a:t>
-            </a:r>
-            <a:r>
-              <a:rPr lang="en-US" dirty="0" smtClean="0"/>
-              <a:t>? [Reverse Proxy, STS, IDP, ID Stores, Admin Tools, Monitoring, Reporting, etc.]</a:t>
-            </a:r>
-            <a:endParaRPr lang="en-US" dirty="0" smtClean="0"/>
+              <a:t>Stores information about the identity of a user</a:t>
+            </a:r>
           </a:p>
           <a:p>
             <a:pPr lvl="1"/>
             <a:r>
               <a:rPr lang="en-US" dirty="0" smtClean="0"/>
-              <a:t>How to select one? Cloud? On-</a:t>
-            </a:r>
-            <a:r>
-              <a:rPr lang="en-US" dirty="0" err="1" smtClean="0"/>
-              <a:t>Prem</a:t>
-            </a:r>
-            <a:r>
-              <a:rPr lang="en-US" dirty="0" smtClean="0"/>
-              <a:t>?</a:t>
+              <a:t>AD, LDAP, a Database</a:t>
+            </a:r>
+          </a:p>
+          <a:p>
+            <a:r>
+              <a:rPr lang="en-US" dirty="0" smtClean="0"/>
+              <a:t>STS</a:t>
             </a:r>
           </a:p>
           <a:p>
             <a:pPr lvl="1"/>
             <a:r>
               <a:rPr lang="en-US" dirty="0" smtClean="0"/>
-              <a:t>(… and many other questions)</a:t>
-            </a:r>
-          </a:p>
-          <a:p>
-            <a:r>
-              <a:rPr lang="en-US" dirty="0" smtClean="0"/>
-              <a:t>If you build</a:t>
+              <a:t>Secure Token Server</a:t>
             </a:r>
           </a:p>
           <a:p>
             <a:pPr lvl="1"/>
             <a:r>
               <a:rPr lang="en-US" dirty="0" smtClean="0"/>
-              <a:t>How to do it</a:t>
-            </a:r>
-          </a:p>
-          <a:p>
-            <a:pPr lvl="2"/>
-            <a:r>
-              <a:rPr lang="en-US" b="1" dirty="0" smtClean="0">
-                <a:solidFill>
-                  <a:srgbClr val="FF0000"/>
-                </a:solidFill>
-              </a:rPr>
-              <a:t>You don’t</a:t>
-            </a:r>
-            <a:r>
-              <a:rPr lang="en-US" dirty="0" smtClean="0"/>
-              <a:t>!</a:t>
-            </a:r>
-          </a:p>
-          <a:p>
-            <a:pPr lvl="2"/>
-            <a:r>
-              <a:rPr lang="en-US" dirty="0" smtClean="0"/>
-              <a:t>Only for Education or Intellectual </a:t>
-            </a:r>
-            <a:r>
-              <a:rPr lang="en-US" dirty="0" smtClean="0"/>
-              <a:t>curiosity</a:t>
-            </a:r>
-            <a:r>
-              <a:rPr lang="en-US" dirty="0" smtClean="0"/>
-              <a:t> </a:t>
-            </a:r>
+              <a:t>Has access to one or more IDPs</a:t>
+            </a:r>
+          </a:p>
+          <a:p>
+            <a:pPr lvl="1"/>
+            <a:r>
+              <a:rPr lang="en-US" dirty="0" smtClean="0"/>
+              <a:t>Emits security tokens (STS)</a:t>
+            </a:r>
+          </a:p>
+          <a:p>
+            <a:r>
+              <a:rPr lang="en-US" dirty="0" smtClean="0"/>
+              <a:t>RP or SP</a:t>
+            </a:r>
+          </a:p>
+          <a:p>
+            <a:pPr lvl="1"/>
+            <a:r>
+              <a:rPr lang="en-US" dirty="0" smtClean="0"/>
+              <a:t>Reliant Party or Service Provider</a:t>
+            </a:r>
+          </a:p>
+          <a:p>
             <a:endParaRPr lang="en-US" dirty="0"/>
           </a:p>
         </p:txBody>
@@ -6141,13 +8194,25 @@
     </p:spTree>
     <p:extLst>
       <p:ext uri="{BB962C8B-B14F-4D97-AF65-F5344CB8AC3E}">
-        <p14:creationId xmlns:p14="http://schemas.microsoft.com/office/powerpoint/2010/main" val="2812835478"/>
+        <p14:creationId xmlns:p14="http://schemas.microsoft.com/office/powerpoint/2010/main" val="3499378941"/>
       </p:ext>
     </p:extLst>
   </p:cSld>
   <p:clrMapOvr>
     <a:masterClrMapping/>
   </p:clrMapOvr>
+  <mc:AlternateContent xmlns:mc="http://schemas.openxmlformats.org/markup-compatibility/2006">
+    <mc:Choice xmlns:p14="http://schemas.microsoft.com/office/powerpoint/2010/main" Requires="p14">
+      <p:transition spd="med" p14:dur="700">
+        <p:fade/>
+      </p:transition>
+    </mc:Choice>
+    <mc:Fallback>
+      <p:transition spd="med">
+        <p:fade/>
+      </p:transition>
+    </mc:Fallback>
+  </mc:AlternateContent>
   <p:timing>
     <p:tnLst>
       <p:par>
@@ -6192,7 +8257,7 @@
           <a:p>
             <a:r>
               <a:rPr lang="en-US" dirty="0" smtClean="0"/>
-              <a:t>Build or buy?</a:t>
+              <a:t>Build or Buy?</a:t>
             </a:r>
             <a:endParaRPr lang="en-US" dirty="0"/>
           </a:p>
@@ -6210,65 +8275,94 @@
         </p:nvSpPr>
         <p:spPr/>
         <p:txBody>
-          <a:bodyPr/>
+          <a:bodyPr>
+            <a:normAutofit/>
+          </a:bodyPr>
           <a:lstStyle/>
           <a:p>
             <a:r>
-              <a:rPr lang="en-US" dirty="0"/>
-              <a:t>Other Issues</a:t>
+              <a:rPr lang="en-US" dirty="0" smtClean="0"/>
+              <a:t>If you buy</a:t>
             </a:r>
           </a:p>
           <a:p>
             <a:pPr lvl="1"/>
             <a:r>
-              <a:rPr lang="en-US" dirty="0"/>
-              <a:t>Single Log Out</a:t>
+              <a:rPr lang="en-US" dirty="0" smtClean="0"/>
+              <a:t>Who are the players?  [Ping, Net.IQ, Microsoft, </a:t>
+            </a:r>
+            <a:r>
+              <a:rPr lang="en-US" dirty="0" err="1" smtClean="0"/>
+              <a:t>Stormpath</a:t>
+            </a:r>
+            <a:r>
+              <a:rPr lang="en-US" dirty="0" smtClean="0"/>
+              <a:t>, and many more]]</a:t>
             </a:r>
           </a:p>
           <a:p>
             <a:pPr lvl="1"/>
             <a:r>
               <a:rPr lang="en-US" dirty="0" smtClean="0"/>
-              <a:t>Criticisms</a:t>
+              <a:t>What are their offerings? [Reverse Proxy, STS, IDP, ID Stores, Admin Tools, Monitoring, Reporting, etc.]</a:t>
+            </a:r>
+          </a:p>
+          <a:p>
+            <a:pPr lvl="1"/>
+            <a:r>
+              <a:rPr lang="en-US" dirty="0" smtClean="0"/>
+              <a:t>How to select one? Cloud? On-</a:t>
+            </a:r>
+            <a:r>
+              <a:rPr lang="en-US" dirty="0" err="1" smtClean="0"/>
+              <a:t>Prem</a:t>
+            </a:r>
+            <a:r>
+              <a:rPr lang="en-US" dirty="0" smtClean="0"/>
+              <a:t>?</a:t>
+            </a:r>
+          </a:p>
+          <a:p>
+            <a:pPr lvl="1"/>
+            <a:r>
+              <a:rPr lang="en-US" dirty="0" smtClean="0"/>
+              <a:t>(… and many other questions)</a:t>
+            </a:r>
+          </a:p>
+          <a:p>
+            <a:r>
+              <a:rPr lang="en-US" dirty="0" smtClean="0"/>
+              <a:t>If you build</a:t>
+            </a:r>
+          </a:p>
+          <a:p>
+            <a:pPr lvl="1"/>
+            <a:r>
+              <a:rPr lang="en-US" dirty="0" smtClean="0"/>
+              <a:t>How to do it</a:t>
             </a:r>
           </a:p>
           <a:p>
             <a:pPr lvl="2"/>
             <a:r>
-              <a:rPr lang="en-US" dirty="0" smtClean="0"/>
-              <a:t>Reduced Sign-On</a:t>
+              <a:rPr lang="en-US" b="1" dirty="0" smtClean="0">
+                <a:solidFill>
+                  <a:srgbClr val="FF0000"/>
+                </a:solidFill>
+              </a:rPr>
+              <a:t>You don’t</a:t>
+            </a:r>
+            <a:r>
+              <a:rPr lang="en-US" dirty="0" smtClean="0"/>
+              <a:t>!</a:t>
             </a:r>
           </a:p>
           <a:p>
             <a:pPr lvl="2"/>
             <a:r>
               <a:rPr lang="en-US" dirty="0" smtClean="0"/>
-              <a:t>Larger negative impact when credentials are compromised</a:t>
-            </a:r>
-          </a:p>
-          <a:p>
-            <a:pPr lvl="2"/>
-            <a:r>
-              <a:rPr lang="en-US" dirty="0" smtClean="0"/>
-              <a:t>Authentication service becomes a highly-critical service</a:t>
-            </a:r>
-          </a:p>
-          <a:p>
-            <a:pPr lvl="2"/>
-            <a:r>
-              <a:rPr lang="en-US" dirty="0" smtClean="0"/>
-              <a:t>Settings for SSO Tokens [Sliding Windows, Access Tokens]</a:t>
-            </a:r>
-          </a:p>
-          <a:p>
-            <a:pPr lvl="2"/>
-            <a:r>
-              <a:rPr lang="en-US" dirty="0" smtClean="0"/>
-              <a:t>And others…</a:t>
-            </a:r>
-          </a:p>
-          <a:p>
-            <a:pPr lvl="2"/>
+              <a:t>Only for Education or Intellectual curiosity </a:t>
+            </a:r>
             <a:endParaRPr lang="en-US" dirty="0"/>
           </a:p>
         </p:txBody>
@@ -6276,13 +8370,25 @@
     </p:spTree>
     <p:extLst>
       <p:ext uri="{BB962C8B-B14F-4D97-AF65-F5344CB8AC3E}">
-        <p14:creationId xmlns:p14="http://schemas.microsoft.com/office/powerpoint/2010/main" val="3586225803"/>
+        <p14:creationId xmlns:p14="http://schemas.microsoft.com/office/powerpoint/2010/main" val="2812835478"/>
       </p:ext>
     </p:extLst>
   </p:cSld>
   <p:clrMapOvr>
     <a:masterClrMapping/>
   </p:clrMapOvr>
+  <mc:AlternateContent xmlns:mc="http://schemas.openxmlformats.org/markup-compatibility/2006">
+    <mc:Choice xmlns:p14="http://schemas.microsoft.com/office/powerpoint/2010/main" Requires="p14">
+      <p:transition spd="med" p14:dur="700">
+        <p:fade/>
+      </p:transition>
+    </mc:Choice>
+    <mc:Fallback>
+      <p:transition spd="med">
+        <p:fade/>
+      </p:transition>
+    </mc:Fallback>
+  </mc:AlternateContent>
   <p:timing>
     <p:tnLst>
       <p:par>
@@ -6294,6 +8400,153 @@
 </file>
 
 <file path=ppt/slides/slide8.xml><?xml version="1.0" encoding="utf-8"?>
+<p:sld xmlns:a="http://schemas.openxmlformats.org/drawingml/2006/main" xmlns:r="http://schemas.openxmlformats.org/officeDocument/2006/relationships" xmlns:p="http://schemas.openxmlformats.org/presentationml/2006/main">
+  <p:cSld>
+    <p:spTree>
+      <p:nvGrpSpPr>
+        <p:cNvPr id="1" name=""/>
+        <p:cNvGrpSpPr/>
+        <p:nvPr/>
+      </p:nvGrpSpPr>
+      <p:grpSpPr>
+        <a:xfrm>
+          <a:off x="0" y="0"/>
+          <a:ext cx="0" cy="0"/>
+          <a:chOff x="0" y="0"/>
+          <a:chExt cx="0" cy="0"/>
+        </a:xfrm>
+      </p:grpSpPr>
+      <p:sp>
+        <p:nvSpPr>
+          <p:cNvPr id="2" name="Title 1"/>
+          <p:cNvSpPr>
+            <a:spLocks noGrp="1"/>
+          </p:cNvSpPr>
+          <p:nvPr>
+            <p:ph type="title"/>
+          </p:nvPr>
+        </p:nvSpPr>
+        <p:spPr/>
+        <p:txBody>
+          <a:bodyPr/>
+          <a:lstStyle/>
+          <a:p>
+            <a:r>
+              <a:rPr lang="en-US" dirty="0" smtClean="0"/>
+              <a:t>Build or buy?</a:t>
+            </a:r>
+            <a:endParaRPr lang="en-US" dirty="0"/>
+          </a:p>
+        </p:txBody>
+      </p:sp>
+      <p:sp>
+        <p:nvSpPr>
+          <p:cNvPr id="3" name="Content Placeholder 2"/>
+          <p:cNvSpPr>
+            <a:spLocks noGrp="1"/>
+          </p:cNvSpPr>
+          <p:nvPr>
+            <p:ph sz="quarter" idx="13"/>
+          </p:nvPr>
+        </p:nvSpPr>
+        <p:spPr/>
+        <p:txBody>
+          <a:bodyPr/>
+          <a:lstStyle/>
+          <a:p>
+            <a:r>
+              <a:rPr lang="en-US" dirty="0"/>
+              <a:t>Other Issues</a:t>
+            </a:r>
+          </a:p>
+          <a:p>
+            <a:pPr lvl="1"/>
+            <a:r>
+              <a:rPr lang="en-US" dirty="0"/>
+              <a:t>Single Log Out</a:t>
+            </a:r>
+          </a:p>
+          <a:p>
+            <a:pPr lvl="1"/>
+            <a:r>
+              <a:rPr lang="en-US" dirty="0" smtClean="0"/>
+              <a:t>Criticisms</a:t>
+            </a:r>
+          </a:p>
+          <a:p>
+            <a:pPr lvl="2"/>
+            <a:r>
+              <a:rPr lang="en-US" dirty="0" smtClean="0"/>
+              <a:t>Reduced Sign-On</a:t>
+            </a:r>
+          </a:p>
+          <a:p>
+            <a:pPr lvl="2"/>
+            <a:r>
+              <a:rPr lang="en-US" dirty="0" smtClean="0"/>
+              <a:t>Larger negative impact when credentials are compromised</a:t>
+            </a:r>
+          </a:p>
+          <a:p>
+            <a:pPr lvl="2"/>
+            <a:r>
+              <a:rPr lang="en-US" dirty="0" smtClean="0"/>
+              <a:t>Authentication service becomes a highly-critical service</a:t>
+            </a:r>
+          </a:p>
+          <a:p>
+            <a:pPr lvl="2"/>
+            <a:r>
+              <a:rPr lang="en-US" dirty="0" smtClean="0"/>
+              <a:t>Settings for SSO Tokens [Sliding Windows, Access Tokens]</a:t>
+            </a:r>
+          </a:p>
+          <a:p>
+            <a:pPr lvl="2"/>
+            <a:r>
+              <a:rPr lang="en-US" dirty="0" smtClean="0"/>
+              <a:t>And others…</a:t>
+            </a:r>
+          </a:p>
+          <a:p>
+            <a:pPr lvl="2"/>
+            <a:endParaRPr lang="en-US" dirty="0"/>
+          </a:p>
+        </p:txBody>
+      </p:sp>
+    </p:spTree>
+    <p:extLst>
+      <p:ext uri="{BB962C8B-B14F-4D97-AF65-F5344CB8AC3E}">
+        <p14:creationId xmlns:p14="http://schemas.microsoft.com/office/powerpoint/2010/main" val="3586225803"/>
+      </p:ext>
+    </p:extLst>
+  </p:cSld>
+  <p:clrMapOvr>
+    <a:masterClrMapping/>
+  </p:clrMapOvr>
+  <mc:AlternateContent xmlns:mc="http://schemas.openxmlformats.org/markup-compatibility/2006">
+    <mc:Choice xmlns:p14="http://schemas.microsoft.com/office/powerpoint/2010/main" Requires="p14">
+      <p:transition spd="med" p14:dur="700">
+        <p:fade/>
+      </p:transition>
+    </mc:Choice>
+    <mc:Fallback>
+      <p:transition spd="med">
+        <p:fade/>
+      </p:transition>
+    </mc:Fallback>
+  </mc:AlternateContent>
+  <p:timing>
+    <p:tnLst>
+      <p:par>
+        <p:cTn id="1" dur="indefinite" restart="never" nodeType="tmRoot"/>
+      </p:par>
+    </p:tnLst>
+  </p:timing>
+</p:sld>
+</file>
+
+<file path=ppt/slides/slide9.xml><?xml version="1.0" encoding="utf-8"?>
 <p:sld xmlns:a="http://schemas.openxmlformats.org/drawingml/2006/main" xmlns:r="http://schemas.openxmlformats.org/officeDocument/2006/relationships" xmlns:p="http://schemas.openxmlformats.org/presentationml/2006/main">
   <p:cSld>
     <p:spTree>
@@ -6399,135 +8652,18 @@
   <p:clrMapOvr>
     <a:masterClrMapping/>
   </p:clrMapOvr>
-  <p:timing>
-    <p:tnLst>
-      <p:par>
-        <p:cTn id="1" dur="indefinite" restart="never" nodeType="tmRoot"/>
-      </p:par>
-    </p:tnLst>
-  </p:timing>
-</p:sld>
-</file>
-
-<file path=ppt/slides/slide9.xml><?xml version="1.0" encoding="utf-8"?>
-<p:sld xmlns:a="http://schemas.openxmlformats.org/drawingml/2006/main" xmlns:r="http://schemas.openxmlformats.org/officeDocument/2006/relationships" xmlns:p="http://schemas.openxmlformats.org/presentationml/2006/main">
-  <p:cSld>
-    <p:spTree>
-      <p:nvGrpSpPr>
-        <p:cNvPr id="1" name=""/>
-        <p:cNvGrpSpPr/>
-        <p:nvPr/>
-      </p:nvGrpSpPr>
-      <p:grpSpPr>
-        <a:xfrm>
-          <a:off x="0" y="0"/>
-          <a:ext cx="0" cy="0"/>
-          <a:chOff x="0" y="0"/>
-          <a:chExt cx="0" cy="0"/>
-        </a:xfrm>
-      </p:grpSpPr>
-      <p:sp>
-        <p:nvSpPr>
-          <p:cNvPr id="2" name="Title 1"/>
-          <p:cNvSpPr>
-            <a:spLocks noGrp="1"/>
-          </p:cNvSpPr>
-          <p:nvPr>
-            <p:ph type="title"/>
-          </p:nvPr>
-        </p:nvSpPr>
-        <p:spPr/>
-        <p:txBody>
-          <a:bodyPr/>
-          <a:lstStyle/>
-          <a:p>
-            <a:r>
-              <a:rPr lang="en-US" dirty="0" smtClean="0"/>
-              <a:t>Our constraints</a:t>
-            </a:r>
-            <a:endParaRPr lang="en-US" dirty="0"/>
-          </a:p>
-        </p:txBody>
-      </p:sp>
-      <p:sp>
-        <p:nvSpPr>
-          <p:cNvPr id="3" name="Content Placeholder 2"/>
-          <p:cNvSpPr>
-            <a:spLocks noGrp="1"/>
-          </p:cNvSpPr>
-          <p:nvPr>
-            <p:ph sz="quarter" idx="13"/>
-          </p:nvPr>
-        </p:nvSpPr>
-        <p:spPr/>
-        <p:txBody>
-          <a:bodyPr/>
-          <a:lstStyle/>
-          <a:p>
-            <a:r>
-              <a:rPr lang="en-US" dirty="0" smtClean="0"/>
-              <a:t>Microsoft Shop</a:t>
-            </a:r>
-          </a:p>
-          <a:p>
-            <a:pPr lvl="1"/>
-            <a:r>
-              <a:rPr lang="en-US" dirty="0" smtClean="0"/>
-              <a:t>Active Directory</a:t>
-            </a:r>
-          </a:p>
-          <a:p>
-            <a:pPr lvl="1"/>
-            <a:r>
-              <a:rPr lang="en-US" dirty="0" smtClean="0"/>
-              <a:t>Access to new servers (Windows 2012 R2)</a:t>
-            </a:r>
-          </a:p>
-          <a:p>
-            <a:pPr lvl="1"/>
-            <a:r>
-              <a:rPr lang="en-US" dirty="0" smtClean="0"/>
-              <a:t>Microsoft-oriented Datacenter Environment</a:t>
-            </a:r>
-          </a:p>
-          <a:p>
-            <a:r>
-              <a:rPr lang="en-US" dirty="0" smtClean="0"/>
-              <a:t>Budget ($45K)</a:t>
-            </a:r>
-          </a:p>
-          <a:p>
-            <a:pPr lvl="1"/>
-            <a:r>
-              <a:rPr lang="en-US" dirty="0" smtClean="0"/>
-              <a:t>Kind of low for an IAM/SSO solution</a:t>
-            </a:r>
-          </a:p>
-          <a:p>
-            <a:r>
-              <a:rPr lang="en-US" dirty="0" smtClean="0"/>
-              <a:t>Analysis Paralysis</a:t>
-            </a:r>
-          </a:p>
-          <a:p>
-            <a:r>
-              <a:rPr lang="en-US" dirty="0" smtClean="0"/>
-              <a:t>Very new domain for us</a:t>
-            </a:r>
-            <a:endParaRPr lang="en-US" dirty="0"/>
-          </a:p>
-        </p:txBody>
-      </p:sp>
-    </p:spTree>
-    <p:extLst>
-      <p:ext uri="{BB962C8B-B14F-4D97-AF65-F5344CB8AC3E}">
-        <p14:creationId xmlns:p14="http://schemas.microsoft.com/office/powerpoint/2010/main" val="2351143878"/>
-      </p:ext>
-    </p:extLst>
-  </p:cSld>
-  <p:clrMapOvr>
-    <a:masterClrMapping/>
-  </p:clrMapOvr>
+  <mc:AlternateContent xmlns:mc="http://schemas.openxmlformats.org/markup-compatibility/2006">
+    <mc:Choice xmlns:p14="http://schemas.microsoft.com/office/powerpoint/2010/main" Requires="p14">
+      <p:transition spd="med" p14:dur="700">
+        <p:fade/>
+      </p:transition>
+    </mc:Choice>
+    <mc:Fallback>
+      <p:transition spd="med">
+        <p:fade/>
+      </p:transition>
+    </mc:Fallback>
+  </mc:AlternateContent>
   <p:timing>
     <p:tnLst>
       <p:par>
